--- a/project image.pptx
+++ b/project image.pptx
@@ -5,16 +5,18 @@
     <p:sldMasterId id="2147483660" r:id="rId1"/>
   </p:sldMasterIdLst>
   <p:notesMasterIdLst>
-    <p:notesMasterId r:id="rId9"/>
+    <p:notesMasterId r:id="rId11"/>
   </p:notesMasterIdLst>
   <p:sldIdLst>
-    <p:sldId id="256" r:id="rId2"/>
+    <p:sldId id="263" r:id="rId2"/>
     <p:sldId id="257" r:id="rId3"/>
     <p:sldId id="258" r:id="rId4"/>
     <p:sldId id="259" r:id="rId5"/>
     <p:sldId id="260" r:id="rId6"/>
     <p:sldId id="261" r:id="rId7"/>
     <p:sldId id="262" r:id="rId8"/>
+    <p:sldId id="266" r:id="rId9"/>
+    <p:sldId id="267" r:id="rId10"/>
   </p:sldIdLst>
   <p:sldSz cx="9144000" cy="6858000" type="screen4x3"/>
   <p:notesSz cx="6858000" cy="9144000"/>
@@ -545,7 +547,7 @@
     </p:spTree>
     <p:extLst>
       <p:ext uri="{BB962C8B-B14F-4D97-AF65-F5344CB8AC3E}">
-        <p14:creationId xmlns:p14="http://schemas.microsoft.com/office/powerpoint/2010/main" val="3755024514"/>
+        <p14:creationId xmlns:p14="http://schemas.microsoft.com/office/powerpoint/2010/main" val="2730034074"/>
       </p:ext>
     </p:extLst>
   </p:cSld>
@@ -1080,6 +1082,184 @@
     <p:extLst>
       <p:ext uri="{BB962C8B-B14F-4D97-AF65-F5344CB8AC3E}">
         <p14:creationId xmlns:p14="http://schemas.microsoft.com/office/powerpoint/2010/main" val="3442630740"/>
+      </p:ext>
+    </p:extLst>
+  </p:cSld>
+  <p:clrMapOvr>
+    <a:masterClrMapping/>
+  </p:clrMapOvr>
+</p:notes>
+</file>
+
+<file path=ppt/notesSlides/notesSlide8.xml><?xml version="1.0" encoding="utf-8"?>
+<p:notes xmlns:a="http://schemas.openxmlformats.org/drawingml/2006/main" xmlns:r="http://schemas.openxmlformats.org/officeDocument/2006/relationships" xmlns:p="http://schemas.openxmlformats.org/presentationml/2006/main">
+  <p:cSld>
+    <p:spTree>
+      <p:nvGrpSpPr>
+        <p:cNvPr id="1" name=""/>
+        <p:cNvGrpSpPr/>
+        <p:nvPr/>
+      </p:nvGrpSpPr>
+      <p:grpSpPr>
+        <a:xfrm>
+          <a:off x="0" y="0"/>
+          <a:ext cx="0" cy="0"/>
+          <a:chOff x="0" y="0"/>
+          <a:chExt cx="0" cy="0"/>
+        </a:xfrm>
+      </p:grpSpPr>
+      <p:sp>
+        <p:nvSpPr>
+          <p:cNvPr id="2" name="Slide Image Placeholder 1"/>
+          <p:cNvSpPr>
+            <a:spLocks noGrp="1" noRot="1" noChangeAspect="1"/>
+          </p:cNvSpPr>
+          <p:nvPr>
+            <p:ph type="sldImg"/>
+          </p:nvPr>
+        </p:nvSpPr>
+        <p:spPr>
+          <a:xfrm>
+            <a:off x="1371600" y="1143000"/>
+            <a:ext cx="4114800" cy="3086100"/>
+          </a:xfrm>
+        </p:spPr>
+      </p:sp>
+      <p:sp>
+        <p:nvSpPr>
+          <p:cNvPr id="3" name="Notes Placeholder 2"/>
+          <p:cNvSpPr>
+            <a:spLocks noGrp="1"/>
+          </p:cNvSpPr>
+          <p:nvPr>
+            <p:ph type="body" idx="1"/>
+          </p:nvPr>
+        </p:nvSpPr>
+        <p:spPr/>
+        <p:txBody>
+          <a:bodyPr/>
+          <a:lstStyle/>
+          <a:p>
+            <a:endParaRPr lang="en-TW" dirty="0"/>
+          </a:p>
+        </p:txBody>
+      </p:sp>
+      <p:sp>
+        <p:nvSpPr>
+          <p:cNvPr id="4" name="Slide Number Placeholder 3"/>
+          <p:cNvSpPr>
+            <a:spLocks noGrp="1"/>
+          </p:cNvSpPr>
+          <p:nvPr>
+            <p:ph type="sldNum" sz="quarter" idx="5"/>
+          </p:nvPr>
+        </p:nvSpPr>
+        <p:spPr/>
+        <p:txBody>
+          <a:bodyPr/>
+          <a:lstStyle/>
+          <a:p>
+            <a:fld id="{BE4677E2-809D-D444-8BE4-D4BE08F1B023}" type="slidenum">
+              <a:rPr lang="en-TW" smtClean="0"/>
+              <a:t>8</a:t>
+            </a:fld>
+            <a:endParaRPr lang="en-TW"/>
+          </a:p>
+        </p:txBody>
+      </p:sp>
+    </p:spTree>
+    <p:extLst>
+      <p:ext uri="{BB962C8B-B14F-4D97-AF65-F5344CB8AC3E}">
+        <p14:creationId xmlns:p14="http://schemas.microsoft.com/office/powerpoint/2010/main" val="3819695853"/>
+      </p:ext>
+    </p:extLst>
+  </p:cSld>
+  <p:clrMapOvr>
+    <a:masterClrMapping/>
+  </p:clrMapOvr>
+</p:notes>
+</file>
+
+<file path=ppt/notesSlides/notesSlide9.xml><?xml version="1.0" encoding="utf-8"?>
+<p:notes xmlns:a="http://schemas.openxmlformats.org/drawingml/2006/main" xmlns:r="http://schemas.openxmlformats.org/officeDocument/2006/relationships" xmlns:p="http://schemas.openxmlformats.org/presentationml/2006/main">
+  <p:cSld>
+    <p:spTree>
+      <p:nvGrpSpPr>
+        <p:cNvPr id="1" name=""/>
+        <p:cNvGrpSpPr/>
+        <p:nvPr/>
+      </p:nvGrpSpPr>
+      <p:grpSpPr>
+        <a:xfrm>
+          <a:off x="0" y="0"/>
+          <a:ext cx="0" cy="0"/>
+          <a:chOff x="0" y="0"/>
+          <a:chExt cx="0" cy="0"/>
+        </a:xfrm>
+      </p:grpSpPr>
+      <p:sp>
+        <p:nvSpPr>
+          <p:cNvPr id="2" name="Slide Image Placeholder 1"/>
+          <p:cNvSpPr>
+            <a:spLocks noGrp="1" noRot="1" noChangeAspect="1"/>
+          </p:cNvSpPr>
+          <p:nvPr>
+            <p:ph type="sldImg"/>
+          </p:nvPr>
+        </p:nvSpPr>
+        <p:spPr>
+          <a:xfrm>
+            <a:off x="1371600" y="1143000"/>
+            <a:ext cx="4114800" cy="3086100"/>
+          </a:xfrm>
+        </p:spPr>
+      </p:sp>
+      <p:sp>
+        <p:nvSpPr>
+          <p:cNvPr id="3" name="Notes Placeholder 2"/>
+          <p:cNvSpPr>
+            <a:spLocks noGrp="1"/>
+          </p:cNvSpPr>
+          <p:nvPr>
+            <p:ph type="body" idx="1"/>
+          </p:nvPr>
+        </p:nvSpPr>
+        <p:spPr/>
+        <p:txBody>
+          <a:bodyPr/>
+          <a:lstStyle/>
+          <a:p>
+            <a:endParaRPr lang="en-TW" dirty="0"/>
+          </a:p>
+        </p:txBody>
+      </p:sp>
+      <p:sp>
+        <p:nvSpPr>
+          <p:cNvPr id="4" name="Slide Number Placeholder 3"/>
+          <p:cNvSpPr>
+            <a:spLocks noGrp="1"/>
+          </p:cNvSpPr>
+          <p:nvPr>
+            <p:ph type="sldNum" sz="quarter" idx="5"/>
+          </p:nvPr>
+        </p:nvSpPr>
+        <p:spPr/>
+        <p:txBody>
+          <a:bodyPr/>
+          <a:lstStyle/>
+          <a:p>
+            <a:fld id="{BE4677E2-809D-D444-8BE4-D4BE08F1B023}" type="slidenum">
+              <a:rPr lang="en-TW" smtClean="0"/>
+              <a:t>9</a:t>
+            </a:fld>
+            <a:endParaRPr lang="en-TW"/>
+          </a:p>
+        </p:txBody>
+      </p:sp>
+    </p:spTree>
+    <p:extLst>
+      <p:ext uri="{BB962C8B-B14F-4D97-AF65-F5344CB8AC3E}">
+        <p14:creationId xmlns:p14="http://schemas.microsoft.com/office/powerpoint/2010/main" val="4104857933"/>
       </p:ext>
     </p:extLst>
   </p:cSld>
@@ -3949,10 +4129,10 @@
       </p:grpSpPr>
       <p:grpSp>
         <p:nvGrpSpPr>
-          <p:cNvPr id="45" name="Group 44">
+          <p:cNvPr id="2" name="Group 1">
             <a:extLst>
               <a:ext uri="{FF2B5EF4-FFF2-40B4-BE49-F238E27FC236}">
-                <a16:creationId xmlns:a16="http://schemas.microsoft.com/office/drawing/2014/main" id="{6850542D-4877-9BA1-8556-26DFF924516B}"/>
+                <a16:creationId xmlns:a16="http://schemas.microsoft.com/office/drawing/2014/main" id="{8F5700B2-14F7-4BB2-CDDE-CD81A8FA44E9}"/>
               </a:ext>
             </a:extLst>
           </p:cNvPr>
@@ -3961,48 +4141,18 @@
         </p:nvGrpSpPr>
         <p:grpSpPr>
           <a:xfrm>
-            <a:off x="0" y="-5766"/>
-            <a:ext cx="9144000" cy="6863766"/>
-            <a:chOff x="0" y="-5766"/>
-            <a:chExt cx="9144000" cy="6863766"/>
+            <a:off x="-1" y="-273209"/>
+            <a:ext cx="9141101" cy="7131209"/>
+            <a:chOff x="-1" y="-273209"/>
+            <a:chExt cx="9141101" cy="7131209"/>
           </a:xfrm>
         </p:grpSpPr>
         <p:pic>
           <p:nvPicPr>
-            <p:cNvPr id="4" name="Picture 3">
+            <p:cNvPr id="3" name="Picture 2">
               <a:extLst>
                 <a:ext uri="{FF2B5EF4-FFF2-40B4-BE49-F238E27FC236}">
-                  <a16:creationId xmlns:a16="http://schemas.microsoft.com/office/drawing/2014/main" id="{617996B7-90C5-BBCA-EC71-F8CDCB05A259}"/>
-                </a:ext>
-              </a:extLst>
-            </p:cNvPr>
-            <p:cNvPicPr>
-              <a:picLocks noChangeAspect="1"/>
-            </p:cNvPicPr>
-            <p:nvPr/>
-          </p:nvPicPr>
-          <p:blipFill>
-            <a:blip r:embed="rId3"/>
-            <a:stretch>
-              <a:fillRect/>
-            </a:stretch>
-          </p:blipFill>
-          <p:spPr>
-            <a:xfrm>
-              <a:off x="0" y="-5766"/>
-              <a:ext cx="9144000" cy="5143501"/>
-            </a:xfrm>
-            <a:prstGeom prst="rect">
-              <a:avLst/>
-            </a:prstGeom>
-          </p:spPr>
-        </p:pic>
-        <p:pic>
-          <p:nvPicPr>
-            <p:cNvPr id="44" name="Picture 43">
-              <a:extLst>
-                <a:ext uri="{FF2B5EF4-FFF2-40B4-BE49-F238E27FC236}">
-                  <a16:creationId xmlns:a16="http://schemas.microsoft.com/office/drawing/2014/main" id="{2924ACC8-D04C-D4DE-DA9C-A2F2B02E5E77}"/>
+                  <a16:creationId xmlns:a16="http://schemas.microsoft.com/office/drawing/2014/main" id="{6D502CDA-D96E-1B5C-BFB1-6A8D25C2EF01}"/>
                 </a:ext>
               </a:extLst>
             </p:cNvPr>
@@ -4013,19 +4163,196 @@
           </p:nvPicPr>
           <p:blipFill rotWithShape="1">
             <a:blip r:embed="rId3"/>
-            <a:srcRect t="28009"/>
+            <a:srcRect l="35534"/>
             <a:stretch/>
           </p:blipFill>
           <p:spPr>
             <a:xfrm>
-              <a:off x="0" y="3155147"/>
-              <a:ext cx="9144000" cy="3702853"/>
+              <a:off x="-1" y="-273209"/>
+              <a:ext cx="9141101" cy="7131209"/>
             </a:xfrm>
             <a:prstGeom prst="rect">
               <a:avLst/>
             </a:prstGeom>
           </p:spPr>
         </p:pic>
+        <p:grpSp>
+          <p:nvGrpSpPr>
+            <p:cNvPr id="5" name="Group 4">
+              <a:extLst>
+                <a:ext uri="{FF2B5EF4-FFF2-40B4-BE49-F238E27FC236}">
+                  <a16:creationId xmlns:a16="http://schemas.microsoft.com/office/drawing/2014/main" id="{5DD0BBFF-4882-75B6-CBC0-FCEAEBC383F7}"/>
+                </a:ext>
+              </a:extLst>
+            </p:cNvPr>
+            <p:cNvGrpSpPr/>
+            <p:nvPr/>
+          </p:nvGrpSpPr>
+          <p:grpSpPr>
+            <a:xfrm>
+              <a:off x="379419" y="80682"/>
+              <a:ext cx="1336505" cy="362347"/>
+              <a:chOff x="443753" y="181173"/>
+              <a:chExt cx="1336505" cy="362347"/>
+            </a:xfrm>
+          </p:grpSpPr>
+          <p:sp>
+            <p:nvSpPr>
+              <p:cNvPr id="6" name="Oval 5">
+                <a:extLst>
+                  <a:ext uri="{FF2B5EF4-FFF2-40B4-BE49-F238E27FC236}">
+                    <a16:creationId xmlns:a16="http://schemas.microsoft.com/office/drawing/2014/main" id="{292FBB89-232E-6A5A-6564-A1935BC4688B}"/>
+                  </a:ext>
+                </a:extLst>
+              </p:cNvPr>
+              <p:cNvSpPr/>
+              <p:nvPr/>
+            </p:nvSpPr>
+            <p:spPr>
+              <a:xfrm>
+                <a:off x="443753" y="181173"/>
+                <a:ext cx="362347" cy="362347"/>
+              </a:xfrm>
+              <a:prstGeom prst="ellipse">
+                <a:avLst/>
+              </a:prstGeom>
+              <a:solidFill>
+                <a:srgbClr val="FF5F57"/>
+              </a:solidFill>
+              <a:ln>
+                <a:noFill/>
+              </a:ln>
+            </p:spPr>
+            <p:style>
+              <a:lnRef idx="2">
+                <a:schemeClr val="accent1">
+                  <a:shade val="15000"/>
+                </a:schemeClr>
+              </a:lnRef>
+              <a:fillRef idx="1">
+                <a:schemeClr val="accent1"/>
+              </a:fillRef>
+              <a:effectRef idx="0">
+                <a:schemeClr val="accent1"/>
+              </a:effectRef>
+              <a:fontRef idx="minor">
+                <a:schemeClr val="lt1"/>
+              </a:fontRef>
+            </p:style>
+            <p:txBody>
+              <a:bodyPr rtlCol="0" anchor="ctr"/>
+              <a:lstStyle/>
+              <a:p>
+                <a:pPr algn="ctr"/>
+                <a:endParaRPr lang="en-TW"/>
+              </a:p>
+            </p:txBody>
+          </p:sp>
+          <p:sp>
+            <p:nvSpPr>
+              <p:cNvPr id="7" name="Oval 6">
+                <a:extLst>
+                  <a:ext uri="{FF2B5EF4-FFF2-40B4-BE49-F238E27FC236}">
+                    <a16:creationId xmlns:a16="http://schemas.microsoft.com/office/drawing/2014/main" id="{110DF7DB-567E-F94B-1892-8384A30B419D}"/>
+                  </a:ext>
+                </a:extLst>
+              </p:cNvPr>
+              <p:cNvSpPr/>
+              <p:nvPr/>
+            </p:nvSpPr>
+            <p:spPr>
+              <a:xfrm>
+                <a:off x="930832" y="181173"/>
+                <a:ext cx="362347" cy="362347"/>
+              </a:xfrm>
+              <a:prstGeom prst="ellipse">
+                <a:avLst/>
+              </a:prstGeom>
+              <a:solidFill>
+                <a:srgbClr val="FEBD2E"/>
+              </a:solidFill>
+              <a:ln>
+                <a:noFill/>
+              </a:ln>
+            </p:spPr>
+            <p:style>
+              <a:lnRef idx="2">
+                <a:schemeClr val="accent1">
+                  <a:shade val="15000"/>
+                </a:schemeClr>
+              </a:lnRef>
+              <a:fillRef idx="1">
+                <a:schemeClr val="accent1"/>
+              </a:fillRef>
+              <a:effectRef idx="0">
+                <a:schemeClr val="accent1"/>
+              </a:effectRef>
+              <a:fontRef idx="minor">
+                <a:schemeClr val="lt1"/>
+              </a:fontRef>
+            </p:style>
+            <p:txBody>
+              <a:bodyPr rtlCol="0" anchor="ctr"/>
+              <a:lstStyle/>
+              <a:p>
+                <a:pPr algn="ctr"/>
+                <a:endParaRPr lang="en-TW"/>
+              </a:p>
+            </p:txBody>
+          </p:sp>
+          <p:sp>
+            <p:nvSpPr>
+              <p:cNvPr id="8" name="Oval 7">
+                <a:extLst>
+                  <a:ext uri="{FF2B5EF4-FFF2-40B4-BE49-F238E27FC236}">
+                    <a16:creationId xmlns:a16="http://schemas.microsoft.com/office/drawing/2014/main" id="{2E64F054-007B-B185-E8DD-7C8E8E841E1E}"/>
+                  </a:ext>
+                </a:extLst>
+              </p:cNvPr>
+              <p:cNvSpPr/>
+              <p:nvPr/>
+            </p:nvSpPr>
+            <p:spPr>
+              <a:xfrm>
+                <a:off x="1417911" y="181173"/>
+                <a:ext cx="362347" cy="362347"/>
+              </a:xfrm>
+              <a:prstGeom prst="ellipse">
+                <a:avLst/>
+              </a:prstGeom>
+              <a:solidFill>
+                <a:srgbClr val="27C841"/>
+              </a:solidFill>
+              <a:ln>
+                <a:noFill/>
+              </a:ln>
+            </p:spPr>
+            <p:style>
+              <a:lnRef idx="2">
+                <a:schemeClr val="accent1">
+                  <a:shade val="15000"/>
+                </a:schemeClr>
+              </a:lnRef>
+              <a:fillRef idx="1">
+                <a:schemeClr val="accent1"/>
+              </a:fillRef>
+              <a:effectRef idx="0">
+                <a:schemeClr val="accent1"/>
+              </a:effectRef>
+              <a:fontRef idx="minor">
+                <a:schemeClr val="lt1"/>
+              </a:fontRef>
+            </p:style>
+            <p:txBody>
+              <a:bodyPr rtlCol="0" anchor="ctr"/>
+              <a:lstStyle/>
+              <a:p>
+                <a:pPr algn="ctr"/>
+                <a:endParaRPr lang="en-TW"/>
+              </a:p>
+            </p:txBody>
+          </p:sp>
+        </p:grpSp>
       </p:grpSp>
       <p:sp>
         <p:nvSpPr>
@@ -5078,7 +5405,7 @@
     </p:spTree>
     <p:extLst>
       <p:ext uri="{BB962C8B-B14F-4D97-AF65-F5344CB8AC3E}">
-        <p14:creationId xmlns:p14="http://schemas.microsoft.com/office/powerpoint/2010/main" val="1653500415"/>
+        <p14:creationId xmlns:p14="http://schemas.microsoft.com/office/powerpoint/2010/main" val="1758696733"/>
       </p:ext>
     </p:extLst>
   </p:cSld>
@@ -5107,10 +5434,10 @@
       </p:grpSpPr>
       <p:grpSp>
         <p:nvGrpSpPr>
-          <p:cNvPr id="45" name="Group 44">
+          <p:cNvPr id="20" name="Group 19">
             <a:extLst>
               <a:ext uri="{FF2B5EF4-FFF2-40B4-BE49-F238E27FC236}">
-                <a16:creationId xmlns:a16="http://schemas.microsoft.com/office/drawing/2014/main" id="{6850542D-4877-9BA1-8556-26DFF924516B}"/>
+                <a16:creationId xmlns:a16="http://schemas.microsoft.com/office/drawing/2014/main" id="{8961F683-0362-CD87-EE5E-47D2034FF1DF}"/>
               </a:ext>
             </a:extLst>
           </p:cNvPr>
@@ -5119,48 +5446,18 @@
         </p:nvGrpSpPr>
         <p:grpSpPr>
           <a:xfrm>
-            <a:off x="0" y="-5766"/>
-            <a:ext cx="9144000" cy="6863766"/>
-            <a:chOff x="0" y="-5766"/>
-            <a:chExt cx="9144000" cy="6863766"/>
+            <a:off x="-1" y="-273209"/>
+            <a:ext cx="9141101" cy="7131209"/>
+            <a:chOff x="-1" y="-273209"/>
+            <a:chExt cx="9141101" cy="7131209"/>
           </a:xfrm>
         </p:grpSpPr>
         <p:pic>
           <p:nvPicPr>
-            <p:cNvPr id="4" name="Picture 3">
+            <p:cNvPr id="21" name="Picture 20">
               <a:extLst>
                 <a:ext uri="{FF2B5EF4-FFF2-40B4-BE49-F238E27FC236}">
-                  <a16:creationId xmlns:a16="http://schemas.microsoft.com/office/drawing/2014/main" id="{617996B7-90C5-BBCA-EC71-F8CDCB05A259}"/>
-                </a:ext>
-              </a:extLst>
-            </p:cNvPr>
-            <p:cNvPicPr>
-              <a:picLocks noChangeAspect="1"/>
-            </p:cNvPicPr>
-            <p:nvPr/>
-          </p:nvPicPr>
-          <p:blipFill>
-            <a:blip r:embed="rId3"/>
-            <a:stretch>
-              <a:fillRect/>
-            </a:stretch>
-          </p:blipFill>
-          <p:spPr>
-            <a:xfrm>
-              <a:off x="0" y="-5766"/>
-              <a:ext cx="9144000" cy="5143501"/>
-            </a:xfrm>
-            <a:prstGeom prst="rect">
-              <a:avLst/>
-            </a:prstGeom>
-          </p:spPr>
-        </p:pic>
-        <p:pic>
-          <p:nvPicPr>
-            <p:cNvPr id="44" name="Picture 43">
-              <a:extLst>
-                <a:ext uri="{FF2B5EF4-FFF2-40B4-BE49-F238E27FC236}">
-                  <a16:creationId xmlns:a16="http://schemas.microsoft.com/office/drawing/2014/main" id="{2924ACC8-D04C-D4DE-DA9C-A2F2B02E5E77}"/>
+                  <a16:creationId xmlns:a16="http://schemas.microsoft.com/office/drawing/2014/main" id="{D2F4C324-BFF9-6452-904A-1787B11AE943}"/>
                 </a:ext>
               </a:extLst>
             </p:cNvPr>
@@ -5171,19 +5468,196 @@
           </p:nvPicPr>
           <p:blipFill rotWithShape="1">
             <a:blip r:embed="rId3"/>
-            <a:srcRect t="28009"/>
+            <a:srcRect l="35534"/>
             <a:stretch/>
           </p:blipFill>
           <p:spPr>
             <a:xfrm>
-              <a:off x="0" y="3155147"/>
-              <a:ext cx="9144000" cy="3702853"/>
+              <a:off x="-1" y="-273209"/>
+              <a:ext cx="9141101" cy="7131209"/>
             </a:xfrm>
             <a:prstGeom prst="rect">
               <a:avLst/>
             </a:prstGeom>
           </p:spPr>
         </p:pic>
+        <p:grpSp>
+          <p:nvGrpSpPr>
+            <p:cNvPr id="22" name="Group 21">
+              <a:extLst>
+                <a:ext uri="{FF2B5EF4-FFF2-40B4-BE49-F238E27FC236}">
+                  <a16:creationId xmlns:a16="http://schemas.microsoft.com/office/drawing/2014/main" id="{4A2288BD-16D7-8212-6061-612B04296068}"/>
+                </a:ext>
+              </a:extLst>
+            </p:cNvPr>
+            <p:cNvGrpSpPr/>
+            <p:nvPr/>
+          </p:nvGrpSpPr>
+          <p:grpSpPr>
+            <a:xfrm>
+              <a:off x="379419" y="80682"/>
+              <a:ext cx="1336505" cy="362347"/>
+              <a:chOff x="443753" y="181173"/>
+              <a:chExt cx="1336505" cy="362347"/>
+            </a:xfrm>
+          </p:grpSpPr>
+          <p:sp>
+            <p:nvSpPr>
+              <p:cNvPr id="23" name="Oval 22">
+                <a:extLst>
+                  <a:ext uri="{FF2B5EF4-FFF2-40B4-BE49-F238E27FC236}">
+                    <a16:creationId xmlns:a16="http://schemas.microsoft.com/office/drawing/2014/main" id="{73FF881A-C14C-857B-198A-BDE07C94572C}"/>
+                  </a:ext>
+                </a:extLst>
+              </p:cNvPr>
+              <p:cNvSpPr/>
+              <p:nvPr/>
+            </p:nvSpPr>
+            <p:spPr>
+              <a:xfrm>
+                <a:off x="443753" y="181173"/>
+                <a:ext cx="362347" cy="362347"/>
+              </a:xfrm>
+              <a:prstGeom prst="ellipse">
+                <a:avLst/>
+              </a:prstGeom>
+              <a:solidFill>
+                <a:srgbClr val="FF5F57"/>
+              </a:solidFill>
+              <a:ln>
+                <a:noFill/>
+              </a:ln>
+            </p:spPr>
+            <p:style>
+              <a:lnRef idx="2">
+                <a:schemeClr val="accent1">
+                  <a:shade val="15000"/>
+                </a:schemeClr>
+              </a:lnRef>
+              <a:fillRef idx="1">
+                <a:schemeClr val="accent1"/>
+              </a:fillRef>
+              <a:effectRef idx="0">
+                <a:schemeClr val="accent1"/>
+              </a:effectRef>
+              <a:fontRef idx="minor">
+                <a:schemeClr val="lt1"/>
+              </a:fontRef>
+            </p:style>
+            <p:txBody>
+              <a:bodyPr rtlCol="0" anchor="ctr"/>
+              <a:lstStyle/>
+              <a:p>
+                <a:pPr algn="ctr"/>
+                <a:endParaRPr lang="en-TW"/>
+              </a:p>
+            </p:txBody>
+          </p:sp>
+          <p:sp>
+            <p:nvSpPr>
+              <p:cNvPr id="24" name="Oval 23">
+                <a:extLst>
+                  <a:ext uri="{FF2B5EF4-FFF2-40B4-BE49-F238E27FC236}">
+                    <a16:creationId xmlns:a16="http://schemas.microsoft.com/office/drawing/2014/main" id="{69D0BE5A-E18B-A064-E201-2A65A4135AD3}"/>
+                  </a:ext>
+                </a:extLst>
+              </p:cNvPr>
+              <p:cNvSpPr/>
+              <p:nvPr/>
+            </p:nvSpPr>
+            <p:spPr>
+              <a:xfrm>
+                <a:off x="930832" y="181173"/>
+                <a:ext cx="362347" cy="362347"/>
+              </a:xfrm>
+              <a:prstGeom prst="ellipse">
+                <a:avLst/>
+              </a:prstGeom>
+              <a:solidFill>
+                <a:srgbClr val="FEBD2E"/>
+              </a:solidFill>
+              <a:ln>
+                <a:noFill/>
+              </a:ln>
+            </p:spPr>
+            <p:style>
+              <a:lnRef idx="2">
+                <a:schemeClr val="accent1">
+                  <a:shade val="15000"/>
+                </a:schemeClr>
+              </a:lnRef>
+              <a:fillRef idx="1">
+                <a:schemeClr val="accent1"/>
+              </a:fillRef>
+              <a:effectRef idx="0">
+                <a:schemeClr val="accent1"/>
+              </a:effectRef>
+              <a:fontRef idx="minor">
+                <a:schemeClr val="lt1"/>
+              </a:fontRef>
+            </p:style>
+            <p:txBody>
+              <a:bodyPr rtlCol="0" anchor="ctr"/>
+              <a:lstStyle/>
+              <a:p>
+                <a:pPr algn="ctr"/>
+                <a:endParaRPr lang="en-TW"/>
+              </a:p>
+            </p:txBody>
+          </p:sp>
+          <p:sp>
+            <p:nvSpPr>
+              <p:cNvPr id="25" name="Oval 24">
+                <a:extLst>
+                  <a:ext uri="{FF2B5EF4-FFF2-40B4-BE49-F238E27FC236}">
+                    <a16:creationId xmlns:a16="http://schemas.microsoft.com/office/drawing/2014/main" id="{BA316355-40EC-7618-5F20-3993E4124688}"/>
+                  </a:ext>
+                </a:extLst>
+              </p:cNvPr>
+              <p:cNvSpPr/>
+              <p:nvPr/>
+            </p:nvSpPr>
+            <p:spPr>
+              <a:xfrm>
+                <a:off x="1417911" y="181173"/>
+                <a:ext cx="362347" cy="362347"/>
+              </a:xfrm>
+              <a:prstGeom prst="ellipse">
+                <a:avLst/>
+              </a:prstGeom>
+              <a:solidFill>
+                <a:srgbClr val="27C841"/>
+              </a:solidFill>
+              <a:ln>
+                <a:noFill/>
+              </a:ln>
+            </p:spPr>
+            <p:style>
+              <a:lnRef idx="2">
+                <a:schemeClr val="accent1">
+                  <a:shade val="15000"/>
+                </a:schemeClr>
+              </a:lnRef>
+              <a:fillRef idx="1">
+                <a:schemeClr val="accent1"/>
+              </a:fillRef>
+              <a:effectRef idx="0">
+                <a:schemeClr val="accent1"/>
+              </a:effectRef>
+              <a:fontRef idx="minor">
+                <a:schemeClr val="lt1"/>
+              </a:fontRef>
+            </p:style>
+            <p:txBody>
+              <a:bodyPr rtlCol="0" anchor="ctr"/>
+              <a:lstStyle/>
+              <a:p>
+                <a:pPr algn="ctr"/>
+                <a:endParaRPr lang="en-TW"/>
+              </a:p>
+            </p:txBody>
+          </p:sp>
+        </p:grpSp>
       </p:grpSp>
       <p:sp>
         <p:nvSpPr>
@@ -6252,10 +6726,10 @@
       </p:grpSpPr>
       <p:grpSp>
         <p:nvGrpSpPr>
-          <p:cNvPr id="45" name="Group 44">
+          <p:cNvPr id="24" name="Group 23">
             <a:extLst>
               <a:ext uri="{FF2B5EF4-FFF2-40B4-BE49-F238E27FC236}">
-                <a16:creationId xmlns:a16="http://schemas.microsoft.com/office/drawing/2014/main" id="{6850542D-4877-9BA1-8556-26DFF924516B}"/>
+                <a16:creationId xmlns:a16="http://schemas.microsoft.com/office/drawing/2014/main" id="{CEA33F95-E541-2DAA-D3BA-206F6DA2273A}"/>
               </a:ext>
             </a:extLst>
           </p:cNvPr>
@@ -6264,48 +6738,18 @@
         </p:nvGrpSpPr>
         <p:grpSpPr>
           <a:xfrm>
-            <a:off x="0" y="-5766"/>
-            <a:ext cx="9144000" cy="6863766"/>
-            <a:chOff x="0" y="-5766"/>
-            <a:chExt cx="9144000" cy="6863766"/>
+            <a:off x="-1" y="-273209"/>
+            <a:ext cx="9141101" cy="7131209"/>
+            <a:chOff x="-1" y="-273209"/>
+            <a:chExt cx="9141101" cy="7131209"/>
           </a:xfrm>
         </p:grpSpPr>
         <p:pic>
           <p:nvPicPr>
-            <p:cNvPr id="4" name="Picture 3">
+            <p:cNvPr id="25" name="Picture 24">
               <a:extLst>
                 <a:ext uri="{FF2B5EF4-FFF2-40B4-BE49-F238E27FC236}">
-                  <a16:creationId xmlns:a16="http://schemas.microsoft.com/office/drawing/2014/main" id="{617996B7-90C5-BBCA-EC71-F8CDCB05A259}"/>
-                </a:ext>
-              </a:extLst>
-            </p:cNvPr>
-            <p:cNvPicPr>
-              <a:picLocks noChangeAspect="1"/>
-            </p:cNvPicPr>
-            <p:nvPr/>
-          </p:nvPicPr>
-          <p:blipFill>
-            <a:blip r:embed="rId3"/>
-            <a:stretch>
-              <a:fillRect/>
-            </a:stretch>
-          </p:blipFill>
-          <p:spPr>
-            <a:xfrm>
-              <a:off x="0" y="-5766"/>
-              <a:ext cx="9144000" cy="5143501"/>
-            </a:xfrm>
-            <a:prstGeom prst="rect">
-              <a:avLst/>
-            </a:prstGeom>
-          </p:spPr>
-        </p:pic>
-        <p:pic>
-          <p:nvPicPr>
-            <p:cNvPr id="44" name="Picture 43">
-              <a:extLst>
-                <a:ext uri="{FF2B5EF4-FFF2-40B4-BE49-F238E27FC236}">
-                  <a16:creationId xmlns:a16="http://schemas.microsoft.com/office/drawing/2014/main" id="{2924ACC8-D04C-D4DE-DA9C-A2F2B02E5E77}"/>
+                  <a16:creationId xmlns:a16="http://schemas.microsoft.com/office/drawing/2014/main" id="{716400BC-5636-9C7A-E13A-DF97FCFB6021}"/>
                 </a:ext>
               </a:extLst>
             </p:cNvPr>
@@ -6316,19 +6760,196 @@
           </p:nvPicPr>
           <p:blipFill rotWithShape="1">
             <a:blip r:embed="rId3"/>
-            <a:srcRect t="28009"/>
+            <a:srcRect l="35534"/>
             <a:stretch/>
           </p:blipFill>
           <p:spPr>
             <a:xfrm>
-              <a:off x="0" y="3155147"/>
-              <a:ext cx="9144000" cy="3702853"/>
+              <a:off x="-1" y="-273209"/>
+              <a:ext cx="9141101" cy="7131209"/>
             </a:xfrm>
             <a:prstGeom prst="rect">
               <a:avLst/>
             </a:prstGeom>
           </p:spPr>
         </p:pic>
+        <p:grpSp>
+          <p:nvGrpSpPr>
+            <p:cNvPr id="26" name="Group 25">
+              <a:extLst>
+                <a:ext uri="{FF2B5EF4-FFF2-40B4-BE49-F238E27FC236}">
+                  <a16:creationId xmlns:a16="http://schemas.microsoft.com/office/drawing/2014/main" id="{468D5382-03DA-B68B-A9CD-9058AF27D1E5}"/>
+                </a:ext>
+              </a:extLst>
+            </p:cNvPr>
+            <p:cNvGrpSpPr/>
+            <p:nvPr/>
+          </p:nvGrpSpPr>
+          <p:grpSpPr>
+            <a:xfrm>
+              <a:off x="379419" y="80682"/>
+              <a:ext cx="1336505" cy="362347"/>
+              <a:chOff x="443753" y="181173"/>
+              <a:chExt cx="1336505" cy="362347"/>
+            </a:xfrm>
+          </p:grpSpPr>
+          <p:sp>
+            <p:nvSpPr>
+              <p:cNvPr id="27" name="Oval 26">
+                <a:extLst>
+                  <a:ext uri="{FF2B5EF4-FFF2-40B4-BE49-F238E27FC236}">
+                    <a16:creationId xmlns:a16="http://schemas.microsoft.com/office/drawing/2014/main" id="{46A9FE78-592D-3B35-59B6-42026DAA28D2}"/>
+                  </a:ext>
+                </a:extLst>
+              </p:cNvPr>
+              <p:cNvSpPr/>
+              <p:nvPr/>
+            </p:nvSpPr>
+            <p:spPr>
+              <a:xfrm>
+                <a:off x="443753" y="181173"/>
+                <a:ext cx="362347" cy="362347"/>
+              </a:xfrm>
+              <a:prstGeom prst="ellipse">
+                <a:avLst/>
+              </a:prstGeom>
+              <a:solidFill>
+                <a:srgbClr val="FF5F57"/>
+              </a:solidFill>
+              <a:ln>
+                <a:noFill/>
+              </a:ln>
+            </p:spPr>
+            <p:style>
+              <a:lnRef idx="2">
+                <a:schemeClr val="accent1">
+                  <a:shade val="15000"/>
+                </a:schemeClr>
+              </a:lnRef>
+              <a:fillRef idx="1">
+                <a:schemeClr val="accent1"/>
+              </a:fillRef>
+              <a:effectRef idx="0">
+                <a:schemeClr val="accent1"/>
+              </a:effectRef>
+              <a:fontRef idx="minor">
+                <a:schemeClr val="lt1"/>
+              </a:fontRef>
+            </p:style>
+            <p:txBody>
+              <a:bodyPr rtlCol="0" anchor="ctr"/>
+              <a:lstStyle/>
+              <a:p>
+                <a:pPr algn="ctr"/>
+                <a:endParaRPr lang="en-TW"/>
+              </a:p>
+            </p:txBody>
+          </p:sp>
+          <p:sp>
+            <p:nvSpPr>
+              <p:cNvPr id="28" name="Oval 27">
+                <a:extLst>
+                  <a:ext uri="{FF2B5EF4-FFF2-40B4-BE49-F238E27FC236}">
+                    <a16:creationId xmlns:a16="http://schemas.microsoft.com/office/drawing/2014/main" id="{E0135B11-D86C-C036-0476-93E278D41BE7}"/>
+                  </a:ext>
+                </a:extLst>
+              </p:cNvPr>
+              <p:cNvSpPr/>
+              <p:nvPr/>
+            </p:nvSpPr>
+            <p:spPr>
+              <a:xfrm>
+                <a:off x="930832" y="181173"/>
+                <a:ext cx="362347" cy="362347"/>
+              </a:xfrm>
+              <a:prstGeom prst="ellipse">
+                <a:avLst/>
+              </a:prstGeom>
+              <a:solidFill>
+                <a:srgbClr val="FEBD2E"/>
+              </a:solidFill>
+              <a:ln>
+                <a:noFill/>
+              </a:ln>
+            </p:spPr>
+            <p:style>
+              <a:lnRef idx="2">
+                <a:schemeClr val="accent1">
+                  <a:shade val="15000"/>
+                </a:schemeClr>
+              </a:lnRef>
+              <a:fillRef idx="1">
+                <a:schemeClr val="accent1"/>
+              </a:fillRef>
+              <a:effectRef idx="0">
+                <a:schemeClr val="accent1"/>
+              </a:effectRef>
+              <a:fontRef idx="minor">
+                <a:schemeClr val="lt1"/>
+              </a:fontRef>
+            </p:style>
+            <p:txBody>
+              <a:bodyPr rtlCol="0" anchor="ctr"/>
+              <a:lstStyle/>
+              <a:p>
+                <a:pPr algn="ctr"/>
+                <a:endParaRPr lang="en-TW"/>
+              </a:p>
+            </p:txBody>
+          </p:sp>
+          <p:sp>
+            <p:nvSpPr>
+              <p:cNvPr id="29" name="Oval 28">
+                <a:extLst>
+                  <a:ext uri="{FF2B5EF4-FFF2-40B4-BE49-F238E27FC236}">
+                    <a16:creationId xmlns:a16="http://schemas.microsoft.com/office/drawing/2014/main" id="{95978D55-9993-9F34-9441-04DE3168B30F}"/>
+                  </a:ext>
+                </a:extLst>
+              </p:cNvPr>
+              <p:cNvSpPr/>
+              <p:nvPr/>
+            </p:nvSpPr>
+            <p:spPr>
+              <a:xfrm>
+                <a:off x="1417911" y="181173"/>
+                <a:ext cx="362347" cy="362347"/>
+              </a:xfrm>
+              <a:prstGeom prst="ellipse">
+                <a:avLst/>
+              </a:prstGeom>
+              <a:solidFill>
+                <a:srgbClr val="27C841"/>
+              </a:solidFill>
+              <a:ln>
+                <a:noFill/>
+              </a:ln>
+            </p:spPr>
+            <p:style>
+              <a:lnRef idx="2">
+                <a:schemeClr val="accent1">
+                  <a:shade val="15000"/>
+                </a:schemeClr>
+              </a:lnRef>
+              <a:fillRef idx="1">
+                <a:schemeClr val="accent1"/>
+              </a:fillRef>
+              <a:effectRef idx="0">
+                <a:schemeClr val="accent1"/>
+              </a:effectRef>
+              <a:fontRef idx="minor">
+                <a:schemeClr val="lt1"/>
+              </a:fontRef>
+            </p:style>
+            <p:txBody>
+              <a:bodyPr rtlCol="0" anchor="ctr"/>
+              <a:lstStyle/>
+              <a:p>
+                <a:pPr algn="ctr"/>
+                <a:endParaRPr lang="en-TW"/>
+              </a:p>
+            </p:txBody>
+          </p:sp>
+        </p:grpSp>
       </p:grpSp>
       <p:sp>
         <p:nvSpPr>
@@ -7202,10 +7823,10 @@
       </p:grpSpPr>
       <p:grpSp>
         <p:nvGrpSpPr>
-          <p:cNvPr id="45" name="Group 44">
+          <p:cNvPr id="14" name="Group 13">
             <a:extLst>
               <a:ext uri="{FF2B5EF4-FFF2-40B4-BE49-F238E27FC236}">
-                <a16:creationId xmlns:a16="http://schemas.microsoft.com/office/drawing/2014/main" id="{6850542D-4877-9BA1-8556-26DFF924516B}"/>
+                <a16:creationId xmlns:a16="http://schemas.microsoft.com/office/drawing/2014/main" id="{38D2366B-EB1A-9743-34F4-909EA207B822}"/>
               </a:ext>
             </a:extLst>
           </p:cNvPr>
@@ -7214,48 +7835,18 @@
         </p:nvGrpSpPr>
         <p:grpSpPr>
           <a:xfrm>
-            <a:off x="0" y="-5766"/>
-            <a:ext cx="9144000" cy="6863766"/>
-            <a:chOff x="0" y="-5766"/>
-            <a:chExt cx="9144000" cy="6863766"/>
+            <a:off x="-1" y="-273209"/>
+            <a:ext cx="9141101" cy="7131209"/>
+            <a:chOff x="-1" y="-273209"/>
+            <a:chExt cx="9141101" cy="7131209"/>
           </a:xfrm>
         </p:grpSpPr>
         <p:pic>
           <p:nvPicPr>
-            <p:cNvPr id="4" name="Picture 3">
+            <p:cNvPr id="15" name="Picture 14">
               <a:extLst>
                 <a:ext uri="{FF2B5EF4-FFF2-40B4-BE49-F238E27FC236}">
-                  <a16:creationId xmlns:a16="http://schemas.microsoft.com/office/drawing/2014/main" id="{617996B7-90C5-BBCA-EC71-F8CDCB05A259}"/>
-                </a:ext>
-              </a:extLst>
-            </p:cNvPr>
-            <p:cNvPicPr>
-              <a:picLocks noChangeAspect="1"/>
-            </p:cNvPicPr>
-            <p:nvPr/>
-          </p:nvPicPr>
-          <p:blipFill>
-            <a:blip r:embed="rId3"/>
-            <a:stretch>
-              <a:fillRect/>
-            </a:stretch>
-          </p:blipFill>
-          <p:spPr>
-            <a:xfrm>
-              <a:off x="0" y="-5766"/>
-              <a:ext cx="9144000" cy="5143501"/>
-            </a:xfrm>
-            <a:prstGeom prst="rect">
-              <a:avLst/>
-            </a:prstGeom>
-          </p:spPr>
-        </p:pic>
-        <p:pic>
-          <p:nvPicPr>
-            <p:cNvPr id="44" name="Picture 43">
-              <a:extLst>
-                <a:ext uri="{FF2B5EF4-FFF2-40B4-BE49-F238E27FC236}">
-                  <a16:creationId xmlns:a16="http://schemas.microsoft.com/office/drawing/2014/main" id="{2924ACC8-D04C-D4DE-DA9C-A2F2B02E5E77}"/>
+                  <a16:creationId xmlns:a16="http://schemas.microsoft.com/office/drawing/2014/main" id="{50A0ABF7-C4BB-0EF9-5328-B37A5C14FA36}"/>
                 </a:ext>
               </a:extLst>
             </p:cNvPr>
@@ -7266,19 +7857,196 @@
           </p:nvPicPr>
           <p:blipFill rotWithShape="1">
             <a:blip r:embed="rId3"/>
-            <a:srcRect t="28009"/>
+            <a:srcRect l="35534"/>
             <a:stretch/>
           </p:blipFill>
           <p:spPr>
             <a:xfrm>
-              <a:off x="0" y="3155147"/>
-              <a:ext cx="9144000" cy="3702853"/>
+              <a:off x="-1" y="-273209"/>
+              <a:ext cx="9141101" cy="7131209"/>
             </a:xfrm>
             <a:prstGeom prst="rect">
               <a:avLst/>
             </a:prstGeom>
           </p:spPr>
         </p:pic>
+        <p:grpSp>
+          <p:nvGrpSpPr>
+            <p:cNvPr id="16" name="Group 15">
+              <a:extLst>
+                <a:ext uri="{FF2B5EF4-FFF2-40B4-BE49-F238E27FC236}">
+                  <a16:creationId xmlns:a16="http://schemas.microsoft.com/office/drawing/2014/main" id="{E63193B6-1DFB-685E-82F9-9875F68DA5B2}"/>
+                </a:ext>
+              </a:extLst>
+            </p:cNvPr>
+            <p:cNvGrpSpPr/>
+            <p:nvPr/>
+          </p:nvGrpSpPr>
+          <p:grpSpPr>
+            <a:xfrm>
+              <a:off x="379419" y="80682"/>
+              <a:ext cx="1336505" cy="362347"/>
+              <a:chOff x="443753" y="181173"/>
+              <a:chExt cx="1336505" cy="362347"/>
+            </a:xfrm>
+          </p:grpSpPr>
+          <p:sp>
+            <p:nvSpPr>
+              <p:cNvPr id="17" name="Oval 16">
+                <a:extLst>
+                  <a:ext uri="{FF2B5EF4-FFF2-40B4-BE49-F238E27FC236}">
+                    <a16:creationId xmlns:a16="http://schemas.microsoft.com/office/drawing/2014/main" id="{6BFD1524-45F3-1B95-879C-1BC5BDB3797D}"/>
+                  </a:ext>
+                </a:extLst>
+              </p:cNvPr>
+              <p:cNvSpPr/>
+              <p:nvPr/>
+            </p:nvSpPr>
+            <p:spPr>
+              <a:xfrm>
+                <a:off x="443753" y="181173"/>
+                <a:ext cx="362347" cy="362347"/>
+              </a:xfrm>
+              <a:prstGeom prst="ellipse">
+                <a:avLst/>
+              </a:prstGeom>
+              <a:solidFill>
+                <a:srgbClr val="FF5F57"/>
+              </a:solidFill>
+              <a:ln>
+                <a:noFill/>
+              </a:ln>
+            </p:spPr>
+            <p:style>
+              <a:lnRef idx="2">
+                <a:schemeClr val="accent1">
+                  <a:shade val="15000"/>
+                </a:schemeClr>
+              </a:lnRef>
+              <a:fillRef idx="1">
+                <a:schemeClr val="accent1"/>
+              </a:fillRef>
+              <a:effectRef idx="0">
+                <a:schemeClr val="accent1"/>
+              </a:effectRef>
+              <a:fontRef idx="minor">
+                <a:schemeClr val="lt1"/>
+              </a:fontRef>
+            </p:style>
+            <p:txBody>
+              <a:bodyPr rtlCol="0" anchor="ctr"/>
+              <a:lstStyle/>
+              <a:p>
+                <a:pPr algn="ctr"/>
+                <a:endParaRPr lang="en-TW"/>
+              </a:p>
+            </p:txBody>
+          </p:sp>
+          <p:sp>
+            <p:nvSpPr>
+              <p:cNvPr id="18" name="Oval 17">
+                <a:extLst>
+                  <a:ext uri="{FF2B5EF4-FFF2-40B4-BE49-F238E27FC236}">
+                    <a16:creationId xmlns:a16="http://schemas.microsoft.com/office/drawing/2014/main" id="{E42B7FEF-066D-1243-C5BB-E67EEE075AC4}"/>
+                  </a:ext>
+                </a:extLst>
+              </p:cNvPr>
+              <p:cNvSpPr/>
+              <p:nvPr/>
+            </p:nvSpPr>
+            <p:spPr>
+              <a:xfrm>
+                <a:off x="930832" y="181173"/>
+                <a:ext cx="362347" cy="362347"/>
+              </a:xfrm>
+              <a:prstGeom prst="ellipse">
+                <a:avLst/>
+              </a:prstGeom>
+              <a:solidFill>
+                <a:srgbClr val="FEBD2E"/>
+              </a:solidFill>
+              <a:ln>
+                <a:noFill/>
+              </a:ln>
+            </p:spPr>
+            <p:style>
+              <a:lnRef idx="2">
+                <a:schemeClr val="accent1">
+                  <a:shade val="15000"/>
+                </a:schemeClr>
+              </a:lnRef>
+              <a:fillRef idx="1">
+                <a:schemeClr val="accent1"/>
+              </a:fillRef>
+              <a:effectRef idx="0">
+                <a:schemeClr val="accent1"/>
+              </a:effectRef>
+              <a:fontRef idx="minor">
+                <a:schemeClr val="lt1"/>
+              </a:fontRef>
+            </p:style>
+            <p:txBody>
+              <a:bodyPr rtlCol="0" anchor="ctr"/>
+              <a:lstStyle/>
+              <a:p>
+                <a:pPr algn="ctr"/>
+                <a:endParaRPr lang="en-TW"/>
+              </a:p>
+            </p:txBody>
+          </p:sp>
+          <p:sp>
+            <p:nvSpPr>
+              <p:cNvPr id="19" name="Oval 18">
+                <a:extLst>
+                  <a:ext uri="{FF2B5EF4-FFF2-40B4-BE49-F238E27FC236}">
+                    <a16:creationId xmlns:a16="http://schemas.microsoft.com/office/drawing/2014/main" id="{97190457-C773-FFFF-8D85-DB69F0A557F0}"/>
+                  </a:ext>
+                </a:extLst>
+              </p:cNvPr>
+              <p:cNvSpPr/>
+              <p:nvPr/>
+            </p:nvSpPr>
+            <p:spPr>
+              <a:xfrm>
+                <a:off x="1417911" y="181173"/>
+                <a:ext cx="362347" cy="362347"/>
+              </a:xfrm>
+              <a:prstGeom prst="ellipse">
+                <a:avLst/>
+              </a:prstGeom>
+              <a:solidFill>
+                <a:srgbClr val="27C841"/>
+              </a:solidFill>
+              <a:ln>
+                <a:noFill/>
+              </a:ln>
+            </p:spPr>
+            <p:style>
+              <a:lnRef idx="2">
+                <a:schemeClr val="accent1">
+                  <a:shade val="15000"/>
+                </a:schemeClr>
+              </a:lnRef>
+              <a:fillRef idx="1">
+                <a:schemeClr val="accent1"/>
+              </a:fillRef>
+              <a:effectRef idx="0">
+                <a:schemeClr val="accent1"/>
+              </a:effectRef>
+              <a:fontRef idx="minor">
+                <a:schemeClr val="lt1"/>
+              </a:fontRef>
+            </p:style>
+            <p:txBody>
+              <a:bodyPr rtlCol="0" anchor="ctr"/>
+              <a:lstStyle/>
+              <a:p>
+                <a:pPr algn="ctr"/>
+                <a:endParaRPr lang="en-TW"/>
+              </a:p>
+            </p:txBody>
+          </p:sp>
+        </p:grpSp>
       </p:grpSp>
       <p:sp>
         <p:nvSpPr>
@@ -8160,10 +8928,10 @@
       </p:grpSpPr>
       <p:grpSp>
         <p:nvGrpSpPr>
-          <p:cNvPr id="45" name="Group 44">
+          <p:cNvPr id="17" name="Group 16">
             <a:extLst>
               <a:ext uri="{FF2B5EF4-FFF2-40B4-BE49-F238E27FC236}">
-                <a16:creationId xmlns:a16="http://schemas.microsoft.com/office/drawing/2014/main" id="{6850542D-4877-9BA1-8556-26DFF924516B}"/>
+                <a16:creationId xmlns:a16="http://schemas.microsoft.com/office/drawing/2014/main" id="{4DA59118-2C5F-E2DD-BEB5-54D4B0E542EE}"/>
               </a:ext>
             </a:extLst>
           </p:cNvPr>
@@ -8172,48 +8940,18 @@
         </p:nvGrpSpPr>
         <p:grpSpPr>
           <a:xfrm>
-            <a:off x="0" y="-5766"/>
-            <a:ext cx="9144000" cy="6863766"/>
-            <a:chOff x="0" y="-5766"/>
-            <a:chExt cx="9144000" cy="6863766"/>
+            <a:off x="-1" y="-273209"/>
+            <a:ext cx="9141101" cy="7131209"/>
+            <a:chOff x="-1" y="-273209"/>
+            <a:chExt cx="9141101" cy="7131209"/>
           </a:xfrm>
         </p:grpSpPr>
         <p:pic>
           <p:nvPicPr>
-            <p:cNvPr id="4" name="Picture 3">
+            <p:cNvPr id="18" name="Picture 17">
               <a:extLst>
                 <a:ext uri="{FF2B5EF4-FFF2-40B4-BE49-F238E27FC236}">
-                  <a16:creationId xmlns:a16="http://schemas.microsoft.com/office/drawing/2014/main" id="{617996B7-90C5-BBCA-EC71-F8CDCB05A259}"/>
-                </a:ext>
-              </a:extLst>
-            </p:cNvPr>
-            <p:cNvPicPr>
-              <a:picLocks noChangeAspect="1"/>
-            </p:cNvPicPr>
-            <p:nvPr/>
-          </p:nvPicPr>
-          <p:blipFill>
-            <a:blip r:embed="rId3"/>
-            <a:stretch>
-              <a:fillRect/>
-            </a:stretch>
-          </p:blipFill>
-          <p:spPr>
-            <a:xfrm>
-              <a:off x="0" y="-5766"/>
-              <a:ext cx="9144000" cy="5143501"/>
-            </a:xfrm>
-            <a:prstGeom prst="rect">
-              <a:avLst/>
-            </a:prstGeom>
-          </p:spPr>
-        </p:pic>
-        <p:pic>
-          <p:nvPicPr>
-            <p:cNvPr id="44" name="Picture 43">
-              <a:extLst>
-                <a:ext uri="{FF2B5EF4-FFF2-40B4-BE49-F238E27FC236}">
-                  <a16:creationId xmlns:a16="http://schemas.microsoft.com/office/drawing/2014/main" id="{2924ACC8-D04C-D4DE-DA9C-A2F2B02E5E77}"/>
+                  <a16:creationId xmlns:a16="http://schemas.microsoft.com/office/drawing/2014/main" id="{264511F3-15B1-8290-9A4E-8B0BC04074F9}"/>
                 </a:ext>
               </a:extLst>
             </p:cNvPr>
@@ -8224,19 +8962,196 @@
           </p:nvPicPr>
           <p:blipFill rotWithShape="1">
             <a:blip r:embed="rId3"/>
-            <a:srcRect t="28009"/>
+            <a:srcRect l="35534"/>
             <a:stretch/>
           </p:blipFill>
           <p:spPr>
             <a:xfrm>
-              <a:off x="0" y="3155147"/>
-              <a:ext cx="9144000" cy="3702853"/>
+              <a:off x="-1" y="-273209"/>
+              <a:ext cx="9141101" cy="7131209"/>
             </a:xfrm>
             <a:prstGeom prst="rect">
               <a:avLst/>
             </a:prstGeom>
           </p:spPr>
         </p:pic>
+        <p:grpSp>
+          <p:nvGrpSpPr>
+            <p:cNvPr id="19" name="Group 18">
+              <a:extLst>
+                <a:ext uri="{FF2B5EF4-FFF2-40B4-BE49-F238E27FC236}">
+                  <a16:creationId xmlns:a16="http://schemas.microsoft.com/office/drawing/2014/main" id="{3063FB43-CE2C-4B3F-AFD0-AAEA3E3720A2}"/>
+                </a:ext>
+              </a:extLst>
+            </p:cNvPr>
+            <p:cNvGrpSpPr/>
+            <p:nvPr/>
+          </p:nvGrpSpPr>
+          <p:grpSpPr>
+            <a:xfrm>
+              <a:off x="379419" y="80682"/>
+              <a:ext cx="1336505" cy="362347"/>
+              <a:chOff x="443753" y="181173"/>
+              <a:chExt cx="1336505" cy="362347"/>
+            </a:xfrm>
+          </p:grpSpPr>
+          <p:sp>
+            <p:nvSpPr>
+              <p:cNvPr id="20" name="Oval 19">
+                <a:extLst>
+                  <a:ext uri="{FF2B5EF4-FFF2-40B4-BE49-F238E27FC236}">
+                    <a16:creationId xmlns:a16="http://schemas.microsoft.com/office/drawing/2014/main" id="{D6ED7233-FFAC-8A56-81E4-76997EB7D301}"/>
+                  </a:ext>
+                </a:extLst>
+              </p:cNvPr>
+              <p:cNvSpPr/>
+              <p:nvPr/>
+            </p:nvSpPr>
+            <p:spPr>
+              <a:xfrm>
+                <a:off x="443753" y="181173"/>
+                <a:ext cx="362347" cy="362347"/>
+              </a:xfrm>
+              <a:prstGeom prst="ellipse">
+                <a:avLst/>
+              </a:prstGeom>
+              <a:solidFill>
+                <a:srgbClr val="FF5F57"/>
+              </a:solidFill>
+              <a:ln>
+                <a:noFill/>
+              </a:ln>
+            </p:spPr>
+            <p:style>
+              <a:lnRef idx="2">
+                <a:schemeClr val="accent1">
+                  <a:shade val="15000"/>
+                </a:schemeClr>
+              </a:lnRef>
+              <a:fillRef idx="1">
+                <a:schemeClr val="accent1"/>
+              </a:fillRef>
+              <a:effectRef idx="0">
+                <a:schemeClr val="accent1"/>
+              </a:effectRef>
+              <a:fontRef idx="minor">
+                <a:schemeClr val="lt1"/>
+              </a:fontRef>
+            </p:style>
+            <p:txBody>
+              <a:bodyPr rtlCol="0" anchor="ctr"/>
+              <a:lstStyle/>
+              <a:p>
+                <a:pPr algn="ctr"/>
+                <a:endParaRPr lang="en-TW"/>
+              </a:p>
+            </p:txBody>
+          </p:sp>
+          <p:sp>
+            <p:nvSpPr>
+              <p:cNvPr id="21" name="Oval 20">
+                <a:extLst>
+                  <a:ext uri="{FF2B5EF4-FFF2-40B4-BE49-F238E27FC236}">
+                    <a16:creationId xmlns:a16="http://schemas.microsoft.com/office/drawing/2014/main" id="{089E41E2-ED41-3BAE-2FC6-3C2EACFF1CBF}"/>
+                  </a:ext>
+                </a:extLst>
+              </p:cNvPr>
+              <p:cNvSpPr/>
+              <p:nvPr/>
+            </p:nvSpPr>
+            <p:spPr>
+              <a:xfrm>
+                <a:off x="930832" y="181173"/>
+                <a:ext cx="362347" cy="362347"/>
+              </a:xfrm>
+              <a:prstGeom prst="ellipse">
+                <a:avLst/>
+              </a:prstGeom>
+              <a:solidFill>
+                <a:srgbClr val="FEBD2E"/>
+              </a:solidFill>
+              <a:ln>
+                <a:noFill/>
+              </a:ln>
+            </p:spPr>
+            <p:style>
+              <a:lnRef idx="2">
+                <a:schemeClr val="accent1">
+                  <a:shade val="15000"/>
+                </a:schemeClr>
+              </a:lnRef>
+              <a:fillRef idx="1">
+                <a:schemeClr val="accent1"/>
+              </a:fillRef>
+              <a:effectRef idx="0">
+                <a:schemeClr val="accent1"/>
+              </a:effectRef>
+              <a:fontRef idx="minor">
+                <a:schemeClr val="lt1"/>
+              </a:fontRef>
+            </p:style>
+            <p:txBody>
+              <a:bodyPr rtlCol="0" anchor="ctr"/>
+              <a:lstStyle/>
+              <a:p>
+                <a:pPr algn="ctr"/>
+                <a:endParaRPr lang="en-TW"/>
+              </a:p>
+            </p:txBody>
+          </p:sp>
+          <p:sp>
+            <p:nvSpPr>
+              <p:cNvPr id="23" name="Oval 22">
+                <a:extLst>
+                  <a:ext uri="{FF2B5EF4-FFF2-40B4-BE49-F238E27FC236}">
+                    <a16:creationId xmlns:a16="http://schemas.microsoft.com/office/drawing/2014/main" id="{C9D526B9-DDC7-C3E0-347C-ADFFB202CA7E}"/>
+                  </a:ext>
+                </a:extLst>
+              </p:cNvPr>
+              <p:cNvSpPr/>
+              <p:nvPr/>
+            </p:nvSpPr>
+            <p:spPr>
+              <a:xfrm>
+                <a:off x="1417911" y="181173"/>
+                <a:ext cx="362347" cy="362347"/>
+              </a:xfrm>
+              <a:prstGeom prst="ellipse">
+                <a:avLst/>
+              </a:prstGeom>
+              <a:solidFill>
+                <a:srgbClr val="27C841"/>
+              </a:solidFill>
+              <a:ln>
+                <a:noFill/>
+              </a:ln>
+            </p:spPr>
+            <p:style>
+              <a:lnRef idx="2">
+                <a:schemeClr val="accent1">
+                  <a:shade val="15000"/>
+                </a:schemeClr>
+              </a:lnRef>
+              <a:fillRef idx="1">
+                <a:schemeClr val="accent1"/>
+              </a:fillRef>
+              <a:effectRef idx="0">
+                <a:schemeClr val="accent1"/>
+              </a:effectRef>
+              <a:fontRef idx="minor">
+                <a:schemeClr val="lt1"/>
+              </a:fontRef>
+            </p:style>
+            <p:txBody>
+              <a:bodyPr rtlCol="0" anchor="ctr"/>
+              <a:lstStyle/>
+              <a:p>
+                <a:pPr algn="ctr"/>
+                <a:endParaRPr lang="en-TW"/>
+              </a:p>
+            </p:txBody>
+          </p:sp>
+        </p:grpSp>
       </p:grpSp>
       <p:sp>
         <p:nvSpPr>
@@ -9108,10 +10023,10 @@
       </p:grpSpPr>
       <p:grpSp>
         <p:nvGrpSpPr>
-          <p:cNvPr id="45" name="Group 44">
+          <p:cNvPr id="19" name="Group 18">
             <a:extLst>
               <a:ext uri="{FF2B5EF4-FFF2-40B4-BE49-F238E27FC236}">
-                <a16:creationId xmlns:a16="http://schemas.microsoft.com/office/drawing/2014/main" id="{6850542D-4877-9BA1-8556-26DFF924516B}"/>
+                <a16:creationId xmlns:a16="http://schemas.microsoft.com/office/drawing/2014/main" id="{6A54F267-58E9-0CC2-106D-9EE31038C8E9}"/>
               </a:ext>
             </a:extLst>
           </p:cNvPr>
@@ -9120,48 +10035,18 @@
         </p:nvGrpSpPr>
         <p:grpSpPr>
           <a:xfrm>
-            <a:off x="0" y="-5766"/>
-            <a:ext cx="9144000" cy="6863766"/>
-            <a:chOff x="0" y="-5766"/>
-            <a:chExt cx="9144000" cy="6863766"/>
+            <a:off x="-1" y="-273209"/>
+            <a:ext cx="9141101" cy="7131209"/>
+            <a:chOff x="-1" y="-273209"/>
+            <a:chExt cx="9141101" cy="7131209"/>
           </a:xfrm>
         </p:grpSpPr>
         <p:pic>
           <p:nvPicPr>
-            <p:cNvPr id="4" name="Picture 3">
+            <p:cNvPr id="20" name="Picture 19">
               <a:extLst>
                 <a:ext uri="{FF2B5EF4-FFF2-40B4-BE49-F238E27FC236}">
-                  <a16:creationId xmlns:a16="http://schemas.microsoft.com/office/drawing/2014/main" id="{617996B7-90C5-BBCA-EC71-F8CDCB05A259}"/>
-                </a:ext>
-              </a:extLst>
-            </p:cNvPr>
-            <p:cNvPicPr>
-              <a:picLocks noChangeAspect="1"/>
-            </p:cNvPicPr>
-            <p:nvPr/>
-          </p:nvPicPr>
-          <p:blipFill>
-            <a:blip r:embed="rId3"/>
-            <a:stretch>
-              <a:fillRect/>
-            </a:stretch>
-          </p:blipFill>
-          <p:spPr>
-            <a:xfrm>
-              <a:off x="0" y="-5766"/>
-              <a:ext cx="9144000" cy="5143501"/>
-            </a:xfrm>
-            <a:prstGeom prst="rect">
-              <a:avLst/>
-            </a:prstGeom>
-          </p:spPr>
-        </p:pic>
-        <p:pic>
-          <p:nvPicPr>
-            <p:cNvPr id="44" name="Picture 43">
-              <a:extLst>
-                <a:ext uri="{FF2B5EF4-FFF2-40B4-BE49-F238E27FC236}">
-                  <a16:creationId xmlns:a16="http://schemas.microsoft.com/office/drawing/2014/main" id="{2924ACC8-D04C-D4DE-DA9C-A2F2B02E5E77}"/>
+                  <a16:creationId xmlns:a16="http://schemas.microsoft.com/office/drawing/2014/main" id="{4F1B5E20-42A3-1B91-2B8A-BBE443E19AD7}"/>
                 </a:ext>
               </a:extLst>
             </p:cNvPr>
@@ -9172,19 +10057,196 @@
           </p:nvPicPr>
           <p:blipFill rotWithShape="1">
             <a:blip r:embed="rId3"/>
-            <a:srcRect t="28009"/>
+            <a:srcRect l="35534"/>
             <a:stretch/>
           </p:blipFill>
           <p:spPr>
             <a:xfrm>
-              <a:off x="0" y="3155147"/>
-              <a:ext cx="9144000" cy="3702853"/>
+              <a:off x="-1" y="-273209"/>
+              <a:ext cx="9141101" cy="7131209"/>
             </a:xfrm>
             <a:prstGeom prst="rect">
               <a:avLst/>
             </a:prstGeom>
           </p:spPr>
         </p:pic>
+        <p:grpSp>
+          <p:nvGrpSpPr>
+            <p:cNvPr id="21" name="Group 20">
+              <a:extLst>
+                <a:ext uri="{FF2B5EF4-FFF2-40B4-BE49-F238E27FC236}">
+                  <a16:creationId xmlns:a16="http://schemas.microsoft.com/office/drawing/2014/main" id="{54F5D1A8-D782-EB45-CA84-E0470A633C1C}"/>
+                </a:ext>
+              </a:extLst>
+            </p:cNvPr>
+            <p:cNvGrpSpPr/>
+            <p:nvPr/>
+          </p:nvGrpSpPr>
+          <p:grpSpPr>
+            <a:xfrm>
+              <a:off x="379419" y="80682"/>
+              <a:ext cx="1336505" cy="362347"/>
+              <a:chOff x="443753" y="181173"/>
+              <a:chExt cx="1336505" cy="362347"/>
+            </a:xfrm>
+          </p:grpSpPr>
+          <p:sp>
+            <p:nvSpPr>
+              <p:cNvPr id="22" name="Oval 21">
+                <a:extLst>
+                  <a:ext uri="{FF2B5EF4-FFF2-40B4-BE49-F238E27FC236}">
+                    <a16:creationId xmlns:a16="http://schemas.microsoft.com/office/drawing/2014/main" id="{AFC74E7A-D36D-1E4E-66A4-15964C2ED112}"/>
+                  </a:ext>
+                </a:extLst>
+              </p:cNvPr>
+              <p:cNvSpPr/>
+              <p:nvPr/>
+            </p:nvSpPr>
+            <p:spPr>
+              <a:xfrm>
+                <a:off x="443753" y="181173"/>
+                <a:ext cx="362347" cy="362347"/>
+              </a:xfrm>
+              <a:prstGeom prst="ellipse">
+                <a:avLst/>
+              </a:prstGeom>
+              <a:solidFill>
+                <a:srgbClr val="FF5F57"/>
+              </a:solidFill>
+              <a:ln>
+                <a:noFill/>
+              </a:ln>
+            </p:spPr>
+            <p:style>
+              <a:lnRef idx="2">
+                <a:schemeClr val="accent1">
+                  <a:shade val="15000"/>
+                </a:schemeClr>
+              </a:lnRef>
+              <a:fillRef idx="1">
+                <a:schemeClr val="accent1"/>
+              </a:fillRef>
+              <a:effectRef idx="0">
+                <a:schemeClr val="accent1"/>
+              </a:effectRef>
+              <a:fontRef idx="minor">
+                <a:schemeClr val="lt1"/>
+              </a:fontRef>
+            </p:style>
+            <p:txBody>
+              <a:bodyPr rtlCol="0" anchor="ctr"/>
+              <a:lstStyle/>
+              <a:p>
+                <a:pPr algn="ctr"/>
+                <a:endParaRPr lang="en-TW"/>
+              </a:p>
+            </p:txBody>
+          </p:sp>
+          <p:sp>
+            <p:nvSpPr>
+              <p:cNvPr id="23" name="Oval 22">
+                <a:extLst>
+                  <a:ext uri="{FF2B5EF4-FFF2-40B4-BE49-F238E27FC236}">
+                    <a16:creationId xmlns:a16="http://schemas.microsoft.com/office/drawing/2014/main" id="{4DF5DD5C-1389-EA58-2FDC-59E65D8D2C49}"/>
+                  </a:ext>
+                </a:extLst>
+              </p:cNvPr>
+              <p:cNvSpPr/>
+              <p:nvPr/>
+            </p:nvSpPr>
+            <p:spPr>
+              <a:xfrm>
+                <a:off x="930832" y="181173"/>
+                <a:ext cx="362347" cy="362347"/>
+              </a:xfrm>
+              <a:prstGeom prst="ellipse">
+                <a:avLst/>
+              </a:prstGeom>
+              <a:solidFill>
+                <a:srgbClr val="FEBD2E"/>
+              </a:solidFill>
+              <a:ln>
+                <a:noFill/>
+              </a:ln>
+            </p:spPr>
+            <p:style>
+              <a:lnRef idx="2">
+                <a:schemeClr val="accent1">
+                  <a:shade val="15000"/>
+                </a:schemeClr>
+              </a:lnRef>
+              <a:fillRef idx="1">
+                <a:schemeClr val="accent1"/>
+              </a:fillRef>
+              <a:effectRef idx="0">
+                <a:schemeClr val="accent1"/>
+              </a:effectRef>
+              <a:fontRef idx="minor">
+                <a:schemeClr val="lt1"/>
+              </a:fontRef>
+            </p:style>
+            <p:txBody>
+              <a:bodyPr rtlCol="0" anchor="ctr"/>
+              <a:lstStyle/>
+              <a:p>
+                <a:pPr algn="ctr"/>
+                <a:endParaRPr lang="en-TW"/>
+              </a:p>
+            </p:txBody>
+          </p:sp>
+          <p:sp>
+            <p:nvSpPr>
+              <p:cNvPr id="24" name="Oval 23">
+                <a:extLst>
+                  <a:ext uri="{FF2B5EF4-FFF2-40B4-BE49-F238E27FC236}">
+                    <a16:creationId xmlns:a16="http://schemas.microsoft.com/office/drawing/2014/main" id="{79500D98-F8CA-6FCF-0AC0-C39958F69DCF}"/>
+                  </a:ext>
+                </a:extLst>
+              </p:cNvPr>
+              <p:cNvSpPr/>
+              <p:nvPr/>
+            </p:nvSpPr>
+            <p:spPr>
+              <a:xfrm>
+                <a:off x="1417911" y="181173"/>
+                <a:ext cx="362347" cy="362347"/>
+              </a:xfrm>
+              <a:prstGeom prst="ellipse">
+                <a:avLst/>
+              </a:prstGeom>
+              <a:solidFill>
+                <a:srgbClr val="27C841"/>
+              </a:solidFill>
+              <a:ln>
+                <a:noFill/>
+              </a:ln>
+            </p:spPr>
+            <p:style>
+              <a:lnRef idx="2">
+                <a:schemeClr val="accent1">
+                  <a:shade val="15000"/>
+                </a:schemeClr>
+              </a:lnRef>
+              <a:fillRef idx="1">
+                <a:schemeClr val="accent1"/>
+              </a:fillRef>
+              <a:effectRef idx="0">
+                <a:schemeClr val="accent1"/>
+              </a:effectRef>
+              <a:fontRef idx="minor">
+                <a:schemeClr val="lt1"/>
+              </a:fontRef>
+            </p:style>
+            <p:txBody>
+              <a:bodyPr rtlCol="0" anchor="ctr"/>
+              <a:lstStyle/>
+              <a:p>
+                <a:pPr algn="ctr"/>
+                <a:endParaRPr lang="en-TW"/>
+              </a:p>
+            </p:txBody>
+          </p:sp>
+        </p:grpSp>
       </p:grpSp>
       <p:sp>
         <p:nvSpPr>
@@ -10068,10 +11130,10 @@
       </p:grpSpPr>
       <p:grpSp>
         <p:nvGrpSpPr>
-          <p:cNvPr id="45" name="Group 44">
+          <p:cNvPr id="20" name="Group 19">
             <a:extLst>
               <a:ext uri="{FF2B5EF4-FFF2-40B4-BE49-F238E27FC236}">
-                <a16:creationId xmlns:a16="http://schemas.microsoft.com/office/drawing/2014/main" id="{6850542D-4877-9BA1-8556-26DFF924516B}"/>
+                <a16:creationId xmlns:a16="http://schemas.microsoft.com/office/drawing/2014/main" id="{A4091DB5-A4FA-1C39-F6FD-393702AC2450}"/>
               </a:ext>
             </a:extLst>
           </p:cNvPr>
@@ -10080,48 +11142,18 @@
         </p:nvGrpSpPr>
         <p:grpSpPr>
           <a:xfrm>
-            <a:off x="0" y="-5766"/>
-            <a:ext cx="9144000" cy="6863766"/>
-            <a:chOff x="0" y="-5766"/>
-            <a:chExt cx="9144000" cy="6863766"/>
+            <a:off x="-1" y="-273209"/>
+            <a:ext cx="9141101" cy="7131209"/>
+            <a:chOff x="-1" y="-273209"/>
+            <a:chExt cx="9141101" cy="7131209"/>
           </a:xfrm>
         </p:grpSpPr>
         <p:pic>
           <p:nvPicPr>
-            <p:cNvPr id="4" name="Picture 3">
+            <p:cNvPr id="21" name="Picture 20">
               <a:extLst>
                 <a:ext uri="{FF2B5EF4-FFF2-40B4-BE49-F238E27FC236}">
-                  <a16:creationId xmlns:a16="http://schemas.microsoft.com/office/drawing/2014/main" id="{617996B7-90C5-BBCA-EC71-F8CDCB05A259}"/>
-                </a:ext>
-              </a:extLst>
-            </p:cNvPr>
-            <p:cNvPicPr>
-              <a:picLocks noChangeAspect="1"/>
-            </p:cNvPicPr>
-            <p:nvPr/>
-          </p:nvPicPr>
-          <p:blipFill>
-            <a:blip r:embed="rId3"/>
-            <a:stretch>
-              <a:fillRect/>
-            </a:stretch>
-          </p:blipFill>
-          <p:spPr>
-            <a:xfrm>
-              <a:off x="0" y="-5766"/>
-              <a:ext cx="9144000" cy="5143501"/>
-            </a:xfrm>
-            <a:prstGeom prst="rect">
-              <a:avLst/>
-            </a:prstGeom>
-          </p:spPr>
-        </p:pic>
-        <p:pic>
-          <p:nvPicPr>
-            <p:cNvPr id="44" name="Picture 43">
-              <a:extLst>
-                <a:ext uri="{FF2B5EF4-FFF2-40B4-BE49-F238E27FC236}">
-                  <a16:creationId xmlns:a16="http://schemas.microsoft.com/office/drawing/2014/main" id="{2924ACC8-D04C-D4DE-DA9C-A2F2B02E5E77}"/>
+                  <a16:creationId xmlns:a16="http://schemas.microsoft.com/office/drawing/2014/main" id="{52EFB746-1991-CC4F-9151-E1B229BD8FDD}"/>
                 </a:ext>
               </a:extLst>
             </p:cNvPr>
@@ -10132,19 +11164,196 @@
           </p:nvPicPr>
           <p:blipFill rotWithShape="1">
             <a:blip r:embed="rId3"/>
-            <a:srcRect t="28009"/>
+            <a:srcRect l="35534"/>
             <a:stretch/>
           </p:blipFill>
           <p:spPr>
             <a:xfrm>
-              <a:off x="0" y="3155147"/>
-              <a:ext cx="9144000" cy="3702853"/>
+              <a:off x="-1" y="-273209"/>
+              <a:ext cx="9141101" cy="7131209"/>
             </a:xfrm>
             <a:prstGeom prst="rect">
               <a:avLst/>
             </a:prstGeom>
           </p:spPr>
         </p:pic>
+        <p:grpSp>
+          <p:nvGrpSpPr>
+            <p:cNvPr id="22" name="Group 21">
+              <a:extLst>
+                <a:ext uri="{FF2B5EF4-FFF2-40B4-BE49-F238E27FC236}">
+                  <a16:creationId xmlns:a16="http://schemas.microsoft.com/office/drawing/2014/main" id="{CBC90695-1D25-8A1E-9E7B-A38B94A6873A}"/>
+                </a:ext>
+              </a:extLst>
+            </p:cNvPr>
+            <p:cNvGrpSpPr/>
+            <p:nvPr/>
+          </p:nvGrpSpPr>
+          <p:grpSpPr>
+            <a:xfrm>
+              <a:off x="379419" y="80682"/>
+              <a:ext cx="1336505" cy="362347"/>
+              <a:chOff x="443753" y="181173"/>
+              <a:chExt cx="1336505" cy="362347"/>
+            </a:xfrm>
+          </p:grpSpPr>
+          <p:sp>
+            <p:nvSpPr>
+              <p:cNvPr id="23" name="Oval 22">
+                <a:extLst>
+                  <a:ext uri="{FF2B5EF4-FFF2-40B4-BE49-F238E27FC236}">
+                    <a16:creationId xmlns:a16="http://schemas.microsoft.com/office/drawing/2014/main" id="{58C8C3A5-DD6D-46A6-4302-D1C66F528B3C}"/>
+                  </a:ext>
+                </a:extLst>
+              </p:cNvPr>
+              <p:cNvSpPr/>
+              <p:nvPr/>
+            </p:nvSpPr>
+            <p:spPr>
+              <a:xfrm>
+                <a:off x="443753" y="181173"/>
+                <a:ext cx="362347" cy="362347"/>
+              </a:xfrm>
+              <a:prstGeom prst="ellipse">
+                <a:avLst/>
+              </a:prstGeom>
+              <a:solidFill>
+                <a:srgbClr val="FF5F57"/>
+              </a:solidFill>
+              <a:ln>
+                <a:noFill/>
+              </a:ln>
+            </p:spPr>
+            <p:style>
+              <a:lnRef idx="2">
+                <a:schemeClr val="accent1">
+                  <a:shade val="15000"/>
+                </a:schemeClr>
+              </a:lnRef>
+              <a:fillRef idx="1">
+                <a:schemeClr val="accent1"/>
+              </a:fillRef>
+              <a:effectRef idx="0">
+                <a:schemeClr val="accent1"/>
+              </a:effectRef>
+              <a:fontRef idx="minor">
+                <a:schemeClr val="lt1"/>
+              </a:fontRef>
+            </p:style>
+            <p:txBody>
+              <a:bodyPr rtlCol="0" anchor="ctr"/>
+              <a:lstStyle/>
+              <a:p>
+                <a:pPr algn="ctr"/>
+                <a:endParaRPr lang="en-TW"/>
+              </a:p>
+            </p:txBody>
+          </p:sp>
+          <p:sp>
+            <p:nvSpPr>
+              <p:cNvPr id="24" name="Oval 23">
+                <a:extLst>
+                  <a:ext uri="{FF2B5EF4-FFF2-40B4-BE49-F238E27FC236}">
+                    <a16:creationId xmlns:a16="http://schemas.microsoft.com/office/drawing/2014/main" id="{BBD4A5AE-7B48-B341-BDFA-B757FE50291C}"/>
+                  </a:ext>
+                </a:extLst>
+              </p:cNvPr>
+              <p:cNvSpPr/>
+              <p:nvPr/>
+            </p:nvSpPr>
+            <p:spPr>
+              <a:xfrm>
+                <a:off x="930832" y="181173"/>
+                <a:ext cx="362347" cy="362347"/>
+              </a:xfrm>
+              <a:prstGeom prst="ellipse">
+                <a:avLst/>
+              </a:prstGeom>
+              <a:solidFill>
+                <a:srgbClr val="FEBD2E"/>
+              </a:solidFill>
+              <a:ln>
+                <a:noFill/>
+              </a:ln>
+            </p:spPr>
+            <p:style>
+              <a:lnRef idx="2">
+                <a:schemeClr val="accent1">
+                  <a:shade val="15000"/>
+                </a:schemeClr>
+              </a:lnRef>
+              <a:fillRef idx="1">
+                <a:schemeClr val="accent1"/>
+              </a:fillRef>
+              <a:effectRef idx="0">
+                <a:schemeClr val="accent1"/>
+              </a:effectRef>
+              <a:fontRef idx="minor">
+                <a:schemeClr val="lt1"/>
+              </a:fontRef>
+            </p:style>
+            <p:txBody>
+              <a:bodyPr rtlCol="0" anchor="ctr"/>
+              <a:lstStyle/>
+              <a:p>
+                <a:pPr algn="ctr"/>
+                <a:endParaRPr lang="en-TW"/>
+              </a:p>
+            </p:txBody>
+          </p:sp>
+          <p:sp>
+            <p:nvSpPr>
+              <p:cNvPr id="25" name="Oval 24">
+                <a:extLst>
+                  <a:ext uri="{FF2B5EF4-FFF2-40B4-BE49-F238E27FC236}">
+                    <a16:creationId xmlns:a16="http://schemas.microsoft.com/office/drawing/2014/main" id="{A633B14C-3910-DC61-F2E9-11433D726F7D}"/>
+                  </a:ext>
+                </a:extLst>
+              </p:cNvPr>
+              <p:cNvSpPr/>
+              <p:nvPr/>
+            </p:nvSpPr>
+            <p:spPr>
+              <a:xfrm>
+                <a:off x="1417911" y="181173"/>
+                <a:ext cx="362347" cy="362347"/>
+              </a:xfrm>
+              <a:prstGeom prst="ellipse">
+                <a:avLst/>
+              </a:prstGeom>
+              <a:solidFill>
+                <a:srgbClr val="27C841"/>
+              </a:solidFill>
+              <a:ln>
+                <a:noFill/>
+              </a:ln>
+            </p:spPr>
+            <p:style>
+              <a:lnRef idx="2">
+                <a:schemeClr val="accent1">
+                  <a:shade val="15000"/>
+                </a:schemeClr>
+              </a:lnRef>
+              <a:fillRef idx="1">
+                <a:schemeClr val="accent1"/>
+              </a:fillRef>
+              <a:effectRef idx="0">
+                <a:schemeClr val="accent1"/>
+              </a:effectRef>
+              <a:fontRef idx="minor">
+                <a:schemeClr val="lt1"/>
+              </a:fontRef>
+            </p:style>
+            <p:txBody>
+              <a:bodyPr rtlCol="0" anchor="ctr"/>
+              <a:lstStyle/>
+              <a:p>
+                <a:pPr algn="ctr"/>
+                <a:endParaRPr lang="en-TW"/>
+              </a:p>
+            </p:txBody>
+          </p:sp>
+        </p:grpSp>
       </p:grpSp>
       <p:sp>
         <p:nvSpPr>
@@ -10790,6 +11999,373 @@
 </p:sld>
 </file>
 
+<file path=ppt/slides/slide8.xml><?xml version="1.0" encoding="utf-8"?>
+<p:sld xmlns:a="http://schemas.openxmlformats.org/drawingml/2006/main" xmlns:r="http://schemas.openxmlformats.org/officeDocument/2006/relationships" xmlns:p="http://schemas.openxmlformats.org/presentationml/2006/main">
+  <p:cSld>
+    <p:spTree>
+      <p:nvGrpSpPr>
+        <p:cNvPr id="1" name=""/>
+        <p:cNvGrpSpPr/>
+        <p:nvPr/>
+      </p:nvGrpSpPr>
+      <p:grpSpPr>
+        <a:xfrm>
+          <a:off x="0" y="0"/>
+          <a:ext cx="0" cy="0"/>
+          <a:chOff x="0" y="0"/>
+          <a:chExt cx="0" cy="0"/>
+        </a:xfrm>
+      </p:grpSpPr>
+      <p:grpSp>
+        <p:nvGrpSpPr>
+          <p:cNvPr id="9" name="Group 8">
+            <a:extLst>
+              <a:ext uri="{FF2B5EF4-FFF2-40B4-BE49-F238E27FC236}">
+                <a16:creationId xmlns:a16="http://schemas.microsoft.com/office/drawing/2014/main" id="{41762E55-E1BF-2D4D-0DE0-3DB1349BA454}"/>
+              </a:ext>
+            </a:extLst>
+          </p:cNvPr>
+          <p:cNvGrpSpPr/>
+          <p:nvPr/>
+        </p:nvGrpSpPr>
+        <p:grpSpPr>
+          <a:xfrm>
+            <a:off x="-1" y="-273209"/>
+            <a:ext cx="9141101" cy="7131209"/>
+            <a:chOff x="-1" y="-273209"/>
+            <a:chExt cx="9141101" cy="7131209"/>
+          </a:xfrm>
+        </p:grpSpPr>
+        <p:pic>
+          <p:nvPicPr>
+            <p:cNvPr id="2" name="Picture 1">
+              <a:extLst>
+                <a:ext uri="{FF2B5EF4-FFF2-40B4-BE49-F238E27FC236}">
+                  <a16:creationId xmlns:a16="http://schemas.microsoft.com/office/drawing/2014/main" id="{F8D542F6-2406-0E87-EBC8-FA9A14EE0A17}"/>
+                </a:ext>
+              </a:extLst>
+            </p:cNvPr>
+            <p:cNvPicPr>
+              <a:picLocks noChangeAspect="1"/>
+            </p:cNvPicPr>
+            <p:nvPr/>
+          </p:nvPicPr>
+          <p:blipFill rotWithShape="1">
+            <a:blip r:embed="rId3"/>
+            <a:srcRect l="35534"/>
+            <a:stretch/>
+          </p:blipFill>
+          <p:spPr>
+            <a:xfrm>
+              <a:off x="-1" y="-273209"/>
+              <a:ext cx="9141101" cy="7131209"/>
+            </a:xfrm>
+            <a:prstGeom prst="rect">
+              <a:avLst/>
+            </a:prstGeom>
+          </p:spPr>
+        </p:pic>
+        <p:grpSp>
+          <p:nvGrpSpPr>
+            <p:cNvPr id="8" name="Group 7">
+              <a:extLst>
+                <a:ext uri="{FF2B5EF4-FFF2-40B4-BE49-F238E27FC236}">
+                  <a16:creationId xmlns:a16="http://schemas.microsoft.com/office/drawing/2014/main" id="{2858C3C5-EBFF-30B6-B61B-9A16671B188E}"/>
+                </a:ext>
+              </a:extLst>
+            </p:cNvPr>
+            <p:cNvGrpSpPr/>
+            <p:nvPr/>
+          </p:nvGrpSpPr>
+          <p:grpSpPr>
+            <a:xfrm>
+              <a:off x="379419" y="80682"/>
+              <a:ext cx="1336505" cy="362347"/>
+              <a:chOff x="443753" y="181173"/>
+              <a:chExt cx="1336505" cy="362347"/>
+            </a:xfrm>
+          </p:grpSpPr>
+          <p:sp>
+            <p:nvSpPr>
+              <p:cNvPr id="4" name="Oval 3">
+                <a:extLst>
+                  <a:ext uri="{FF2B5EF4-FFF2-40B4-BE49-F238E27FC236}">
+                    <a16:creationId xmlns:a16="http://schemas.microsoft.com/office/drawing/2014/main" id="{5B621C08-1836-737E-B335-36A6734E6810}"/>
+                  </a:ext>
+                </a:extLst>
+              </p:cNvPr>
+              <p:cNvSpPr/>
+              <p:nvPr/>
+            </p:nvSpPr>
+            <p:spPr>
+              <a:xfrm>
+                <a:off x="443753" y="181173"/>
+                <a:ext cx="362347" cy="362347"/>
+              </a:xfrm>
+              <a:prstGeom prst="ellipse">
+                <a:avLst/>
+              </a:prstGeom>
+              <a:solidFill>
+                <a:srgbClr val="FF5F57"/>
+              </a:solidFill>
+              <a:ln>
+                <a:noFill/>
+              </a:ln>
+            </p:spPr>
+            <p:style>
+              <a:lnRef idx="2">
+                <a:schemeClr val="accent1">
+                  <a:shade val="15000"/>
+                </a:schemeClr>
+              </a:lnRef>
+              <a:fillRef idx="1">
+                <a:schemeClr val="accent1"/>
+              </a:fillRef>
+              <a:effectRef idx="0">
+                <a:schemeClr val="accent1"/>
+              </a:effectRef>
+              <a:fontRef idx="minor">
+                <a:schemeClr val="lt1"/>
+              </a:fontRef>
+            </p:style>
+            <p:txBody>
+              <a:bodyPr rtlCol="0" anchor="ctr"/>
+              <a:lstStyle/>
+              <a:p>
+                <a:pPr algn="ctr"/>
+                <a:endParaRPr lang="en-TW"/>
+              </a:p>
+            </p:txBody>
+          </p:sp>
+          <p:sp>
+            <p:nvSpPr>
+              <p:cNvPr id="6" name="Oval 5">
+                <a:extLst>
+                  <a:ext uri="{FF2B5EF4-FFF2-40B4-BE49-F238E27FC236}">
+                    <a16:creationId xmlns:a16="http://schemas.microsoft.com/office/drawing/2014/main" id="{0D3ADC91-3D1A-E467-4C00-58DC6F06BB50}"/>
+                  </a:ext>
+                </a:extLst>
+              </p:cNvPr>
+              <p:cNvSpPr/>
+              <p:nvPr/>
+            </p:nvSpPr>
+            <p:spPr>
+              <a:xfrm>
+                <a:off x="930832" y="181173"/>
+                <a:ext cx="362347" cy="362347"/>
+              </a:xfrm>
+              <a:prstGeom prst="ellipse">
+                <a:avLst/>
+              </a:prstGeom>
+              <a:solidFill>
+                <a:srgbClr val="FEBD2E"/>
+              </a:solidFill>
+              <a:ln>
+                <a:noFill/>
+              </a:ln>
+            </p:spPr>
+            <p:style>
+              <a:lnRef idx="2">
+                <a:schemeClr val="accent1">
+                  <a:shade val="15000"/>
+                </a:schemeClr>
+              </a:lnRef>
+              <a:fillRef idx="1">
+                <a:schemeClr val="accent1"/>
+              </a:fillRef>
+              <a:effectRef idx="0">
+                <a:schemeClr val="accent1"/>
+              </a:effectRef>
+              <a:fontRef idx="minor">
+                <a:schemeClr val="lt1"/>
+              </a:fontRef>
+            </p:style>
+            <p:txBody>
+              <a:bodyPr rtlCol="0" anchor="ctr"/>
+              <a:lstStyle/>
+              <a:p>
+                <a:pPr algn="ctr"/>
+                <a:endParaRPr lang="en-TW"/>
+              </a:p>
+            </p:txBody>
+          </p:sp>
+          <p:sp>
+            <p:nvSpPr>
+              <p:cNvPr id="7" name="Oval 6">
+                <a:extLst>
+                  <a:ext uri="{FF2B5EF4-FFF2-40B4-BE49-F238E27FC236}">
+                    <a16:creationId xmlns:a16="http://schemas.microsoft.com/office/drawing/2014/main" id="{FE074333-2D3E-C79E-F0B8-D89DB6C4876C}"/>
+                  </a:ext>
+                </a:extLst>
+              </p:cNvPr>
+              <p:cNvSpPr/>
+              <p:nvPr/>
+            </p:nvSpPr>
+            <p:spPr>
+              <a:xfrm>
+                <a:off x="1417911" y="181173"/>
+                <a:ext cx="362347" cy="362347"/>
+              </a:xfrm>
+              <a:prstGeom prst="ellipse">
+                <a:avLst/>
+              </a:prstGeom>
+              <a:solidFill>
+                <a:srgbClr val="27C841"/>
+              </a:solidFill>
+              <a:ln>
+                <a:noFill/>
+              </a:ln>
+            </p:spPr>
+            <p:style>
+              <a:lnRef idx="2">
+                <a:schemeClr val="accent1">
+                  <a:shade val="15000"/>
+                </a:schemeClr>
+              </a:lnRef>
+              <a:fillRef idx="1">
+                <a:schemeClr val="accent1"/>
+              </a:fillRef>
+              <a:effectRef idx="0">
+                <a:schemeClr val="accent1"/>
+              </a:effectRef>
+              <a:fontRef idx="minor">
+                <a:schemeClr val="lt1"/>
+              </a:fontRef>
+            </p:style>
+            <p:txBody>
+              <a:bodyPr rtlCol="0" anchor="ctr"/>
+              <a:lstStyle/>
+              <a:p>
+                <a:pPr algn="ctr"/>
+                <a:endParaRPr lang="en-TW"/>
+              </a:p>
+            </p:txBody>
+          </p:sp>
+        </p:grpSp>
+      </p:grpSp>
+    </p:spTree>
+    <p:extLst>
+      <p:ext uri="{BB962C8B-B14F-4D97-AF65-F5344CB8AC3E}">
+        <p14:creationId xmlns:p14="http://schemas.microsoft.com/office/powerpoint/2010/main" val="3894181209"/>
+      </p:ext>
+    </p:extLst>
+  </p:cSld>
+  <p:clrMapOvr>
+    <a:masterClrMapping/>
+  </p:clrMapOvr>
+</p:sld>
+</file>
+
+<file path=ppt/slides/slide9.xml><?xml version="1.0" encoding="utf-8"?>
+<p:sld xmlns:a="http://schemas.openxmlformats.org/drawingml/2006/main" xmlns:r="http://schemas.openxmlformats.org/officeDocument/2006/relationships" xmlns:p="http://schemas.openxmlformats.org/presentationml/2006/main">
+  <p:cSld>
+    <p:spTree>
+      <p:nvGrpSpPr>
+        <p:cNvPr id="1" name=""/>
+        <p:cNvGrpSpPr/>
+        <p:nvPr/>
+      </p:nvGrpSpPr>
+      <p:grpSpPr>
+        <a:xfrm>
+          <a:off x="0" y="0"/>
+          <a:ext cx="0" cy="0"/>
+          <a:chOff x="0" y="0"/>
+          <a:chExt cx="0" cy="0"/>
+        </a:xfrm>
+      </p:grpSpPr>
+      <p:grpSp>
+        <p:nvGrpSpPr>
+          <p:cNvPr id="45" name="Group 44">
+            <a:extLst>
+              <a:ext uri="{FF2B5EF4-FFF2-40B4-BE49-F238E27FC236}">
+                <a16:creationId xmlns:a16="http://schemas.microsoft.com/office/drawing/2014/main" id="{6850542D-4877-9BA1-8556-26DFF924516B}"/>
+              </a:ext>
+            </a:extLst>
+          </p:cNvPr>
+          <p:cNvGrpSpPr/>
+          <p:nvPr/>
+        </p:nvGrpSpPr>
+        <p:grpSpPr>
+          <a:xfrm>
+            <a:off x="0" y="-5766"/>
+            <a:ext cx="9144000" cy="6863766"/>
+            <a:chOff x="0" y="-5766"/>
+            <a:chExt cx="9144000" cy="6863766"/>
+          </a:xfrm>
+        </p:grpSpPr>
+        <p:pic>
+          <p:nvPicPr>
+            <p:cNvPr id="4" name="Picture 3">
+              <a:extLst>
+                <a:ext uri="{FF2B5EF4-FFF2-40B4-BE49-F238E27FC236}">
+                  <a16:creationId xmlns:a16="http://schemas.microsoft.com/office/drawing/2014/main" id="{617996B7-90C5-BBCA-EC71-F8CDCB05A259}"/>
+                </a:ext>
+              </a:extLst>
+            </p:cNvPr>
+            <p:cNvPicPr>
+              <a:picLocks noChangeAspect="1"/>
+            </p:cNvPicPr>
+            <p:nvPr/>
+          </p:nvPicPr>
+          <p:blipFill>
+            <a:blip r:embed="rId3"/>
+            <a:stretch>
+              <a:fillRect/>
+            </a:stretch>
+          </p:blipFill>
+          <p:spPr>
+            <a:xfrm>
+              <a:off x="0" y="-5766"/>
+              <a:ext cx="9144000" cy="5143501"/>
+            </a:xfrm>
+            <a:prstGeom prst="rect">
+              <a:avLst/>
+            </a:prstGeom>
+          </p:spPr>
+        </p:pic>
+        <p:pic>
+          <p:nvPicPr>
+            <p:cNvPr id="44" name="Picture 43">
+              <a:extLst>
+                <a:ext uri="{FF2B5EF4-FFF2-40B4-BE49-F238E27FC236}">
+                  <a16:creationId xmlns:a16="http://schemas.microsoft.com/office/drawing/2014/main" id="{2924ACC8-D04C-D4DE-DA9C-A2F2B02E5E77}"/>
+                </a:ext>
+              </a:extLst>
+            </p:cNvPr>
+            <p:cNvPicPr>
+              <a:picLocks noChangeAspect="1"/>
+            </p:cNvPicPr>
+            <p:nvPr/>
+          </p:nvPicPr>
+          <p:blipFill rotWithShape="1">
+            <a:blip r:embed="rId3"/>
+            <a:srcRect t="28009"/>
+            <a:stretch/>
+          </p:blipFill>
+          <p:spPr>
+            <a:xfrm>
+              <a:off x="0" y="3155147"/>
+              <a:ext cx="9144000" cy="3702853"/>
+            </a:xfrm>
+            <a:prstGeom prst="rect">
+              <a:avLst/>
+            </a:prstGeom>
+          </p:spPr>
+        </p:pic>
+      </p:grpSp>
+    </p:spTree>
+    <p:extLst>
+      <p:ext uri="{BB962C8B-B14F-4D97-AF65-F5344CB8AC3E}">
+        <p14:creationId xmlns:p14="http://schemas.microsoft.com/office/powerpoint/2010/main" val="177634898"/>
+      </p:ext>
+    </p:extLst>
+  </p:cSld>
+  <p:clrMapOvr>
+    <a:masterClrMapping/>
+  </p:clrMapOvr>
+</p:sld>
+</file>
+
 <file path=ppt/theme/theme1.xml><?xml version="1.0" encoding="utf-8"?>
 <a:theme xmlns:a="http://schemas.openxmlformats.org/drawingml/2006/main" name="Office Theme">
   <a:themeElements>

--- a/project image.pptx
+++ b/project image.pptx
@@ -11369,8 +11369,8 @@
         </p:nvSpPr>
         <p:spPr>
           <a:xfrm>
-            <a:off x="1658315" y="1619368"/>
-            <a:ext cx="5959311" cy="2308324"/>
+            <a:off x="1729799" y="1619368"/>
+            <a:ext cx="5754651" cy="2308324"/>
           </a:xfrm>
           <a:prstGeom prst="rect">
             <a:avLst/>
@@ -11384,7 +11384,7 @@
           <a:lstStyle/>
           <a:p>
             <a:r>
-              <a:rPr lang="en-US" sz="7200" b="1" i="0" dirty="0">
+              <a:rPr lang="en-US" sz="7000" b="1" i="0" dirty="0">
                 <a:solidFill>
                   <a:srgbClr val="AD5545"/>
                 </a:solidFill>
@@ -11395,7 +11395,7 @@
               <a:t>Multi-User </a:t>
             </a:r>
             <a:r>
-              <a:rPr lang="en-US" sz="7200" b="1" i="0" dirty="0">
+              <a:rPr lang="en-US" sz="7000" b="1" i="0" dirty="0">
                 <a:effectLst/>
                 <a:latin typeface="Bangla MN" pitchFamily="2" charset="0"/>
                 <a:cs typeface="Bangla MN" pitchFamily="2" charset="0"/>

--- a/project image.pptx
+++ b/project image.pptx
@@ -5,7 +5,7 @@
     <p:sldMasterId id="2147483660" r:id="rId1"/>
   </p:sldMasterIdLst>
   <p:notesMasterIdLst>
-    <p:notesMasterId r:id="rId11"/>
+    <p:notesMasterId r:id="rId12"/>
   </p:notesMasterIdLst>
   <p:sldIdLst>
     <p:sldId id="263" r:id="rId2"/>
@@ -16,7 +16,8 @@
     <p:sldId id="261" r:id="rId7"/>
     <p:sldId id="262" r:id="rId8"/>
     <p:sldId id="266" r:id="rId9"/>
-    <p:sldId id="267" r:id="rId10"/>
+    <p:sldId id="268" r:id="rId10"/>
+    <p:sldId id="267" r:id="rId11"/>
   </p:sldIdLst>
   <p:sldSz cx="9144000" cy="6858000" type="screen4x3"/>
   <p:notesSz cx="6858000" cy="9144000"/>
@@ -115,6 +116,11 @@
       </a:defRPr>
     </a:lvl9pPr>
   </p:defaultTextStyle>
+  <p:extLst>
+    <p:ext uri="{EFAFB233-063F-42B5-8137-9DF3F51BA10A}">
+      <p15:sldGuideLst xmlns:p15="http://schemas.microsoft.com/office/powerpoint/2012/main"/>
+    </p:ext>
+  </p:extLst>
 </p:presentation>
 </file>
 
@@ -200,7 +206,7 @@
           <a:p>
             <a:fld id="{B984E005-AECD-D649-A0E6-7B84A89EEE7F}" type="datetimeFigureOut">
               <a:rPr lang="en-TW" smtClean="0"/>
-              <a:t>2023/7/1</a:t>
+              <a:t>2023/7/2</a:t>
             </a:fld>
             <a:endParaRPr lang="en-TW"/>
           </a:p>
@@ -557,6 +563,95 @@
 </p:notes>
 </file>
 
+<file path=ppt/notesSlides/notesSlide10.xml><?xml version="1.0" encoding="utf-8"?>
+<p:notes xmlns:a="http://schemas.openxmlformats.org/drawingml/2006/main" xmlns:r="http://schemas.openxmlformats.org/officeDocument/2006/relationships" xmlns:p="http://schemas.openxmlformats.org/presentationml/2006/main">
+  <p:cSld>
+    <p:spTree>
+      <p:nvGrpSpPr>
+        <p:cNvPr id="1" name=""/>
+        <p:cNvGrpSpPr/>
+        <p:nvPr/>
+      </p:nvGrpSpPr>
+      <p:grpSpPr>
+        <a:xfrm>
+          <a:off x="0" y="0"/>
+          <a:ext cx="0" cy="0"/>
+          <a:chOff x="0" y="0"/>
+          <a:chExt cx="0" cy="0"/>
+        </a:xfrm>
+      </p:grpSpPr>
+      <p:sp>
+        <p:nvSpPr>
+          <p:cNvPr id="2" name="Slide Image Placeholder 1"/>
+          <p:cNvSpPr>
+            <a:spLocks noGrp="1" noRot="1" noChangeAspect="1"/>
+          </p:cNvSpPr>
+          <p:nvPr>
+            <p:ph type="sldImg"/>
+          </p:nvPr>
+        </p:nvSpPr>
+        <p:spPr>
+          <a:xfrm>
+            <a:off x="1371600" y="1143000"/>
+            <a:ext cx="4114800" cy="3086100"/>
+          </a:xfrm>
+        </p:spPr>
+      </p:sp>
+      <p:sp>
+        <p:nvSpPr>
+          <p:cNvPr id="3" name="Notes Placeholder 2"/>
+          <p:cNvSpPr>
+            <a:spLocks noGrp="1"/>
+          </p:cNvSpPr>
+          <p:nvPr>
+            <p:ph type="body" idx="1"/>
+          </p:nvPr>
+        </p:nvSpPr>
+        <p:spPr/>
+        <p:txBody>
+          <a:bodyPr/>
+          <a:lstStyle/>
+          <a:p>
+            <a:endParaRPr lang="en-TW" dirty="0"/>
+          </a:p>
+        </p:txBody>
+      </p:sp>
+      <p:sp>
+        <p:nvSpPr>
+          <p:cNvPr id="4" name="Slide Number Placeholder 3"/>
+          <p:cNvSpPr>
+            <a:spLocks noGrp="1"/>
+          </p:cNvSpPr>
+          <p:nvPr>
+            <p:ph type="sldNum" sz="quarter" idx="5"/>
+          </p:nvPr>
+        </p:nvSpPr>
+        <p:spPr/>
+        <p:txBody>
+          <a:bodyPr/>
+          <a:lstStyle/>
+          <a:p>
+            <a:fld id="{BE4677E2-809D-D444-8BE4-D4BE08F1B023}" type="slidenum">
+              <a:rPr lang="en-TW" smtClean="0"/>
+              <a:t>10</a:t>
+            </a:fld>
+            <a:endParaRPr lang="en-TW"/>
+          </a:p>
+        </p:txBody>
+      </p:sp>
+    </p:spTree>
+    <p:extLst>
+      <p:ext uri="{BB962C8B-B14F-4D97-AF65-F5344CB8AC3E}">
+        <p14:creationId xmlns:p14="http://schemas.microsoft.com/office/powerpoint/2010/main" val="4104857933"/>
+      </p:ext>
+    </p:extLst>
+  </p:cSld>
+  <p:clrMapOvr>
+    <a:masterClrMapping/>
+  </p:clrMapOvr>
+</p:notes>
+</file>
+
 <file path=ppt/notesSlides/notesSlide2.xml><?xml version="1.0" encoding="utf-8"?>
 <p:notes xmlns:a="http://schemas.openxmlformats.org/drawingml/2006/main" xmlns:r="http://schemas.openxmlformats.org/officeDocument/2006/relationships" xmlns:p="http://schemas.openxmlformats.org/presentationml/2006/main">
   <p:cSld>
@@ -1259,7 +1354,7 @@
     </p:spTree>
     <p:extLst>
       <p:ext uri="{BB962C8B-B14F-4D97-AF65-F5344CB8AC3E}">
-        <p14:creationId xmlns:p14="http://schemas.microsoft.com/office/powerpoint/2010/main" val="4104857933"/>
+        <p14:creationId xmlns:p14="http://schemas.microsoft.com/office/powerpoint/2010/main" val="3070475224"/>
       </p:ext>
     </p:extLst>
   </p:cSld>
@@ -1400,7 +1495,7 @@
           <a:p>
             <a:fld id="{A639FD2D-648F-3147-B6C2-C6D884B6DA53}" type="datetimeFigureOut">
               <a:rPr lang="en-TW" smtClean="0"/>
-              <a:t>2023/7/1</a:t>
+              <a:t>2023/7/2</a:t>
             </a:fld>
             <a:endParaRPr lang="en-TW"/>
           </a:p>
@@ -1570,7 +1665,7 @@
           <a:p>
             <a:fld id="{A639FD2D-648F-3147-B6C2-C6D884B6DA53}" type="datetimeFigureOut">
               <a:rPr lang="en-TW" smtClean="0"/>
-              <a:t>2023/7/1</a:t>
+              <a:t>2023/7/2</a:t>
             </a:fld>
             <a:endParaRPr lang="en-TW"/>
           </a:p>
@@ -1750,7 +1845,7 @@
           <a:p>
             <a:fld id="{A639FD2D-648F-3147-B6C2-C6D884B6DA53}" type="datetimeFigureOut">
               <a:rPr lang="en-TW" smtClean="0"/>
-              <a:t>2023/7/1</a:t>
+              <a:t>2023/7/2</a:t>
             </a:fld>
             <a:endParaRPr lang="en-TW"/>
           </a:p>
@@ -1920,7 +2015,7 @@
           <a:p>
             <a:fld id="{A639FD2D-648F-3147-B6C2-C6D884B6DA53}" type="datetimeFigureOut">
               <a:rPr lang="en-TW" smtClean="0"/>
-              <a:t>2023/7/1</a:t>
+              <a:t>2023/7/2</a:t>
             </a:fld>
             <a:endParaRPr lang="en-TW"/>
           </a:p>
@@ -2164,7 +2259,7 @@
           <a:p>
             <a:fld id="{A639FD2D-648F-3147-B6C2-C6D884B6DA53}" type="datetimeFigureOut">
               <a:rPr lang="en-TW" smtClean="0"/>
-              <a:t>2023/7/1</a:t>
+              <a:t>2023/7/2</a:t>
             </a:fld>
             <a:endParaRPr lang="en-TW"/>
           </a:p>
@@ -2396,7 +2491,7 @@
           <a:p>
             <a:fld id="{A639FD2D-648F-3147-B6C2-C6D884B6DA53}" type="datetimeFigureOut">
               <a:rPr lang="en-TW" smtClean="0"/>
-              <a:t>2023/7/1</a:t>
+              <a:t>2023/7/2</a:t>
             </a:fld>
             <a:endParaRPr lang="en-TW"/>
           </a:p>
@@ -2763,7 +2858,7 @@
           <a:p>
             <a:fld id="{A639FD2D-648F-3147-B6C2-C6D884B6DA53}" type="datetimeFigureOut">
               <a:rPr lang="en-TW" smtClean="0"/>
-              <a:t>2023/7/1</a:t>
+              <a:t>2023/7/2</a:t>
             </a:fld>
             <a:endParaRPr lang="en-TW"/>
           </a:p>
@@ -2881,7 +2976,7 @@
           <a:p>
             <a:fld id="{A639FD2D-648F-3147-B6C2-C6D884B6DA53}" type="datetimeFigureOut">
               <a:rPr lang="en-TW" smtClean="0"/>
-              <a:t>2023/7/1</a:t>
+              <a:t>2023/7/2</a:t>
             </a:fld>
             <a:endParaRPr lang="en-TW"/>
           </a:p>
@@ -2976,7 +3071,7 @@
           <a:p>
             <a:fld id="{A639FD2D-648F-3147-B6C2-C6D884B6DA53}" type="datetimeFigureOut">
               <a:rPr lang="en-TW" smtClean="0"/>
-              <a:t>2023/7/1</a:t>
+              <a:t>2023/7/2</a:t>
             </a:fld>
             <a:endParaRPr lang="en-TW"/>
           </a:p>
@@ -3253,7 +3348,7 @@
           <a:p>
             <a:fld id="{A639FD2D-648F-3147-B6C2-C6D884B6DA53}" type="datetimeFigureOut">
               <a:rPr lang="en-TW" smtClean="0"/>
-              <a:t>2023/7/1</a:t>
+              <a:t>2023/7/2</a:t>
             </a:fld>
             <a:endParaRPr lang="en-TW"/>
           </a:p>
@@ -3509,7 +3604,7 @@
           <a:p>
             <a:fld id="{A639FD2D-648F-3147-B6C2-C6D884B6DA53}" type="datetimeFigureOut">
               <a:rPr lang="en-TW" smtClean="0"/>
-              <a:t>2023/7/1</a:t>
+              <a:t>2023/7/2</a:t>
             </a:fld>
             <a:endParaRPr lang="en-TW"/>
           </a:p>
@@ -3722,7 +3817,7 @@
           <a:p>
             <a:fld id="{A639FD2D-648F-3147-B6C2-C6D884B6DA53}" type="datetimeFigureOut">
               <a:rPr lang="en-TW" smtClean="0"/>
-              <a:t>2023/7/1</a:t>
+              <a:t>2023/7/2</a:t>
             </a:fld>
             <a:endParaRPr lang="en-TW"/>
           </a:p>
@@ -5406,6 +5501,116 @@
     <p:extLst>
       <p:ext uri="{BB962C8B-B14F-4D97-AF65-F5344CB8AC3E}">
         <p14:creationId xmlns:p14="http://schemas.microsoft.com/office/powerpoint/2010/main" val="1758696733"/>
+      </p:ext>
+    </p:extLst>
+  </p:cSld>
+  <p:clrMapOvr>
+    <a:masterClrMapping/>
+  </p:clrMapOvr>
+</p:sld>
+</file>
+
+<file path=ppt/slides/slide10.xml><?xml version="1.0" encoding="utf-8"?>
+<p:sld xmlns:a="http://schemas.openxmlformats.org/drawingml/2006/main" xmlns:r="http://schemas.openxmlformats.org/officeDocument/2006/relationships" xmlns:p="http://schemas.openxmlformats.org/presentationml/2006/main">
+  <p:cSld>
+    <p:spTree>
+      <p:nvGrpSpPr>
+        <p:cNvPr id="1" name=""/>
+        <p:cNvGrpSpPr/>
+        <p:nvPr/>
+      </p:nvGrpSpPr>
+      <p:grpSpPr>
+        <a:xfrm>
+          <a:off x="0" y="0"/>
+          <a:ext cx="0" cy="0"/>
+          <a:chOff x="0" y="0"/>
+          <a:chExt cx="0" cy="0"/>
+        </a:xfrm>
+      </p:grpSpPr>
+      <p:grpSp>
+        <p:nvGrpSpPr>
+          <p:cNvPr id="45" name="Group 44">
+            <a:extLst>
+              <a:ext uri="{FF2B5EF4-FFF2-40B4-BE49-F238E27FC236}">
+                <a16:creationId xmlns:a16="http://schemas.microsoft.com/office/drawing/2014/main" id="{6850542D-4877-9BA1-8556-26DFF924516B}"/>
+              </a:ext>
+            </a:extLst>
+          </p:cNvPr>
+          <p:cNvGrpSpPr/>
+          <p:nvPr/>
+        </p:nvGrpSpPr>
+        <p:grpSpPr>
+          <a:xfrm>
+            <a:off x="0" y="-5766"/>
+            <a:ext cx="9144000" cy="6863766"/>
+            <a:chOff x="0" y="-5766"/>
+            <a:chExt cx="9144000" cy="6863766"/>
+          </a:xfrm>
+        </p:grpSpPr>
+        <p:pic>
+          <p:nvPicPr>
+            <p:cNvPr id="4" name="Picture 3">
+              <a:extLst>
+                <a:ext uri="{FF2B5EF4-FFF2-40B4-BE49-F238E27FC236}">
+                  <a16:creationId xmlns:a16="http://schemas.microsoft.com/office/drawing/2014/main" id="{617996B7-90C5-BBCA-EC71-F8CDCB05A259}"/>
+                </a:ext>
+              </a:extLst>
+            </p:cNvPr>
+            <p:cNvPicPr>
+              <a:picLocks noChangeAspect="1"/>
+            </p:cNvPicPr>
+            <p:nvPr/>
+          </p:nvPicPr>
+          <p:blipFill>
+            <a:blip r:embed="rId3"/>
+            <a:stretch>
+              <a:fillRect/>
+            </a:stretch>
+          </p:blipFill>
+          <p:spPr>
+            <a:xfrm>
+              <a:off x="0" y="-5766"/>
+              <a:ext cx="9144000" cy="5143501"/>
+            </a:xfrm>
+            <a:prstGeom prst="rect">
+              <a:avLst/>
+            </a:prstGeom>
+          </p:spPr>
+        </p:pic>
+        <p:pic>
+          <p:nvPicPr>
+            <p:cNvPr id="44" name="Picture 43">
+              <a:extLst>
+                <a:ext uri="{FF2B5EF4-FFF2-40B4-BE49-F238E27FC236}">
+                  <a16:creationId xmlns:a16="http://schemas.microsoft.com/office/drawing/2014/main" id="{2924ACC8-D04C-D4DE-DA9C-A2F2B02E5E77}"/>
+                </a:ext>
+              </a:extLst>
+            </p:cNvPr>
+            <p:cNvPicPr>
+              <a:picLocks noChangeAspect="1"/>
+            </p:cNvPicPr>
+            <p:nvPr/>
+          </p:nvPicPr>
+          <p:blipFill rotWithShape="1">
+            <a:blip r:embed="rId3"/>
+            <a:srcRect t="28009"/>
+            <a:stretch/>
+          </p:blipFill>
+          <p:spPr>
+            <a:xfrm>
+              <a:off x="0" y="3155147"/>
+              <a:ext cx="9144000" cy="3702853"/>
+            </a:xfrm>
+            <a:prstGeom prst="rect">
+              <a:avLst/>
+            </a:prstGeom>
+          </p:spPr>
+        </p:pic>
+      </p:grpSp>
+    </p:spTree>
+    <p:extLst>
+      <p:ext uri="{BB962C8B-B14F-4D97-AF65-F5344CB8AC3E}">
+        <p14:creationId xmlns:p14="http://schemas.microsoft.com/office/powerpoint/2010/main" val="177634898"/>
       </p:ext>
     </p:extLst>
   </p:cSld>
@@ -12016,12 +12221,41 @@
           <a:chExt cx="0" cy="0"/>
         </a:xfrm>
       </p:grpSpPr>
+      <p:pic>
+        <p:nvPicPr>
+          <p:cNvPr id="2" name="Picture 1">
+            <a:extLst>
+              <a:ext uri="{FF2B5EF4-FFF2-40B4-BE49-F238E27FC236}">
+                <a16:creationId xmlns:a16="http://schemas.microsoft.com/office/drawing/2014/main" id="{F8D542F6-2406-0E87-EBC8-FA9A14EE0A17}"/>
+              </a:ext>
+            </a:extLst>
+          </p:cNvPr>
+          <p:cNvPicPr>
+            <a:picLocks noChangeAspect="1"/>
+          </p:cNvPicPr>
+          <p:nvPr/>
+        </p:nvPicPr>
+        <p:blipFill rotWithShape="1">
+          <a:blip r:embed="rId3"/>
+          <a:srcRect l="35534"/>
+          <a:stretch/>
+        </p:blipFill>
+        <p:spPr>
+          <a:xfrm>
+            <a:off x="2899" y="0"/>
+            <a:ext cx="9141101" cy="6858000"/>
+          </a:xfrm>
+          <a:prstGeom prst="rect">
+            <a:avLst/>
+          </a:prstGeom>
+        </p:spPr>
+      </p:pic>
       <p:grpSp>
         <p:nvGrpSpPr>
-          <p:cNvPr id="9" name="Group 8">
+          <p:cNvPr id="3" name="Group 2">
             <a:extLst>
               <a:ext uri="{FF2B5EF4-FFF2-40B4-BE49-F238E27FC236}">
-                <a16:creationId xmlns:a16="http://schemas.microsoft.com/office/drawing/2014/main" id="{41762E55-E1BF-2D4D-0DE0-3DB1349BA454}"/>
+                <a16:creationId xmlns:a16="http://schemas.microsoft.com/office/drawing/2014/main" id="{9451E72E-91BA-FF8A-B9C3-95BE14F05015}"/>
               </a:ext>
             </a:extLst>
           </p:cNvPr>
@@ -12030,218 +12264,168 @@
         </p:nvGrpSpPr>
         <p:grpSpPr>
           <a:xfrm>
-            <a:off x="-1" y="-273209"/>
-            <a:ext cx="9141101" cy="7131209"/>
-            <a:chOff x="-1" y="-273209"/>
-            <a:chExt cx="9141101" cy="7131209"/>
+            <a:off x="379419" y="352145"/>
+            <a:ext cx="1336505" cy="362347"/>
+            <a:chOff x="443753" y="181173"/>
+            <a:chExt cx="1336505" cy="362347"/>
           </a:xfrm>
         </p:grpSpPr>
-        <p:pic>
-          <p:nvPicPr>
-            <p:cNvPr id="2" name="Picture 1">
+        <p:sp>
+          <p:nvSpPr>
+            <p:cNvPr id="5" name="Oval 4">
               <a:extLst>
                 <a:ext uri="{FF2B5EF4-FFF2-40B4-BE49-F238E27FC236}">
-                  <a16:creationId xmlns:a16="http://schemas.microsoft.com/office/drawing/2014/main" id="{F8D542F6-2406-0E87-EBC8-FA9A14EE0A17}"/>
+                  <a16:creationId xmlns:a16="http://schemas.microsoft.com/office/drawing/2014/main" id="{2B2D43F3-AB0F-7F24-E656-DA1521E7CAAC}"/>
                 </a:ext>
               </a:extLst>
             </p:cNvPr>
-            <p:cNvPicPr>
-              <a:picLocks noChangeAspect="1"/>
-            </p:cNvPicPr>
+            <p:cNvSpPr/>
             <p:nvPr/>
-          </p:nvPicPr>
-          <p:blipFill rotWithShape="1">
-            <a:blip r:embed="rId3"/>
-            <a:srcRect l="35534"/>
-            <a:stretch/>
-          </p:blipFill>
+          </p:nvSpPr>
           <p:spPr>
             <a:xfrm>
-              <a:off x="-1" y="-273209"/>
-              <a:ext cx="9141101" cy="7131209"/>
+              <a:off x="443753" y="181173"/>
+              <a:ext cx="362347" cy="362347"/>
             </a:xfrm>
-            <a:prstGeom prst="rect">
+            <a:prstGeom prst="ellipse">
               <a:avLst/>
             </a:prstGeom>
+            <a:solidFill>
+              <a:srgbClr val="FF5F57"/>
+            </a:solidFill>
+            <a:ln>
+              <a:noFill/>
+            </a:ln>
           </p:spPr>
-        </p:pic>
-        <p:grpSp>
-          <p:nvGrpSpPr>
-            <p:cNvPr id="8" name="Group 7">
+          <p:style>
+            <a:lnRef idx="2">
+              <a:schemeClr val="accent1">
+                <a:shade val="15000"/>
+              </a:schemeClr>
+            </a:lnRef>
+            <a:fillRef idx="1">
+              <a:schemeClr val="accent1"/>
+            </a:fillRef>
+            <a:effectRef idx="0">
+              <a:schemeClr val="accent1"/>
+            </a:effectRef>
+            <a:fontRef idx="minor">
+              <a:schemeClr val="lt1"/>
+            </a:fontRef>
+          </p:style>
+          <p:txBody>
+            <a:bodyPr rtlCol="0" anchor="ctr"/>
+            <a:lstStyle/>
+            <a:p>
+              <a:pPr algn="ctr"/>
+              <a:endParaRPr lang="en-TW"/>
+            </a:p>
+          </p:txBody>
+        </p:sp>
+        <p:sp>
+          <p:nvSpPr>
+            <p:cNvPr id="10" name="Oval 9">
               <a:extLst>
                 <a:ext uri="{FF2B5EF4-FFF2-40B4-BE49-F238E27FC236}">
-                  <a16:creationId xmlns:a16="http://schemas.microsoft.com/office/drawing/2014/main" id="{2858C3C5-EBFF-30B6-B61B-9A16671B188E}"/>
+                  <a16:creationId xmlns:a16="http://schemas.microsoft.com/office/drawing/2014/main" id="{60A43D14-464C-FA32-F1B8-54A629B2C969}"/>
                 </a:ext>
               </a:extLst>
             </p:cNvPr>
-            <p:cNvGrpSpPr/>
+            <p:cNvSpPr/>
             <p:nvPr/>
-          </p:nvGrpSpPr>
-          <p:grpSpPr>
+          </p:nvSpPr>
+          <p:spPr>
             <a:xfrm>
-              <a:off x="379419" y="80682"/>
-              <a:ext cx="1336505" cy="362347"/>
-              <a:chOff x="443753" y="181173"/>
-              <a:chExt cx="1336505" cy="362347"/>
+              <a:off x="930832" y="181173"/>
+              <a:ext cx="362347" cy="362347"/>
             </a:xfrm>
-          </p:grpSpPr>
-          <p:sp>
-            <p:nvSpPr>
-              <p:cNvPr id="4" name="Oval 3">
-                <a:extLst>
-                  <a:ext uri="{FF2B5EF4-FFF2-40B4-BE49-F238E27FC236}">
-                    <a16:creationId xmlns:a16="http://schemas.microsoft.com/office/drawing/2014/main" id="{5B621C08-1836-737E-B335-36A6734E6810}"/>
-                  </a:ext>
-                </a:extLst>
-              </p:cNvPr>
-              <p:cNvSpPr/>
-              <p:nvPr/>
-            </p:nvSpPr>
-            <p:spPr>
-              <a:xfrm>
-                <a:off x="443753" y="181173"/>
-                <a:ext cx="362347" cy="362347"/>
-              </a:xfrm>
-              <a:prstGeom prst="ellipse">
-                <a:avLst/>
-              </a:prstGeom>
-              <a:solidFill>
-                <a:srgbClr val="FF5F57"/>
-              </a:solidFill>
-              <a:ln>
-                <a:noFill/>
-              </a:ln>
-            </p:spPr>
-            <p:style>
-              <a:lnRef idx="2">
-                <a:schemeClr val="accent1">
-                  <a:shade val="15000"/>
-                </a:schemeClr>
-              </a:lnRef>
-              <a:fillRef idx="1">
-                <a:schemeClr val="accent1"/>
-              </a:fillRef>
-              <a:effectRef idx="0">
-                <a:schemeClr val="accent1"/>
-              </a:effectRef>
-              <a:fontRef idx="minor">
-                <a:schemeClr val="lt1"/>
-              </a:fontRef>
-            </p:style>
-            <p:txBody>
-              <a:bodyPr rtlCol="0" anchor="ctr"/>
-              <a:lstStyle/>
-              <a:p>
-                <a:pPr algn="ctr"/>
-                <a:endParaRPr lang="en-TW"/>
-              </a:p>
-            </p:txBody>
-          </p:sp>
-          <p:sp>
-            <p:nvSpPr>
-              <p:cNvPr id="6" name="Oval 5">
-                <a:extLst>
-                  <a:ext uri="{FF2B5EF4-FFF2-40B4-BE49-F238E27FC236}">
-                    <a16:creationId xmlns:a16="http://schemas.microsoft.com/office/drawing/2014/main" id="{0D3ADC91-3D1A-E467-4C00-58DC6F06BB50}"/>
-                  </a:ext>
-                </a:extLst>
-              </p:cNvPr>
-              <p:cNvSpPr/>
-              <p:nvPr/>
-            </p:nvSpPr>
-            <p:spPr>
-              <a:xfrm>
-                <a:off x="930832" y="181173"/>
-                <a:ext cx="362347" cy="362347"/>
-              </a:xfrm>
-              <a:prstGeom prst="ellipse">
-                <a:avLst/>
-              </a:prstGeom>
-              <a:solidFill>
-                <a:srgbClr val="FEBD2E"/>
-              </a:solidFill>
-              <a:ln>
-                <a:noFill/>
-              </a:ln>
-            </p:spPr>
-            <p:style>
-              <a:lnRef idx="2">
-                <a:schemeClr val="accent1">
-                  <a:shade val="15000"/>
-                </a:schemeClr>
-              </a:lnRef>
-              <a:fillRef idx="1">
-                <a:schemeClr val="accent1"/>
-              </a:fillRef>
-              <a:effectRef idx="0">
-                <a:schemeClr val="accent1"/>
-              </a:effectRef>
-              <a:fontRef idx="minor">
-                <a:schemeClr val="lt1"/>
-              </a:fontRef>
-            </p:style>
-            <p:txBody>
-              <a:bodyPr rtlCol="0" anchor="ctr"/>
-              <a:lstStyle/>
-              <a:p>
-                <a:pPr algn="ctr"/>
-                <a:endParaRPr lang="en-TW"/>
-              </a:p>
-            </p:txBody>
-          </p:sp>
-          <p:sp>
-            <p:nvSpPr>
-              <p:cNvPr id="7" name="Oval 6">
-                <a:extLst>
-                  <a:ext uri="{FF2B5EF4-FFF2-40B4-BE49-F238E27FC236}">
-                    <a16:creationId xmlns:a16="http://schemas.microsoft.com/office/drawing/2014/main" id="{FE074333-2D3E-C79E-F0B8-D89DB6C4876C}"/>
-                  </a:ext>
-                </a:extLst>
-              </p:cNvPr>
-              <p:cNvSpPr/>
-              <p:nvPr/>
-            </p:nvSpPr>
-            <p:spPr>
-              <a:xfrm>
-                <a:off x="1417911" y="181173"/>
-                <a:ext cx="362347" cy="362347"/>
-              </a:xfrm>
-              <a:prstGeom prst="ellipse">
-                <a:avLst/>
-              </a:prstGeom>
-              <a:solidFill>
-                <a:srgbClr val="27C841"/>
-              </a:solidFill>
-              <a:ln>
-                <a:noFill/>
-              </a:ln>
-            </p:spPr>
-            <p:style>
-              <a:lnRef idx="2">
-                <a:schemeClr val="accent1">
-                  <a:shade val="15000"/>
-                </a:schemeClr>
-              </a:lnRef>
-              <a:fillRef idx="1">
-                <a:schemeClr val="accent1"/>
-              </a:fillRef>
-              <a:effectRef idx="0">
-                <a:schemeClr val="accent1"/>
-              </a:effectRef>
-              <a:fontRef idx="minor">
-                <a:schemeClr val="lt1"/>
-              </a:fontRef>
-            </p:style>
-            <p:txBody>
-              <a:bodyPr rtlCol="0" anchor="ctr"/>
-              <a:lstStyle/>
-              <a:p>
-                <a:pPr algn="ctr"/>
-                <a:endParaRPr lang="en-TW"/>
-              </a:p>
-            </p:txBody>
-          </p:sp>
-        </p:grpSp>
+            <a:prstGeom prst="ellipse">
+              <a:avLst/>
+            </a:prstGeom>
+            <a:solidFill>
+              <a:srgbClr val="FEBD2E"/>
+            </a:solidFill>
+            <a:ln>
+              <a:noFill/>
+            </a:ln>
+          </p:spPr>
+          <p:style>
+            <a:lnRef idx="2">
+              <a:schemeClr val="accent1">
+                <a:shade val="15000"/>
+              </a:schemeClr>
+            </a:lnRef>
+            <a:fillRef idx="1">
+              <a:schemeClr val="accent1"/>
+            </a:fillRef>
+            <a:effectRef idx="0">
+              <a:schemeClr val="accent1"/>
+            </a:effectRef>
+            <a:fontRef idx="minor">
+              <a:schemeClr val="lt1"/>
+            </a:fontRef>
+          </p:style>
+          <p:txBody>
+            <a:bodyPr rtlCol="0" anchor="ctr"/>
+            <a:lstStyle/>
+            <a:p>
+              <a:pPr algn="ctr"/>
+              <a:endParaRPr lang="en-TW"/>
+            </a:p>
+          </p:txBody>
+        </p:sp>
+        <p:sp>
+          <p:nvSpPr>
+            <p:cNvPr id="11" name="Oval 10">
+              <a:extLst>
+                <a:ext uri="{FF2B5EF4-FFF2-40B4-BE49-F238E27FC236}">
+                  <a16:creationId xmlns:a16="http://schemas.microsoft.com/office/drawing/2014/main" id="{09535B96-C9A2-7785-2DCB-65E0C3DB0C4B}"/>
+                </a:ext>
+              </a:extLst>
+            </p:cNvPr>
+            <p:cNvSpPr/>
+            <p:nvPr/>
+          </p:nvSpPr>
+          <p:spPr>
+            <a:xfrm>
+              <a:off x="1417911" y="181173"/>
+              <a:ext cx="362347" cy="362347"/>
+            </a:xfrm>
+            <a:prstGeom prst="ellipse">
+              <a:avLst/>
+            </a:prstGeom>
+            <a:solidFill>
+              <a:srgbClr val="27C841"/>
+            </a:solidFill>
+            <a:ln>
+              <a:noFill/>
+            </a:ln>
+          </p:spPr>
+          <p:style>
+            <a:lnRef idx="2">
+              <a:schemeClr val="accent1">
+                <a:shade val="15000"/>
+              </a:schemeClr>
+            </a:lnRef>
+            <a:fillRef idx="1">
+              <a:schemeClr val="accent1"/>
+            </a:fillRef>
+            <a:effectRef idx="0">
+              <a:schemeClr val="accent1"/>
+            </a:effectRef>
+            <a:fontRef idx="minor">
+              <a:schemeClr val="lt1"/>
+            </a:fontRef>
+          </p:style>
+          <p:txBody>
+            <a:bodyPr rtlCol="0" anchor="ctr"/>
+            <a:lstStyle/>
+            <a:p>
+              <a:pPr algn="ctr"/>
+              <a:endParaRPr lang="en-TW"/>
+            </a:p>
+          </p:txBody>
+        </p:sp>
       </p:grpSp>
     </p:spTree>
     <p:extLst>
@@ -12273,12 +12457,64 @@
           <a:chExt cx="0" cy="0"/>
         </a:xfrm>
       </p:grpSpPr>
+      <p:sp>
+        <p:nvSpPr>
+          <p:cNvPr id="3" name="Rectangle 2">
+            <a:extLst>
+              <a:ext uri="{FF2B5EF4-FFF2-40B4-BE49-F238E27FC236}">
+                <a16:creationId xmlns:a16="http://schemas.microsoft.com/office/drawing/2014/main" id="{301DEAFC-29D4-7BB8-D52B-ED395ADBD232}"/>
+              </a:ext>
+            </a:extLst>
+          </p:cNvPr>
+          <p:cNvSpPr/>
+          <p:nvPr/>
+        </p:nvSpPr>
+        <p:spPr>
+          <a:xfrm>
+            <a:off x="0" y="0"/>
+            <a:ext cx="9144000" cy="6858000"/>
+          </a:xfrm>
+          <a:prstGeom prst="rect">
+            <a:avLst/>
+          </a:prstGeom>
+          <a:solidFill>
+            <a:srgbClr val="E2E6E8"/>
+          </a:solidFill>
+          <a:ln>
+            <a:noFill/>
+          </a:ln>
+        </p:spPr>
+        <p:style>
+          <a:lnRef idx="2">
+            <a:schemeClr val="accent1">
+              <a:shade val="15000"/>
+            </a:schemeClr>
+          </a:lnRef>
+          <a:fillRef idx="1">
+            <a:schemeClr val="accent1"/>
+          </a:fillRef>
+          <a:effectRef idx="0">
+            <a:schemeClr val="accent1"/>
+          </a:effectRef>
+          <a:fontRef idx="minor">
+            <a:schemeClr val="lt1"/>
+          </a:fontRef>
+        </p:style>
+        <p:txBody>
+          <a:bodyPr rtlCol="0" anchor="ctr"/>
+          <a:lstStyle/>
+          <a:p>
+            <a:pPr algn="ctr"/>
+            <a:endParaRPr lang="en-TW"/>
+          </a:p>
+        </p:txBody>
+      </p:sp>
       <p:grpSp>
         <p:nvGrpSpPr>
-          <p:cNvPr id="45" name="Group 44">
+          <p:cNvPr id="8" name="Group 7">
             <a:extLst>
               <a:ext uri="{FF2B5EF4-FFF2-40B4-BE49-F238E27FC236}">
-                <a16:creationId xmlns:a16="http://schemas.microsoft.com/office/drawing/2014/main" id="{6850542D-4877-9BA1-8556-26DFF924516B}"/>
+                <a16:creationId xmlns:a16="http://schemas.microsoft.com/office/drawing/2014/main" id="{2858C3C5-EBFF-30B6-B61B-9A16671B188E}"/>
               </a:ext>
             </a:extLst>
           </p:cNvPr>
@@ -12287,76 +12523,173 @@
         </p:nvGrpSpPr>
         <p:grpSpPr>
           <a:xfrm>
-            <a:off x="0" y="-5766"/>
-            <a:ext cx="9144000" cy="6863766"/>
-            <a:chOff x="0" y="-5766"/>
-            <a:chExt cx="9144000" cy="6863766"/>
+            <a:off x="379419" y="352145"/>
+            <a:ext cx="1336505" cy="362347"/>
+            <a:chOff x="443753" y="181173"/>
+            <a:chExt cx="1336505" cy="362347"/>
           </a:xfrm>
         </p:grpSpPr>
-        <p:pic>
-          <p:nvPicPr>
-            <p:cNvPr id="4" name="Picture 3">
+        <p:sp>
+          <p:nvSpPr>
+            <p:cNvPr id="4" name="Oval 3">
               <a:extLst>
                 <a:ext uri="{FF2B5EF4-FFF2-40B4-BE49-F238E27FC236}">
-                  <a16:creationId xmlns:a16="http://schemas.microsoft.com/office/drawing/2014/main" id="{617996B7-90C5-BBCA-EC71-F8CDCB05A259}"/>
+                  <a16:creationId xmlns:a16="http://schemas.microsoft.com/office/drawing/2014/main" id="{5B621C08-1836-737E-B335-36A6734E6810}"/>
                 </a:ext>
               </a:extLst>
             </p:cNvPr>
-            <p:cNvPicPr>
-              <a:picLocks noChangeAspect="1"/>
-            </p:cNvPicPr>
+            <p:cNvSpPr/>
             <p:nvPr/>
-          </p:nvPicPr>
-          <p:blipFill>
-            <a:blip r:embed="rId3"/>
-            <a:stretch>
-              <a:fillRect/>
-            </a:stretch>
-          </p:blipFill>
+          </p:nvSpPr>
           <p:spPr>
             <a:xfrm>
-              <a:off x="0" y="-5766"/>
-              <a:ext cx="9144000" cy="5143501"/>
+              <a:off x="443753" y="181173"/>
+              <a:ext cx="362347" cy="362347"/>
             </a:xfrm>
-            <a:prstGeom prst="rect">
+            <a:prstGeom prst="ellipse">
               <a:avLst/>
             </a:prstGeom>
+            <a:solidFill>
+              <a:srgbClr val="FF5F57"/>
+            </a:solidFill>
+            <a:ln>
+              <a:noFill/>
+            </a:ln>
           </p:spPr>
-        </p:pic>
-        <p:pic>
-          <p:nvPicPr>
-            <p:cNvPr id="44" name="Picture 43">
+          <p:style>
+            <a:lnRef idx="2">
+              <a:schemeClr val="accent1">
+                <a:shade val="15000"/>
+              </a:schemeClr>
+            </a:lnRef>
+            <a:fillRef idx="1">
+              <a:schemeClr val="accent1"/>
+            </a:fillRef>
+            <a:effectRef idx="0">
+              <a:schemeClr val="accent1"/>
+            </a:effectRef>
+            <a:fontRef idx="minor">
+              <a:schemeClr val="lt1"/>
+            </a:fontRef>
+          </p:style>
+          <p:txBody>
+            <a:bodyPr rtlCol="0" anchor="ctr"/>
+            <a:lstStyle/>
+            <a:p>
+              <a:pPr algn="ctr"/>
+              <a:endParaRPr lang="en-TW"/>
+            </a:p>
+          </p:txBody>
+        </p:sp>
+        <p:sp>
+          <p:nvSpPr>
+            <p:cNvPr id="6" name="Oval 5">
               <a:extLst>
                 <a:ext uri="{FF2B5EF4-FFF2-40B4-BE49-F238E27FC236}">
-                  <a16:creationId xmlns:a16="http://schemas.microsoft.com/office/drawing/2014/main" id="{2924ACC8-D04C-D4DE-DA9C-A2F2B02E5E77}"/>
+                  <a16:creationId xmlns:a16="http://schemas.microsoft.com/office/drawing/2014/main" id="{0D3ADC91-3D1A-E467-4C00-58DC6F06BB50}"/>
                 </a:ext>
               </a:extLst>
             </p:cNvPr>
-            <p:cNvPicPr>
-              <a:picLocks noChangeAspect="1"/>
-            </p:cNvPicPr>
+            <p:cNvSpPr/>
             <p:nvPr/>
-          </p:nvPicPr>
-          <p:blipFill rotWithShape="1">
-            <a:blip r:embed="rId3"/>
-            <a:srcRect t="28009"/>
-            <a:stretch/>
-          </p:blipFill>
+          </p:nvSpPr>
           <p:spPr>
             <a:xfrm>
-              <a:off x="0" y="3155147"/>
-              <a:ext cx="9144000" cy="3702853"/>
+              <a:off x="930832" y="181173"/>
+              <a:ext cx="362347" cy="362347"/>
             </a:xfrm>
-            <a:prstGeom prst="rect">
+            <a:prstGeom prst="ellipse">
               <a:avLst/>
             </a:prstGeom>
+            <a:solidFill>
+              <a:srgbClr val="FEBD2E"/>
+            </a:solidFill>
+            <a:ln>
+              <a:noFill/>
+            </a:ln>
           </p:spPr>
-        </p:pic>
+          <p:style>
+            <a:lnRef idx="2">
+              <a:schemeClr val="accent1">
+                <a:shade val="15000"/>
+              </a:schemeClr>
+            </a:lnRef>
+            <a:fillRef idx="1">
+              <a:schemeClr val="accent1"/>
+            </a:fillRef>
+            <a:effectRef idx="0">
+              <a:schemeClr val="accent1"/>
+            </a:effectRef>
+            <a:fontRef idx="minor">
+              <a:schemeClr val="lt1"/>
+            </a:fontRef>
+          </p:style>
+          <p:txBody>
+            <a:bodyPr rtlCol="0" anchor="ctr"/>
+            <a:lstStyle/>
+            <a:p>
+              <a:pPr algn="ctr"/>
+              <a:endParaRPr lang="en-TW"/>
+            </a:p>
+          </p:txBody>
+        </p:sp>
+        <p:sp>
+          <p:nvSpPr>
+            <p:cNvPr id="7" name="Oval 6">
+              <a:extLst>
+                <a:ext uri="{FF2B5EF4-FFF2-40B4-BE49-F238E27FC236}">
+                  <a16:creationId xmlns:a16="http://schemas.microsoft.com/office/drawing/2014/main" id="{FE074333-2D3E-C79E-F0B8-D89DB6C4876C}"/>
+                </a:ext>
+              </a:extLst>
+            </p:cNvPr>
+            <p:cNvSpPr/>
+            <p:nvPr/>
+          </p:nvSpPr>
+          <p:spPr>
+            <a:xfrm>
+              <a:off x="1417911" y="181173"/>
+              <a:ext cx="362347" cy="362347"/>
+            </a:xfrm>
+            <a:prstGeom prst="ellipse">
+              <a:avLst/>
+            </a:prstGeom>
+            <a:solidFill>
+              <a:srgbClr val="27C841"/>
+            </a:solidFill>
+            <a:ln>
+              <a:noFill/>
+            </a:ln>
+          </p:spPr>
+          <p:style>
+            <a:lnRef idx="2">
+              <a:schemeClr val="accent1">
+                <a:shade val="15000"/>
+              </a:schemeClr>
+            </a:lnRef>
+            <a:fillRef idx="1">
+              <a:schemeClr val="accent1"/>
+            </a:fillRef>
+            <a:effectRef idx="0">
+              <a:schemeClr val="accent1"/>
+            </a:effectRef>
+            <a:fontRef idx="minor">
+              <a:schemeClr val="lt1"/>
+            </a:fontRef>
+          </p:style>
+          <p:txBody>
+            <a:bodyPr rtlCol="0" anchor="ctr"/>
+            <a:lstStyle/>
+            <a:p>
+              <a:pPr algn="ctr"/>
+              <a:endParaRPr lang="en-TW"/>
+            </a:p>
+          </p:txBody>
+        </p:sp>
       </p:grpSp>
     </p:spTree>
     <p:extLst>
       <p:ext uri="{BB962C8B-B14F-4D97-AF65-F5344CB8AC3E}">
-        <p14:creationId xmlns:p14="http://schemas.microsoft.com/office/powerpoint/2010/main" val="177634898"/>
+        <p14:creationId xmlns:p14="http://schemas.microsoft.com/office/powerpoint/2010/main" val="3439293497"/>
       </p:ext>
     </p:extLst>
   </p:cSld>

--- a/project image.pptx
+++ b/project image.pptx
@@ -9,13 +9,13 @@
   </p:notesMasterIdLst>
   <p:sldIdLst>
     <p:sldId id="263" r:id="rId2"/>
-    <p:sldId id="257" r:id="rId3"/>
-    <p:sldId id="258" r:id="rId4"/>
-    <p:sldId id="259" r:id="rId5"/>
-    <p:sldId id="260" r:id="rId6"/>
-    <p:sldId id="261" r:id="rId7"/>
-    <p:sldId id="262" r:id="rId8"/>
-    <p:sldId id="266" r:id="rId9"/>
+    <p:sldId id="261" r:id="rId3"/>
+    <p:sldId id="257" r:id="rId4"/>
+    <p:sldId id="258" r:id="rId5"/>
+    <p:sldId id="259" r:id="rId6"/>
+    <p:sldId id="262" r:id="rId7"/>
+    <p:sldId id="266" r:id="rId8"/>
+    <p:sldId id="260" r:id="rId9"/>
     <p:sldId id="268" r:id="rId10"/>
     <p:sldId id="267" r:id="rId11"/>
   </p:sldIdLst>
@@ -206,7 +206,7 @@
           <a:p>
             <a:fld id="{B984E005-AECD-D649-A0E6-7B84A89EEE7F}" type="datetimeFigureOut">
               <a:rPr lang="en-TW" smtClean="0"/>
-              <a:t>2023/7/2</a:t>
+              <a:t>2025/4/25</a:t>
             </a:fld>
             <a:endParaRPr lang="en-TW"/>
           </a:p>
@@ -731,7 +731,7 @@
     </p:spTree>
     <p:extLst>
       <p:ext uri="{BB962C8B-B14F-4D97-AF65-F5344CB8AC3E}">
-        <p14:creationId xmlns:p14="http://schemas.microsoft.com/office/powerpoint/2010/main" val="4258325726"/>
+        <p14:creationId xmlns:p14="http://schemas.microsoft.com/office/powerpoint/2010/main" val="424775741"/>
       </p:ext>
     </p:extLst>
   </p:cSld>
@@ -820,7 +820,7 @@
     </p:spTree>
     <p:extLst>
       <p:ext uri="{BB962C8B-B14F-4D97-AF65-F5344CB8AC3E}">
-        <p14:creationId xmlns:p14="http://schemas.microsoft.com/office/powerpoint/2010/main" val="3854511954"/>
+        <p14:creationId xmlns:p14="http://schemas.microsoft.com/office/powerpoint/2010/main" val="4258325726"/>
       </p:ext>
     </p:extLst>
   </p:cSld>
@@ -909,7 +909,7 @@
     </p:spTree>
     <p:extLst>
       <p:ext uri="{BB962C8B-B14F-4D97-AF65-F5344CB8AC3E}">
-        <p14:creationId xmlns:p14="http://schemas.microsoft.com/office/powerpoint/2010/main" val="3253758855"/>
+        <p14:creationId xmlns:p14="http://schemas.microsoft.com/office/powerpoint/2010/main" val="3854511954"/>
       </p:ext>
     </p:extLst>
   </p:cSld>
@@ -998,7 +998,7 @@
     </p:spTree>
     <p:extLst>
       <p:ext uri="{BB962C8B-B14F-4D97-AF65-F5344CB8AC3E}">
-        <p14:creationId xmlns:p14="http://schemas.microsoft.com/office/powerpoint/2010/main" val="3056905363"/>
+        <p14:creationId xmlns:p14="http://schemas.microsoft.com/office/powerpoint/2010/main" val="3253758855"/>
       </p:ext>
     </p:extLst>
   </p:cSld>
@@ -1087,7 +1087,7 @@
     </p:spTree>
     <p:extLst>
       <p:ext uri="{BB962C8B-B14F-4D97-AF65-F5344CB8AC3E}">
-        <p14:creationId xmlns:p14="http://schemas.microsoft.com/office/powerpoint/2010/main" val="424775741"/>
+        <p14:creationId xmlns:p14="http://schemas.microsoft.com/office/powerpoint/2010/main" val="3442630740"/>
       </p:ext>
     </p:extLst>
   </p:cSld>
@@ -1176,7 +1176,7 @@
     </p:spTree>
     <p:extLst>
       <p:ext uri="{BB962C8B-B14F-4D97-AF65-F5344CB8AC3E}">
-        <p14:creationId xmlns:p14="http://schemas.microsoft.com/office/powerpoint/2010/main" val="3442630740"/>
+        <p14:creationId xmlns:p14="http://schemas.microsoft.com/office/powerpoint/2010/main" val="3819695853"/>
       </p:ext>
     </p:extLst>
   </p:cSld>
@@ -1265,7 +1265,7 @@
     </p:spTree>
     <p:extLst>
       <p:ext uri="{BB962C8B-B14F-4D97-AF65-F5344CB8AC3E}">
-        <p14:creationId xmlns:p14="http://schemas.microsoft.com/office/powerpoint/2010/main" val="3819695853"/>
+        <p14:creationId xmlns:p14="http://schemas.microsoft.com/office/powerpoint/2010/main" val="3056905363"/>
       </p:ext>
     </p:extLst>
   </p:cSld>
@@ -1495,7 +1495,7 @@
           <a:p>
             <a:fld id="{A639FD2D-648F-3147-B6C2-C6D884B6DA53}" type="datetimeFigureOut">
               <a:rPr lang="en-TW" smtClean="0"/>
-              <a:t>2023/7/2</a:t>
+              <a:t>2025/4/25</a:t>
             </a:fld>
             <a:endParaRPr lang="en-TW"/>
           </a:p>
@@ -1665,7 +1665,7 @@
           <a:p>
             <a:fld id="{A639FD2D-648F-3147-B6C2-C6D884B6DA53}" type="datetimeFigureOut">
               <a:rPr lang="en-TW" smtClean="0"/>
-              <a:t>2023/7/2</a:t>
+              <a:t>2025/4/25</a:t>
             </a:fld>
             <a:endParaRPr lang="en-TW"/>
           </a:p>
@@ -1845,7 +1845,7 @@
           <a:p>
             <a:fld id="{A639FD2D-648F-3147-B6C2-C6D884B6DA53}" type="datetimeFigureOut">
               <a:rPr lang="en-TW" smtClean="0"/>
-              <a:t>2023/7/2</a:t>
+              <a:t>2025/4/25</a:t>
             </a:fld>
             <a:endParaRPr lang="en-TW"/>
           </a:p>
@@ -2015,7 +2015,7 @@
           <a:p>
             <a:fld id="{A639FD2D-648F-3147-B6C2-C6D884B6DA53}" type="datetimeFigureOut">
               <a:rPr lang="en-TW" smtClean="0"/>
-              <a:t>2023/7/2</a:t>
+              <a:t>2025/4/25</a:t>
             </a:fld>
             <a:endParaRPr lang="en-TW"/>
           </a:p>
@@ -2259,7 +2259,7 @@
           <a:p>
             <a:fld id="{A639FD2D-648F-3147-B6C2-C6D884B6DA53}" type="datetimeFigureOut">
               <a:rPr lang="en-TW" smtClean="0"/>
-              <a:t>2023/7/2</a:t>
+              <a:t>2025/4/25</a:t>
             </a:fld>
             <a:endParaRPr lang="en-TW"/>
           </a:p>
@@ -2491,7 +2491,7 @@
           <a:p>
             <a:fld id="{A639FD2D-648F-3147-B6C2-C6D884B6DA53}" type="datetimeFigureOut">
               <a:rPr lang="en-TW" smtClean="0"/>
-              <a:t>2023/7/2</a:t>
+              <a:t>2025/4/25</a:t>
             </a:fld>
             <a:endParaRPr lang="en-TW"/>
           </a:p>
@@ -2858,7 +2858,7 @@
           <a:p>
             <a:fld id="{A639FD2D-648F-3147-B6C2-C6D884B6DA53}" type="datetimeFigureOut">
               <a:rPr lang="en-TW" smtClean="0"/>
-              <a:t>2023/7/2</a:t>
+              <a:t>2025/4/25</a:t>
             </a:fld>
             <a:endParaRPr lang="en-TW"/>
           </a:p>
@@ -2976,7 +2976,7 @@
           <a:p>
             <a:fld id="{A639FD2D-648F-3147-B6C2-C6D884B6DA53}" type="datetimeFigureOut">
               <a:rPr lang="en-TW" smtClean="0"/>
-              <a:t>2023/7/2</a:t>
+              <a:t>2025/4/25</a:t>
             </a:fld>
             <a:endParaRPr lang="en-TW"/>
           </a:p>
@@ -3071,7 +3071,7 @@
           <a:p>
             <a:fld id="{A639FD2D-648F-3147-B6C2-C6D884B6DA53}" type="datetimeFigureOut">
               <a:rPr lang="en-TW" smtClean="0"/>
-              <a:t>2023/7/2</a:t>
+              <a:t>2025/4/25</a:t>
             </a:fld>
             <a:endParaRPr lang="en-TW"/>
           </a:p>
@@ -3348,7 +3348,7 @@
           <a:p>
             <a:fld id="{A639FD2D-648F-3147-B6C2-C6D884B6DA53}" type="datetimeFigureOut">
               <a:rPr lang="en-TW" smtClean="0"/>
-              <a:t>2023/7/2</a:t>
+              <a:t>2025/4/25</a:t>
             </a:fld>
             <a:endParaRPr lang="en-TW"/>
           </a:p>
@@ -3604,7 +3604,7 @@
           <a:p>
             <a:fld id="{A639FD2D-648F-3147-B6C2-C6D884B6DA53}" type="datetimeFigureOut">
               <a:rPr lang="en-TW" smtClean="0"/>
-              <a:t>2023/7/2</a:t>
+              <a:t>2025/4/25</a:t>
             </a:fld>
             <a:endParaRPr lang="en-TW"/>
           </a:p>
@@ -3817,7 +3817,7 @@
           <a:p>
             <a:fld id="{A639FD2D-648F-3147-B6C2-C6D884B6DA53}" type="datetimeFigureOut">
               <a:rPr lang="en-TW" smtClean="0"/>
-              <a:t>2023/7/2</a:t>
+              <a:t>2025/4/25</a:t>
             </a:fld>
             <a:endParaRPr lang="en-TW"/>
           </a:p>
@@ -4224,10 +4224,10 @@
       </p:grpSpPr>
       <p:grpSp>
         <p:nvGrpSpPr>
-          <p:cNvPr id="2" name="Group 1">
+          <p:cNvPr id="12" name="Group 11">
             <a:extLst>
               <a:ext uri="{FF2B5EF4-FFF2-40B4-BE49-F238E27FC236}">
-                <a16:creationId xmlns:a16="http://schemas.microsoft.com/office/drawing/2014/main" id="{8F5700B2-14F7-4BB2-CDDE-CD81A8FA44E9}"/>
+                <a16:creationId xmlns:a16="http://schemas.microsoft.com/office/drawing/2014/main" id="{303F4E0A-A59C-33D9-F181-2E7EA0AB0F32}"/>
               </a:ext>
             </a:extLst>
           </p:cNvPr>
@@ -4236,18 +4236,18 @@
         </p:nvGrpSpPr>
         <p:grpSpPr>
           <a:xfrm>
-            <a:off x="-1" y="-273209"/>
-            <a:ext cx="9141101" cy="7131209"/>
-            <a:chOff x="-1" y="-273209"/>
-            <a:chExt cx="9141101" cy="7131209"/>
+            <a:off x="2899" y="0"/>
+            <a:ext cx="9141101" cy="6858000"/>
+            <a:chOff x="2899" y="0"/>
+            <a:chExt cx="9141101" cy="6858000"/>
           </a:xfrm>
         </p:grpSpPr>
         <p:pic>
           <p:nvPicPr>
-            <p:cNvPr id="3" name="Picture 2">
+            <p:cNvPr id="13" name="Picture 12">
               <a:extLst>
                 <a:ext uri="{FF2B5EF4-FFF2-40B4-BE49-F238E27FC236}">
-                  <a16:creationId xmlns:a16="http://schemas.microsoft.com/office/drawing/2014/main" id="{6D502CDA-D96E-1B5C-BFB1-6A8D25C2EF01}"/>
+                  <a16:creationId xmlns:a16="http://schemas.microsoft.com/office/drawing/2014/main" id="{1269B347-4B27-FD4D-5E5F-FA62BFD3F7B2}"/>
                 </a:ext>
               </a:extLst>
             </p:cNvPr>
@@ -4263,8 +4263,8 @@
           </p:blipFill>
           <p:spPr>
             <a:xfrm>
-              <a:off x="-1" y="-273209"/>
-              <a:ext cx="9141101" cy="7131209"/>
+              <a:off x="2899" y="0"/>
+              <a:ext cx="9141101" cy="6858000"/>
             </a:xfrm>
             <a:prstGeom prst="rect">
               <a:avLst/>
@@ -4273,10 +4273,10 @@
         </p:pic>
         <p:grpSp>
           <p:nvGrpSpPr>
-            <p:cNvPr id="5" name="Group 4">
+            <p:cNvPr id="14" name="Group 13">
               <a:extLst>
                 <a:ext uri="{FF2B5EF4-FFF2-40B4-BE49-F238E27FC236}">
-                  <a16:creationId xmlns:a16="http://schemas.microsoft.com/office/drawing/2014/main" id="{5DD0BBFF-4882-75B6-CBC0-FCEAEBC383F7}"/>
+                  <a16:creationId xmlns:a16="http://schemas.microsoft.com/office/drawing/2014/main" id="{84525A26-9574-85E2-30AA-425CBCED63E0}"/>
                 </a:ext>
               </a:extLst>
             </p:cNvPr>
@@ -4285,7 +4285,7 @@
           </p:nvGrpSpPr>
           <p:grpSpPr>
             <a:xfrm>
-              <a:off x="379419" y="80682"/>
+              <a:off x="379419" y="352145"/>
               <a:ext cx="1336505" cy="362347"/>
               <a:chOff x="443753" y="181173"/>
               <a:chExt cx="1336505" cy="362347"/>
@@ -4293,10 +4293,10 @@
           </p:grpSpPr>
           <p:sp>
             <p:nvSpPr>
-              <p:cNvPr id="6" name="Oval 5">
+              <p:cNvPr id="15" name="Oval 14">
                 <a:extLst>
                   <a:ext uri="{FF2B5EF4-FFF2-40B4-BE49-F238E27FC236}">
-                    <a16:creationId xmlns:a16="http://schemas.microsoft.com/office/drawing/2014/main" id="{292FBB89-232E-6A5A-6564-A1935BC4688B}"/>
+                    <a16:creationId xmlns:a16="http://schemas.microsoft.com/office/drawing/2014/main" id="{63AE298C-3291-45E7-FB1D-1E5D5CC73943}"/>
                   </a:ext>
                 </a:extLst>
               </p:cNvPr>
@@ -4345,10 +4345,10 @@
           </p:sp>
           <p:sp>
             <p:nvSpPr>
-              <p:cNvPr id="7" name="Oval 6">
+              <p:cNvPr id="16" name="Oval 15">
                 <a:extLst>
                   <a:ext uri="{FF2B5EF4-FFF2-40B4-BE49-F238E27FC236}">
-                    <a16:creationId xmlns:a16="http://schemas.microsoft.com/office/drawing/2014/main" id="{110DF7DB-567E-F94B-1892-8384A30B419D}"/>
+                    <a16:creationId xmlns:a16="http://schemas.microsoft.com/office/drawing/2014/main" id="{BD76366C-37D1-5E07-9CE8-184C36C1EAEB}"/>
                   </a:ext>
                 </a:extLst>
               </p:cNvPr>
@@ -4397,10 +4397,10 @@
           </p:sp>
           <p:sp>
             <p:nvSpPr>
-              <p:cNvPr id="8" name="Oval 7">
+              <p:cNvPr id="17" name="Oval 16">
                 <a:extLst>
                   <a:ext uri="{FF2B5EF4-FFF2-40B4-BE49-F238E27FC236}">
-                    <a16:creationId xmlns:a16="http://schemas.microsoft.com/office/drawing/2014/main" id="{2E64F054-007B-B185-E8DD-7C8E8E841E1E}"/>
+                    <a16:creationId xmlns:a16="http://schemas.microsoft.com/office/drawing/2014/main" id="{782CD87E-373F-0629-C9B4-A1A0B8E5DA0E}"/>
                   </a:ext>
                 </a:extLst>
               </p:cNvPr>
@@ -4463,8 +4463,8 @@
         </p:nvSpPr>
         <p:spPr>
           <a:xfrm>
-            <a:off x="2290294" y="1619368"/>
-            <a:ext cx="4580734" cy="2246769"/>
+            <a:off x="525175" y="1943563"/>
+            <a:ext cx="8004464" cy="1015663"/>
           </a:xfrm>
           <a:prstGeom prst="rect">
             <a:avLst/>
@@ -4477,18 +4477,17 @@
           </a:bodyPr>
           <a:lstStyle/>
           <a:p>
+            <a:pPr algn="ctr"/>
             <a:r>
-              <a:rPr lang="en-US" sz="7000" b="1" dirty="0">
+              <a:rPr lang="en-US" sz="6000" b="1" dirty="0">
                 <a:latin typeface="Bangla MN" pitchFamily="2" charset="0"/>
                 <a:ea typeface="Apple Color Emoji" pitchFamily="2" charset="0"/>
                 <a:cs typeface="Bangla MN" pitchFamily="2" charset="0"/>
               </a:rPr>
-              <a:t>Personal</a:t>
+              <a:t>Personal </a:t>
             </a:r>
-          </a:p>
-          <a:p>
             <a:r>
-              <a:rPr lang="en-US" sz="7000" b="1" dirty="0">
+              <a:rPr lang="en-US" sz="6000" b="1" dirty="0">
                 <a:solidFill>
                   <a:srgbClr val="AD5545"/>
                 </a:solidFill>
@@ -4498,7 +4497,7 @@
               </a:rPr>
               <a:t>Portfolio</a:t>
             </a:r>
-            <a:endParaRPr lang="en-TW" sz="7000" dirty="0">
+            <a:endParaRPr lang="en-TW" sz="6000" dirty="0">
               <a:solidFill>
                 <a:srgbClr val="AD5545"/>
               </a:solidFill>
@@ -4511,10 +4510,10 @@
       </p:sp>
       <p:grpSp>
         <p:nvGrpSpPr>
-          <p:cNvPr id="47" name="Group 46">
+          <p:cNvPr id="10" name="Group 9">
             <a:extLst>
               <a:ext uri="{FF2B5EF4-FFF2-40B4-BE49-F238E27FC236}">
-                <a16:creationId xmlns:a16="http://schemas.microsoft.com/office/drawing/2014/main" id="{16F1A946-7D23-0BA3-D1FA-D7C7D3AC6D0E}"/>
+                <a16:creationId xmlns:a16="http://schemas.microsoft.com/office/drawing/2014/main" id="{3CE942B8-6E75-9F64-6131-EC6B65D71B3E}"/>
               </a:ext>
             </a:extLst>
           </p:cNvPr>
@@ -4523,189 +4522,10 @@
         </p:nvGrpSpPr>
         <p:grpSpPr>
           <a:xfrm>
-            <a:off x="3374795" y="4091252"/>
-            <a:ext cx="2394408" cy="584775"/>
-            <a:chOff x="4483523" y="4029777"/>
-            <a:chExt cx="3192544" cy="779700"/>
-          </a:xfrm>
-        </p:grpSpPr>
-        <p:grpSp>
-          <p:nvGrpSpPr>
-            <p:cNvPr id="48" name="Group 47">
-              <a:extLst>
-                <a:ext uri="{FF2B5EF4-FFF2-40B4-BE49-F238E27FC236}">
-                  <a16:creationId xmlns:a16="http://schemas.microsoft.com/office/drawing/2014/main" id="{AA0819AA-6C60-87C4-31AB-A37228E32243}"/>
-                </a:ext>
-              </a:extLst>
-            </p:cNvPr>
-            <p:cNvGrpSpPr/>
-            <p:nvPr/>
-          </p:nvGrpSpPr>
-          <p:grpSpPr>
-            <a:xfrm>
-              <a:off x="4483523" y="4029777"/>
-              <a:ext cx="3192544" cy="779700"/>
-              <a:chOff x="1580784" y="3959333"/>
-              <a:chExt cx="3192544" cy="779700"/>
-            </a:xfrm>
-          </p:grpSpPr>
-          <p:sp>
-            <p:nvSpPr>
-              <p:cNvPr id="50" name="Rounded Rectangle 49">
-                <a:extLst>
-                  <a:ext uri="{FF2B5EF4-FFF2-40B4-BE49-F238E27FC236}">
-                    <a16:creationId xmlns:a16="http://schemas.microsoft.com/office/drawing/2014/main" id="{B9A2233A-4813-AEFF-DE8D-6C65129EC856}"/>
-                  </a:ext>
-                </a:extLst>
-              </p:cNvPr>
-              <p:cNvSpPr/>
-              <p:nvPr/>
-            </p:nvSpPr>
-            <p:spPr>
-              <a:xfrm>
-                <a:off x="1580784" y="3991326"/>
-                <a:ext cx="3192544" cy="714947"/>
-              </a:xfrm>
-              <a:prstGeom prst="roundRect">
-                <a:avLst>
-                  <a:gd name="adj" fmla="val 38868"/>
-                </a:avLst>
-              </a:prstGeom>
-              <a:solidFill>
-                <a:srgbClr val="FFEB9E"/>
-              </a:solidFill>
-              <a:ln>
-                <a:noFill/>
-              </a:ln>
-            </p:spPr>
-            <p:style>
-              <a:lnRef idx="2">
-                <a:schemeClr val="accent1">
-                  <a:shade val="15000"/>
-                </a:schemeClr>
-              </a:lnRef>
-              <a:fillRef idx="1">
-                <a:schemeClr val="accent1"/>
-              </a:fillRef>
-              <a:effectRef idx="0">
-                <a:schemeClr val="accent1"/>
-              </a:effectRef>
-              <a:fontRef idx="minor">
-                <a:schemeClr val="lt1"/>
-              </a:fontRef>
-            </p:style>
-            <p:txBody>
-              <a:bodyPr rtlCol="0" anchor="ctr"/>
-              <a:lstStyle/>
-              <a:p>
-                <a:pPr algn="ctr"/>
-                <a:endParaRPr lang="en-TW" sz="1350" dirty="0"/>
-              </a:p>
-            </p:txBody>
-          </p:sp>
-          <p:sp>
-            <p:nvSpPr>
-              <p:cNvPr id="51" name="TextBox 50">
-                <a:extLst>
-                  <a:ext uri="{FF2B5EF4-FFF2-40B4-BE49-F238E27FC236}">
-                    <a16:creationId xmlns:a16="http://schemas.microsoft.com/office/drawing/2014/main" id="{7D681A5A-855B-B8B0-BD3C-133318B6C1D9}"/>
-                  </a:ext>
-                </a:extLst>
-              </p:cNvPr>
-              <p:cNvSpPr txBox="1"/>
-              <p:nvPr/>
-            </p:nvSpPr>
-            <p:spPr>
-              <a:xfrm>
-                <a:off x="1957874" y="3959333"/>
-                <a:ext cx="1918043" cy="779700"/>
-              </a:xfrm>
-              <a:prstGeom prst="rect">
-                <a:avLst/>
-              </a:prstGeom>
-              <a:noFill/>
-            </p:spPr>
-            <p:txBody>
-              <a:bodyPr wrap="square" rtlCol="0">
-                <a:spAutoFit/>
-              </a:bodyPr>
-              <a:lstStyle/>
-              <a:p>
-                <a:r>
-                  <a:rPr lang="en-US" sz="3200" b="1" dirty="0">
-                    <a:solidFill>
-                      <a:srgbClr val="000000"/>
-                    </a:solidFill>
-                    <a:latin typeface="Candara" panose="020E0502030303020204" pitchFamily="34" charset="0"/>
-                    <a:ea typeface="Apple Color Emoji" pitchFamily="2" charset="0"/>
-                    <a:cs typeface="Calibri" panose="020F0502020204030204" pitchFamily="34" charset="0"/>
-                  </a:rPr>
-                  <a:t>GitHub</a:t>
-                </a:r>
-                <a:endParaRPr lang="en-TW" sz="3200" b="1" dirty="0">
-                  <a:latin typeface="Candara" panose="020E0502030303020204" pitchFamily="34" charset="0"/>
-                  <a:ea typeface="Apple Color Emoji" pitchFamily="2" charset="0"/>
-                  <a:cs typeface="Calibri" panose="020F0502020204030204" pitchFamily="34" charset="0"/>
-                </a:endParaRPr>
-              </a:p>
-            </p:txBody>
-          </p:sp>
-        </p:grpSp>
-        <p:pic>
-          <p:nvPicPr>
-            <p:cNvPr id="49" name="Graphic 48" descr="Cursor">
-              <a:extLst>
-                <a:ext uri="{FF2B5EF4-FFF2-40B4-BE49-F238E27FC236}">
-                  <a16:creationId xmlns:a16="http://schemas.microsoft.com/office/drawing/2014/main" id="{7C39F1AF-ED10-7560-63AB-33A31603625C}"/>
-                </a:ext>
-              </a:extLst>
-            </p:cNvPr>
-            <p:cNvPicPr>
-              <a:picLocks noChangeAspect="1"/>
-            </p:cNvPicPr>
-            <p:nvPr/>
-          </p:nvPicPr>
-          <p:blipFill>
-            <a:blip r:embed="rId4">
-              <a:extLst>
-                <a:ext uri="{96DAC541-7B7A-43D3-8B79-37D633B846F1}">
-                  <asvg:svgBlip xmlns:asvg="http://schemas.microsoft.com/office/drawing/2016/SVG/main" r:embed="rId5"/>
-                </a:ext>
-              </a:extLst>
-            </a:blip>
-            <a:stretch>
-              <a:fillRect/>
-            </a:stretch>
-          </p:blipFill>
-          <p:spPr>
-            <a:xfrm flipH="1">
-              <a:off x="6678136" y="4059426"/>
-              <a:ext cx="714945" cy="714945"/>
-            </a:xfrm>
-            <a:prstGeom prst="rect">
-              <a:avLst/>
-            </a:prstGeom>
-          </p:spPr>
-        </p:pic>
-      </p:grpSp>
-      <p:grpSp>
-        <p:nvGrpSpPr>
-          <p:cNvPr id="88" name="Group 87">
-            <a:extLst>
-              <a:ext uri="{FF2B5EF4-FFF2-40B4-BE49-F238E27FC236}">
-                <a16:creationId xmlns:a16="http://schemas.microsoft.com/office/drawing/2014/main" id="{11991A8C-1F58-6F23-99EA-39E37EB8EFEA}"/>
-              </a:ext>
-            </a:extLst>
-          </p:cNvPr>
-          <p:cNvGrpSpPr/>
-          <p:nvPr/>
-        </p:nvGrpSpPr>
-        <p:grpSpPr>
-          <a:xfrm>
-            <a:off x="806100" y="5137735"/>
-            <a:ext cx="7531799" cy="561484"/>
-            <a:chOff x="951051" y="4854263"/>
-            <a:chExt cx="7531799" cy="561484"/>
+            <a:off x="741766" y="5153768"/>
+            <a:ext cx="7659851" cy="559713"/>
+            <a:chOff x="678048" y="5139506"/>
+            <a:chExt cx="7659851" cy="559713"/>
           </a:xfrm>
         </p:grpSpPr>
         <p:grpSp>
@@ -4722,10 +4542,10 @@
           </p:nvGrpSpPr>
           <p:grpSpPr>
             <a:xfrm>
-              <a:off x="951051" y="4854263"/>
-              <a:ext cx="1545186" cy="561484"/>
-              <a:chOff x="1093572" y="5006573"/>
-              <a:chExt cx="1545186" cy="561484"/>
+              <a:off x="678048" y="5144717"/>
+              <a:ext cx="1749563" cy="554502"/>
+              <a:chOff x="965520" y="5013555"/>
+              <a:chExt cx="1749563" cy="554502"/>
             </a:xfrm>
           </p:grpSpPr>
           <p:grpSp>
@@ -4742,10 +4562,10 @@
             </p:nvGrpSpPr>
             <p:grpSpPr>
               <a:xfrm>
-                <a:off x="1093572" y="5044837"/>
-                <a:ext cx="1545186" cy="523220"/>
-                <a:chOff x="2417086" y="4288960"/>
-                <a:chExt cx="1985565" cy="553999"/>
+                <a:off x="965520" y="5044837"/>
+                <a:ext cx="1749563" cy="523220"/>
+                <a:chOff x="2252540" y="4288960"/>
+                <a:chExt cx="2248191" cy="553999"/>
               </a:xfrm>
             </p:grpSpPr>
             <p:sp>
@@ -4762,8 +4582,8 @@
               </p:nvSpPr>
               <p:spPr>
                 <a:xfrm>
-                  <a:off x="2417086" y="4288961"/>
-                  <a:ext cx="1985565" cy="553998"/>
+                  <a:off x="2252540" y="4288961"/>
+                  <a:ext cx="2248191" cy="553998"/>
                 </a:xfrm>
                 <a:prstGeom prst="roundRect">
                   <a:avLst>
@@ -4816,8 +4636,8 @@
               </p:nvSpPr>
               <p:spPr>
                 <a:xfrm>
-                  <a:off x="2417086" y="4288960"/>
-                  <a:ext cx="1931962" cy="487756"/>
+                  <a:off x="2252540" y="4288960"/>
+                  <a:ext cx="2166313" cy="487756"/>
                 </a:xfrm>
                 <a:prstGeom prst="roundRect">
                   <a:avLst>
@@ -4852,7 +4672,7 @@
                 <a:lstStyle/>
                 <a:p>
                   <a:pPr algn="ctr"/>
-                  <a:endParaRPr lang="en-TW" sz="1350"/>
+                  <a:endParaRPr lang="en-TW" sz="1350" dirty="0"/>
                 </a:p>
               </p:txBody>
             </p:sp>
@@ -4871,8 +4691,8 @@
             </p:nvSpPr>
             <p:spPr>
               <a:xfrm>
-                <a:off x="1335144" y="5006573"/>
-                <a:ext cx="1044057" cy="523220"/>
+                <a:off x="1142898" y="5013555"/>
+                <a:ext cx="1385330" cy="523220"/>
               </a:xfrm>
               <a:prstGeom prst="rect">
                 <a:avLst/>
@@ -4894,7 +4714,7 @@
                     <a:ea typeface="Apple Color Emoji" pitchFamily="2" charset="0"/>
                     <a:cs typeface="Calibri" panose="020F0502020204030204" pitchFamily="34" charset="0"/>
                   </a:rPr>
-                  <a:t>React</a:t>
+                  <a:t>ReactJS</a:t>
                 </a:r>
                 <a:endParaRPr lang="en-TW" sz="2800" b="1" dirty="0">
                   <a:latin typeface="Candara" panose="020E0502030303020204" pitchFamily="34" charset="0"/>
@@ -4919,7 +4739,7 @@
           </p:nvGrpSpPr>
           <p:grpSpPr>
             <a:xfrm>
-              <a:off x="2660058" y="4856034"/>
+              <a:off x="2565991" y="5139506"/>
               <a:ext cx="2122864" cy="557942"/>
               <a:chOff x="2742685" y="5006573"/>
               <a:chExt cx="2122864" cy="557942"/>
@@ -5116,7 +4936,7 @@
           </p:nvGrpSpPr>
           <p:grpSpPr>
             <a:xfrm>
-              <a:off x="4946743" y="4861811"/>
+              <a:off x="4827235" y="5145283"/>
               <a:ext cx="1545186" cy="546389"/>
               <a:chOff x="4790524" y="5018126"/>
               <a:chExt cx="1545186" cy="546389"/>
@@ -5313,7 +5133,7 @@
           </p:nvGrpSpPr>
           <p:grpSpPr>
             <a:xfrm>
-              <a:off x="6655751" y="4857873"/>
+              <a:off x="6510800" y="5141345"/>
               <a:ext cx="1827099" cy="554265"/>
               <a:chOff x="6509876" y="5010250"/>
               <a:chExt cx="1827099" cy="554265"/>
@@ -5497,6 +5317,260 @@
           </p:sp>
         </p:grpSp>
       </p:grpSp>
+      <p:grpSp>
+        <p:nvGrpSpPr>
+          <p:cNvPr id="9" name="Group 8">
+            <a:extLst>
+              <a:ext uri="{FF2B5EF4-FFF2-40B4-BE49-F238E27FC236}">
+                <a16:creationId xmlns:a16="http://schemas.microsoft.com/office/drawing/2014/main" id="{0E84415E-7672-AA30-ECAC-0A78191C2007}"/>
+              </a:ext>
+            </a:extLst>
+          </p:cNvPr>
+          <p:cNvGrpSpPr/>
+          <p:nvPr/>
+        </p:nvGrpSpPr>
+        <p:grpSpPr>
+          <a:xfrm>
+            <a:off x="3348819" y="3934871"/>
+            <a:ext cx="2443457" cy="615969"/>
+            <a:chOff x="3358704" y="4071715"/>
+            <a:chExt cx="2443457" cy="615969"/>
+          </a:xfrm>
+        </p:grpSpPr>
+        <p:grpSp>
+          <p:nvGrpSpPr>
+            <p:cNvPr id="47" name="Group 46">
+              <a:extLst>
+                <a:ext uri="{FF2B5EF4-FFF2-40B4-BE49-F238E27FC236}">
+                  <a16:creationId xmlns:a16="http://schemas.microsoft.com/office/drawing/2014/main" id="{16F1A946-7D23-0BA3-D1FA-D7C7D3AC6D0E}"/>
+                </a:ext>
+              </a:extLst>
+            </p:cNvPr>
+            <p:cNvGrpSpPr/>
+            <p:nvPr/>
+          </p:nvGrpSpPr>
+          <p:grpSpPr>
+            <a:xfrm>
+              <a:off x="3374795" y="4071715"/>
+              <a:ext cx="2427366" cy="615969"/>
+              <a:chOff x="4483523" y="4003722"/>
+              <a:chExt cx="3236488" cy="821291"/>
+            </a:xfrm>
+          </p:grpSpPr>
+          <p:grpSp>
+            <p:nvGrpSpPr>
+              <p:cNvPr id="48" name="Group 47">
+                <a:extLst>
+                  <a:ext uri="{FF2B5EF4-FFF2-40B4-BE49-F238E27FC236}">
+                    <a16:creationId xmlns:a16="http://schemas.microsoft.com/office/drawing/2014/main" id="{AA0819AA-6C60-87C4-31AB-A37228E32243}"/>
+                  </a:ext>
+                </a:extLst>
+              </p:cNvPr>
+              <p:cNvGrpSpPr/>
+              <p:nvPr/>
+            </p:nvGrpSpPr>
+            <p:grpSpPr>
+              <a:xfrm>
+                <a:off x="4483523" y="4003722"/>
+                <a:ext cx="3236488" cy="821291"/>
+                <a:chOff x="1580784" y="3933278"/>
+                <a:chExt cx="3236488" cy="821291"/>
+              </a:xfrm>
+            </p:grpSpPr>
+            <p:sp>
+              <p:nvSpPr>
+                <p:cNvPr id="50" name="Rounded Rectangle 49">
+                  <a:extLst>
+                    <a:ext uri="{FF2B5EF4-FFF2-40B4-BE49-F238E27FC236}">
+                      <a16:creationId xmlns:a16="http://schemas.microsoft.com/office/drawing/2014/main" id="{B9A2233A-4813-AEFF-DE8D-6C65129EC856}"/>
+                    </a:ext>
+                  </a:extLst>
+                </p:cNvPr>
+                <p:cNvSpPr/>
+                <p:nvPr/>
+              </p:nvSpPr>
+              <p:spPr>
+                <a:xfrm>
+                  <a:off x="1580784" y="3991323"/>
+                  <a:ext cx="3236488" cy="763246"/>
+                </a:xfrm>
+                <a:prstGeom prst="roundRect">
+                  <a:avLst>
+                    <a:gd name="adj" fmla="val 38868"/>
+                  </a:avLst>
+                </a:prstGeom>
+                <a:solidFill>
+                  <a:srgbClr val="FFEB9E"/>
+                </a:solidFill>
+                <a:ln>
+                  <a:noFill/>
+                </a:ln>
+              </p:spPr>
+              <p:style>
+                <a:lnRef idx="2">
+                  <a:schemeClr val="accent1">
+                    <a:shade val="15000"/>
+                  </a:schemeClr>
+                </a:lnRef>
+                <a:fillRef idx="1">
+                  <a:schemeClr val="accent1"/>
+                </a:fillRef>
+                <a:effectRef idx="0">
+                  <a:schemeClr val="accent1"/>
+                </a:effectRef>
+                <a:fontRef idx="minor">
+                  <a:schemeClr val="lt1"/>
+                </a:fontRef>
+              </p:style>
+              <p:txBody>
+                <a:bodyPr rtlCol="0" anchor="ctr"/>
+                <a:lstStyle/>
+                <a:p>
+                  <a:pPr algn="ctr"/>
+                  <a:endParaRPr lang="en-TW" sz="1350" dirty="0"/>
+                </a:p>
+              </p:txBody>
+            </p:sp>
+            <p:sp>
+              <p:nvSpPr>
+                <p:cNvPr id="51" name="TextBox 50">
+                  <a:extLst>
+                    <a:ext uri="{FF2B5EF4-FFF2-40B4-BE49-F238E27FC236}">
+                      <a16:creationId xmlns:a16="http://schemas.microsoft.com/office/drawing/2014/main" id="{7D681A5A-855B-B8B0-BD3C-133318B6C1D9}"/>
+                    </a:ext>
+                  </a:extLst>
+                </p:cNvPr>
+                <p:cNvSpPr txBox="1"/>
+                <p:nvPr/>
+              </p:nvSpPr>
+              <p:spPr>
+                <a:xfrm>
+                  <a:off x="1957875" y="3933278"/>
+                  <a:ext cx="1918043" cy="779700"/>
+                </a:xfrm>
+                <a:prstGeom prst="rect">
+                  <a:avLst/>
+                </a:prstGeom>
+                <a:noFill/>
+              </p:spPr>
+              <p:txBody>
+                <a:bodyPr wrap="square" rtlCol="0">
+                  <a:spAutoFit/>
+                </a:bodyPr>
+                <a:lstStyle/>
+                <a:p>
+                  <a:r>
+                    <a:rPr lang="en-US" sz="3200" b="1" dirty="0">
+                      <a:solidFill>
+                        <a:srgbClr val="000000"/>
+                      </a:solidFill>
+                      <a:latin typeface="Candara" panose="020E0502030303020204" pitchFamily="34" charset="0"/>
+                      <a:ea typeface="Apple Color Emoji" pitchFamily="2" charset="0"/>
+                      <a:cs typeface="Calibri" panose="020F0502020204030204" pitchFamily="34" charset="0"/>
+                    </a:rPr>
+                    <a:t>GitHub</a:t>
+                  </a:r>
+                  <a:endParaRPr lang="en-TW" sz="3200" b="1" dirty="0">
+                    <a:latin typeface="Candara" panose="020E0502030303020204" pitchFamily="34" charset="0"/>
+                    <a:ea typeface="Apple Color Emoji" pitchFamily="2" charset="0"/>
+                    <a:cs typeface="Calibri" panose="020F0502020204030204" pitchFamily="34" charset="0"/>
+                  </a:endParaRPr>
+                </a:p>
+              </p:txBody>
+            </p:sp>
+          </p:grpSp>
+          <p:pic>
+            <p:nvPicPr>
+              <p:cNvPr id="49" name="Graphic 48" descr="Cursor">
+                <a:extLst>
+                  <a:ext uri="{FF2B5EF4-FFF2-40B4-BE49-F238E27FC236}">
+                    <a16:creationId xmlns:a16="http://schemas.microsoft.com/office/drawing/2014/main" id="{7C39F1AF-ED10-7560-63AB-33A31603625C}"/>
+                  </a:ext>
+                </a:extLst>
+              </p:cNvPr>
+              <p:cNvPicPr>
+                <a:picLocks noChangeAspect="1"/>
+              </p:cNvPicPr>
+              <p:nvPr/>
+            </p:nvPicPr>
+            <p:blipFill>
+              <a:blip r:embed="rId4">
+                <a:extLst>
+                  <a:ext uri="{96DAC541-7B7A-43D3-8B79-37D633B846F1}">
+                    <asvg:svgBlip xmlns:asvg="http://schemas.microsoft.com/office/drawing/2016/SVG/main" r:embed="rId5"/>
+                  </a:ext>
+                </a:extLst>
+              </a:blip>
+              <a:stretch>
+                <a:fillRect/>
+              </a:stretch>
+            </p:blipFill>
+            <p:spPr>
+              <a:xfrm flipH="1">
+                <a:off x="6678136" y="4033373"/>
+                <a:ext cx="714945" cy="714945"/>
+              </a:xfrm>
+              <a:prstGeom prst="rect">
+                <a:avLst/>
+              </a:prstGeom>
+            </p:spPr>
+          </p:pic>
+        </p:grpSp>
+        <p:sp>
+          <p:nvSpPr>
+            <p:cNvPr id="4" name="Rounded Rectangle 3">
+              <a:extLst>
+                <a:ext uri="{FF2B5EF4-FFF2-40B4-BE49-F238E27FC236}">
+                  <a16:creationId xmlns:a16="http://schemas.microsoft.com/office/drawing/2014/main" id="{C80B2236-CD95-2961-E490-91BA5EEEB60A}"/>
+                </a:ext>
+              </a:extLst>
+            </p:cNvPr>
+            <p:cNvSpPr/>
+            <p:nvPr/>
+          </p:nvSpPr>
+          <p:spPr>
+            <a:xfrm>
+              <a:off x="3358704" y="4111730"/>
+              <a:ext cx="2357176" cy="495445"/>
+            </a:xfrm>
+            <a:prstGeom prst="roundRect">
+              <a:avLst>
+                <a:gd name="adj" fmla="val 38868"/>
+              </a:avLst>
+            </a:prstGeom>
+            <a:noFill/>
+            <a:ln w="38100">
+              <a:solidFill>
+                <a:schemeClr val="tx1"/>
+              </a:solidFill>
+            </a:ln>
+          </p:spPr>
+          <p:style>
+            <a:lnRef idx="2">
+              <a:schemeClr val="accent1">
+                <a:shade val="15000"/>
+              </a:schemeClr>
+            </a:lnRef>
+            <a:fillRef idx="1">
+              <a:schemeClr val="accent1"/>
+            </a:fillRef>
+            <a:effectRef idx="0">
+              <a:schemeClr val="accent1"/>
+            </a:effectRef>
+            <a:fontRef idx="minor">
+              <a:schemeClr val="lt1"/>
+            </a:fontRef>
+          </p:style>
+          <p:txBody>
+            <a:bodyPr rtlCol="0" anchor="ctr"/>
+            <a:lstStyle/>
+            <a:p>
+              <a:pPr algn="ctr"/>
+              <a:endParaRPr lang="en-TW" sz="1350" dirty="0"/>
+            </a:p>
+          </p:txBody>
+        </p:sp>
+      </p:grpSp>
     </p:spTree>
     <p:extLst>
       <p:ext uri="{BB962C8B-B14F-4D97-AF65-F5344CB8AC3E}">
@@ -5639,10 +5713,10 @@
       </p:grpSpPr>
       <p:grpSp>
         <p:nvGrpSpPr>
-          <p:cNvPr id="20" name="Group 19">
+          <p:cNvPr id="82" name="Group 81">
             <a:extLst>
               <a:ext uri="{FF2B5EF4-FFF2-40B4-BE49-F238E27FC236}">
-                <a16:creationId xmlns:a16="http://schemas.microsoft.com/office/drawing/2014/main" id="{8961F683-0362-CD87-EE5E-47D2034FF1DF}"/>
+                <a16:creationId xmlns:a16="http://schemas.microsoft.com/office/drawing/2014/main" id="{CB55B5AB-7B08-67A8-E3E3-386CA8A84408}"/>
               </a:ext>
             </a:extLst>
           </p:cNvPr>
@@ -5651,18 +5725,18 @@
         </p:nvGrpSpPr>
         <p:grpSpPr>
           <a:xfrm>
-            <a:off x="-1" y="-273209"/>
-            <a:ext cx="9141101" cy="7131209"/>
-            <a:chOff x="-1" y="-273209"/>
-            <a:chExt cx="9141101" cy="7131209"/>
+            <a:off x="2899" y="0"/>
+            <a:ext cx="9141101" cy="6858000"/>
+            <a:chOff x="2899" y="0"/>
+            <a:chExt cx="9141101" cy="6858000"/>
           </a:xfrm>
         </p:grpSpPr>
         <p:pic>
           <p:nvPicPr>
-            <p:cNvPr id="21" name="Picture 20">
+            <p:cNvPr id="83" name="Picture 82">
               <a:extLst>
                 <a:ext uri="{FF2B5EF4-FFF2-40B4-BE49-F238E27FC236}">
-                  <a16:creationId xmlns:a16="http://schemas.microsoft.com/office/drawing/2014/main" id="{D2F4C324-BFF9-6452-904A-1787B11AE943}"/>
+                  <a16:creationId xmlns:a16="http://schemas.microsoft.com/office/drawing/2014/main" id="{0E46E4B8-217F-579F-57E5-5FAE9F2195CC}"/>
                 </a:ext>
               </a:extLst>
             </p:cNvPr>
@@ -5678,8 +5752,8 @@
           </p:blipFill>
           <p:spPr>
             <a:xfrm>
-              <a:off x="-1" y="-273209"/>
-              <a:ext cx="9141101" cy="7131209"/>
+              <a:off x="2899" y="0"/>
+              <a:ext cx="9141101" cy="6858000"/>
             </a:xfrm>
             <a:prstGeom prst="rect">
               <a:avLst/>
@@ -5688,10 +5762,10 @@
         </p:pic>
         <p:grpSp>
           <p:nvGrpSpPr>
-            <p:cNvPr id="22" name="Group 21">
+            <p:cNvPr id="84" name="Group 83">
               <a:extLst>
                 <a:ext uri="{FF2B5EF4-FFF2-40B4-BE49-F238E27FC236}">
-                  <a16:creationId xmlns:a16="http://schemas.microsoft.com/office/drawing/2014/main" id="{4A2288BD-16D7-8212-6061-612B04296068}"/>
+                  <a16:creationId xmlns:a16="http://schemas.microsoft.com/office/drawing/2014/main" id="{57DE13DD-FFD7-57EA-4277-5BBEC9D2788F}"/>
                 </a:ext>
               </a:extLst>
             </p:cNvPr>
@@ -5700,7 +5774,7 @@
           </p:nvGrpSpPr>
           <p:grpSpPr>
             <a:xfrm>
-              <a:off x="379419" y="80682"/>
+              <a:off x="379419" y="352145"/>
               <a:ext cx="1336505" cy="362347"/>
               <a:chOff x="443753" y="181173"/>
               <a:chExt cx="1336505" cy="362347"/>
@@ -5708,10 +5782,10 @@
           </p:grpSpPr>
           <p:sp>
             <p:nvSpPr>
-              <p:cNvPr id="23" name="Oval 22">
+              <p:cNvPr id="85" name="Oval 84">
                 <a:extLst>
                   <a:ext uri="{FF2B5EF4-FFF2-40B4-BE49-F238E27FC236}">
-                    <a16:creationId xmlns:a16="http://schemas.microsoft.com/office/drawing/2014/main" id="{73FF881A-C14C-857B-198A-BDE07C94572C}"/>
+                    <a16:creationId xmlns:a16="http://schemas.microsoft.com/office/drawing/2014/main" id="{8856DF64-B2CB-96CE-E283-52AFCCE6456E}"/>
                   </a:ext>
                 </a:extLst>
               </p:cNvPr>
@@ -5760,10 +5834,10 @@
           </p:sp>
           <p:sp>
             <p:nvSpPr>
-              <p:cNvPr id="24" name="Oval 23">
+              <p:cNvPr id="86" name="Oval 85">
                 <a:extLst>
                   <a:ext uri="{FF2B5EF4-FFF2-40B4-BE49-F238E27FC236}">
-                    <a16:creationId xmlns:a16="http://schemas.microsoft.com/office/drawing/2014/main" id="{69D0BE5A-E18B-A064-E201-2A65A4135AD3}"/>
+                    <a16:creationId xmlns:a16="http://schemas.microsoft.com/office/drawing/2014/main" id="{D2D239D4-C43E-6710-F3BD-C6058719BB9B}"/>
                   </a:ext>
                 </a:extLst>
               </p:cNvPr>
@@ -5812,10 +5886,10 @@
           </p:sp>
           <p:sp>
             <p:nvSpPr>
-              <p:cNvPr id="25" name="Oval 24">
+              <p:cNvPr id="87" name="Oval 86">
                 <a:extLst>
                   <a:ext uri="{FF2B5EF4-FFF2-40B4-BE49-F238E27FC236}">
-                    <a16:creationId xmlns:a16="http://schemas.microsoft.com/office/drawing/2014/main" id="{BA316355-40EC-7618-5F20-3993E4124688}"/>
+                    <a16:creationId xmlns:a16="http://schemas.microsoft.com/office/drawing/2014/main" id="{335C8C96-3E06-589B-4979-5129914FBDE2}"/>
                   </a:ext>
                 </a:extLst>
               </p:cNvPr>
@@ -5878,8 +5952,8 @@
         </p:nvSpPr>
         <p:spPr>
           <a:xfrm>
-            <a:off x="1235035" y="1139802"/>
-            <a:ext cx="6673928" cy="2862322"/>
+            <a:off x="497065" y="1089578"/>
+            <a:ext cx="8146968" cy="2554545"/>
           </a:xfrm>
           <a:prstGeom prst="rect">
             <a:avLst/>
@@ -5892,8 +5966,9 @@
           </a:bodyPr>
           <a:lstStyle/>
           <a:p>
+            <a:pPr algn="ctr"/>
             <a:r>
-              <a:rPr lang="en-US" sz="6000" b="1" i="0" dirty="0">
+              <a:rPr lang="en-US" sz="4000" b="1" dirty="0">
                 <a:solidFill>
                   <a:srgbClr val="AD5545"/>
                 </a:solidFill>
@@ -5901,30 +5976,25 @@
                 <a:latin typeface="Bangla MN" pitchFamily="2" charset="0"/>
                 <a:cs typeface="Bangla MN" pitchFamily="2" charset="0"/>
               </a:rPr>
-              <a:t>Parallelizing </a:t>
+              <a:t>Software Backplane Design </a:t>
             </a:r>
             <a:r>
-              <a:rPr lang="en-US" sz="6000" b="1" i="0" dirty="0">
+              <a:rPr lang="en-US" sz="4000" b="1" dirty="0">
                 <a:effectLst/>
                 <a:latin typeface="Bangla MN" pitchFamily="2" charset="0"/>
                 <a:cs typeface="Bangla MN" pitchFamily="2" charset="0"/>
               </a:rPr>
-              <a:t>Reinforcement Learning</a:t>
+              <a:t>for the Real-time Monitoring and Visualization System in Optical Edge Data Center </a:t>
             </a:r>
-            <a:endParaRPr lang="en-TW" sz="6000" b="1" dirty="0">
-              <a:latin typeface="Bangla MN" pitchFamily="2" charset="0"/>
-              <a:ea typeface="Apple Color Emoji" pitchFamily="2" charset="0"/>
-              <a:cs typeface="Bangla MN" pitchFamily="2" charset="0"/>
-            </a:endParaRPr>
           </a:p>
         </p:txBody>
       </p:sp>
       <p:grpSp>
         <p:nvGrpSpPr>
-          <p:cNvPr id="47" name="Group 46">
+          <p:cNvPr id="74" name="Group 73">
             <a:extLst>
               <a:ext uri="{FF2B5EF4-FFF2-40B4-BE49-F238E27FC236}">
-                <a16:creationId xmlns:a16="http://schemas.microsoft.com/office/drawing/2014/main" id="{16F1A946-7D23-0BA3-D1FA-D7C7D3AC6D0E}"/>
+                <a16:creationId xmlns:a16="http://schemas.microsoft.com/office/drawing/2014/main" id="{085EB84D-0E66-EFDE-3579-8C834FD860FC}"/>
               </a:ext>
             </a:extLst>
           </p:cNvPr>
@@ -5933,18 +6003,18 @@
         </p:nvGrpSpPr>
         <p:grpSpPr>
           <a:xfrm>
-            <a:off x="3374795" y="4091252"/>
-            <a:ext cx="2394408" cy="584775"/>
-            <a:chOff x="4483523" y="4029777"/>
-            <a:chExt cx="3192544" cy="779700"/>
+            <a:off x="1562107" y="5048046"/>
+            <a:ext cx="6016883" cy="557942"/>
+            <a:chOff x="1214326" y="4990659"/>
+            <a:chExt cx="6016883" cy="557942"/>
           </a:xfrm>
         </p:grpSpPr>
         <p:grpSp>
           <p:nvGrpSpPr>
-            <p:cNvPr id="48" name="Group 47">
+            <p:cNvPr id="28" name="Group 27">
               <a:extLst>
                 <a:ext uri="{FF2B5EF4-FFF2-40B4-BE49-F238E27FC236}">
-                  <a16:creationId xmlns:a16="http://schemas.microsoft.com/office/drawing/2014/main" id="{AA0819AA-6C60-87C4-31AB-A37228E32243}"/>
+                  <a16:creationId xmlns:a16="http://schemas.microsoft.com/office/drawing/2014/main" id="{D3D704F3-D6C3-572C-66BA-90660553E65C}"/>
                 </a:ext>
               </a:extLst>
             </p:cNvPr>
@@ -5953,18 +6023,1736 @@
           </p:nvGrpSpPr>
           <p:grpSpPr>
             <a:xfrm>
-              <a:off x="4483523" y="4029777"/>
-              <a:ext cx="3192544" cy="779700"/>
-              <a:chOff x="1580784" y="3959333"/>
-              <a:chExt cx="3192544" cy="779700"/>
+              <a:off x="1214326" y="4992379"/>
+              <a:ext cx="1808629" cy="554502"/>
+              <a:chOff x="906454" y="5013555"/>
+              <a:chExt cx="1808629" cy="554502"/>
+            </a:xfrm>
+          </p:grpSpPr>
+          <p:grpSp>
+            <p:nvGrpSpPr>
+              <p:cNvPr id="44" name="Group 43">
+                <a:extLst>
+                  <a:ext uri="{FF2B5EF4-FFF2-40B4-BE49-F238E27FC236}">
+                    <a16:creationId xmlns:a16="http://schemas.microsoft.com/office/drawing/2014/main" id="{3DA4A3EE-BABF-CF32-685B-96E80D84C9C5}"/>
+                  </a:ext>
+                </a:extLst>
+              </p:cNvPr>
+              <p:cNvGrpSpPr/>
+              <p:nvPr/>
+            </p:nvGrpSpPr>
+            <p:grpSpPr>
+              <a:xfrm>
+                <a:off x="906454" y="5044837"/>
+                <a:ext cx="1808629" cy="523220"/>
+                <a:chOff x="2176640" y="4288960"/>
+                <a:chExt cx="2324091" cy="553999"/>
+              </a:xfrm>
+            </p:grpSpPr>
+            <p:sp>
+              <p:nvSpPr>
+                <p:cNvPr id="52" name="Rounded Rectangle 51">
+                  <a:extLst>
+                    <a:ext uri="{FF2B5EF4-FFF2-40B4-BE49-F238E27FC236}">
+                      <a16:creationId xmlns:a16="http://schemas.microsoft.com/office/drawing/2014/main" id="{CE45D1E4-ABE9-C227-AAD8-B139AFF5C618}"/>
+                    </a:ext>
+                  </a:extLst>
+                </p:cNvPr>
+                <p:cNvSpPr/>
+                <p:nvPr/>
+              </p:nvSpPr>
+              <p:spPr>
+                <a:xfrm>
+                  <a:off x="2176640" y="4288961"/>
+                  <a:ext cx="2324091" cy="553998"/>
+                </a:xfrm>
+                <a:prstGeom prst="roundRect">
+                  <a:avLst>
+                    <a:gd name="adj" fmla="val 50000"/>
+                  </a:avLst>
+                </a:prstGeom>
+                <a:solidFill>
+                  <a:srgbClr val="DCA49B"/>
+                </a:solidFill>
+                <a:ln>
+                  <a:noFill/>
+                </a:ln>
+              </p:spPr>
+              <p:style>
+                <a:lnRef idx="2">
+                  <a:schemeClr val="accent1">
+                    <a:shade val="15000"/>
+                  </a:schemeClr>
+                </a:lnRef>
+                <a:fillRef idx="1">
+                  <a:schemeClr val="accent1"/>
+                </a:fillRef>
+                <a:effectRef idx="0">
+                  <a:schemeClr val="accent1"/>
+                </a:effectRef>
+                <a:fontRef idx="minor">
+                  <a:schemeClr val="lt1"/>
+                </a:fontRef>
+              </p:style>
+              <p:txBody>
+                <a:bodyPr rtlCol="0" anchor="ctr"/>
+                <a:lstStyle/>
+                <a:p>
+                  <a:pPr algn="ctr"/>
+                  <a:endParaRPr lang="en-TW" sz="1350"/>
+                </a:p>
+              </p:txBody>
+            </p:sp>
+            <p:sp>
+              <p:nvSpPr>
+                <p:cNvPr id="53" name="Rounded Rectangle 52">
+                  <a:extLst>
+                    <a:ext uri="{FF2B5EF4-FFF2-40B4-BE49-F238E27FC236}">
+                      <a16:creationId xmlns:a16="http://schemas.microsoft.com/office/drawing/2014/main" id="{2E65CA85-41D0-6B69-DD2D-C402D97C52C3}"/>
+                    </a:ext>
+                  </a:extLst>
+                </p:cNvPr>
+                <p:cNvSpPr/>
+                <p:nvPr/>
+              </p:nvSpPr>
+              <p:spPr>
+                <a:xfrm>
+                  <a:off x="2194160" y="4288960"/>
+                  <a:ext cx="2224694" cy="487756"/>
+                </a:xfrm>
+                <a:prstGeom prst="roundRect">
+                  <a:avLst>
+                    <a:gd name="adj" fmla="val 50000"/>
+                  </a:avLst>
+                </a:prstGeom>
+                <a:noFill/>
+                <a:ln w="38100">
+                  <a:solidFill>
+                    <a:schemeClr val="tx1"/>
+                  </a:solidFill>
+                </a:ln>
+              </p:spPr>
+              <p:style>
+                <a:lnRef idx="2">
+                  <a:schemeClr val="accent1">
+                    <a:shade val="15000"/>
+                  </a:schemeClr>
+                </a:lnRef>
+                <a:fillRef idx="1">
+                  <a:schemeClr val="accent1"/>
+                </a:fillRef>
+                <a:effectRef idx="0">
+                  <a:schemeClr val="accent1"/>
+                </a:effectRef>
+                <a:fontRef idx="minor">
+                  <a:schemeClr val="lt1"/>
+                </a:fontRef>
+              </p:style>
+              <p:txBody>
+                <a:bodyPr rtlCol="0" anchor="ctr"/>
+                <a:lstStyle/>
+                <a:p>
+                  <a:pPr algn="ctr"/>
+                  <a:endParaRPr lang="en-TW" sz="1350" dirty="0"/>
+                </a:p>
+              </p:txBody>
+            </p:sp>
+          </p:grpSp>
+          <p:sp>
+            <p:nvSpPr>
+              <p:cNvPr id="45" name="TextBox 44">
+                <a:extLst>
+                  <a:ext uri="{FF2B5EF4-FFF2-40B4-BE49-F238E27FC236}">
+                    <a16:creationId xmlns:a16="http://schemas.microsoft.com/office/drawing/2014/main" id="{5E0C01DB-3A30-F9DB-AC36-4519866C3465}"/>
+                  </a:ext>
+                </a:extLst>
+              </p:cNvPr>
+              <p:cNvSpPr txBox="1"/>
+              <p:nvPr/>
+            </p:nvSpPr>
+            <p:spPr>
+              <a:xfrm>
+                <a:off x="1118103" y="5013555"/>
+                <a:ext cx="1385330" cy="523220"/>
+              </a:xfrm>
+              <a:prstGeom prst="rect">
+                <a:avLst/>
+              </a:prstGeom>
+              <a:noFill/>
+            </p:spPr>
+            <p:txBody>
+              <a:bodyPr wrap="square" rtlCol="0">
+                <a:spAutoFit/>
+              </a:bodyPr>
+              <a:lstStyle/>
+              <a:p>
+                <a:r>
+                  <a:rPr lang="en-US" sz="2800" b="1" dirty="0">
+                    <a:solidFill>
+                      <a:srgbClr val="000000"/>
+                    </a:solidFill>
+                    <a:latin typeface="Candara" panose="020E0502030303020204" pitchFamily="34" charset="0"/>
+                    <a:ea typeface="Apple Color Emoji" pitchFamily="2" charset="0"/>
+                    <a:cs typeface="Calibri" panose="020F0502020204030204" pitchFamily="34" charset="0"/>
+                  </a:rPr>
+                  <a:t>ReactJS</a:t>
+                </a:r>
+                <a:endParaRPr lang="en-TW" sz="2800" b="1" dirty="0">
+                  <a:latin typeface="Candara" panose="020E0502030303020204" pitchFamily="34" charset="0"/>
+                  <a:ea typeface="Apple Color Emoji" pitchFamily="2" charset="0"/>
+                  <a:cs typeface="Calibri" panose="020F0502020204030204" pitchFamily="34" charset="0"/>
+                </a:endParaRPr>
+              </a:p>
+            </p:txBody>
+          </p:sp>
+        </p:grpSp>
+        <p:grpSp>
+          <p:nvGrpSpPr>
+            <p:cNvPr id="29" name="Group 28">
+              <a:extLst>
+                <a:ext uri="{FF2B5EF4-FFF2-40B4-BE49-F238E27FC236}">
+                  <a16:creationId xmlns:a16="http://schemas.microsoft.com/office/drawing/2014/main" id="{53CFFFAD-6547-7BD6-BA5B-0560CB7B91B7}"/>
+                </a:ext>
+              </a:extLst>
+            </p:cNvPr>
+            <p:cNvGrpSpPr/>
+            <p:nvPr/>
+          </p:nvGrpSpPr>
+          <p:grpSpPr>
+            <a:xfrm>
+              <a:off x="3161335" y="4990659"/>
+              <a:ext cx="2122864" cy="557942"/>
+              <a:chOff x="2742685" y="5006573"/>
+              <a:chExt cx="2122864" cy="557942"/>
+            </a:xfrm>
+          </p:grpSpPr>
+          <p:grpSp>
+            <p:nvGrpSpPr>
+              <p:cNvPr id="40" name="Group 39">
+                <a:extLst>
+                  <a:ext uri="{FF2B5EF4-FFF2-40B4-BE49-F238E27FC236}">
+                    <a16:creationId xmlns:a16="http://schemas.microsoft.com/office/drawing/2014/main" id="{C453CEAC-E974-BB4A-EA7F-B8A89AE90D68}"/>
+                  </a:ext>
+                </a:extLst>
+              </p:cNvPr>
+              <p:cNvGrpSpPr/>
+              <p:nvPr/>
+            </p:nvGrpSpPr>
+            <p:grpSpPr>
+              <a:xfrm>
+                <a:off x="2742685" y="5041295"/>
+                <a:ext cx="2122864" cy="523220"/>
+                <a:chOff x="2417086" y="4288960"/>
+                <a:chExt cx="1985565" cy="553999"/>
+              </a:xfrm>
+            </p:grpSpPr>
+            <p:sp>
+              <p:nvSpPr>
+                <p:cNvPr id="42" name="Rounded Rectangle 41">
+                  <a:extLst>
+                    <a:ext uri="{FF2B5EF4-FFF2-40B4-BE49-F238E27FC236}">
+                      <a16:creationId xmlns:a16="http://schemas.microsoft.com/office/drawing/2014/main" id="{D727BAF7-35C0-D2A9-4968-6FCC074F4FB6}"/>
+                    </a:ext>
+                  </a:extLst>
+                </p:cNvPr>
+                <p:cNvSpPr/>
+                <p:nvPr/>
+              </p:nvSpPr>
+              <p:spPr>
+                <a:xfrm>
+                  <a:off x="2417086" y="4288961"/>
+                  <a:ext cx="1985565" cy="553998"/>
+                </a:xfrm>
+                <a:prstGeom prst="roundRect">
+                  <a:avLst>
+                    <a:gd name="adj" fmla="val 50000"/>
+                  </a:avLst>
+                </a:prstGeom>
+                <a:solidFill>
+                  <a:srgbClr val="DCA49B"/>
+                </a:solidFill>
+                <a:ln>
+                  <a:noFill/>
+                </a:ln>
+              </p:spPr>
+              <p:style>
+                <a:lnRef idx="2">
+                  <a:schemeClr val="accent1">
+                    <a:shade val="15000"/>
+                  </a:schemeClr>
+                </a:lnRef>
+                <a:fillRef idx="1">
+                  <a:schemeClr val="accent1"/>
+                </a:fillRef>
+                <a:effectRef idx="0">
+                  <a:schemeClr val="accent1"/>
+                </a:effectRef>
+                <a:fontRef idx="minor">
+                  <a:schemeClr val="lt1"/>
+                </a:fontRef>
+              </p:style>
+              <p:txBody>
+                <a:bodyPr rtlCol="0" anchor="ctr"/>
+                <a:lstStyle/>
+                <a:p>
+                  <a:pPr algn="ctr"/>
+                  <a:endParaRPr lang="en-TW" sz="1350"/>
+                </a:p>
+              </p:txBody>
+            </p:sp>
+            <p:sp>
+              <p:nvSpPr>
+                <p:cNvPr id="43" name="Rounded Rectangle 42">
+                  <a:extLst>
+                    <a:ext uri="{FF2B5EF4-FFF2-40B4-BE49-F238E27FC236}">
+                      <a16:creationId xmlns:a16="http://schemas.microsoft.com/office/drawing/2014/main" id="{56B309D5-9621-E2EA-713E-FE21C1B7DC3F}"/>
+                    </a:ext>
+                  </a:extLst>
+                </p:cNvPr>
+                <p:cNvSpPr/>
+                <p:nvPr/>
+              </p:nvSpPr>
+              <p:spPr>
+                <a:xfrm>
+                  <a:off x="2417086" y="4288960"/>
+                  <a:ext cx="1931962" cy="487756"/>
+                </a:xfrm>
+                <a:prstGeom prst="roundRect">
+                  <a:avLst>
+                    <a:gd name="adj" fmla="val 50000"/>
+                  </a:avLst>
+                </a:prstGeom>
+                <a:noFill/>
+                <a:ln w="38100">
+                  <a:solidFill>
+                    <a:schemeClr val="tx1"/>
+                  </a:solidFill>
+                </a:ln>
+              </p:spPr>
+              <p:style>
+                <a:lnRef idx="2">
+                  <a:schemeClr val="accent1">
+                    <a:shade val="15000"/>
+                  </a:schemeClr>
+                </a:lnRef>
+                <a:fillRef idx="1">
+                  <a:schemeClr val="accent1"/>
+                </a:fillRef>
+                <a:effectRef idx="0">
+                  <a:schemeClr val="accent1"/>
+                </a:effectRef>
+                <a:fontRef idx="minor">
+                  <a:schemeClr val="lt1"/>
+                </a:fontRef>
+              </p:style>
+              <p:txBody>
+                <a:bodyPr rtlCol="0" anchor="ctr"/>
+                <a:lstStyle/>
+                <a:p>
+                  <a:pPr algn="ctr"/>
+                  <a:endParaRPr lang="en-TW" sz="1350"/>
+                </a:p>
+              </p:txBody>
+            </p:sp>
+          </p:grpSp>
+          <p:sp>
+            <p:nvSpPr>
+              <p:cNvPr id="41" name="TextBox 40">
+                <a:extLst>
+                  <a:ext uri="{FF2B5EF4-FFF2-40B4-BE49-F238E27FC236}">
+                    <a16:creationId xmlns:a16="http://schemas.microsoft.com/office/drawing/2014/main" id="{5576D974-FC7E-7F44-DBF4-7D3FF1EC5381}"/>
+                  </a:ext>
+                </a:extLst>
+              </p:cNvPr>
+              <p:cNvSpPr txBox="1"/>
+              <p:nvPr/>
+            </p:nvSpPr>
+            <p:spPr>
+              <a:xfrm>
+                <a:off x="2929683" y="5006573"/>
+                <a:ext cx="1935866" cy="523220"/>
+              </a:xfrm>
+              <a:prstGeom prst="rect">
+                <a:avLst/>
+              </a:prstGeom>
+              <a:noFill/>
+            </p:spPr>
+            <p:txBody>
+              <a:bodyPr wrap="square" rtlCol="0">
+                <a:spAutoFit/>
+              </a:bodyPr>
+              <a:lstStyle/>
+              <a:p>
+                <a:r>
+                  <a:rPr lang="en-US" sz="2800" b="1" dirty="0" err="1">
+                    <a:solidFill>
+                      <a:srgbClr val="000000"/>
+                    </a:solidFill>
+                    <a:latin typeface="Candara" panose="020E0502030303020204" pitchFamily="34" charset="0"/>
+                    <a:ea typeface="Apple Color Emoji" pitchFamily="2" charset="0"/>
+                    <a:cs typeface="Calibri" panose="020F0502020204030204" pitchFamily="34" charset="0"/>
+                  </a:rPr>
+                  <a:t>ExpressJS</a:t>
+                </a:r>
+                <a:endParaRPr lang="en-TW" sz="2800" b="1" dirty="0">
+                  <a:latin typeface="Candara" panose="020E0502030303020204" pitchFamily="34" charset="0"/>
+                  <a:ea typeface="Apple Color Emoji" pitchFamily="2" charset="0"/>
+                  <a:cs typeface="Calibri" panose="020F0502020204030204" pitchFamily="34" charset="0"/>
+                </a:endParaRPr>
+              </a:p>
+            </p:txBody>
+          </p:sp>
+        </p:grpSp>
+        <p:grpSp>
+          <p:nvGrpSpPr>
+            <p:cNvPr id="30" name="Group 29">
+              <a:extLst>
+                <a:ext uri="{FF2B5EF4-FFF2-40B4-BE49-F238E27FC236}">
+                  <a16:creationId xmlns:a16="http://schemas.microsoft.com/office/drawing/2014/main" id="{6C11D926-C85A-BC36-8C66-25CC65787510}"/>
+                </a:ext>
+              </a:extLst>
+            </p:cNvPr>
+            <p:cNvGrpSpPr/>
+            <p:nvPr/>
+          </p:nvGrpSpPr>
+          <p:grpSpPr>
+            <a:xfrm>
+              <a:off x="5422579" y="4996436"/>
+              <a:ext cx="1808630" cy="546389"/>
+              <a:chOff x="4790524" y="5018126"/>
+              <a:chExt cx="1808630" cy="546389"/>
+            </a:xfrm>
+          </p:grpSpPr>
+          <p:grpSp>
+            <p:nvGrpSpPr>
+              <p:cNvPr id="36" name="Group 35">
+                <a:extLst>
+                  <a:ext uri="{FF2B5EF4-FFF2-40B4-BE49-F238E27FC236}">
+                    <a16:creationId xmlns:a16="http://schemas.microsoft.com/office/drawing/2014/main" id="{6BFBD3CC-F64A-0115-606E-97583ED7132F}"/>
+                  </a:ext>
+                </a:extLst>
+              </p:cNvPr>
+              <p:cNvGrpSpPr/>
+              <p:nvPr/>
+            </p:nvGrpSpPr>
+            <p:grpSpPr>
+              <a:xfrm>
+                <a:off x="4790524" y="5041295"/>
+                <a:ext cx="1808630" cy="523220"/>
+                <a:chOff x="2417086" y="4288960"/>
+                <a:chExt cx="2324091" cy="553999"/>
+              </a:xfrm>
+            </p:grpSpPr>
+            <p:sp>
+              <p:nvSpPr>
+                <p:cNvPr id="38" name="Rounded Rectangle 37">
+                  <a:extLst>
+                    <a:ext uri="{FF2B5EF4-FFF2-40B4-BE49-F238E27FC236}">
+                      <a16:creationId xmlns:a16="http://schemas.microsoft.com/office/drawing/2014/main" id="{92E4A373-A33E-3B76-96E9-BAC8968B03FB}"/>
+                    </a:ext>
+                  </a:extLst>
+                </p:cNvPr>
+                <p:cNvSpPr/>
+                <p:nvPr/>
+              </p:nvSpPr>
+              <p:spPr>
+                <a:xfrm>
+                  <a:off x="2417086" y="4288961"/>
+                  <a:ext cx="2324091" cy="553998"/>
+                </a:xfrm>
+                <a:prstGeom prst="roundRect">
+                  <a:avLst>
+                    <a:gd name="adj" fmla="val 50000"/>
+                  </a:avLst>
+                </a:prstGeom>
+                <a:solidFill>
+                  <a:srgbClr val="DCA49B"/>
+                </a:solidFill>
+                <a:ln>
+                  <a:noFill/>
+                </a:ln>
+              </p:spPr>
+              <p:style>
+                <a:lnRef idx="2">
+                  <a:schemeClr val="accent1">
+                    <a:shade val="15000"/>
+                  </a:schemeClr>
+                </a:lnRef>
+                <a:fillRef idx="1">
+                  <a:schemeClr val="accent1"/>
+                </a:fillRef>
+                <a:effectRef idx="0">
+                  <a:schemeClr val="accent1"/>
+                </a:effectRef>
+                <a:fontRef idx="minor">
+                  <a:schemeClr val="lt1"/>
+                </a:fontRef>
+              </p:style>
+              <p:txBody>
+                <a:bodyPr rtlCol="0" anchor="ctr"/>
+                <a:lstStyle/>
+                <a:p>
+                  <a:pPr algn="ctr"/>
+                  <a:endParaRPr lang="en-TW" sz="1350"/>
+                </a:p>
+              </p:txBody>
+            </p:sp>
+            <p:sp>
+              <p:nvSpPr>
+                <p:cNvPr id="39" name="Rounded Rectangle 38">
+                  <a:extLst>
+                    <a:ext uri="{FF2B5EF4-FFF2-40B4-BE49-F238E27FC236}">
+                      <a16:creationId xmlns:a16="http://schemas.microsoft.com/office/drawing/2014/main" id="{E7E4DD5B-E7E6-6AB8-5D2A-3D3247E98336}"/>
+                    </a:ext>
+                  </a:extLst>
+                </p:cNvPr>
+                <p:cNvSpPr/>
+                <p:nvPr/>
+              </p:nvSpPr>
+              <p:spPr>
+                <a:xfrm>
+                  <a:off x="2417086" y="4288960"/>
+                  <a:ext cx="2229998" cy="487756"/>
+                </a:xfrm>
+                <a:prstGeom prst="roundRect">
+                  <a:avLst>
+                    <a:gd name="adj" fmla="val 50000"/>
+                  </a:avLst>
+                </a:prstGeom>
+                <a:noFill/>
+                <a:ln w="38100">
+                  <a:solidFill>
+                    <a:schemeClr val="tx1"/>
+                  </a:solidFill>
+                </a:ln>
+              </p:spPr>
+              <p:style>
+                <a:lnRef idx="2">
+                  <a:schemeClr val="accent1">
+                    <a:shade val="15000"/>
+                  </a:schemeClr>
+                </a:lnRef>
+                <a:fillRef idx="1">
+                  <a:schemeClr val="accent1"/>
+                </a:fillRef>
+                <a:effectRef idx="0">
+                  <a:schemeClr val="accent1"/>
+                </a:effectRef>
+                <a:fontRef idx="minor">
+                  <a:schemeClr val="lt1"/>
+                </a:fontRef>
+              </p:style>
+              <p:txBody>
+                <a:bodyPr rtlCol="0" anchor="ctr"/>
+                <a:lstStyle/>
+                <a:p>
+                  <a:pPr algn="ctr"/>
+                  <a:endParaRPr lang="en-TW" sz="1350"/>
+                </a:p>
+              </p:txBody>
+            </p:sp>
+          </p:grpSp>
+          <p:sp>
+            <p:nvSpPr>
+              <p:cNvPr id="37" name="TextBox 36">
+                <a:extLst>
+                  <a:ext uri="{FF2B5EF4-FFF2-40B4-BE49-F238E27FC236}">
+                    <a16:creationId xmlns:a16="http://schemas.microsoft.com/office/drawing/2014/main" id="{4EE6F7BF-72DE-F32C-117B-9C8BCC6C4C12}"/>
+                  </a:ext>
+                </a:extLst>
+              </p:cNvPr>
+              <p:cNvSpPr txBox="1"/>
+              <p:nvPr/>
+            </p:nvSpPr>
+            <p:spPr>
+              <a:xfrm>
+                <a:off x="5039715" y="5018126"/>
+                <a:ext cx="1377064" cy="523220"/>
+              </a:xfrm>
+              <a:prstGeom prst="rect">
+                <a:avLst/>
+              </a:prstGeom>
+              <a:noFill/>
+            </p:spPr>
+            <p:txBody>
+              <a:bodyPr wrap="square" rtlCol="0">
+                <a:spAutoFit/>
+              </a:bodyPr>
+              <a:lstStyle/>
+              <a:p>
+                <a:r>
+                  <a:rPr lang="en-US" sz="2800" b="1" dirty="0">
+                    <a:solidFill>
+                      <a:srgbClr val="000000"/>
+                    </a:solidFill>
+                    <a:latin typeface="Candara" panose="020E0502030303020204" pitchFamily="34" charset="0"/>
+                    <a:ea typeface="Apple Color Emoji" pitchFamily="2" charset="0"/>
+                    <a:cs typeface="Calibri" panose="020F0502020204030204" pitchFamily="34" charset="0"/>
+                  </a:rPr>
+                  <a:t>NodeJS</a:t>
+                </a:r>
+                <a:endParaRPr lang="en-TW" sz="2800" b="1" dirty="0">
+                  <a:latin typeface="Candara" panose="020E0502030303020204" pitchFamily="34" charset="0"/>
+                  <a:ea typeface="Apple Color Emoji" pitchFamily="2" charset="0"/>
+                  <a:cs typeface="Calibri" panose="020F0502020204030204" pitchFamily="34" charset="0"/>
+                </a:endParaRPr>
+              </a:p>
+            </p:txBody>
+          </p:sp>
+        </p:grpSp>
+      </p:grpSp>
+      <p:grpSp>
+        <p:nvGrpSpPr>
+          <p:cNvPr id="73" name="Group 72">
+            <a:extLst>
+              <a:ext uri="{FF2B5EF4-FFF2-40B4-BE49-F238E27FC236}">
+                <a16:creationId xmlns:a16="http://schemas.microsoft.com/office/drawing/2014/main" id="{01C97A01-437E-0F6B-6772-7D97F9A80F01}"/>
+              </a:ext>
+            </a:extLst>
+          </p:cNvPr>
+          <p:cNvGrpSpPr/>
+          <p:nvPr/>
+        </p:nvGrpSpPr>
+        <p:grpSpPr>
+          <a:xfrm>
+            <a:off x="1644933" y="5829888"/>
+            <a:ext cx="5851230" cy="554502"/>
+            <a:chOff x="1308435" y="5779627"/>
+            <a:chExt cx="5851230" cy="554502"/>
+          </a:xfrm>
+        </p:grpSpPr>
+        <p:grpSp>
+          <p:nvGrpSpPr>
+            <p:cNvPr id="31" name="Group 30">
+              <a:extLst>
+                <a:ext uri="{FF2B5EF4-FFF2-40B4-BE49-F238E27FC236}">
+                  <a16:creationId xmlns:a16="http://schemas.microsoft.com/office/drawing/2014/main" id="{F662AC1D-C9D6-130E-1B66-80A8E082879D}"/>
+                </a:ext>
+              </a:extLst>
+            </p:cNvPr>
+            <p:cNvGrpSpPr/>
+            <p:nvPr/>
+          </p:nvGrpSpPr>
+          <p:grpSpPr>
+            <a:xfrm>
+              <a:off x="1308435" y="5782757"/>
+              <a:ext cx="1154017" cy="548242"/>
+              <a:chOff x="6509876" y="5016273"/>
+              <a:chExt cx="1154017" cy="548242"/>
+            </a:xfrm>
+          </p:grpSpPr>
+          <p:grpSp>
+            <p:nvGrpSpPr>
+              <p:cNvPr id="32" name="Group 31">
+                <a:extLst>
+                  <a:ext uri="{FF2B5EF4-FFF2-40B4-BE49-F238E27FC236}">
+                    <a16:creationId xmlns:a16="http://schemas.microsoft.com/office/drawing/2014/main" id="{4FD2B621-F0AA-BF55-58C7-07FB6969721B}"/>
+                  </a:ext>
+                </a:extLst>
+              </p:cNvPr>
+              <p:cNvGrpSpPr/>
+              <p:nvPr/>
+            </p:nvGrpSpPr>
+            <p:grpSpPr>
+              <a:xfrm>
+                <a:off x="6509876" y="5041295"/>
+                <a:ext cx="1154017" cy="523220"/>
+                <a:chOff x="2417086" y="4288960"/>
+                <a:chExt cx="1254106" cy="553999"/>
+              </a:xfrm>
+            </p:grpSpPr>
+            <p:sp>
+              <p:nvSpPr>
+                <p:cNvPr id="34" name="Rounded Rectangle 33">
+                  <a:extLst>
+                    <a:ext uri="{FF2B5EF4-FFF2-40B4-BE49-F238E27FC236}">
+                      <a16:creationId xmlns:a16="http://schemas.microsoft.com/office/drawing/2014/main" id="{4D6C2889-ED2C-23D9-A915-A22F1765C718}"/>
+                    </a:ext>
+                  </a:extLst>
+                </p:cNvPr>
+                <p:cNvSpPr/>
+                <p:nvPr/>
+              </p:nvSpPr>
+              <p:spPr>
+                <a:xfrm>
+                  <a:off x="2417087" y="4288961"/>
+                  <a:ext cx="1254105" cy="553998"/>
+                </a:xfrm>
+                <a:prstGeom prst="roundRect">
+                  <a:avLst>
+                    <a:gd name="adj" fmla="val 50000"/>
+                  </a:avLst>
+                </a:prstGeom>
+                <a:solidFill>
+                  <a:srgbClr val="DCA49B"/>
+                </a:solidFill>
+                <a:ln>
+                  <a:noFill/>
+                </a:ln>
+              </p:spPr>
+              <p:style>
+                <a:lnRef idx="2">
+                  <a:schemeClr val="accent1">
+                    <a:shade val="15000"/>
+                  </a:schemeClr>
+                </a:lnRef>
+                <a:fillRef idx="1">
+                  <a:schemeClr val="accent1"/>
+                </a:fillRef>
+                <a:effectRef idx="0">
+                  <a:schemeClr val="accent1"/>
+                </a:effectRef>
+                <a:fontRef idx="minor">
+                  <a:schemeClr val="lt1"/>
+                </a:fontRef>
+              </p:style>
+              <p:txBody>
+                <a:bodyPr rtlCol="0" anchor="ctr"/>
+                <a:lstStyle/>
+                <a:p>
+                  <a:pPr algn="ctr"/>
+                  <a:endParaRPr lang="en-TW" sz="1350"/>
+                </a:p>
+              </p:txBody>
+            </p:sp>
+            <p:sp>
+              <p:nvSpPr>
+                <p:cNvPr id="35" name="Rounded Rectangle 34">
+                  <a:extLst>
+                    <a:ext uri="{FF2B5EF4-FFF2-40B4-BE49-F238E27FC236}">
+                      <a16:creationId xmlns:a16="http://schemas.microsoft.com/office/drawing/2014/main" id="{1E8508EF-F0ED-EDFA-6E6E-B777D1D23B04}"/>
+                    </a:ext>
+                  </a:extLst>
+                </p:cNvPr>
+                <p:cNvSpPr/>
+                <p:nvPr/>
+              </p:nvSpPr>
+              <p:spPr>
+                <a:xfrm>
+                  <a:off x="2417086" y="4288960"/>
+                  <a:ext cx="1178199" cy="487756"/>
+                </a:xfrm>
+                <a:prstGeom prst="roundRect">
+                  <a:avLst>
+                    <a:gd name="adj" fmla="val 50000"/>
+                  </a:avLst>
+                </a:prstGeom>
+                <a:noFill/>
+                <a:ln w="38100">
+                  <a:solidFill>
+                    <a:schemeClr val="tx1"/>
+                  </a:solidFill>
+                </a:ln>
+              </p:spPr>
+              <p:style>
+                <a:lnRef idx="2">
+                  <a:schemeClr val="accent1">
+                    <a:shade val="15000"/>
+                  </a:schemeClr>
+                </a:lnRef>
+                <a:fillRef idx="1">
+                  <a:schemeClr val="accent1"/>
+                </a:fillRef>
+                <a:effectRef idx="0">
+                  <a:schemeClr val="accent1"/>
+                </a:effectRef>
+                <a:fontRef idx="minor">
+                  <a:schemeClr val="lt1"/>
+                </a:fontRef>
+              </p:style>
+              <p:txBody>
+                <a:bodyPr rtlCol="0" anchor="ctr"/>
+                <a:lstStyle/>
+                <a:p>
+                  <a:pPr algn="ctr"/>
+                  <a:endParaRPr lang="en-TW" sz="1350"/>
+                </a:p>
+              </p:txBody>
+            </p:sp>
+          </p:grpSp>
+          <p:sp>
+            <p:nvSpPr>
+              <p:cNvPr id="33" name="TextBox 32">
+                <a:extLst>
+                  <a:ext uri="{FF2B5EF4-FFF2-40B4-BE49-F238E27FC236}">
+                    <a16:creationId xmlns:a16="http://schemas.microsoft.com/office/drawing/2014/main" id="{952546F4-0B91-DDE6-3B57-3471C4B83AD4}"/>
+                  </a:ext>
+                </a:extLst>
+              </p:cNvPr>
+              <p:cNvSpPr txBox="1"/>
+              <p:nvPr/>
+            </p:nvSpPr>
+            <p:spPr>
+              <a:xfrm>
+                <a:off x="6689146" y="5016273"/>
+                <a:ext cx="795478" cy="523220"/>
+              </a:xfrm>
+              <a:prstGeom prst="rect">
+                <a:avLst/>
+              </a:prstGeom>
+              <a:noFill/>
+            </p:spPr>
+            <p:txBody>
+              <a:bodyPr wrap="square" rtlCol="0">
+                <a:spAutoFit/>
+              </a:bodyPr>
+              <a:lstStyle/>
+              <a:p>
+                <a:r>
+                  <a:rPr lang="en-US" sz="2800" b="1" dirty="0">
+                    <a:solidFill>
+                      <a:srgbClr val="000000"/>
+                    </a:solidFill>
+                    <a:latin typeface="Candara" panose="020E0502030303020204" pitchFamily="34" charset="0"/>
+                    <a:ea typeface="Apple Color Emoji" pitchFamily="2" charset="0"/>
+                    <a:cs typeface="Calibri" panose="020F0502020204030204" pitchFamily="34" charset="0"/>
+                  </a:rPr>
+                  <a:t>SQL</a:t>
+                </a:r>
+                <a:endParaRPr lang="en-TW" sz="2800" b="1" dirty="0">
+                  <a:latin typeface="Candara" panose="020E0502030303020204" pitchFamily="34" charset="0"/>
+                  <a:ea typeface="Apple Color Emoji" pitchFamily="2" charset="0"/>
+                  <a:cs typeface="Calibri" panose="020F0502020204030204" pitchFamily="34" charset="0"/>
+                </a:endParaRPr>
+              </a:p>
+            </p:txBody>
+          </p:sp>
+        </p:grpSp>
+        <p:grpSp>
+          <p:nvGrpSpPr>
+            <p:cNvPr id="54" name="Group 53">
+              <a:extLst>
+                <a:ext uri="{FF2B5EF4-FFF2-40B4-BE49-F238E27FC236}">
+                  <a16:creationId xmlns:a16="http://schemas.microsoft.com/office/drawing/2014/main" id="{6F610A24-DE63-6245-28CF-AD8FF4867687}"/>
+                </a:ext>
+              </a:extLst>
+            </p:cNvPr>
+            <p:cNvGrpSpPr/>
+            <p:nvPr/>
+          </p:nvGrpSpPr>
+          <p:grpSpPr>
+            <a:xfrm>
+              <a:off x="6005648" y="5785883"/>
+              <a:ext cx="1154017" cy="541990"/>
+              <a:chOff x="6509876" y="5022525"/>
+              <a:chExt cx="1154017" cy="541990"/>
+            </a:xfrm>
+          </p:grpSpPr>
+          <p:grpSp>
+            <p:nvGrpSpPr>
+              <p:cNvPr id="55" name="Group 54">
+                <a:extLst>
+                  <a:ext uri="{FF2B5EF4-FFF2-40B4-BE49-F238E27FC236}">
+                    <a16:creationId xmlns:a16="http://schemas.microsoft.com/office/drawing/2014/main" id="{137279B0-6C86-B1FF-88C2-1577D4E0B0E7}"/>
+                  </a:ext>
+                </a:extLst>
+              </p:cNvPr>
+              <p:cNvGrpSpPr/>
+              <p:nvPr/>
+            </p:nvGrpSpPr>
+            <p:grpSpPr>
+              <a:xfrm>
+                <a:off x="6509876" y="5041295"/>
+                <a:ext cx="1154017" cy="523220"/>
+                <a:chOff x="2417086" y="4288960"/>
+                <a:chExt cx="1254106" cy="553999"/>
+              </a:xfrm>
+            </p:grpSpPr>
+            <p:sp>
+              <p:nvSpPr>
+                <p:cNvPr id="57" name="Rounded Rectangle 56">
+                  <a:extLst>
+                    <a:ext uri="{FF2B5EF4-FFF2-40B4-BE49-F238E27FC236}">
+                      <a16:creationId xmlns:a16="http://schemas.microsoft.com/office/drawing/2014/main" id="{136FC64A-5538-BCE2-9526-C5F9785975AE}"/>
+                    </a:ext>
+                  </a:extLst>
+                </p:cNvPr>
+                <p:cNvSpPr/>
+                <p:nvPr/>
+              </p:nvSpPr>
+              <p:spPr>
+                <a:xfrm>
+                  <a:off x="2417087" y="4288961"/>
+                  <a:ext cx="1254105" cy="553998"/>
+                </a:xfrm>
+                <a:prstGeom prst="roundRect">
+                  <a:avLst>
+                    <a:gd name="adj" fmla="val 50000"/>
+                  </a:avLst>
+                </a:prstGeom>
+                <a:solidFill>
+                  <a:srgbClr val="DCA49B"/>
+                </a:solidFill>
+                <a:ln>
+                  <a:noFill/>
+                </a:ln>
+              </p:spPr>
+              <p:style>
+                <a:lnRef idx="2">
+                  <a:schemeClr val="accent1">
+                    <a:shade val="15000"/>
+                  </a:schemeClr>
+                </a:lnRef>
+                <a:fillRef idx="1">
+                  <a:schemeClr val="accent1"/>
+                </a:fillRef>
+                <a:effectRef idx="0">
+                  <a:schemeClr val="accent1"/>
+                </a:effectRef>
+                <a:fontRef idx="minor">
+                  <a:schemeClr val="lt1"/>
+                </a:fontRef>
+              </p:style>
+              <p:txBody>
+                <a:bodyPr rtlCol="0" anchor="ctr"/>
+                <a:lstStyle/>
+                <a:p>
+                  <a:pPr algn="ctr"/>
+                  <a:endParaRPr lang="en-TW" sz="1350"/>
+                </a:p>
+              </p:txBody>
+            </p:sp>
+            <p:sp>
+              <p:nvSpPr>
+                <p:cNvPr id="58" name="Rounded Rectangle 57">
+                  <a:extLst>
+                    <a:ext uri="{FF2B5EF4-FFF2-40B4-BE49-F238E27FC236}">
+                      <a16:creationId xmlns:a16="http://schemas.microsoft.com/office/drawing/2014/main" id="{943D6CD4-A801-454F-A822-F7127BBAB004}"/>
+                    </a:ext>
+                  </a:extLst>
+                </p:cNvPr>
+                <p:cNvSpPr/>
+                <p:nvPr/>
+              </p:nvSpPr>
+              <p:spPr>
+                <a:xfrm>
+                  <a:off x="2417086" y="4288960"/>
+                  <a:ext cx="1178199" cy="487756"/>
+                </a:xfrm>
+                <a:prstGeom prst="roundRect">
+                  <a:avLst>
+                    <a:gd name="adj" fmla="val 50000"/>
+                  </a:avLst>
+                </a:prstGeom>
+                <a:noFill/>
+                <a:ln w="38100">
+                  <a:solidFill>
+                    <a:schemeClr val="tx1"/>
+                  </a:solidFill>
+                </a:ln>
+              </p:spPr>
+              <p:style>
+                <a:lnRef idx="2">
+                  <a:schemeClr val="accent1">
+                    <a:shade val="15000"/>
+                  </a:schemeClr>
+                </a:lnRef>
+                <a:fillRef idx="1">
+                  <a:schemeClr val="accent1"/>
+                </a:fillRef>
+                <a:effectRef idx="0">
+                  <a:schemeClr val="accent1"/>
+                </a:effectRef>
+                <a:fontRef idx="minor">
+                  <a:schemeClr val="lt1"/>
+                </a:fontRef>
+              </p:style>
+              <p:txBody>
+                <a:bodyPr rtlCol="0" anchor="ctr"/>
+                <a:lstStyle/>
+                <a:p>
+                  <a:pPr algn="ctr"/>
+                  <a:endParaRPr lang="en-TW" sz="1350"/>
+                </a:p>
+              </p:txBody>
+            </p:sp>
+          </p:grpSp>
+          <p:sp>
+            <p:nvSpPr>
+              <p:cNvPr id="56" name="TextBox 55">
+                <a:extLst>
+                  <a:ext uri="{FF2B5EF4-FFF2-40B4-BE49-F238E27FC236}">
+                    <a16:creationId xmlns:a16="http://schemas.microsoft.com/office/drawing/2014/main" id="{3B0A15B3-E137-3184-F243-C224D9C0A303}"/>
+                  </a:ext>
+                </a:extLst>
+              </p:cNvPr>
+              <p:cNvSpPr txBox="1"/>
+              <p:nvPr/>
+            </p:nvSpPr>
+            <p:spPr>
+              <a:xfrm>
+                <a:off x="6648749" y="5022525"/>
+                <a:ext cx="876272" cy="523220"/>
+              </a:xfrm>
+              <a:prstGeom prst="rect">
+                <a:avLst/>
+              </a:prstGeom>
+              <a:noFill/>
+            </p:spPr>
+            <p:txBody>
+              <a:bodyPr wrap="square" rtlCol="0">
+                <a:spAutoFit/>
+              </a:bodyPr>
+              <a:lstStyle/>
+              <a:p>
+                <a:r>
+                  <a:rPr lang="en-US" sz="2800" b="1" dirty="0">
+                    <a:solidFill>
+                      <a:srgbClr val="000000"/>
+                    </a:solidFill>
+                    <a:latin typeface="Candara" panose="020E0502030303020204" pitchFamily="34" charset="0"/>
+                    <a:ea typeface="Apple Color Emoji" pitchFamily="2" charset="0"/>
+                    <a:cs typeface="Calibri" panose="020F0502020204030204" pitchFamily="34" charset="0"/>
+                  </a:rPr>
+                  <a:t>SDN</a:t>
+                </a:r>
+                <a:endParaRPr lang="en-TW" sz="2800" b="1" dirty="0">
+                  <a:latin typeface="Candara" panose="020E0502030303020204" pitchFamily="34" charset="0"/>
+                  <a:ea typeface="Apple Color Emoji" pitchFamily="2" charset="0"/>
+                  <a:cs typeface="Calibri" panose="020F0502020204030204" pitchFamily="34" charset="0"/>
+                </a:endParaRPr>
+              </a:p>
+            </p:txBody>
+          </p:sp>
+        </p:grpSp>
+        <p:grpSp>
+          <p:nvGrpSpPr>
+            <p:cNvPr id="59" name="Group 58">
+              <a:extLst>
+                <a:ext uri="{FF2B5EF4-FFF2-40B4-BE49-F238E27FC236}">
+                  <a16:creationId xmlns:a16="http://schemas.microsoft.com/office/drawing/2014/main" id="{CC97D0E0-D618-546C-B932-829704FA395D}"/>
+                </a:ext>
+              </a:extLst>
+            </p:cNvPr>
+            <p:cNvGrpSpPr/>
+            <p:nvPr/>
+          </p:nvGrpSpPr>
+          <p:grpSpPr>
+            <a:xfrm>
+              <a:off x="2721761" y="5779627"/>
+              <a:ext cx="1560729" cy="554502"/>
+              <a:chOff x="5055919" y="5142882"/>
+              <a:chExt cx="1560729" cy="554502"/>
+            </a:xfrm>
+          </p:grpSpPr>
+          <p:grpSp>
+            <p:nvGrpSpPr>
+              <p:cNvPr id="60" name="Group 59">
+                <a:extLst>
+                  <a:ext uri="{FF2B5EF4-FFF2-40B4-BE49-F238E27FC236}">
+                    <a16:creationId xmlns:a16="http://schemas.microsoft.com/office/drawing/2014/main" id="{95EDBE76-DEBE-FE9A-7E84-B3DB88A24E35}"/>
+                  </a:ext>
+                </a:extLst>
+              </p:cNvPr>
+              <p:cNvGrpSpPr/>
+              <p:nvPr/>
+            </p:nvGrpSpPr>
+            <p:grpSpPr>
+              <a:xfrm>
+                <a:off x="5055919" y="5174164"/>
+                <a:ext cx="1560729" cy="523220"/>
+                <a:chOff x="2417085" y="4288960"/>
+                <a:chExt cx="1825610" cy="553999"/>
+              </a:xfrm>
+            </p:grpSpPr>
+            <p:sp>
+              <p:nvSpPr>
+                <p:cNvPr id="62" name="Rounded Rectangle 61">
+                  <a:extLst>
+                    <a:ext uri="{FF2B5EF4-FFF2-40B4-BE49-F238E27FC236}">
+                      <a16:creationId xmlns:a16="http://schemas.microsoft.com/office/drawing/2014/main" id="{9289680C-2838-3DB8-6E92-0BA3C959F76A}"/>
+                    </a:ext>
+                  </a:extLst>
+                </p:cNvPr>
+                <p:cNvSpPr/>
+                <p:nvPr/>
+              </p:nvSpPr>
+              <p:spPr>
+                <a:xfrm>
+                  <a:off x="2417086" y="4288961"/>
+                  <a:ext cx="1825609" cy="553998"/>
+                </a:xfrm>
+                <a:prstGeom prst="roundRect">
+                  <a:avLst>
+                    <a:gd name="adj" fmla="val 50000"/>
+                  </a:avLst>
+                </a:prstGeom>
+                <a:solidFill>
+                  <a:srgbClr val="DCA49B"/>
+                </a:solidFill>
+                <a:ln>
+                  <a:noFill/>
+                </a:ln>
+              </p:spPr>
+              <p:style>
+                <a:lnRef idx="2">
+                  <a:schemeClr val="accent1">
+                    <a:shade val="15000"/>
+                  </a:schemeClr>
+                </a:lnRef>
+                <a:fillRef idx="1">
+                  <a:schemeClr val="accent1"/>
+                </a:fillRef>
+                <a:effectRef idx="0">
+                  <a:schemeClr val="accent1"/>
+                </a:effectRef>
+                <a:fontRef idx="minor">
+                  <a:schemeClr val="lt1"/>
+                </a:fontRef>
+              </p:style>
+              <p:txBody>
+                <a:bodyPr rtlCol="0" anchor="ctr"/>
+                <a:lstStyle/>
+                <a:p>
+                  <a:pPr algn="ctr"/>
+                  <a:endParaRPr lang="en-TW" sz="1350"/>
+                </a:p>
+              </p:txBody>
+            </p:sp>
+            <p:sp>
+              <p:nvSpPr>
+                <p:cNvPr id="63" name="Rounded Rectangle 62">
+                  <a:extLst>
+                    <a:ext uri="{FF2B5EF4-FFF2-40B4-BE49-F238E27FC236}">
+                      <a16:creationId xmlns:a16="http://schemas.microsoft.com/office/drawing/2014/main" id="{B33B10EB-230D-268F-9B11-E5A6B4AE8FF9}"/>
+                    </a:ext>
+                  </a:extLst>
+                </p:cNvPr>
+                <p:cNvSpPr/>
+                <p:nvPr/>
+              </p:nvSpPr>
+              <p:spPr>
+                <a:xfrm>
+                  <a:off x="2417085" y="4288960"/>
+                  <a:ext cx="1744949" cy="487756"/>
+                </a:xfrm>
+                <a:prstGeom prst="roundRect">
+                  <a:avLst>
+                    <a:gd name="adj" fmla="val 50000"/>
+                  </a:avLst>
+                </a:prstGeom>
+                <a:noFill/>
+                <a:ln w="38100">
+                  <a:solidFill>
+                    <a:schemeClr val="tx1"/>
+                  </a:solidFill>
+                </a:ln>
+              </p:spPr>
+              <p:style>
+                <a:lnRef idx="2">
+                  <a:schemeClr val="accent1">
+                    <a:shade val="15000"/>
+                  </a:schemeClr>
+                </a:lnRef>
+                <a:fillRef idx="1">
+                  <a:schemeClr val="accent1"/>
+                </a:fillRef>
+                <a:effectRef idx="0">
+                  <a:schemeClr val="accent1"/>
+                </a:effectRef>
+                <a:fontRef idx="minor">
+                  <a:schemeClr val="lt1"/>
+                </a:fontRef>
+              </p:style>
+              <p:txBody>
+                <a:bodyPr rtlCol="0" anchor="ctr"/>
+                <a:lstStyle/>
+                <a:p>
+                  <a:pPr algn="ctr"/>
+                  <a:endParaRPr lang="en-TW" sz="1350"/>
+                </a:p>
+              </p:txBody>
+            </p:sp>
+          </p:grpSp>
+          <p:sp>
+            <p:nvSpPr>
+              <p:cNvPr id="61" name="TextBox 60">
+                <a:extLst>
+                  <a:ext uri="{FF2B5EF4-FFF2-40B4-BE49-F238E27FC236}">
+                    <a16:creationId xmlns:a16="http://schemas.microsoft.com/office/drawing/2014/main" id="{55168962-E06D-6986-B297-C49337F0AD69}"/>
+                  </a:ext>
+                </a:extLst>
+              </p:cNvPr>
+              <p:cNvSpPr txBox="1"/>
+              <p:nvPr/>
+            </p:nvSpPr>
+            <p:spPr>
+              <a:xfrm>
+                <a:off x="5202862" y="5142882"/>
+                <a:ext cx="1283989" cy="523220"/>
+              </a:xfrm>
+              <a:prstGeom prst="rect">
+                <a:avLst/>
+              </a:prstGeom>
+              <a:noFill/>
+            </p:spPr>
+            <p:txBody>
+              <a:bodyPr wrap="square" rtlCol="0">
+                <a:spAutoFit/>
+              </a:bodyPr>
+              <a:lstStyle/>
+              <a:p>
+                <a:r>
+                  <a:rPr lang="en-TW" sz="2800" b="1" dirty="0">
+                    <a:latin typeface="Candara" panose="020E0502030303020204" pitchFamily="34" charset="0"/>
+                    <a:ea typeface="Apple Color Emoji" pitchFamily="2" charset="0"/>
+                    <a:cs typeface="Calibri" panose="020F0502020204030204" pitchFamily="34" charset="0"/>
+                  </a:rPr>
+                  <a:t>Python</a:t>
+                </a:r>
+              </a:p>
+            </p:txBody>
+          </p:sp>
+        </p:grpSp>
+        <p:grpSp>
+          <p:nvGrpSpPr>
+            <p:cNvPr id="64" name="Group 63">
+              <a:extLst>
+                <a:ext uri="{FF2B5EF4-FFF2-40B4-BE49-F238E27FC236}">
+                  <a16:creationId xmlns:a16="http://schemas.microsoft.com/office/drawing/2014/main" id="{29729773-2CC8-5241-F187-306779E16C33}"/>
+                </a:ext>
+              </a:extLst>
+            </p:cNvPr>
+            <p:cNvGrpSpPr/>
+            <p:nvPr/>
+          </p:nvGrpSpPr>
+          <p:grpSpPr>
+            <a:xfrm>
+              <a:off x="4541799" y="5779627"/>
+              <a:ext cx="1204540" cy="554502"/>
+              <a:chOff x="5055917" y="5142882"/>
+              <a:chExt cx="1204540" cy="554502"/>
+            </a:xfrm>
+          </p:grpSpPr>
+          <p:grpSp>
+            <p:nvGrpSpPr>
+              <p:cNvPr id="65" name="Group 64">
+                <a:extLst>
+                  <a:ext uri="{FF2B5EF4-FFF2-40B4-BE49-F238E27FC236}">
+                    <a16:creationId xmlns:a16="http://schemas.microsoft.com/office/drawing/2014/main" id="{4D1E52CA-019F-7532-8B46-7EA0CFC2F6FC}"/>
+                  </a:ext>
+                </a:extLst>
+              </p:cNvPr>
+              <p:cNvGrpSpPr/>
+              <p:nvPr/>
+            </p:nvGrpSpPr>
+            <p:grpSpPr>
+              <a:xfrm>
+                <a:off x="5055917" y="5174164"/>
+                <a:ext cx="1204540" cy="523220"/>
+                <a:chOff x="2417085" y="4288960"/>
+                <a:chExt cx="1408970" cy="553999"/>
+              </a:xfrm>
+            </p:grpSpPr>
+            <p:sp>
+              <p:nvSpPr>
+                <p:cNvPr id="67" name="Rounded Rectangle 66">
+                  <a:extLst>
+                    <a:ext uri="{FF2B5EF4-FFF2-40B4-BE49-F238E27FC236}">
+                      <a16:creationId xmlns:a16="http://schemas.microsoft.com/office/drawing/2014/main" id="{8E6E5B54-B3E1-729C-8E47-FAE50482F5AD}"/>
+                    </a:ext>
+                  </a:extLst>
+                </p:cNvPr>
+                <p:cNvSpPr/>
+                <p:nvPr/>
+              </p:nvSpPr>
+              <p:spPr>
+                <a:xfrm>
+                  <a:off x="2417085" y="4288961"/>
+                  <a:ext cx="1408970" cy="553998"/>
+                </a:xfrm>
+                <a:prstGeom prst="roundRect">
+                  <a:avLst>
+                    <a:gd name="adj" fmla="val 50000"/>
+                  </a:avLst>
+                </a:prstGeom>
+                <a:solidFill>
+                  <a:srgbClr val="DCA49B"/>
+                </a:solidFill>
+                <a:ln>
+                  <a:noFill/>
+                </a:ln>
+              </p:spPr>
+              <p:style>
+                <a:lnRef idx="2">
+                  <a:schemeClr val="accent1">
+                    <a:shade val="15000"/>
+                  </a:schemeClr>
+                </a:lnRef>
+                <a:fillRef idx="1">
+                  <a:schemeClr val="accent1"/>
+                </a:fillRef>
+                <a:effectRef idx="0">
+                  <a:schemeClr val="accent1"/>
+                </a:effectRef>
+                <a:fontRef idx="minor">
+                  <a:schemeClr val="lt1"/>
+                </a:fontRef>
+              </p:style>
+              <p:txBody>
+                <a:bodyPr rtlCol="0" anchor="ctr"/>
+                <a:lstStyle/>
+                <a:p>
+                  <a:pPr algn="ctr"/>
+                  <a:endParaRPr lang="en-TW" sz="1350"/>
+                </a:p>
+              </p:txBody>
+            </p:sp>
+            <p:sp>
+              <p:nvSpPr>
+                <p:cNvPr id="68" name="Rounded Rectangle 67">
+                  <a:extLst>
+                    <a:ext uri="{FF2B5EF4-FFF2-40B4-BE49-F238E27FC236}">
+                      <a16:creationId xmlns:a16="http://schemas.microsoft.com/office/drawing/2014/main" id="{E2C7ACBE-76C4-13C7-AC7B-0F913E5FB995}"/>
+                    </a:ext>
+                  </a:extLst>
+                </p:cNvPr>
+                <p:cNvSpPr/>
+                <p:nvPr/>
+              </p:nvSpPr>
+              <p:spPr>
+                <a:xfrm>
+                  <a:off x="2417085" y="4288960"/>
+                  <a:ext cx="1321517" cy="487756"/>
+                </a:xfrm>
+                <a:prstGeom prst="roundRect">
+                  <a:avLst>
+                    <a:gd name="adj" fmla="val 50000"/>
+                  </a:avLst>
+                </a:prstGeom>
+                <a:noFill/>
+                <a:ln w="38100">
+                  <a:solidFill>
+                    <a:schemeClr val="tx1"/>
+                  </a:solidFill>
+                </a:ln>
+              </p:spPr>
+              <p:style>
+                <a:lnRef idx="2">
+                  <a:schemeClr val="accent1">
+                    <a:shade val="15000"/>
+                  </a:schemeClr>
+                </a:lnRef>
+                <a:fillRef idx="1">
+                  <a:schemeClr val="accent1"/>
+                </a:fillRef>
+                <a:effectRef idx="0">
+                  <a:schemeClr val="accent1"/>
+                </a:effectRef>
+                <a:fontRef idx="minor">
+                  <a:schemeClr val="lt1"/>
+                </a:fontRef>
+              </p:style>
+              <p:txBody>
+                <a:bodyPr rtlCol="0" anchor="ctr"/>
+                <a:lstStyle/>
+                <a:p>
+                  <a:pPr algn="ctr"/>
+                  <a:endParaRPr lang="en-TW" sz="1350"/>
+                </a:p>
+              </p:txBody>
+            </p:sp>
+          </p:grpSp>
+          <p:sp>
+            <p:nvSpPr>
+              <p:cNvPr id="66" name="TextBox 65">
+                <a:extLst>
+                  <a:ext uri="{FF2B5EF4-FFF2-40B4-BE49-F238E27FC236}">
+                    <a16:creationId xmlns:a16="http://schemas.microsoft.com/office/drawing/2014/main" id="{AEC4ECE6-2A91-6830-5CE1-3D6881381E5D}"/>
+                  </a:ext>
+                </a:extLst>
+              </p:cNvPr>
+              <p:cNvSpPr txBox="1"/>
+              <p:nvPr/>
+            </p:nvSpPr>
+            <p:spPr>
+              <a:xfrm>
+                <a:off x="5206935" y="5142882"/>
+                <a:ext cx="856670" cy="523220"/>
+              </a:xfrm>
+              <a:prstGeom prst="rect">
+                <a:avLst/>
+              </a:prstGeom>
+              <a:noFill/>
+            </p:spPr>
+            <p:txBody>
+              <a:bodyPr wrap="square" rtlCol="0">
+                <a:spAutoFit/>
+              </a:bodyPr>
+              <a:lstStyle/>
+              <a:p>
+                <a:r>
+                  <a:rPr lang="en-TW" sz="2800" b="1" dirty="0">
+                    <a:latin typeface="Candara" panose="020E0502030303020204" pitchFamily="34" charset="0"/>
+                    <a:ea typeface="Apple Color Emoji" pitchFamily="2" charset="0"/>
+                    <a:cs typeface="Calibri" panose="020F0502020204030204" pitchFamily="34" charset="0"/>
+                  </a:rPr>
+                  <a:t>Java</a:t>
+                </a:r>
+              </a:p>
+            </p:txBody>
+          </p:sp>
+        </p:grpSp>
+      </p:grpSp>
+      <p:grpSp>
+        <p:nvGrpSpPr>
+          <p:cNvPr id="75" name="Group 74">
+            <a:extLst>
+              <a:ext uri="{FF2B5EF4-FFF2-40B4-BE49-F238E27FC236}">
+                <a16:creationId xmlns:a16="http://schemas.microsoft.com/office/drawing/2014/main" id="{28A5FE4F-CB1F-1E64-1504-8AC38A3CD2D8}"/>
+              </a:ext>
+            </a:extLst>
+          </p:cNvPr>
+          <p:cNvGrpSpPr/>
+          <p:nvPr/>
+        </p:nvGrpSpPr>
+        <p:grpSpPr>
+          <a:xfrm>
+            <a:off x="3348819" y="3934871"/>
+            <a:ext cx="2443457" cy="615969"/>
+            <a:chOff x="3358704" y="4071715"/>
+            <a:chExt cx="2443457" cy="615969"/>
+          </a:xfrm>
+        </p:grpSpPr>
+        <p:grpSp>
+          <p:nvGrpSpPr>
+            <p:cNvPr id="76" name="Group 75">
+              <a:extLst>
+                <a:ext uri="{FF2B5EF4-FFF2-40B4-BE49-F238E27FC236}">
+                  <a16:creationId xmlns:a16="http://schemas.microsoft.com/office/drawing/2014/main" id="{C349C5E8-0002-7A7B-9B80-AB6D18A9B2FE}"/>
+                </a:ext>
+              </a:extLst>
+            </p:cNvPr>
+            <p:cNvGrpSpPr/>
+            <p:nvPr/>
+          </p:nvGrpSpPr>
+          <p:grpSpPr>
+            <a:xfrm>
+              <a:off x="3374795" y="4071715"/>
+              <a:ext cx="2427366" cy="615969"/>
+              <a:chOff x="4483523" y="4003722"/>
+              <a:chExt cx="3236488" cy="821291"/>
+            </a:xfrm>
+          </p:grpSpPr>
+          <p:grpSp>
+            <p:nvGrpSpPr>
+              <p:cNvPr id="78" name="Group 77">
+                <a:extLst>
+                  <a:ext uri="{FF2B5EF4-FFF2-40B4-BE49-F238E27FC236}">
+                    <a16:creationId xmlns:a16="http://schemas.microsoft.com/office/drawing/2014/main" id="{7343D8A8-CF34-362D-B4CD-5DB1C3F8470C}"/>
+                  </a:ext>
+                </a:extLst>
+              </p:cNvPr>
+              <p:cNvGrpSpPr/>
+              <p:nvPr/>
+            </p:nvGrpSpPr>
+            <p:grpSpPr>
+              <a:xfrm>
+                <a:off x="4483523" y="4003722"/>
+                <a:ext cx="3236488" cy="821291"/>
+                <a:chOff x="1580784" y="3933278"/>
+                <a:chExt cx="3236488" cy="821291"/>
+              </a:xfrm>
+            </p:grpSpPr>
+            <p:sp>
+              <p:nvSpPr>
+                <p:cNvPr id="80" name="Rounded Rectangle 79">
+                  <a:extLst>
+                    <a:ext uri="{FF2B5EF4-FFF2-40B4-BE49-F238E27FC236}">
+                      <a16:creationId xmlns:a16="http://schemas.microsoft.com/office/drawing/2014/main" id="{B587E4FB-DCB6-0163-63E5-CBF70A057578}"/>
+                    </a:ext>
+                  </a:extLst>
+                </p:cNvPr>
+                <p:cNvSpPr/>
+                <p:nvPr/>
+              </p:nvSpPr>
+              <p:spPr>
+                <a:xfrm>
+                  <a:off x="1580784" y="3991323"/>
+                  <a:ext cx="3236488" cy="763246"/>
+                </a:xfrm>
+                <a:prstGeom prst="roundRect">
+                  <a:avLst>
+                    <a:gd name="adj" fmla="val 38868"/>
+                  </a:avLst>
+                </a:prstGeom>
+                <a:solidFill>
+                  <a:srgbClr val="FFEB9E"/>
+                </a:solidFill>
+                <a:ln>
+                  <a:noFill/>
+                </a:ln>
+              </p:spPr>
+              <p:style>
+                <a:lnRef idx="2">
+                  <a:schemeClr val="accent1">
+                    <a:shade val="15000"/>
+                  </a:schemeClr>
+                </a:lnRef>
+                <a:fillRef idx="1">
+                  <a:schemeClr val="accent1"/>
+                </a:fillRef>
+                <a:effectRef idx="0">
+                  <a:schemeClr val="accent1"/>
+                </a:effectRef>
+                <a:fontRef idx="minor">
+                  <a:schemeClr val="lt1"/>
+                </a:fontRef>
+              </p:style>
+              <p:txBody>
+                <a:bodyPr rtlCol="0" anchor="ctr"/>
+                <a:lstStyle/>
+                <a:p>
+                  <a:pPr algn="ctr"/>
+                  <a:endParaRPr lang="en-TW" sz="1350" dirty="0"/>
+                </a:p>
+              </p:txBody>
+            </p:sp>
+            <p:sp>
+              <p:nvSpPr>
+                <p:cNvPr id="81" name="TextBox 80">
+                  <a:extLst>
+                    <a:ext uri="{FF2B5EF4-FFF2-40B4-BE49-F238E27FC236}">
+                      <a16:creationId xmlns:a16="http://schemas.microsoft.com/office/drawing/2014/main" id="{7E5E5EAF-73CE-35F3-0448-A34460CB0785}"/>
+                    </a:ext>
+                  </a:extLst>
+                </p:cNvPr>
+                <p:cNvSpPr txBox="1"/>
+                <p:nvPr/>
+              </p:nvSpPr>
+              <p:spPr>
+                <a:xfrm>
+                  <a:off x="1957875" y="3933278"/>
+                  <a:ext cx="1918043" cy="779700"/>
+                </a:xfrm>
+                <a:prstGeom prst="rect">
+                  <a:avLst/>
+                </a:prstGeom>
+                <a:noFill/>
+              </p:spPr>
+              <p:txBody>
+                <a:bodyPr wrap="square" rtlCol="0">
+                  <a:spAutoFit/>
+                </a:bodyPr>
+                <a:lstStyle/>
+                <a:p>
+                  <a:r>
+                    <a:rPr lang="en-US" sz="3200" b="1" dirty="0">
+                      <a:solidFill>
+                        <a:srgbClr val="000000"/>
+                      </a:solidFill>
+                      <a:latin typeface="Candara" panose="020E0502030303020204" pitchFamily="34" charset="0"/>
+                      <a:ea typeface="Apple Color Emoji" pitchFamily="2" charset="0"/>
+                      <a:cs typeface="Calibri" panose="020F0502020204030204" pitchFamily="34" charset="0"/>
+                    </a:rPr>
+                    <a:t>GitHub</a:t>
+                  </a:r>
+                  <a:endParaRPr lang="en-TW" sz="3200" b="1" dirty="0">
+                    <a:latin typeface="Candara" panose="020E0502030303020204" pitchFamily="34" charset="0"/>
+                    <a:ea typeface="Apple Color Emoji" pitchFamily="2" charset="0"/>
+                    <a:cs typeface="Calibri" panose="020F0502020204030204" pitchFamily="34" charset="0"/>
+                  </a:endParaRPr>
+                </a:p>
+              </p:txBody>
+            </p:sp>
+          </p:grpSp>
+          <p:pic>
+            <p:nvPicPr>
+              <p:cNvPr id="79" name="Graphic 78" descr="Cursor">
+                <a:extLst>
+                  <a:ext uri="{FF2B5EF4-FFF2-40B4-BE49-F238E27FC236}">
+                    <a16:creationId xmlns:a16="http://schemas.microsoft.com/office/drawing/2014/main" id="{BDE9DBC8-BFD0-116B-C4F4-7DD14DFA485D}"/>
+                  </a:ext>
+                </a:extLst>
+              </p:cNvPr>
+              <p:cNvPicPr>
+                <a:picLocks noChangeAspect="1"/>
+              </p:cNvPicPr>
+              <p:nvPr/>
+            </p:nvPicPr>
+            <p:blipFill>
+              <a:blip r:embed="rId4">
+                <a:extLst>
+                  <a:ext uri="{96DAC541-7B7A-43D3-8B79-37D633B846F1}">
+                    <asvg:svgBlip xmlns:asvg="http://schemas.microsoft.com/office/drawing/2016/SVG/main" r:embed="rId5"/>
+                  </a:ext>
+                </a:extLst>
+              </a:blip>
+              <a:stretch>
+                <a:fillRect/>
+              </a:stretch>
+            </p:blipFill>
+            <p:spPr>
+              <a:xfrm flipH="1">
+                <a:off x="6678136" y="4033373"/>
+                <a:ext cx="714945" cy="714945"/>
+              </a:xfrm>
+              <a:prstGeom prst="rect">
+                <a:avLst/>
+              </a:prstGeom>
+            </p:spPr>
+          </p:pic>
+        </p:grpSp>
+        <p:sp>
+          <p:nvSpPr>
+            <p:cNvPr id="77" name="Rounded Rectangle 76">
+              <a:extLst>
+                <a:ext uri="{FF2B5EF4-FFF2-40B4-BE49-F238E27FC236}">
+                  <a16:creationId xmlns:a16="http://schemas.microsoft.com/office/drawing/2014/main" id="{80114069-47D0-D247-197B-FE7F08743E76}"/>
+                </a:ext>
+              </a:extLst>
+            </p:cNvPr>
+            <p:cNvSpPr/>
+            <p:nvPr/>
+          </p:nvSpPr>
+          <p:spPr>
+            <a:xfrm>
+              <a:off x="3358704" y="4111730"/>
+              <a:ext cx="2357176" cy="495445"/>
+            </a:xfrm>
+            <a:prstGeom prst="roundRect">
+              <a:avLst>
+                <a:gd name="adj" fmla="val 38868"/>
+              </a:avLst>
+            </a:prstGeom>
+            <a:noFill/>
+            <a:ln w="38100">
+              <a:solidFill>
+                <a:schemeClr val="tx1"/>
+              </a:solidFill>
+            </a:ln>
+          </p:spPr>
+          <p:style>
+            <a:lnRef idx="2">
+              <a:schemeClr val="accent1">
+                <a:shade val="15000"/>
+              </a:schemeClr>
+            </a:lnRef>
+            <a:fillRef idx="1">
+              <a:schemeClr val="accent1"/>
+            </a:fillRef>
+            <a:effectRef idx="0">
+              <a:schemeClr val="accent1"/>
+            </a:effectRef>
+            <a:fontRef idx="minor">
+              <a:schemeClr val="lt1"/>
+            </a:fontRef>
+          </p:style>
+          <p:txBody>
+            <a:bodyPr rtlCol="0" anchor="ctr"/>
+            <a:lstStyle/>
+            <a:p>
+              <a:pPr algn="ctr"/>
+              <a:endParaRPr lang="en-TW" sz="1350" dirty="0"/>
+            </a:p>
+          </p:txBody>
+        </p:sp>
+      </p:grpSp>
+    </p:spTree>
+    <p:extLst>
+      <p:ext uri="{BB962C8B-B14F-4D97-AF65-F5344CB8AC3E}">
+        <p14:creationId xmlns:p14="http://schemas.microsoft.com/office/powerpoint/2010/main" val="4002419117"/>
+      </p:ext>
+    </p:extLst>
+  </p:cSld>
+  <p:clrMapOvr>
+    <a:masterClrMapping/>
+  </p:clrMapOvr>
+</p:sld>
+</file>
+
+<file path=ppt/slides/slide3.xml><?xml version="1.0" encoding="utf-8"?>
+<p:sld xmlns:a="http://schemas.openxmlformats.org/drawingml/2006/main" xmlns:r="http://schemas.openxmlformats.org/officeDocument/2006/relationships" xmlns:p="http://schemas.openxmlformats.org/presentationml/2006/main">
+  <p:cSld>
+    <p:spTree>
+      <p:nvGrpSpPr>
+        <p:cNvPr id="1" name=""/>
+        <p:cNvGrpSpPr/>
+        <p:nvPr/>
+      </p:nvGrpSpPr>
+      <p:grpSpPr>
+        <a:xfrm>
+          <a:off x="0" y="0"/>
+          <a:ext cx="0" cy="0"/>
+          <a:chOff x="0" y="0"/>
+          <a:chExt cx="0" cy="0"/>
+        </a:xfrm>
+      </p:grpSpPr>
+      <p:grpSp>
+        <p:nvGrpSpPr>
+          <p:cNvPr id="59" name="Group 58">
+            <a:extLst>
+              <a:ext uri="{FF2B5EF4-FFF2-40B4-BE49-F238E27FC236}">
+                <a16:creationId xmlns:a16="http://schemas.microsoft.com/office/drawing/2014/main" id="{823032EA-AD1F-21BE-96CE-0F9350470618}"/>
+              </a:ext>
+            </a:extLst>
+          </p:cNvPr>
+          <p:cNvGrpSpPr/>
+          <p:nvPr/>
+        </p:nvGrpSpPr>
+        <p:grpSpPr>
+          <a:xfrm>
+            <a:off x="2899" y="0"/>
+            <a:ext cx="9141101" cy="6858000"/>
+            <a:chOff x="2899" y="0"/>
+            <a:chExt cx="9141101" cy="6858000"/>
+          </a:xfrm>
+        </p:grpSpPr>
+        <p:pic>
+          <p:nvPicPr>
+            <p:cNvPr id="60" name="Picture 59">
+              <a:extLst>
+                <a:ext uri="{FF2B5EF4-FFF2-40B4-BE49-F238E27FC236}">
+                  <a16:creationId xmlns:a16="http://schemas.microsoft.com/office/drawing/2014/main" id="{975512B2-836E-74C7-3537-9D0350D0F02D}"/>
+                </a:ext>
+              </a:extLst>
+            </p:cNvPr>
+            <p:cNvPicPr>
+              <a:picLocks noChangeAspect="1"/>
+            </p:cNvPicPr>
+            <p:nvPr/>
+          </p:nvPicPr>
+          <p:blipFill rotWithShape="1">
+            <a:blip r:embed="rId3"/>
+            <a:srcRect l="35534"/>
+            <a:stretch/>
+          </p:blipFill>
+          <p:spPr>
+            <a:xfrm>
+              <a:off x="2899" y="0"/>
+              <a:ext cx="9141101" cy="6858000"/>
+            </a:xfrm>
+            <a:prstGeom prst="rect">
+              <a:avLst/>
+            </a:prstGeom>
+          </p:spPr>
+        </p:pic>
+        <p:grpSp>
+          <p:nvGrpSpPr>
+            <p:cNvPr id="61" name="Group 60">
+              <a:extLst>
+                <a:ext uri="{FF2B5EF4-FFF2-40B4-BE49-F238E27FC236}">
+                  <a16:creationId xmlns:a16="http://schemas.microsoft.com/office/drawing/2014/main" id="{ECA1E896-83E7-B6B9-776D-0991B799D90C}"/>
+                </a:ext>
+              </a:extLst>
+            </p:cNvPr>
+            <p:cNvGrpSpPr/>
+            <p:nvPr/>
+          </p:nvGrpSpPr>
+          <p:grpSpPr>
+            <a:xfrm>
+              <a:off x="379419" y="352145"/>
+              <a:ext cx="1336505" cy="362347"/>
+              <a:chOff x="443753" y="181173"/>
+              <a:chExt cx="1336505" cy="362347"/>
             </a:xfrm>
           </p:grpSpPr>
           <p:sp>
             <p:nvSpPr>
-              <p:cNvPr id="50" name="Rounded Rectangle 49">
+              <p:cNvPr id="62" name="Oval 61">
                 <a:extLst>
                   <a:ext uri="{FF2B5EF4-FFF2-40B4-BE49-F238E27FC236}">
-                    <a16:creationId xmlns:a16="http://schemas.microsoft.com/office/drawing/2014/main" id="{B9A2233A-4813-AEFF-DE8D-6C65129EC856}"/>
+                    <a16:creationId xmlns:a16="http://schemas.microsoft.com/office/drawing/2014/main" id="{40481DA4-0C51-95C2-9792-943E484DA86C}"/>
                   </a:ext>
                 </a:extLst>
               </p:cNvPr>
@@ -5973,16 +7761,14 @@
             </p:nvSpPr>
             <p:spPr>
               <a:xfrm>
-                <a:off x="1580784" y="3991326"/>
-                <a:ext cx="3192544" cy="714947"/>
+                <a:off x="443753" y="181173"/>
+                <a:ext cx="362347" cy="362347"/>
               </a:xfrm>
-              <a:prstGeom prst="roundRect">
-                <a:avLst>
-                  <a:gd name="adj" fmla="val 38868"/>
-                </a:avLst>
+              <a:prstGeom prst="ellipse">
+                <a:avLst/>
               </a:prstGeom>
               <a:solidFill>
-                <a:srgbClr val="FFEB9E"/>
+                <a:srgbClr val="FF5F57"/>
               </a:solidFill>
               <a:ln>
                 <a:noFill/>
@@ -6009,95 +7795,175 @@
               <a:lstStyle/>
               <a:p>
                 <a:pPr algn="ctr"/>
-                <a:endParaRPr lang="en-TW" sz="1350" dirty="0"/>
+                <a:endParaRPr lang="en-TW"/>
               </a:p>
             </p:txBody>
           </p:sp>
           <p:sp>
             <p:nvSpPr>
-              <p:cNvPr id="51" name="TextBox 50">
+              <p:cNvPr id="63" name="Oval 62">
                 <a:extLst>
                   <a:ext uri="{FF2B5EF4-FFF2-40B4-BE49-F238E27FC236}">
-                    <a16:creationId xmlns:a16="http://schemas.microsoft.com/office/drawing/2014/main" id="{7D681A5A-855B-B8B0-BD3C-133318B6C1D9}"/>
+                    <a16:creationId xmlns:a16="http://schemas.microsoft.com/office/drawing/2014/main" id="{AE7F0612-976A-F1A0-5239-F7D961D6CD38}"/>
                   </a:ext>
                 </a:extLst>
               </p:cNvPr>
-              <p:cNvSpPr txBox="1"/>
+              <p:cNvSpPr/>
               <p:nvPr/>
             </p:nvSpPr>
             <p:spPr>
               <a:xfrm>
-                <a:off x="1957874" y="3959333"/>
-                <a:ext cx="1918043" cy="779700"/>
+                <a:off x="930832" y="181173"/>
+                <a:ext cx="362347" cy="362347"/>
               </a:xfrm>
-              <a:prstGeom prst="rect">
+              <a:prstGeom prst="ellipse">
                 <a:avLst/>
               </a:prstGeom>
-              <a:noFill/>
+              <a:solidFill>
+                <a:srgbClr val="FEBD2E"/>
+              </a:solidFill>
+              <a:ln>
+                <a:noFill/>
+              </a:ln>
             </p:spPr>
+            <p:style>
+              <a:lnRef idx="2">
+                <a:schemeClr val="accent1">
+                  <a:shade val="15000"/>
+                </a:schemeClr>
+              </a:lnRef>
+              <a:fillRef idx="1">
+                <a:schemeClr val="accent1"/>
+              </a:fillRef>
+              <a:effectRef idx="0">
+                <a:schemeClr val="accent1"/>
+              </a:effectRef>
+              <a:fontRef idx="minor">
+                <a:schemeClr val="lt1"/>
+              </a:fontRef>
+            </p:style>
             <p:txBody>
-              <a:bodyPr wrap="square" rtlCol="0">
-                <a:spAutoFit/>
-              </a:bodyPr>
+              <a:bodyPr rtlCol="0" anchor="ctr"/>
               <a:lstStyle/>
               <a:p>
-                <a:r>
-                  <a:rPr lang="en-US" sz="3200" b="1" dirty="0">
-                    <a:solidFill>
-                      <a:srgbClr val="000000"/>
-                    </a:solidFill>
-                    <a:latin typeface="Candara" panose="020E0502030303020204" pitchFamily="34" charset="0"/>
-                    <a:ea typeface="Apple Color Emoji" pitchFamily="2" charset="0"/>
-                    <a:cs typeface="Calibri" panose="020F0502020204030204" pitchFamily="34" charset="0"/>
-                  </a:rPr>
-                  <a:t>GitHub</a:t>
-                </a:r>
-                <a:endParaRPr lang="en-TW" sz="3200" b="1" dirty="0">
-                  <a:latin typeface="Candara" panose="020E0502030303020204" pitchFamily="34" charset="0"/>
-                  <a:ea typeface="Apple Color Emoji" pitchFamily="2" charset="0"/>
-                  <a:cs typeface="Calibri" panose="020F0502020204030204" pitchFamily="34" charset="0"/>
-                </a:endParaRPr>
+                <a:pPr algn="ctr"/>
+                <a:endParaRPr lang="en-TW"/>
+              </a:p>
+            </p:txBody>
+          </p:sp>
+          <p:sp>
+            <p:nvSpPr>
+              <p:cNvPr id="64" name="Oval 63">
+                <a:extLst>
+                  <a:ext uri="{FF2B5EF4-FFF2-40B4-BE49-F238E27FC236}">
+                    <a16:creationId xmlns:a16="http://schemas.microsoft.com/office/drawing/2014/main" id="{A8985DF7-B25F-196D-6D12-02100077A4CB}"/>
+                  </a:ext>
+                </a:extLst>
+              </p:cNvPr>
+              <p:cNvSpPr/>
+              <p:nvPr/>
+            </p:nvSpPr>
+            <p:spPr>
+              <a:xfrm>
+                <a:off x="1417911" y="181173"/>
+                <a:ext cx="362347" cy="362347"/>
+              </a:xfrm>
+              <a:prstGeom prst="ellipse">
+                <a:avLst/>
+              </a:prstGeom>
+              <a:solidFill>
+                <a:srgbClr val="27C841"/>
+              </a:solidFill>
+              <a:ln>
+                <a:noFill/>
+              </a:ln>
+            </p:spPr>
+            <p:style>
+              <a:lnRef idx="2">
+                <a:schemeClr val="accent1">
+                  <a:shade val="15000"/>
+                </a:schemeClr>
+              </a:lnRef>
+              <a:fillRef idx="1">
+                <a:schemeClr val="accent1"/>
+              </a:fillRef>
+              <a:effectRef idx="0">
+                <a:schemeClr val="accent1"/>
+              </a:effectRef>
+              <a:fontRef idx="minor">
+                <a:schemeClr val="lt1"/>
+              </a:fontRef>
+            </p:style>
+            <p:txBody>
+              <a:bodyPr rtlCol="0" anchor="ctr"/>
+              <a:lstStyle/>
+              <a:p>
+                <a:pPr algn="ctr"/>
+                <a:endParaRPr lang="en-TW"/>
               </a:p>
             </p:txBody>
           </p:sp>
         </p:grpSp>
-        <p:pic>
-          <p:nvPicPr>
-            <p:cNvPr id="49" name="Graphic 48" descr="Cursor">
-              <a:extLst>
-                <a:ext uri="{FF2B5EF4-FFF2-40B4-BE49-F238E27FC236}">
-                  <a16:creationId xmlns:a16="http://schemas.microsoft.com/office/drawing/2014/main" id="{7C39F1AF-ED10-7560-63AB-33A31603625C}"/>
-                </a:ext>
-              </a:extLst>
-            </p:cNvPr>
-            <p:cNvPicPr>
-              <a:picLocks noChangeAspect="1"/>
-            </p:cNvPicPr>
-            <p:nvPr/>
-          </p:nvPicPr>
-          <p:blipFill>
-            <a:blip r:embed="rId4">
-              <a:extLst>
-                <a:ext uri="{96DAC541-7B7A-43D3-8B79-37D633B846F1}">
-                  <asvg:svgBlip xmlns:asvg="http://schemas.microsoft.com/office/drawing/2016/SVG/main" r:embed="rId5"/>
-                </a:ext>
-              </a:extLst>
-            </a:blip>
-            <a:stretch>
-              <a:fillRect/>
-            </a:stretch>
-          </p:blipFill>
-          <p:spPr>
-            <a:xfrm flipH="1">
-              <a:off x="6678136" y="4059426"/>
-              <a:ext cx="714945" cy="714945"/>
-            </a:xfrm>
-            <a:prstGeom prst="rect">
-              <a:avLst/>
-            </a:prstGeom>
-          </p:spPr>
-        </p:pic>
       </p:grpSp>
+      <p:sp>
+        <p:nvSpPr>
+          <p:cNvPr id="46" name="TextBox 45">
+            <a:extLst>
+              <a:ext uri="{FF2B5EF4-FFF2-40B4-BE49-F238E27FC236}">
+                <a16:creationId xmlns:a16="http://schemas.microsoft.com/office/drawing/2014/main" id="{D6EA6684-A3DD-5B8C-0FA2-1588D73393FD}"/>
+              </a:ext>
+            </a:extLst>
+          </p:cNvPr>
+          <p:cNvSpPr txBox="1"/>
+          <p:nvPr/>
+        </p:nvSpPr>
+        <p:spPr>
+          <a:xfrm>
+            <a:off x="188258" y="1424733"/>
+            <a:ext cx="8764581" cy="2308324"/>
+          </a:xfrm>
+          <a:prstGeom prst="rect">
+            <a:avLst/>
+          </a:prstGeom>
+          <a:noFill/>
+        </p:spPr>
+        <p:txBody>
+          <a:bodyPr wrap="square" rtlCol="0">
+            <a:spAutoFit/>
+          </a:bodyPr>
+          <a:lstStyle/>
+          <a:p>
+            <a:pPr algn="ctr"/>
+            <a:r>
+              <a:rPr lang="en-US" sz="4800" b="1" dirty="0">
+                <a:effectLst/>
+                <a:latin typeface="Bangla MN" pitchFamily="2" charset="0"/>
+                <a:cs typeface="Bangla MN" pitchFamily="2" charset="0"/>
+              </a:rPr>
+              <a:t>High-Performance </a:t>
+            </a:r>
+            <a:r>
+              <a:rPr lang="en-US" sz="4800" b="1" dirty="0">
+                <a:solidFill>
+                  <a:srgbClr val="AD5545"/>
+                </a:solidFill>
+                <a:effectLst/>
+                <a:latin typeface="Bangla MN" pitchFamily="2" charset="0"/>
+                <a:cs typeface="Bangla MN" pitchFamily="2" charset="0"/>
+              </a:rPr>
+              <a:t>Reinforcement Learning </a:t>
+            </a:r>
+            <a:r>
+              <a:rPr lang="en-US" sz="4800" b="1" dirty="0">
+                <a:effectLst/>
+                <a:latin typeface="Bangla MN" pitchFamily="2" charset="0"/>
+                <a:cs typeface="Bangla MN" pitchFamily="2" charset="0"/>
+              </a:rPr>
+              <a:t>Optimization </a:t>
+            </a:r>
+          </a:p>
+        </p:txBody>
+      </p:sp>
       <p:grpSp>
         <p:nvGrpSpPr>
           <p:cNvPr id="19" name="Group 18">
@@ -6112,8 +7978,8 @@
         </p:nvGrpSpPr>
         <p:grpSpPr>
           <a:xfrm>
-            <a:off x="1080586" y="5137735"/>
-            <a:ext cx="6982825" cy="562544"/>
+            <a:off x="1079135" y="5154267"/>
+            <a:ext cx="6982825" cy="558000"/>
             <a:chOff x="806100" y="5166154"/>
             <a:chExt cx="6982825" cy="562544"/>
           </a:xfrm>
@@ -6899,6 +8765,260 @@
           </p:sp>
         </p:grpSp>
       </p:grpSp>
+      <p:grpSp>
+        <p:nvGrpSpPr>
+          <p:cNvPr id="52" name="Group 51">
+            <a:extLst>
+              <a:ext uri="{FF2B5EF4-FFF2-40B4-BE49-F238E27FC236}">
+                <a16:creationId xmlns:a16="http://schemas.microsoft.com/office/drawing/2014/main" id="{2316EF4E-0540-6BB8-1DA4-D222B0E4776F}"/>
+              </a:ext>
+            </a:extLst>
+          </p:cNvPr>
+          <p:cNvGrpSpPr/>
+          <p:nvPr/>
+        </p:nvGrpSpPr>
+        <p:grpSpPr>
+          <a:xfrm>
+            <a:off x="3348819" y="3934871"/>
+            <a:ext cx="2443457" cy="615969"/>
+            <a:chOff x="3358704" y="4071715"/>
+            <a:chExt cx="2443457" cy="615969"/>
+          </a:xfrm>
+        </p:grpSpPr>
+        <p:grpSp>
+          <p:nvGrpSpPr>
+            <p:cNvPr id="53" name="Group 52">
+              <a:extLst>
+                <a:ext uri="{FF2B5EF4-FFF2-40B4-BE49-F238E27FC236}">
+                  <a16:creationId xmlns:a16="http://schemas.microsoft.com/office/drawing/2014/main" id="{F1BA7558-9A5F-539E-CA9E-471BC1E61462}"/>
+                </a:ext>
+              </a:extLst>
+            </p:cNvPr>
+            <p:cNvGrpSpPr/>
+            <p:nvPr/>
+          </p:nvGrpSpPr>
+          <p:grpSpPr>
+            <a:xfrm>
+              <a:off x="3374795" y="4071715"/>
+              <a:ext cx="2427366" cy="615969"/>
+              <a:chOff x="4483523" y="4003722"/>
+              <a:chExt cx="3236488" cy="821291"/>
+            </a:xfrm>
+          </p:grpSpPr>
+          <p:grpSp>
+            <p:nvGrpSpPr>
+              <p:cNvPr id="55" name="Group 54">
+                <a:extLst>
+                  <a:ext uri="{FF2B5EF4-FFF2-40B4-BE49-F238E27FC236}">
+                    <a16:creationId xmlns:a16="http://schemas.microsoft.com/office/drawing/2014/main" id="{3F1ED0CA-296B-B674-7267-FDC9AC36840B}"/>
+                  </a:ext>
+                </a:extLst>
+              </p:cNvPr>
+              <p:cNvGrpSpPr/>
+              <p:nvPr/>
+            </p:nvGrpSpPr>
+            <p:grpSpPr>
+              <a:xfrm>
+                <a:off x="4483523" y="4003722"/>
+                <a:ext cx="3236488" cy="821291"/>
+                <a:chOff x="1580784" y="3933278"/>
+                <a:chExt cx="3236488" cy="821291"/>
+              </a:xfrm>
+            </p:grpSpPr>
+            <p:sp>
+              <p:nvSpPr>
+                <p:cNvPr id="57" name="Rounded Rectangle 56">
+                  <a:extLst>
+                    <a:ext uri="{FF2B5EF4-FFF2-40B4-BE49-F238E27FC236}">
+                      <a16:creationId xmlns:a16="http://schemas.microsoft.com/office/drawing/2014/main" id="{06307F58-D7EC-CA3B-2F3E-CE2DD2E5B1F3}"/>
+                    </a:ext>
+                  </a:extLst>
+                </p:cNvPr>
+                <p:cNvSpPr/>
+                <p:nvPr/>
+              </p:nvSpPr>
+              <p:spPr>
+                <a:xfrm>
+                  <a:off x="1580784" y="3991323"/>
+                  <a:ext cx="3236488" cy="763246"/>
+                </a:xfrm>
+                <a:prstGeom prst="roundRect">
+                  <a:avLst>
+                    <a:gd name="adj" fmla="val 38868"/>
+                  </a:avLst>
+                </a:prstGeom>
+                <a:solidFill>
+                  <a:srgbClr val="FFEB9E"/>
+                </a:solidFill>
+                <a:ln>
+                  <a:noFill/>
+                </a:ln>
+              </p:spPr>
+              <p:style>
+                <a:lnRef idx="2">
+                  <a:schemeClr val="accent1">
+                    <a:shade val="15000"/>
+                  </a:schemeClr>
+                </a:lnRef>
+                <a:fillRef idx="1">
+                  <a:schemeClr val="accent1"/>
+                </a:fillRef>
+                <a:effectRef idx="0">
+                  <a:schemeClr val="accent1"/>
+                </a:effectRef>
+                <a:fontRef idx="minor">
+                  <a:schemeClr val="lt1"/>
+                </a:fontRef>
+              </p:style>
+              <p:txBody>
+                <a:bodyPr rtlCol="0" anchor="ctr"/>
+                <a:lstStyle/>
+                <a:p>
+                  <a:pPr algn="ctr"/>
+                  <a:endParaRPr lang="en-TW" sz="1350" dirty="0"/>
+                </a:p>
+              </p:txBody>
+            </p:sp>
+            <p:sp>
+              <p:nvSpPr>
+                <p:cNvPr id="58" name="TextBox 57">
+                  <a:extLst>
+                    <a:ext uri="{FF2B5EF4-FFF2-40B4-BE49-F238E27FC236}">
+                      <a16:creationId xmlns:a16="http://schemas.microsoft.com/office/drawing/2014/main" id="{69349BED-00C1-DFF1-4D21-BB18E64160F3}"/>
+                    </a:ext>
+                  </a:extLst>
+                </p:cNvPr>
+                <p:cNvSpPr txBox="1"/>
+                <p:nvPr/>
+              </p:nvSpPr>
+              <p:spPr>
+                <a:xfrm>
+                  <a:off x="1957875" y="3933278"/>
+                  <a:ext cx="1918043" cy="779700"/>
+                </a:xfrm>
+                <a:prstGeom prst="rect">
+                  <a:avLst/>
+                </a:prstGeom>
+                <a:noFill/>
+              </p:spPr>
+              <p:txBody>
+                <a:bodyPr wrap="square" rtlCol="0">
+                  <a:spAutoFit/>
+                </a:bodyPr>
+                <a:lstStyle/>
+                <a:p>
+                  <a:r>
+                    <a:rPr lang="en-US" sz="3200" b="1" dirty="0">
+                      <a:solidFill>
+                        <a:srgbClr val="000000"/>
+                      </a:solidFill>
+                      <a:latin typeface="Candara" panose="020E0502030303020204" pitchFamily="34" charset="0"/>
+                      <a:ea typeface="Apple Color Emoji" pitchFamily="2" charset="0"/>
+                      <a:cs typeface="Calibri" panose="020F0502020204030204" pitchFamily="34" charset="0"/>
+                    </a:rPr>
+                    <a:t>GitHub</a:t>
+                  </a:r>
+                  <a:endParaRPr lang="en-TW" sz="3200" b="1" dirty="0">
+                    <a:latin typeface="Candara" panose="020E0502030303020204" pitchFamily="34" charset="0"/>
+                    <a:ea typeface="Apple Color Emoji" pitchFamily="2" charset="0"/>
+                    <a:cs typeface="Calibri" panose="020F0502020204030204" pitchFamily="34" charset="0"/>
+                  </a:endParaRPr>
+                </a:p>
+              </p:txBody>
+            </p:sp>
+          </p:grpSp>
+          <p:pic>
+            <p:nvPicPr>
+              <p:cNvPr id="56" name="Graphic 55" descr="Cursor">
+                <a:extLst>
+                  <a:ext uri="{FF2B5EF4-FFF2-40B4-BE49-F238E27FC236}">
+                    <a16:creationId xmlns:a16="http://schemas.microsoft.com/office/drawing/2014/main" id="{7D99B470-3206-DE49-0A91-40690C8364A7}"/>
+                  </a:ext>
+                </a:extLst>
+              </p:cNvPr>
+              <p:cNvPicPr>
+                <a:picLocks noChangeAspect="1"/>
+              </p:cNvPicPr>
+              <p:nvPr/>
+            </p:nvPicPr>
+            <p:blipFill>
+              <a:blip r:embed="rId4">
+                <a:extLst>
+                  <a:ext uri="{96DAC541-7B7A-43D3-8B79-37D633B846F1}">
+                    <asvg:svgBlip xmlns:asvg="http://schemas.microsoft.com/office/drawing/2016/SVG/main" r:embed="rId5"/>
+                  </a:ext>
+                </a:extLst>
+              </a:blip>
+              <a:stretch>
+                <a:fillRect/>
+              </a:stretch>
+            </p:blipFill>
+            <p:spPr>
+              <a:xfrm flipH="1">
+                <a:off x="6678136" y="4033373"/>
+                <a:ext cx="714945" cy="714945"/>
+              </a:xfrm>
+              <a:prstGeom prst="rect">
+                <a:avLst/>
+              </a:prstGeom>
+            </p:spPr>
+          </p:pic>
+        </p:grpSp>
+        <p:sp>
+          <p:nvSpPr>
+            <p:cNvPr id="54" name="Rounded Rectangle 53">
+              <a:extLst>
+                <a:ext uri="{FF2B5EF4-FFF2-40B4-BE49-F238E27FC236}">
+                  <a16:creationId xmlns:a16="http://schemas.microsoft.com/office/drawing/2014/main" id="{31B6EECC-CBA7-EC4E-8340-BC56FD4C677F}"/>
+                </a:ext>
+              </a:extLst>
+            </p:cNvPr>
+            <p:cNvSpPr/>
+            <p:nvPr/>
+          </p:nvSpPr>
+          <p:spPr>
+            <a:xfrm>
+              <a:off x="3358704" y="4111730"/>
+              <a:ext cx="2357176" cy="495445"/>
+            </a:xfrm>
+            <a:prstGeom prst="roundRect">
+              <a:avLst>
+                <a:gd name="adj" fmla="val 38868"/>
+              </a:avLst>
+            </a:prstGeom>
+            <a:noFill/>
+            <a:ln w="38100">
+              <a:solidFill>
+                <a:schemeClr val="tx1"/>
+              </a:solidFill>
+            </a:ln>
+          </p:spPr>
+          <p:style>
+            <a:lnRef idx="2">
+              <a:schemeClr val="accent1">
+                <a:shade val="15000"/>
+              </a:schemeClr>
+            </a:lnRef>
+            <a:fillRef idx="1">
+              <a:schemeClr val="accent1"/>
+            </a:fillRef>
+            <a:effectRef idx="0">
+              <a:schemeClr val="accent1"/>
+            </a:effectRef>
+            <a:fontRef idx="minor">
+              <a:schemeClr val="lt1"/>
+            </a:fontRef>
+          </p:style>
+          <p:txBody>
+            <a:bodyPr rtlCol="0" anchor="ctr"/>
+            <a:lstStyle/>
+            <a:p>
+              <a:pPr algn="ctr"/>
+              <a:endParaRPr lang="en-TW" sz="1350" dirty="0"/>
+            </a:p>
+          </p:txBody>
+        </p:sp>
+      </p:grpSp>
     </p:spTree>
     <p:extLst>
       <p:ext uri="{BB962C8B-B14F-4D97-AF65-F5344CB8AC3E}">
@@ -6912,7 +9032,7 @@
 </p:sld>
 </file>
 
-<file path=ppt/slides/slide3.xml><?xml version="1.0" encoding="utf-8"?>
+<file path=ppt/slides/slide4.xml><?xml version="1.0" encoding="utf-8"?>
 <p:sld xmlns:a="http://schemas.openxmlformats.org/drawingml/2006/main" xmlns:r="http://schemas.openxmlformats.org/officeDocument/2006/relationships" xmlns:p="http://schemas.openxmlformats.org/presentationml/2006/main">
   <p:cSld>
     <p:spTree>
@@ -6931,10 +9051,10 @@
       </p:grpSpPr>
       <p:grpSp>
         <p:nvGrpSpPr>
-          <p:cNvPr id="24" name="Group 23">
+          <p:cNvPr id="54" name="Group 53">
             <a:extLst>
               <a:ext uri="{FF2B5EF4-FFF2-40B4-BE49-F238E27FC236}">
-                <a16:creationId xmlns:a16="http://schemas.microsoft.com/office/drawing/2014/main" id="{CEA33F95-E541-2DAA-D3BA-206F6DA2273A}"/>
+                <a16:creationId xmlns:a16="http://schemas.microsoft.com/office/drawing/2014/main" id="{6648A208-B542-7581-09F1-4E3E722397CC}"/>
               </a:ext>
             </a:extLst>
           </p:cNvPr>
@@ -6943,18 +9063,18 @@
         </p:nvGrpSpPr>
         <p:grpSpPr>
           <a:xfrm>
-            <a:off x="-1" y="-273209"/>
-            <a:ext cx="9141101" cy="7131209"/>
-            <a:chOff x="-1" y="-273209"/>
-            <a:chExt cx="9141101" cy="7131209"/>
+            <a:off x="2899" y="0"/>
+            <a:ext cx="9141101" cy="6858000"/>
+            <a:chOff x="2899" y="0"/>
+            <a:chExt cx="9141101" cy="6858000"/>
           </a:xfrm>
         </p:grpSpPr>
         <p:pic>
           <p:nvPicPr>
-            <p:cNvPr id="25" name="Picture 24">
+            <p:cNvPr id="55" name="Picture 54">
               <a:extLst>
                 <a:ext uri="{FF2B5EF4-FFF2-40B4-BE49-F238E27FC236}">
-                  <a16:creationId xmlns:a16="http://schemas.microsoft.com/office/drawing/2014/main" id="{716400BC-5636-9C7A-E13A-DF97FCFB6021}"/>
+                  <a16:creationId xmlns:a16="http://schemas.microsoft.com/office/drawing/2014/main" id="{2FD8BF3A-8C42-604A-A9FA-07A4E269441C}"/>
                 </a:ext>
               </a:extLst>
             </p:cNvPr>
@@ -6970,8 +9090,8 @@
           </p:blipFill>
           <p:spPr>
             <a:xfrm>
-              <a:off x="-1" y="-273209"/>
-              <a:ext cx="9141101" cy="7131209"/>
+              <a:off x="2899" y="0"/>
+              <a:ext cx="9141101" cy="6858000"/>
             </a:xfrm>
             <a:prstGeom prst="rect">
               <a:avLst/>
@@ -6980,10 +9100,10 @@
         </p:pic>
         <p:grpSp>
           <p:nvGrpSpPr>
-            <p:cNvPr id="26" name="Group 25">
+            <p:cNvPr id="56" name="Group 55">
               <a:extLst>
                 <a:ext uri="{FF2B5EF4-FFF2-40B4-BE49-F238E27FC236}">
-                  <a16:creationId xmlns:a16="http://schemas.microsoft.com/office/drawing/2014/main" id="{468D5382-03DA-B68B-A9CD-9058AF27D1E5}"/>
+                  <a16:creationId xmlns:a16="http://schemas.microsoft.com/office/drawing/2014/main" id="{B3E537B9-2476-64C3-E504-DD5FFA1D1B8A}"/>
                 </a:ext>
               </a:extLst>
             </p:cNvPr>
@@ -6992,7 +9112,7 @@
           </p:nvGrpSpPr>
           <p:grpSpPr>
             <a:xfrm>
-              <a:off x="379419" y="80682"/>
+              <a:off x="379419" y="352145"/>
               <a:ext cx="1336505" cy="362347"/>
               <a:chOff x="443753" y="181173"/>
               <a:chExt cx="1336505" cy="362347"/>
@@ -7000,10 +9120,10 @@
           </p:grpSpPr>
           <p:sp>
             <p:nvSpPr>
-              <p:cNvPr id="27" name="Oval 26">
+              <p:cNvPr id="57" name="Oval 56">
                 <a:extLst>
                   <a:ext uri="{FF2B5EF4-FFF2-40B4-BE49-F238E27FC236}">
-                    <a16:creationId xmlns:a16="http://schemas.microsoft.com/office/drawing/2014/main" id="{46A9FE78-592D-3B35-59B6-42026DAA28D2}"/>
+                    <a16:creationId xmlns:a16="http://schemas.microsoft.com/office/drawing/2014/main" id="{018A0ACD-6C58-839F-9B08-1BE4DE82E89E}"/>
                   </a:ext>
                 </a:extLst>
               </p:cNvPr>
@@ -7052,10 +9172,10 @@
           </p:sp>
           <p:sp>
             <p:nvSpPr>
-              <p:cNvPr id="28" name="Oval 27">
+              <p:cNvPr id="58" name="Oval 57">
                 <a:extLst>
                   <a:ext uri="{FF2B5EF4-FFF2-40B4-BE49-F238E27FC236}">
-                    <a16:creationId xmlns:a16="http://schemas.microsoft.com/office/drawing/2014/main" id="{E0135B11-D86C-C036-0476-93E278D41BE7}"/>
+                    <a16:creationId xmlns:a16="http://schemas.microsoft.com/office/drawing/2014/main" id="{DFF0CEAE-A0A3-2876-DF0F-79B691AD5C0D}"/>
                   </a:ext>
                 </a:extLst>
               </p:cNvPr>
@@ -7104,10 +9224,10 @@
           </p:sp>
           <p:sp>
             <p:nvSpPr>
-              <p:cNvPr id="29" name="Oval 28">
+              <p:cNvPr id="59" name="Oval 58">
                 <a:extLst>
                   <a:ext uri="{FF2B5EF4-FFF2-40B4-BE49-F238E27FC236}">
-                    <a16:creationId xmlns:a16="http://schemas.microsoft.com/office/drawing/2014/main" id="{95978D55-9993-9F34-9441-04DE3168B30F}"/>
+                    <a16:creationId xmlns:a16="http://schemas.microsoft.com/office/drawing/2014/main" id="{8F228514-963A-05B5-15FF-2680871305D7}"/>
                   </a:ext>
                 </a:extLst>
               </p:cNvPr>
@@ -7170,8 +9290,8 @@
         </p:nvSpPr>
         <p:spPr>
           <a:xfrm>
-            <a:off x="1235035" y="1139802"/>
-            <a:ext cx="6828376" cy="2862322"/>
+            <a:off x="600033" y="1424733"/>
+            <a:ext cx="7941032" cy="2308324"/>
           </a:xfrm>
           <a:prstGeom prst="rect">
             <a:avLst/>
@@ -7184,8 +9304,9 @@
           </a:bodyPr>
           <a:lstStyle/>
           <a:p>
+            <a:pPr algn="ctr"/>
             <a:r>
-              <a:rPr lang="en-US" sz="6000" b="1" i="0" dirty="0">
+              <a:rPr lang="en-US" sz="4800" b="1" dirty="0">
                 <a:solidFill>
                   <a:srgbClr val="AD5545"/>
                 </a:solidFill>
@@ -7193,32 +9314,25 @@
                 <a:latin typeface="Bangla MN" pitchFamily="2" charset="0"/>
                 <a:cs typeface="Bangla MN" pitchFamily="2" charset="0"/>
               </a:rPr>
-              <a:t>Parallelizing</a:t>
+              <a:t>SDN-Based Network </a:t>
             </a:r>
-          </a:p>
-          <a:p>
             <a:r>
-              <a:rPr lang="en-US" sz="6000" b="1" i="0" dirty="0">
+              <a:rPr lang="en-US" sz="4800" b="1" dirty="0">
                 <a:effectLst/>
                 <a:latin typeface="Bangla MN" pitchFamily="2" charset="0"/>
                 <a:cs typeface="Bangla MN" pitchFamily="2" charset="0"/>
               </a:rPr>
-              <a:t>Mandelbrot Set Calculation</a:t>
+              <a:t>with VLAN Isolation for Multi-Tenancy </a:t>
             </a:r>
-            <a:endParaRPr lang="en-TW" sz="6000" b="1" dirty="0">
-              <a:latin typeface="Bangla MN" pitchFamily="2" charset="0"/>
-              <a:ea typeface="Apple Color Emoji" pitchFamily="2" charset="0"/>
-              <a:cs typeface="Bangla MN" pitchFamily="2" charset="0"/>
-            </a:endParaRPr>
           </a:p>
         </p:txBody>
       </p:sp>
       <p:grpSp>
         <p:nvGrpSpPr>
-          <p:cNvPr id="47" name="Group 46">
+          <p:cNvPr id="33" name="Group 32">
             <a:extLst>
               <a:ext uri="{FF2B5EF4-FFF2-40B4-BE49-F238E27FC236}">
-                <a16:creationId xmlns:a16="http://schemas.microsoft.com/office/drawing/2014/main" id="{16F1A946-7D23-0BA3-D1FA-D7C7D3AC6D0E}"/>
+                <a16:creationId xmlns:a16="http://schemas.microsoft.com/office/drawing/2014/main" id="{52051722-63C2-FF67-FDA0-BFD2AEBD2535}"/>
               </a:ext>
             </a:extLst>
           </p:cNvPr>
@@ -7227,189 +9341,10 @@
         </p:nvGrpSpPr>
         <p:grpSpPr>
           <a:xfrm>
-            <a:off x="3374795" y="4091252"/>
-            <a:ext cx="2394408" cy="584775"/>
-            <a:chOff x="4483523" y="4029777"/>
-            <a:chExt cx="3192544" cy="779700"/>
-          </a:xfrm>
-        </p:grpSpPr>
-        <p:grpSp>
-          <p:nvGrpSpPr>
-            <p:cNvPr id="48" name="Group 47">
-              <a:extLst>
-                <a:ext uri="{FF2B5EF4-FFF2-40B4-BE49-F238E27FC236}">
-                  <a16:creationId xmlns:a16="http://schemas.microsoft.com/office/drawing/2014/main" id="{AA0819AA-6C60-87C4-31AB-A37228E32243}"/>
-                </a:ext>
-              </a:extLst>
-            </p:cNvPr>
-            <p:cNvGrpSpPr/>
-            <p:nvPr/>
-          </p:nvGrpSpPr>
-          <p:grpSpPr>
-            <a:xfrm>
-              <a:off x="4483523" y="4029777"/>
-              <a:ext cx="3192544" cy="779700"/>
-              <a:chOff x="1580784" y="3959333"/>
-              <a:chExt cx="3192544" cy="779700"/>
-            </a:xfrm>
-          </p:grpSpPr>
-          <p:sp>
-            <p:nvSpPr>
-              <p:cNvPr id="50" name="Rounded Rectangle 49">
-                <a:extLst>
-                  <a:ext uri="{FF2B5EF4-FFF2-40B4-BE49-F238E27FC236}">
-                    <a16:creationId xmlns:a16="http://schemas.microsoft.com/office/drawing/2014/main" id="{B9A2233A-4813-AEFF-DE8D-6C65129EC856}"/>
-                  </a:ext>
-                </a:extLst>
-              </p:cNvPr>
-              <p:cNvSpPr/>
-              <p:nvPr/>
-            </p:nvSpPr>
-            <p:spPr>
-              <a:xfrm>
-                <a:off x="1580784" y="3991326"/>
-                <a:ext cx="3192544" cy="714947"/>
-              </a:xfrm>
-              <a:prstGeom prst="roundRect">
-                <a:avLst>
-                  <a:gd name="adj" fmla="val 38868"/>
-                </a:avLst>
-              </a:prstGeom>
-              <a:solidFill>
-                <a:srgbClr val="FFEB9E"/>
-              </a:solidFill>
-              <a:ln>
-                <a:noFill/>
-              </a:ln>
-            </p:spPr>
-            <p:style>
-              <a:lnRef idx="2">
-                <a:schemeClr val="accent1">
-                  <a:shade val="15000"/>
-                </a:schemeClr>
-              </a:lnRef>
-              <a:fillRef idx="1">
-                <a:schemeClr val="accent1"/>
-              </a:fillRef>
-              <a:effectRef idx="0">
-                <a:schemeClr val="accent1"/>
-              </a:effectRef>
-              <a:fontRef idx="minor">
-                <a:schemeClr val="lt1"/>
-              </a:fontRef>
-            </p:style>
-            <p:txBody>
-              <a:bodyPr rtlCol="0" anchor="ctr"/>
-              <a:lstStyle/>
-              <a:p>
-                <a:pPr algn="ctr"/>
-                <a:endParaRPr lang="en-TW" sz="1350" dirty="0"/>
-              </a:p>
-            </p:txBody>
-          </p:sp>
-          <p:sp>
-            <p:nvSpPr>
-              <p:cNvPr id="51" name="TextBox 50">
-                <a:extLst>
-                  <a:ext uri="{FF2B5EF4-FFF2-40B4-BE49-F238E27FC236}">
-                    <a16:creationId xmlns:a16="http://schemas.microsoft.com/office/drawing/2014/main" id="{7D681A5A-855B-B8B0-BD3C-133318B6C1D9}"/>
-                  </a:ext>
-                </a:extLst>
-              </p:cNvPr>
-              <p:cNvSpPr txBox="1"/>
-              <p:nvPr/>
-            </p:nvSpPr>
-            <p:spPr>
-              <a:xfrm>
-                <a:off x="1957874" y="3959333"/>
-                <a:ext cx="1918043" cy="779700"/>
-              </a:xfrm>
-              <a:prstGeom prst="rect">
-                <a:avLst/>
-              </a:prstGeom>
-              <a:noFill/>
-            </p:spPr>
-            <p:txBody>
-              <a:bodyPr wrap="square" rtlCol="0">
-                <a:spAutoFit/>
-              </a:bodyPr>
-              <a:lstStyle/>
-              <a:p>
-                <a:r>
-                  <a:rPr lang="en-US" sz="3200" b="1" dirty="0">
-                    <a:solidFill>
-                      <a:srgbClr val="000000"/>
-                    </a:solidFill>
-                    <a:latin typeface="Candara" panose="020E0502030303020204" pitchFamily="34" charset="0"/>
-                    <a:ea typeface="Apple Color Emoji" pitchFamily="2" charset="0"/>
-                    <a:cs typeface="Calibri" panose="020F0502020204030204" pitchFamily="34" charset="0"/>
-                  </a:rPr>
-                  <a:t>GitHub</a:t>
-                </a:r>
-                <a:endParaRPr lang="en-TW" sz="3200" b="1" dirty="0">
-                  <a:latin typeface="Candara" panose="020E0502030303020204" pitchFamily="34" charset="0"/>
-                  <a:ea typeface="Apple Color Emoji" pitchFamily="2" charset="0"/>
-                  <a:cs typeface="Calibri" panose="020F0502020204030204" pitchFamily="34" charset="0"/>
-                </a:endParaRPr>
-              </a:p>
-            </p:txBody>
-          </p:sp>
-        </p:grpSp>
-        <p:pic>
-          <p:nvPicPr>
-            <p:cNvPr id="49" name="Graphic 48" descr="Cursor">
-              <a:extLst>
-                <a:ext uri="{FF2B5EF4-FFF2-40B4-BE49-F238E27FC236}">
-                  <a16:creationId xmlns:a16="http://schemas.microsoft.com/office/drawing/2014/main" id="{7C39F1AF-ED10-7560-63AB-33A31603625C}"/>
-                </a:ext>
-              </a:extLst>
-            </p:cNvPr>
-            <p:cNvPicPr>
-              <a:picLocks noChangeAspect="1"/>
-            </p:cNvPicPr>
-            <p:nvPr/>
-          </p:nvPicPr>
-          <p:blipFill>
-            <a:blip r:embed="rId4">
-              <a:extLst>
-                <a:ext uri="{96DAC541-7B7A-43D3-8B79-37D633B846F1}">
-                  <asvg:svgBlip xmlns:asvg="http://schemas.microsoft.com/office/drawing/2016/SVG/main" r:embed="rId5"/>
-                </a:ext>
-              </a:extLst>
-            </a:blip>
-            <a:stretch>
-              <a:fillRect/>
-            </a:stretch>
-          </p:blipFill>
-          <p:spPr>
-            <a:xfrm flipH="1">
-              <a:off x="6678136" y="4059426"/>
-              <a:ext cx="714945" cy="714945"/>
-            </a:xfrm>
-            <a:prstGeom prst="rect">
-              <a:avLst/>
-            </a:prstGeom>
-          </p:spPr>
-        </p:pic>
-      </p:grpSp>
-      <p:grpSp>
-        <p:nvGrpSpPr>
-          <p:cNvPr id="23" name="Group 22">
-            <a:extLst>
-              <a:ext uri="{FF2B5EF4-FFF2-40B4-BE49-F238E27FC236}">
-                <a16:creationId xmlns:a16="http://schemas.microsoft.com/office/drawing/2014/main" id="{870BCF2A-13F3-077C-50CB-C4FEE11A77AC}"/>
-              </a:ext>
-            </a:extLst>
-          </p:cNvPr>
-          <p:cNvGrpSpPr/>
-          <p:nvPr/>
-        </p:nvGrpSpPr>
-        <p:grpSpPr>
-          <a:xfrm>
-            <a:off x="2518668" y="5137735"/>
-            <a:ext cx="4106661" cy="562544"/>
-            <a:chOff x="1897435" y="5127904"/>
-            <a:chExt cx="4106661" cy="562544"/>
+            <a:off x="1199061" y="5154267"/>
+            <a:ext cx="6742975" cy="558000"/>
+            <a:chOff x="1199061" y="5143916"/>
+            <a:chExt cx="6742975" cy="574165"/>
           </a:xfrm>
         </p:grpSpPr>
         <p:grpSp>
@@ -7426,10 +9361,10 @@
           </p:nvGrpSpPr>
           <p:grpSpPr>
             <a:xfrm>
-              <a:off x="1897435" y="5127904"/>
-              <a:ext cx="817784" cy="562544"/>
-              <a:chOff x="1080587" y="5137735"/>
-              <a:chExt cx="817784" cy="562544"/>
+              <a:off x="1199061" y="5163579"/>
+              <a:ext cx="1103946" cy="551054"/>
+              <a:chOff x="1080587" y="5165440"/>
+              <a:chExt cx="1103946" cy="551054"/>
             </a:xfrm>
           </p:grpSpPr>
           <p:grpSp>
@@ -7446,10 +9381,10 @@
             </p:nvGrpSpPr>
             <p:grpSpPr>
               <a:xfrm>
-                <a:off x="1080587" y="5177059"/>
-                <a:ext cx="817784" cy="523220"/>
+                <a:off x="1080587" y="5177058"/>
+                <a:ext cx="1103946" cy="539436"/>
                 <a:chOff x="2417086" y="4288960"/>
-                <a:chExt cx="1985565" cy="553999"/>
+                <a:chExt cx="2680362" cy="571169"/>
               </a:xfrm>
             </p:grpSpPr>
             <p:sp>
@@ -7467,7 +9402,7 @@
               <p:spPr>
                 <a:xfrm>
                   <a:off x="2417086" y="4288961"/>
-                  <a:ext cx="1985565" cy="553998"/>
+                  <a:ext cx="2680362" cy="571168"/>
                 </a:xfrm>
                 <a:prstGeom prst="roundRect">
                   <a:avLst>
@@ -7521,7 +9456,7 @@
               <p:spPr>
                 <a:xfrm>
                   <a:off x="2417086" y="4288960"/>
-                  <a:ext cx="1931962" cy="487756"/>
+                  <a:ext cx="2504969" cy="504927"/>
                 </a:xfrm>
                 <a:prstGeom prst="roundRect">
                   <a:avLst>
@@ -7575,8 +9510,8 @@
             </p:nvSpPr>
             <p:spPr>
               <a:xfrm>
-                <a:off x="1263774" y="5137735"/>
-                <a:ext cx="441469" cy="523220"/>
+                <a:off x="1199814" y="5165440"/>
+                <a:ext cx="848521" cy="523220"/>
               </a:xfrm>
               <a:prstGeom prst="rect">
                 <a:avLst/>
@@ -7598,7 +9533,7 @@
                     <a:ea typeface="Apple Color Emoji" pitchFamily="2" charset="0"/>
                     <a:cs typeface="Calibri" panose="020F0502020204030204" pitchFamily="34" charset="0"/>
                   </a:rPr>
-                  <a:t>C</a:t>
+                  <a:t>RYU</a:t>
                 </a:r>
                 <a:endParaRPr lang="en-TW" sz="2800" b="1" dirty="0">
                   <a:latin typeface="Candara" panose="020E0502030303020204" pitchFamily="34" charset="0"/>
@@ -7623,10 +9558,10 @@
           </p:nvGrpSpPr>
           <p:grpSpPr>
             <a:xfrm>
-              <a:off x="2958946" y="5127904"/>
-              <a:ext cx="1103947" cy="562544"/>
-              <a:chOff x="2984134" y="5137735"/>
-              <a:chExt cx="1103947" cy="562544"/>
+              <a:off x="2636629" y="5152090"/>
+              <a:ext cx="1731333" cy="554502"/>
+              <a:chOff x="2984133" y="5145777"/>
+              <a:chExt cx="1731333" cy="554502"/>
             </a:xfrm>
           </p:grpSpPr>
           <p:grpSp>
@@ -7643,10 +9578,10 @@
             </p:nvGrpSpPr>
             <p:grpSpPr>
               <a:xfrm>
-                <a:off x="2984134" y="5177059"/>
-                <a:ext cx="1103947" cy="523220"/>
-                <a:chOff x="2417086" y="4288960"/>
-                <a:chExt cx="1985565" cy="553999"/>
+                <a:off x="2984133" y="5177059"/>
+                <a:ext cx="1731333" cy="523220"/>
+                <a:chOff x="2417084" y="4288960"/>
+                <a:chExt cx="3113985" cy="553999"/>
               </a:xfrm>
             </p:grpSpPr>
             <p:sp>
@@ -7664,7 +9599,7 @@
               <p:spPr>
                 <a:xfrm>
                   <a:off x="2417086" y="4288961"/>
-                  <a:ext cx="1985565" cy="553998"/>
+                  <a:ext cx="3113983" cy="553998"/>
                 </a:xfrm>
                 <a:prstGeom prst="roundRect">
                   <a:avLst>
@@ -7717,8 +9652,8 @@
               </p:nvSpPr>
               <p:spPr>
                 <a:xfrm>
-                  <a:off x="2417086" y="4288960"/>
-                  <a:ext cx="1931962" cy="487756"/>
+                  <a:off x="2417084" y="4288960"/>
+                  <a:ext cx="2970665" cy="487756"/>
                 </a:xfrm>
                 <a:prstGeom prst="roundRect">
                   <a:avLst>
@@ -7772,8 +9707,8 @@
             </p:nvSpPr>
             <p:spPr>
               <a:xfrm>
-                <a:off x="3149268" y="5137735"/>
-                <a:ext cx="758819" cy="523220"/>
+                <a:off x="3163797" y="5145777"/>
+                <a:ext cx="1374685" cy="523220"/>
               </a:xfrm>
               <a:prstGeom prst="rect">
                 <a:avLst/>
@@ -7795,7 +9730,7 @@
                     <a:ea typeface="Apple Color Emoji" pitchFamily="2" charset="0"/>
                     <a:cs typeface="Calibri" panose="020F0502020204030204" pitchFamily="34" charset="0"/>
                   </a:rPr>
-                  <a:t>C++</a:t>
+                  <a:t>Mininet</a:t>
                 </a:r>
                 <a:endParaRPr lang="en-TW" sz="2800" b="1" dirty="0">
                   <a:latin typeface="Candara" panose="020E0502030303020204" pitchFamily="34" charset="0"/>
@@ -7820,10 +9755,10 @@
           </p:nvGrpSpPr>
           <p:grpSpPr>
             <a:xfrm>
-              <a:off x="4306620" y="5130800"/>
-              <a:ext cx="1697476" cy="556753"/>
-              <a:chOff x="5055920" y="5140631"/>
-              <a:chExt cx="1697476" cy="556753"/>
+              <a:off x="4701584" y="5163579"/>
+              <a:ext cx="1560729" cy="554502"/>
+              <a:chOff x="5055919" y="5142882"/>
+              <a:chExt cx="1560729" cy="554502"/>
             </a:xfrm>
           </p:grpSpPr>
           <p:grpSp>
@@ -7840,10 +9775,10 @@
             </p:nvGrpSpPr>
             <p:grpSpPr>
               <a:xfrm>
-                <a:off x="5055920" y="5174164"/>
-                <a:ext cx="1697476" cy="523220"/>
-                <a:chOff x="2417086" y="4288960"/>
-                <a:chExt cx="1985565" cy="553999"/>
+                <a:off x="5055919" y="5174164"/>
+                <a:ext cx="1560729" cy="523220"/>
+                <a:chOff x="2417085" y="4288960"/>
+                <a:chExt cx="1825610" cy="553999"/>
               </a:xfrm>
             </p:grpSpPr>
             <p:sp>
@@ -7861,7 +9796,7 @@
               <p:spPr>
                 <a:xfrm>
                   <a:off x="2417086" y="4288961"/>
-                  <a:ext cx="1985565" cy="553998"/>
+                  <a:ext cx="1825609" cy="553998"/>
                 </a:xfrm>
                 <a:prstGeom prst="roundRect">
                   <a:avLst>
@@ -7914,8 +9849,8 @@
               </p:nvSpPr>
               <p:spPr>
                 <a:xfrm>
-                  <a:off x="2417086" y="4288960"/>
-                  <a:ext cx="1931962" cy="487756"/>
+                  <a:off x="2417085" y="4288960"/>
+                  <a:ext cx="1744949" cy="487756"/>
                 </a:xfrm>
                 <a:prstGeom prst="roundRect">
                   <a:avLst>
@@ -7969,8 +9904,8 @@
             </p:nvSpPr>
             <p:spPr>
               <a:xfrm>
-                <a:off x="5263702" y="5140631"/>
-                <a:ext cx="1283990" cy="523220"/>
+                <a:off x="5202862" y="5142882"/>
+                <a:ext cx="1283989" cy="523220"/>
               </a:xfrm>
               <a:prstGeom prst="rect">
                 <a:avLst/>
@@ -7989,12 +9924,455 @@
                     <a:ea typeface="Apple Color Emoji" pitchFamily="2" charset="0"/>
                     <a:cs typeface="Calibri" panose="020F0502020204030204" pitchFamily="34" charset="0"/>
                   </a:rPr>
-                  <a:t>Thread</a:t>
+                  <a:t>Python</a:t>
                 </a:r>
               </a:p>
             </p:txBody>
           </p:sp>
         </p:grpSp>
+        <p:grpSp>
+          <p:nvGrpSpPr>
+            <p:cNvPr id="17" name="Group 16">
+              <a:extLst>
+                <a:ext uri="{FF2B5EF4-FFF2-40B4-BE49-F238E27FC236}">
+                  <a16:creationId xmlns:a16="http://schemas.microsoft.com/office/drawing/2014/main" id="{2AF5AE18-A872-C20E-5FCF-7EA1E993C66A}"/>
+                </a:ext>
+              </a:extLst>
+            </p:cNvPr>
+            <p:cNvGrpSpPr/>
+            <p:nvPr/>
+          </p:nvGrpSpPr>
+          <p:grpSpPr>
+            <a:xfrm>
+              <a:off x="6595934" y="5143916"/>
+              <a:ext cx="1346102" cy="554502"/>
+              <a:chOff x="5055919" y="5142882"/>
+              <a:chExt cx="1346102" cy="554502"/>
+            </a:xfrm>
+          </p:grpSpPr>
+          <p:grpSp>
+            <p:nvGrpSpPr>
+              <p:cNvPr id="18" name="Group 17">
+                <a:extLst>
+                  <a:ext uri="{FF2B5EF4-FFF2-40B4-BE49-F238E27FC236}">
+                    <a16:creationId xmlns:a16="http://schemas.microsoft.com/office/drawing/2014/main" id="{85B1C9D1-2EFD-00A5-637D-D974DD6F8B00}"/>
+                  </a:ext>
+                </a:extLst>
+              </p:cNvPr>
+              <p:cNvGrpSpPr/>
+              <p:nvPr/>
+            </p:nvGrpSpPr>
+            <p:grpSpPr>
+              <a:xfrm>
+                <a:off x="5055919" y="5174164"/>
+                <a:ext cx="1346102" cy="523220"/>
+                <a:chOff x="2417086" y="4288960"/>
+                <a:chExt cx="1574558" cy="553999"/>
+              </a:xfrm>
+            </p:grpSpPr>
+            <p:sp>
+              <p:nvSpPr>
+                <p:cNvPr id="30" name="Rounded Rectangle 29">
+                  <a:extLst>
+                    <a:ext uri="{FF2B5EF4-FFF2-40B4-BE49-F238E27FC236}">
+                      <a16:creationId xmlns:a16="http://schemas.microsoft.com/office/drawing/2014/main" id="{698D0BF3-DDFF-C3B0-53E4-5E6132AC7ABD}"/>
+                    </a:ext>
+                  </a:extLst>
+                </p:cNvPr>
+                <p:cNvSpPr/>
+                <p:nvPr/>
+              </p:nvSpPr>
+              <p:spPr>
+                <a:xfrm>
+                  <a:off x="2417086" y="4288961"/>
+                  <a:ext cx="1574558" cy="553998"/>
+                </a:xfrm>
+                <a:prstGeom prst="roundRect">
+                  <a:avLst>
+                    <a:gd name="adj" fmla="val 50000"/>
+                  </a:avLst>
+                </a:prstGeom>
+                <a:solidFill>
+                  <a:srgbClr val="DCA49B"/>
+                </a:solidFill>
+                <a:ln>
+                  <a:noFill/>
+                </a:ln>
+              </p:spPr>
+              <p:style>
+                <a:lnRef idx="2">
+                  <a:schemeClr val="accent1">
+                    <a:shade val="15000"/>
+                  </a:schemeClr>
+                </a:lnRef>
+                <a:fillRef idx="1">
+                  <a:schemeClr val="accent1"/>
+                </a:fillRef>
+                <a:effectRef idx="0">
+                  <a:schemeClr val="accent1"/>
+                </a:effectRef>
+                <a:fontRef idx="minor">
+                  <a:schemeClr val="lt1"/>
+                </a:fontRef>
+              </p:style>
+              <p:txBody>
+                <a:bodyPr rtlCol="0" anchor="ctr"/>
+                <a:lstStyle/>
+                <a:p>
+                  <a:pPr algn="ctr"/>
+                  <a:endParaRPr lang="en-TW" sz="1350"/>
+                </a:p>
+              </p:txBody>
+            </p:sp>
+            <p:sp>
+              <p:nvSpPr>
+                <p:cNvPr id="31" name="Rounded Rectangle 30">
+                  <a:extLst>
+                    <a:ext uri="{FF2B5EF4-FFF2-40B4-BE49-F238E27FC236}">
+                      <a16:creationId xmlns:a16="http://schemas.microsoft.com/office/drawing/2014/main" id="{8E2BECB6-787B-3C24-000C-E9D20CC5A571}"/>
+                    </a:ext>
+                  </a:extLst>
+                </p:cNvPr>
+                <p:cNvSpPr/>
+                <p:nvPr/>
+              </p:nvSpPr>
+              <p:spPr>
+                <a:xfrm>
+                  <a:off x="2417086" y="4288960"/>
+                  <a:ext cx="1501903" cy="487756"/>
+                </a:xfrm>
+                <a:prstGeom prst="roundRect">
+                  <a:avLst>
+                    <a:gd name="adj" fmla="val 50000"/>
+                  </a:avLst>
+                </a:prstGeom>
+                <a:noFill/>
+                <a:ln w="38100">
+                  <a:solidFill>
+                    <a:schemeClr val="tx1"/>
+                  </a:solidFill>
+                </a:ln>
+              </p:spPr>
+              <p:style>
+                <a:lnRef idx="2">
+                  <a:schemeClr val="accent1">
+                    <a:shade val="15000"/>
+                  </a:schemeClr>
+                </a:lnRef>
+                <a:fillRef idx="1">
+                  <a:schemeClr val="accent1"/>
+                </a:fillRef>
+                <a:effectRef idx="0">
+                  <a:schemeClr val="accent1"/>
+                </a:effectRef>
+                <a:fontRef idx="minor">
+                  <a:schemeClr val="lt1"/>
+                </a:fontRef>
+              </p:style>
+              <p:txBody>
+                <a:bodyPr rtlCol="0" anchor="ctr"/>
+                <a:lstStyle/>
+                <a:p>
+                  <a:pPr algn="ctr"/>
+                  <a:endParaRPr lang="en-TW" sz="1350"/>
+                </a:p>
+              </p:txBody>
+            </p:sp>
+          </p:grpSp>
+          <p:sp>
+            <p:nvSpPr>
+              <p:cNvPr id="19" name="TextBox 18">
+                <a:extLst>
+                  <a:ext uri="{FF2B5EF4-FFF2-40B4-BE49-F238E27FC236}">
+                    <a16:creationId xmlns:a16="http://schemas.microsoft.com/office/drawing/2014/main" id="{43DC446C-932E-89B4-06AE-193DD97C3ABE}"/>
+                  </a:ext>
+                </a:extLst>
+              </p:cNvPr>
+              <p:cNvSpPr txBox="1"/>
+              <p:nvPr/>
+            </p:nvSpPr>
+            <p:spPr>
+              <a:xfrm>
+                <a:off x="5220790" y="5142882"/>
+                <a:ext cx="1016360" cy="523220"/>
+              </a:xfrm>
+              <a:prstGeom prst="rect">
+                <a:avLst/>
+              </a:prstGeom>
+              <a:noFill/>
+            </p:spPr>
+            <p:txBody>
+              <a:bodyPr wrap="square" rtlCol="0">
+                <a:spAutoFit/>
+              </a:bodyPr>
+              <a:lstStyle/>
+              <a:p>
+                <a:r>
+                  <a:rPr lang="en-TW" sz="2800" b="1" dirty="0">
+                    <a:latin typeface="Candara" panose="020E0502030303020204" pitchFamily="34" charset="0"/>
+                    <a:ea typeface="Apple Color Emoji" pitchFamily="2" charset="0"/>
+                    <a:cs typeface="Calibri" panose="020F0502020204030204" pitchFamily="34" charset="0"/>
+                  </a:rPr>
+                  <a:t>Linux</a:t>
+                </a:r>
+              </a:p>
+            </p:txBody>
+          </p:sp>
+        </p:grpSp>
+      </p:grpSp>
+      <p:grpSp>
+        <p:nvGrpSpPr>
+          <p:cNvPr id="41" name="Group 40">
+            <a:extLst>
+              <a:ext uri="{FF2B5EF4-FFF2-40B4-BE49-F238E27FC236}">
+                <a16:creationId xmlns:a16="http://schemas.microsoft.com/office/drawing/2014/main" id="{4A09115F-6D79-C8D4-F66D-14EF4E277969}"/>
+              </a:ext>
+            </a:extLst>
+          </p:cNvPr>
+          <p:cNvGrpSpPr/>
+          <p:nvPr/>
+        </p:nvGrpSpPr>
+        <p:grpSpPr>
+          <a:xfrm>
+            <a:off x="3348819" y="3934871"/>
+            <a:ext cx="2443457" cy="615969"/>
+            <a:chOff x="3358704" y="4071715"/>
+            <a:chExt cx="2443457" cy="615969"/>
+          </a:xfrm>
+        </p:grpSpPr>
+        <p:grpSp>
+          <p:nvGrpSpPr>
+            <p:cNvPr id="42" name="Group 41">
+              <a:extLst>
+                <a:ext uri="{FF2B5EF4-FFF2-40B4-BE49-F238E27FC236}">
+                  <a16:creationId xmlns:a16="http://schemas.microsoft.com/office/drawing/2014/main" id="{AFE0FB4E-1626-8660-229A-A5C1E1FF8772}"/>
+                </a:ext>
+              </a:extLst>
+            </p:cNvPr>
+            <p:cNvGrpSpPr/>
+            <p:nvPr/>
+          </p:nvGrpSpPr>
+          <p:grpSpPr>
+            <a:xfrm>
+              <a:off x="3374795" y="4071715"/>
+              <a:ext cx="2427366" cy="615969"/>
+              <a:chOff x="4483523" y="4003722"/>
+              <a:chExt cx="3236488" cy="821291"/>
+            </a:xfrm>
+          </p:grpSpPr>
+          <p:grpSp>
+            <p:nvGrpSpPr>
+              <p:cNvPr id="44" name="Group 43">
+                <a:extLst>
+                  <a:ext uri="{FF2B5EF4-FFF2-40B4-BE49-F238E27FC236}">
+                    <a16:creationId xmlns:a16="http://schemas.microsoft.com/office/drawing/2014/main" id="{E796F1B4-F578-B206-2A6D-E6320AB4A6F2}"/>
+                  </a:ext>
+                </a:extLst>
+              </p:cNvPr>
+              <p:cNvGrpSpPr/>
+              <p:nvPr/>
+            </p:nvGrpSpPr>
+            <p:grpSpPr>
+              <a:xfrm>
+                <a:off x="4483523" y="4003722"/>
+                <a:ext cx="3236488" cy="821291"/>
+                <a:chOff x="1580784" y="3933278"/>
+                <a:chExt cx="3236488" cy="821291"/>
+              </a:xfrm>
+            </p:grpSpPr>
+            <p:sp>
+              <p:nvSpPr>
+                <p:cNvPr id="52" name="Rounded Rectangle 51">
+                  <a:extLst>
+                    <a:ext uri="{FF2B5EF4-FFF2-40B4-BE49-F238E27FC236}">
+                      <a16:creationId xmlns:a16="http://schemas.microsoft.com/office/drawing/2014/main" id="{579D0AD6-639E-0FC4-8CDC-FC35BE5C2519}"/>
+                    </a:ext>
+                  </a:extLst>
+                </p:cNvPr>
+                <p:cNvSpPr/>
+                <p:nvPr/>
+              </p:nvSpPr>
+              <p:spPr>
+                <a:xfrm>
+                  <a:off x="1580784" y="3991323"/>
+                  <a:ext cx="3236488" cy="763246"/>
+                </a:xfrm>
+                <a:prstGeom prst="roundRect">
+                  <a:avLst>
+                    <a:gd name="adj" fmla="val 38868"/>
+                  </a:avLst>
+                </a:prstGeom>
+                <a:solidFill>
+                  <a:srgbClr val="FFEB9E"/>
+                </a:solidFill>
+                <a:ln>
+                  <a:noFill/>
+                </a:ln>
+              </p:spPr>
+              <p:style>
+                <a:lnRef idx="2">
+                  <a:schemeClr val="accent1">
+                    <a:shade val="15000"/>
+                  </a:schemeClr>
+                </a:lnRef>
+                <a:fillRef idx="1">
+                  <a:schemeClr val="accent1"/>
+                </a:fillRef>
+                <a:effectRef idx="0">
+                  <a:schemeClr val="accent1"/>
+                </a:effectRef>
+                <a:fontRef idx="minor">
+                  <a:schemeClr val="lt1"/>
+                </a:fontRef>
+              </p:style>
+              <p:txBody>
+                <a:bodyPr rtlCol="0" anchor="ctr"/>
+                <a:lstStyle/>
+                <a:p>
+                  <a:pPr algn="ctr"/>
+                  <a:endParaRPr lang="en-TW" sz="1350" dirty="0"/>
+                </a:p>
+              </p:txBody>
+            </p:sp>
+            <p:sp>
+              <p:nvSpPr>
+                <p:cNvPr id="53" name="TextBox 52">
+                  <a:extLst>
+                    <a:ext uri="{FF2B5EF4-FFF2-40B4-BE49-F238E27FC236}">
+                      <a16:creationId xmlns:a16="http://schemas.microsoft.com/office/drawing/2014/main" id="{DE6A072E-48EC-2084-6B9B-797D35C7537A}"/>
+                    </a:ext>
+                  </a:extLst>
+                </p:cNvPr>
+                <p:cNvSpPr txBox="1"/>
+                <p:nvPr/>
+              </p:nvSpPr>
+              <p:spPr>
+                <a:xfrm>
+                  <a:off x="1957875" y="3933278"/>
+                  <a:ext cx="1918043" cy="779700"/>
+                </a:xfrm>
+                <a:prstGeom prst="rect">
+                  <a:avLst/>
+                </a:prstGeom>
+                <a:noFill/>
+              </p:spPr>
+              <p:txBody>
+                <a:bodyPr wrap="square" rtlCol="0">
+                  <a:spAutoFit/>
+                </a:bodyPr>
+                <a:lstStyle/>
+                <a:p>
+                  <a:r>
+                    <a:rPr lang="en-US" sz="3200" b="1" dirty="0">
+                      <a:solidFill>
+                        <a:srgbClr val="000000"/>
+                      </a:solidFill>
+                      <a:latin typeface="Candara" panose="020E0502030303020204" pitchFamily="34" charset="0"/>
+                      <a:ea typeface="Apple Color Emoji" pitchFamily="2" charset="0"/>
+                      <a:cs typeface="Calibri" panose="020F0502020204030204" pitchFamily="34" charset="0"/>
+                    </a:rPr>
+                    <a:t>GitHub</a:t>
+                  </a:r>
+                  <a:endParaRPr lang="en-TW" sz="3200" b="1" dirty="0">
+                    <a:latin typeface="Candara" panose="020E0502030303020204" pitchFamily="34" charset="0"/>
+                    <a:ea typeface="Apple Color Emoji" pitchFamily="2" charset="0"/>
+                    <a:cs typeface="Calibri" panose="020F0502020204030204" pitchFamily="34" charset="0"/>
+                  </a:endParaRPr>
+                </a:p>
+              </p:txBody>
+            </p:sp>
+          </p:grpSp>
+          <p:pic>
+            <p:nvPicPr>
+              <p:cNvPr id="45" name="Graphic 44" descr="Cursor">
+                <a:extLst>
+                  <a:ext uri="{FF2B5EF4-FFF2-40B4-BE49-F238E27FC236}">
+                    <a16:creationId xmlns:a16="http://schemas.microsoft.com/office/drawing/2014/main" id="{7F603608-8824-514F-E4EE-846040516F24}"/>
+                  </a:ext>
+                </a:extLst>
+              </p:cNvPr>
+              <p:cNvPicPr>
+                <a:picLocks noChangeAspect="1"/>
+              </p:cNvPicPr>
+              <p:nvPr/>
+            </p:nvPicPr>
+            <p:blipFill>
+              <a:blip r:embed="rId4">
+                <a:extLst>
+                  <a:ext uri="{96DAC541-7B7A-43D3-8B79-37D633B846F1}">
+                    <asvg:svgBlip xmlns:asvg="http://schemas.microsoft.com/office/drawing/2016/SVG/main" r:embed="rId5"/>
+                  </a:ext>
+                </a:extLst>
+              </a:blip>
+              <a:stretch>
+                <a:fillRect/>
+              </a:stretch>
+            </p:blipFill>
+            <p:spPr>
+              <a:xfrm flipH="1">
+                <a:off x="6678136" y="4033373"/>
+                <a:ext cx="714945" cy="714945"/>
+              </a:xfrm>
+              <a:prstGeom prst="rect">
+                <a:avLst/>
+              </a:prstGeom>
+            </p:spPr>
+          </p:pic>
+        </p:grpSp>
+        <p:sp>
+          <p:nvSpPr>
+            <p:cNvPr id="43" name="Rounded Rectangle 42">
+              <a:extLst>
+                <a:ext uri="{FF2B5EF4-FFF2-40B4-BE49-F238E27FC236}">
+                  <a16:creationId xmlns:a16="http://schemas.microsoft.com/office/drawing/2014/main" id="{EBE6A6C5-8B8D-1300-0FF2-28663D82483B}"/>
+                </a:ext>
+              </a:extLst>
+            </p:cNvPr>
+            <p:cNvSpPr/>
+            <p:nvPr/>
+          </p:nvSpPr>
+          <p:spPr>
+            <a:xfrm>
+              <a:off x="3358704" y="4111730"/>
+              <a:ext cx="2357176" cy="495445"/>
+            </a:xfrm>
+            <a:prstGeom prst="roundRect">
+              <a:avLst>
+                <a:gd name="adj" fmla="val 38868"/>
+              </a:avLst>
+            </a:prstGeom>
+            <a:noFill/>
+            <a:ln w="38100">
+              <a:solidFill>
+                <a:schemeClr val="tx1"/>
+              </a:solidFill>
+            </a:ln>
+          </p:spPr>
+          <p:style>
+            <a:lnRef idx="2">
+              <a:schemeClr val="accent1">
+                <a:shade val="15000"/>
+              </a:schemeClr>
+            </a:lnRef>
+            <a:fillRef idx="1">
+              <a:schemeClr val="accent1"/>
+            </a:fillRef>
+            <a:effectRef idx="0">
+              <a:schemeClr val="accent1"/>
+            </a:effectRef>
+            <a:fontRef idx="minor">
+              <a:schemeClr val="lt1"/>
+            </a:fontRef>
+          </p:style>
+          <p:txBody>
+            <a:bodyPr rtlCol="0" anchor="ctr"/>
+            <a:lstStyle/>
+            <a:p>
+              <a:pPr algn="ctr"/>
+              <a:endParaRPr lang="en-TW" sz="1350" dirty="0"/>
+            </a:p>
+          </p:txBody>
+        </p:sp>
       </p:grpSp>
     </p:spTree>
     <p:extLst>
@@ -8009,7 +10387,7 @@
 </p:sld>
 </file>
 
-<file path=ppt/slides/slide4.xml><?xml version="1.0" encoding="utf-8"?>
+<file path=ppt/slides/slide5.xml><?xml version="1.0" encoding="utf-8"?>
 <p:sld xmlns:a="http://schemas.openxmlformats.org/drawingml/2006/main" xmlns:r="http://schemas.openxmlformats.org/officeDocument/2006/relationships" xmlns:p="http://schemas.openxmlformats.org/presentationml/2006/main">
   <p:cSld>
     <p:spTree>
@@ -8028,10 +10406,10 @@
       </p:grpSpPr>
       <p:grpSp>
         <p:nvGrpSpPr>
-          <p:cNvPr id="14" name="Group 13">
+          <p:cNvPr id="78" name="Group 77">
             <a:extLst>
               <a:ext uri="{FF2B5EF4-FFF2-40B4-BE49-F238E27FC236}">
-                <a16:creationId xmlns:a16="http://schemas.microsoft.com/office/drawing/2014/main" id="{38D2366B-EB1A-9743-34F4-909EA207B822}"/>
+                <a16:creationId xmlns:a16="http://schemas.microsoft.com/office/drawing/2014/main" id="{FDA16674-F9F6-2972-EA28-9A5FADE48A46}"/>
               </a:ext>
             </a:extLst>
           </p:cNvPr>
@@ -8040,18 +10418,18 @@
         </p:nvGrpSpPr>
         <p:grpSpPr>
           <a:xfrm>
-            <a:off x="-1" y="-273209"/>
-            <a:ext cx="9141101" cy="7131209"/>
-            <a:chOff x="-1" y="-273209"/>
-            <a:chExt cx="9141101" cy="7131209"/>
+            <a:off x="2899" y="0"/>
+            <a:ext cx="9141101" cy="6858000"/>
+            <a:chOff x="2899" y="0"/>
+            <a:chExt cx="9141101" cy="6858000"/>
           </a:xfrm>
         </p:grpSpPr>
         <p:pic>
           <p:nvPicPr>
-            <p:cNvPr id="15" name="Picture 14">
+            <p:cNvPr id="79" name="Picture 78">
               <a:extLst>
                 <a:ext uri="{FF2B5EF4-FFF2-40B4-BE49-F238E27FC236}">
-                  <a16:creationId xmlns:a16="http://schemas.microsoft.com/office/drawing/2014/main" id="{50A0ABF7-C4BB-0EF9-5328-B37A5C14FA36}"/>
+                  <a16:creationId xmlns:a16="http://schemas.microsoft.com/office/drawing/2014/main" id="{30BA3965-712F-63F5-9A73-7E0EF249D13E}"/>
                 </a:ext>
               </a:extLst>
             </p:cNvPr>
@@ -8067,8 +10445,8 @@
           </p:blipFill>
           <p:spPr>
             <a:xfrm>
-              <a:off x="-1" y="-273209"/>
-              <a:ext cx="9141101" cy="7131209"/>
+              <a:off x="2899" y="0"/>
+              <a:ext cx="9141101" cy="6858000"/>
             </a:xfrm>
             <a:prstGeom prst="rect">
               <a:avLst/>
@@ -8077,10 +10455,10 @@
         </p:pic>
         <p:grpSp>
           <p:nvGrpSpPr>
-            <p:cNvPr id="16" name="Group 15">
+            <p:cNvPr id="80" name="Group 79">
               <a:extLst>
                 <a:ext uri="{FF2B5EF4-FFF2-40B4-BE49-F238E27FC236}">
-                  <a16:creationId xmlns:a16="http://schemas.microsoft.com/office/drawing/2014/main" id="{E63193B6-1DFB-685E-82F9-9875F68DA5B2}"/>
+                  <a16:creationId xmlns:a16="http://schemas.microsoft.com/office/drawing/2014/main" id="{65F27535-B977-7479-12DD-703FCCABFA9D}"/>
                 </a:ext>
               </a:extLst>
             </p:cNvPr>
@@ -8089,7 +10467,7 @@
           </p:nvGrpSpPr>
           <p:grpSpPr>
             <a:xfrm>
-              <a:off x="379419" y="80682"/>
+              <a:off x="379419" y="352145"/>
               <a:ext cx="1336505" cy="362347"/>
               <a:chOff x="443753" y="181173"/>
               <a:chExt cx="1336505" cy="362347"/>
@@ -8097,10 +10475,10 @@
           </p:grpSpPr>
           <p:sp>
             <p:nvSpPr>
-              <p:cNvPr id="17" name="Oval 16">
+              <p:cNvPr id="81" name="Oval 80">
                 <a:extLst>
                   <a:ext uri="{FF2B5EF4-FFF2-40B4-BE49-F238E27FC236}">
-                    <a16:creationId xmlns:a16="http://schemas.microsoft.com/office/drawing/2014/main" id="{6BFD1524-45F3-1B95-879C-1BC5BDB3797D}"/>
+                    <a16:creationId xmlns:a16="http://schemas.microsoft.com/office/drawing/2014/main" id="{73D4114A-F826-703A-A8B7-99C3B097D651}"/>
                   </a:ext>
                 </a:extLst>
               </p:cNvPr>
@@ -8149,10 +10527,10 @@
           </p:sp>
           <p:sp>
             <p:nvSpPr>
-              <p:cNvPr id="18" name="Oval 17">
+              <p:cNvPr id="82" name="Oval 81">
                 <a:extLst>
                   <a:ext uri="{FF2B5EF4-FFF2-40B4-BE49-F238E27FC236}">
-                    <a16:creationId xmlns:a16="http://schemas.microsoft.com/office/drawing/2014/main" id="{E42B7FEF-066D-1243-C5BB-E67EEE075AC4}"/>
+                    <a16:creationId xmlns:a16="http://schemas.microsoft.com/office/drawing/2014/main" id="{08E2F744-6D09-6C1E-8D64-3BABEAE0DA26}"/>
                   </a:ext>
                 </a:extLst>
               </p:cNvPr>
@@ -8201,10 +10579,10 @@
           </p:sp>
           <p:sp>
             <p:nvSpPr>
-              <p:cNvPr id="19" name="Oval 18">
+              <p:cNvPr id="83" name="Oval 82">
                 <a:extLst>
                   <a:ext uri="{FF2B5EF4-FFF2-40B4-BE49-F238E27FC236}">
-                    <a16:creationId xmlns:a16="http://schemas.microsoft.com/office/drawing/2014/main" id="{97190457-C773-FFFF-8D85-DB69F0A557F0}"/>
+                    <a16:creationId xmlns:a16="http://schemas.microsoft.com/office/drawing/2014/main" id="{0C0A729D-50DE-8178-D40E-B54DB993512F}"/>
                   </a:ext>
                 </a:extLst>
               </p:cNvPr>
@@ -8267,8 +10645,8 @@
         </p:nvSpPr>
         <p:spPr>
           <a:xfrm>
-            <a:off x="1235035" y="1139802"/>
-            <a:ext cx="7223165" cy="2862322"/>
+            <a:off x="797335" y="1342190"/>
+            <a:ext cx="7546427" cy="2308324"/>
           </a:xfrm>
           <a:prstGeom prst="rect">
             <a:avLst/>
@@ -8281,8 +10659,17 @@
           </a:bodyPr>
           <a:lstStyle/>
           <a:p>
+            <a:pPr algn="ctr"/>
             <a:r>
-              <a:rPr lang="en-US" sz="6000" b="1" i="0" dirty="0">
+              <a:rPr lang="en-US" sz="4800" b="1" dirty="0">
+                <a:effectLst/>
+                <a:latin typeface="Bangla MN" pitchFamily="2" charset="0"/>
+                <a:cs typeface="Bangla MN" pitchFamily="2" charset="0"/>
+              </a:rPr>
+              <a:t>Dynamic Flow Rule Configuration for </a:t>
+            </a:r>
+            <a:r>
+              <a:rPr lang="en-US" sz="4800" b="1" dirty="0">
                 <a:solidFill>
                   <a:srgbClr val="AD5545"/>
                 </a:solidFill>
@@ -8290,40 +10677,17 @@
                 <a:latin typeface="Bangla MN" pitchFamily="2" charset="0"/>
                 <a:cs typeface="Bangla MN" pitchFamily="2" charset="0"/>
               </a:rPr>
-              <a:t>Multi-Tenancy </a:t>
+              <a:t>SDN-Based Network </a:t>
             </a:r>
-            <a:r>
-              <a:rPr lang="en-US" sz="6000" b="1" i="0" dirty="0">
-                <a:effectLst/>
-                <a:latin typeface="Bangla MN" pitchFamily="2" charset="0"/>
-                <a:cs typeface="Bangla MN" pitchFamily="2" charset="0"/>
-              </a:rPr>
-              <a:t>Application </a:t>
-            </a:r>
-          </a:p>
-          <a:p>
-            <a:r>
-              <a:rPr lang="en-US" sz="6000" b="1" i="0" dirty="0">
-                <a:effectLst/>
-                <a:latin typeface="Bangla MN" pitchFamily="2" charset="0"/>
-                <a:cs typeface="Bangla MN" pitchFamily="2" charset="0"/>
-              </a:rPr>
-              <a:t>for Data Center</a:t>
-            </a:r>
-            <a:endParaRPr lang="en-TW" sz="6000" b="1" dirty="0">
-              <a:latin typeface="Bangla MN" pitchFamily="2" charset="0"/>
-              <a:ea typeface="Apple Color Emoji" pitchFamily="2" charset="0"/>
-              <a:cs typeface="Bangla MN" pitchFamily="2" charset="0"/>
-            </a:endParaRPr>
           </a:p>
         </p:txBody>
       </p:sp>
       <p:grpSp>
         <p:nvGrpSpPr>
-          <p:cNvPr id="47" name="Group 46">
+          <p:cNvPr id="65" name="Group 64">
             <a:extLst>
               <a:ext uri="{FF2B5EF4-FFF2-40B4-BE49-F238E27FC236}">
-                <a16:creationId xmlns:a16="http://schemas.microsoft.com/office/drawing/2014/main" id="{16F1A946-7D23-0BA3-D1FA-D7C7D3AC6D0E}"/>
+                <a16:creationId xmlns:a16="http://schemas.microsoft.com/office/drawing/2014/main" id="{902253C6-734D-25D1-41A2-F6ABD44494F4}"/>
               </a:ext>
             </a:extLst>
           </p:cNvPr>
@@ -8332,18 +10696,18 @@
         </p:nvGrpSpPr>
         <p:grpSpPr>
           <a:xfrm>
-            <a:off x="3374795" y="4091252"/>
-            <a:ext cx="2394408" cy="584775"/>
-            <a:chOff x="4483523" y="4029777"/>
-            <a:chExt cx="3192544" cy="779700"/>
+            <a:off x="436458" y="5121513"/>
+            <a:ext cx="8268178" cy="558000"/>
+            <a:chOff x="437911" y="5144538"/>
+            <a:chExt cx="8268178" cy="554502"/>
           </a:xfrm>
         </p:grpSpPr>
         <p:grpSp>
           <p:nvGrpSpPr>
-            <p:cNvPr id="48" name="Group 47">
+            <p:cNvPr id="28" name="Group 27">
               <a:extLst>
                 <a:ext uri="{FF2B5EF4-FFF2-40B4-BE49-F238E27FC236}">
-                  <a16:creationId xmlns:a16="http://schemas.microsoft.com/office/drawing/2014/main" id="{AA0819AA-6C60-87C4-31AB-A37228E32243}"/>
+                  <a16:creationId xmlns:a16="http://schemas.microsoft.com/office/drawing/2014/main" id="{6D8F1E45-7F3C-8BCC-1741-D736BF1B5FBE}"/>
                 </a:ext>
               </a:extLst>
             </p:cNvPr>
@@ -8352,18 +10716,1313 @@
           </p:nvGrpSpPr>
           <p:grpSpPr>
             <a:xfrm>
-              <a:off x="4483523" y="4029777"/>
-              <a:ext cx="3192544" cy="779700"/>
-              <a:chOff x="1580784" y="3959333"/>
-              <a:chExt cx="3192544" cy="779700"/>
+              <a:off x="437911" y="5146262"/>
+              <a:ext cx="1386668" cy="551054"/>
+              <a:chOff x="1080587" y="5165440"/>
+              <a:chExt cx="1386668" cy="551054"/>
+            </a:xfrm>
+          </p:grpSpPr>
+          <p:grpSp>
+            <p:nvGrpSpPr>
+              <p:cNvPr id="44" name="Group 43">
+                <a:extLst>
+                  <a:ext uri="{FF2B5EF4-FFF2-40B4-BE49-F238E27FC236}">
+                    <a16:creationId xmlns:a16="http://schemas.microsoft.com/office/drawing/2014/main" id="{326C64BE-C9C8-C017-13FC-6CCB9930BCA6}"/>
+                  </a:ext>
+                </a:extLst>
+              </p:cNvPr>
+              <p:cNvGrpSpPr/>
+              <p:nvPr/>
+            </p:nvGrpSpPr>
+            <p:grpSpPr>
+              <a:xfrm>
+                <a:off x="1080587" y="5177058"/>
+                <a:ext cx="1386668" cy="539436"/>
+                <a:chOff x="2417086" y="4288960"/>
+                <a:chExt cx="3366805" cy="571169"/>
+              </a:xfrm>
+            </p:grpSpPr>
+            <p:sp>
+              <p:nvSpPr>
+                <p:cNvPr id="52" name="Rounded Rectangle 51">
+                  <a:extLst>
+                    <a:ext uri="{FF2B5EF4-FFF2-40B4-BE49-F238E27FC236}">
+                      <a16:creationId xmlns:a16="http://schemas.microsoft.com/office/drawing/2014/main" id="{59681FD4-D6C8-7BF9-AB08-FF86D49D8176}"/>
+                    </a:ext>
+                  </a:extLst>
+                </p:cNvPr>
+                <p:cNvSpPr/>
+                <p:nvPr/>
+              </p:nvSpPr>
+              <p:spPr>
+                <a:xfrm>
+                  <a:off x="2417086" y="4288961"/>
+                  <a:ext cx="3366805" cy="571168"/>
+                </a:xfrm>
+                <a:prstGeom prst="roundRect">
+                  <a:avLst>
+                    <a:gd name="adj" fmla="val 50000"/>
+                  </a:avLst>
+                </a:prstGeom>
+                <a:solidFill>
+                  <a:srgbClr val="DCA49B"/>
+                </a:solidFill>
+                <a:ln>
+                  <a:noFill/>
+                </a:ln>
+              </p:spPr>
+              <p:style>
+                <a:lnRef idx="2">
+                  <a:schemeClr val="accent1">
+                    <a:shade val="15000"/>
+                  </a:schemeClr>
+                </a:lnRef>
+                <a:fillRef idx="1">
+                  <a:schemeClr val="accent1"/>
+                </a:fillRef>
+                <a:effectRef idx="0">
+                  <a:schemeClr val="accent1"/>
+                </a:effectRef>
+                <a:fontRef idx="minor">
+                  <a:schemeClr val="lt1"/>
+                </a:fontRef>
+              </p:style>
+              <p:txBody>
+                <a:bodyPr rtlCol="0" anchor="ctr"/>
+                <a:lstStyle/>
+                <a:p>
+                  <a:pPr algn="ctr"/>
+                  <a:endParaRPr lang="en-TW" sz="1350"/>
+                </a:p>
+              </p:txBody>
+            </p:sp>
+            <p:sp>
+              <p:nvSpPr>
+                <p:cNvPr id="53" name="Rounded Rectangle 52">
+                  <a:extLst>
+                    <a:ext uri="{FF2B5EF4-FFF2-40B4-BE49-F238E27FC236}">
+                      <a16:creationId xmlns:a16="http://schemas.microsoft.com/office/drawing/2014/main" id="{20BBE050-22B0-C71F-1F82-CFC112A63820}"/>
+                    </a:ext>
+                  </a:extLst>
+                </p:cNvPr>
+                <p:cNvSpPr/>
+                <p:nvPr/>
+              </p:nvSpPr>
+              <p:spPr>
+                <a:xfrm>
+                  <a:off x="2417086" y="4288960"/>
+                  <a:ext cx="3199377" cy="504927"/>
+                </a:xfrm>
+                <a:prstGeom prst="roundRect">
+                  <a:avLst>
+                    <a:gd name="adj" fmla="val 50000"/>
+                  </a:avLst>
+                </a:prstGeom>
+                <a:noFill/>
+                <a:ln w="38100">
+                  <a:solidFill>
+                    <a:schemeClr val="tx1"/>
+                  </a:solidFill>
+                </a:ln>
+              </p:spPr>
+              <p:style>
+                <a:lnRef idx="2">
+                  <a:schemeClr val="accent1">
+                    <a:shade val="15000"/>
+                  </a:schemeClr>
+                </a:lnRef>
+                <a:fillRef idx="1">
+                  <a:schemeClr val="accent1"/>
+                </a:fillRef>
+                <a:effectRef idx="0">
+                  <a:schemeClr val="accent1"/>
+                </a:effectRef>
+                <a:fontRef idx="minor">
+                  <a:schemeClr val="lt1"/>
+                </a:fontRef>
+              </p:style>
+              <p:txBody>
+                <a:bodyPr rtlCol="0" anchor="ctr"/>
+                <a:lstStyle/>
+                <a:p>
+                  <a:pPr algn="ctr"/>
+                  <a:endParaRPr lang="en-TW" sz="1350"/>
+                </a:p>
+              </p:txBody>
+            </p:sp>
+          </p:grpSp>
+          <p:sp>
+            <p:nvSpPr>
+              <p:cNvPr id="45" name="TextBox 44">
+                <a:extLst>
+                  <a:ext uri="{FF2B5EF4-FFF2-40B4-BE49-F238E27FC236}">
+                    <a16:creationId xmlns:a16="http://schemas.microsoft.com/office/drawing/2014/main" id="{C046D5AE-47E4-F0AC-5ED3-EF20C8206A1D}"/>
+                  </a:ext>
+                </a:extLst>
+              </p:cNvPr>
+              <p:cNvSpPr txBox="1"/>
+              <p:nvPr/>
+            </p:nvSpPr>
+            <p:spPr>
+              <a:xfrm>
+                <a:off x="1206053" y="5165440"/>
+                <a:ext cx="1103946" cy="523220"/>
+              </a:xfrm>
+              <a:prstGeom prst="rect">
+                <a:avLst/>
+              </a:prstGeom>
+              <a:noFill/>
+            </p:spPr>
+            <p:txBody>
+              <a:bodyPr wrap="square" rtlCol="0">
+                <a:spAutoFit/>
+              </a:bodyPr>
+              <a:lstStyle/>
+              <a:p>
+                <a:r>
+                  <a:rPr lang="en-US" sz="2800" b="1" dirty="0">
+                    <a:solidFill>
+                      <a:srgbClr val="000000"/>
+                    </a:solidFill>
+                    <a:latin typeface="Candara" panose="020E0502030303020204" pitchFamily="34" charset="0"/>
+                    <a:ea typeface="Apple Color Emoji" pitchFamily="2" charset="0"/>
+                    <a:cs typeface="Calibri" panose="020F0502020204030204" pitchFamily="34" charset="0"/>
+                  </a:rPr>
+                  <a:t>ONOS</a:t>
+                </a:r>
+                <a:endParaRPr lang="en-TW" sz="2800" b="1" dirty="0">
+                  <a:latin typeface="Candara" panose="020E0502030303020204" pitchFamily="34" charset="0"/>
+                  <a:ea typeface="Apple Color Emoji" pitchFamily="2" charset="0"/>
+                  <a:cs typeface="Calibri" panose="020F0502020204030204" pitchFamily="34" charset="0"/>
+                </a:endParaRPr>
+              </a:p>
+            </p:txBody>
+          </p:sp>
+        </p:grpSp>
+        <p:grpSp>
+          <p:nvGrpSpPr>
+            <p:cNvPr id="29" name="Group 28">
+              <a:extLst>
+                <a:ext uri="{FF2B5EF4-FFF2-40B4-BE49-F238E27FC236}">
+                  <a16:creationId xmlns:a16="http://schemas.microsoft.com/office/drawing/2014/main" id="{F183BAF0-B572-F056-3C9B-C52E0129FECF}"/>
+                </a:ext>
+              </a:extLst>
+            </p:cNvPr>
+            <p:cNvGrpSpPr/>
+            <p:nvPr/>
+          </p:nvGrpSpPr>
+          <p:grpSpPr>
+            <a:xfrm>
+              <a:off x="1936245" y="5144538"/>
+              <a:ext cx="1749774" cy="554502"/>
+              <a:chOff x="2984133" y="5145777"/>
+              <a:chExt cx="1749774" cy="554502"/>
+            </a:xfrm>
+          </p:grpSpPr>
+          <p:grpSp>
+            <p:nvGrpSpPr>
+              <p:cNvPr id="40" name="Group 39">
+                <a:extLst>
+                  <a:ext uri="{FF2B5EF4-FFF2-40B4-BE49-F238E27FC236}">
+                    <a16:creationId xmlns:a16="http://schemas.microsoft.com/office/drawing/2014/main" id="{5E76B3AE-56AD-8EBD-1ED2-B6C3F03D395B}"/>
+                  </a:ext>
+                </a:extLst>
+              </p:cNvPr>
+              <p:cNvGrpSpPr/>
+              <p:nvPr/>
+            </p:nvGrpSpPr>
+            <p:grpSpPr>
+              <a:xfrm>
+                <a:off x="2984133" y="5177059"/>
+                <a:ext cx="1749774" cy="523220"/>
+                <a:chOff x="2417084" y="4288960"/>
+                <a:chExt cx="3147153" cy="553999"/>
+              </a:xfrm>
+            </p:grpSpPr>
+            <p:sp>
+              <p:nvSpPr>
+                <p:cNvPr id="42" name="Rounded Rectangle 41">
+                  <a:extLst>
+                    <a:ext uri="{FF2B5EF4-FFF2-40B4-BE49-F238E27FC236}">
+                      <a16:creationId xmlns:a16="http://schemas.microsoft.com/office/drawing/2014/main" id="{06855242-84CD-7D3A-0FFF-F9FE19A68F50}"/>
+                    </a:ext>
+                  </a:extLst>
+                </p:cNvPr>
+                <p:cNvSpPr/>
+                <p:nvPr/>
+              </p:nvSpPr>
+              <p:spPr>
+                <a:xfrm>
+                  <a:off x="2417086" y="4288961"/>
+                  <a:ext cx="3147151" cy="553998"/>
+                </a:xfrm>
+                <a:prstGeom prst="roundRect">
+                  <a:avLst>
+                    <a:gd name="adj" fmla="val 50000"/>
+                  </a:avLst>
+                </a:prstGeom>
+                <a:solidFill>
+                  <a:srgbClr val="DCA49B"/>
+                </a:solidFill>
+                <a:ln>
+                  <a:noFill/>
+                </a:ln>
+              </p:spPr>
+              <p:style>
+                <a:lnRef idx="2">
+                  <a:schemeClr val="accent1">
+                    <a:shade val="15000"/>
+                  </a:schemeClr>
+                </a:lnRef>
+                <a:fillRef idx="1">
+                  <a:schemeClr val="accent1"/>
+                </a:fillRef>
+                <a:effectRef idx="0">
+                  <a:schemeClr val="accent1"/>
+                </a:effectRef>
+                <a:fontRef idx="minor">
+                  <a:schemeClr val="lt1"/>
+                </a:fontRef>
+              </p:style>
+              <p:txBody>
+                <a:bodyPr rtlCol="0" anchor="ctr"/>
+                <a:lstStyle/>
+                <a:p>
+                  <a:pPr algn="ctr"/>
+                  <a:endParaRPr lang="en-TW" sz="1350"/>
+                </a:p>
+              </p:txBody>
+            </p:sp>
+            <p:sp>
+              <p:nvSpPr>
+                <p:cNvPr id="43" name="Rounded Rectangle 42">
+                  <a:extLst>
+                    <a:ext uri="{FF2B5EF4-FFF2-40B4-BE49-F238E27FC236}">
+                      <a16:creationId xmlns:a16="http://schemas.microsoft.com/office/drawing/2014/main" id="{7D6706F9-43EE-9A4C-7642-0ABC4B41803E}"/>
+                    </a:ext>
+                  </a:extLst>
+                </p:cNvPr>
+                <p:cNvSpPr/>
+                <p:nvPr/>
+              </p:nvSpPr>
+              <p:spPr>
+                <a:xfrm>
+                  <a:off x="2417084" y="4288960"/>
+                  <a:ext cx="3006184" cy="487756"/>
+                </a:xfrm>
+                <a:prstGeom prst="roundRect">
+                  <a:avLst>
+                    <a:gd name="adj" fmla="val 50000"/>
+                  </a:avLst>
+                </a:prstGeom>
+                <a:noFill/>
+                <a:ln w="38100">
+                  <a:solidFill>
+                    <a:schemeClr val="tx1"/>
+                  </a:solidFill>
+                </a:ln>
+              </p:spPr>
+              <p:style>
+                <a:lnRef idx="2">
+                  <a:schemeClr val="accent1">
+                    <a:shade val="15000"/>
+                  </a:schemeClr>
+                </a:lnRef>
+                <a:fillRef idx="1">
+                  <a:schemeClr val="accent1"/>
+                </a:fillRef>
+                <a:effectRef idx="0">
+                  <a:schemeClr val="accent1"/>
+                </a:effectRef>
+                <a:fontRef idx="minor">
+                  <a:schemeClr val="lt1"/>
+                </a:fontRef>
+              </p:style>
+              <p:txBody>
+                <a:bodyPr rtlCol="0" anchor="ctr"/>
+                <a:lstStyle/>
+                <a:p>
+                  <a:pPr algn="ctr"/>
+                  <a:endParaRPr lang="en-TW" sz="1350" dirty="0"/>
+                </a:p>
+              </p:txBody>
+            </p:sp>
+          </p:grpSp>
+          <p:sp>
+            <p:nvSpPr>
+              <p:cNvPr id="41" name="TextBox 40">
+                <a:extLst>
+                  <a:ext uri="{FF2B5EF4-FFF2-40B4-BE49-F238E27FC236}">
+                    <a16:creationId xmlns:a16="http://schemas.microsoft.com/office/drawing/2014/main" id="{CD161D5D-00E1-6377-844F-A9D3216B045F}"/>
+                  </a:ext>
+                </a:extLst>
+              </p:cNvPr>
+              <p:cNvSpPr txBox="1"/>
+              <p:nvPr/>
+            </p:nvSpPr>
+            <p:spPr>
+              <a:xfrm>
+                <a:off x="3163797" y="5145777"/>
+                <a:ext cx="1374685" cy="523220"/>
+              </a:xfrm>
+              <a:prstGeom prst="rect">
+                <a:avLst/>
+              </a:prstGeom>
+              <a:noFill/>
+            </p:spPr>
+            <p:txBody>
+              <a:bodyPr wrap="square" rtlCol="0">
+                <a:spAutoFit/>
+              </a:bodyPr>
+              <a:lstStyle/>
+              <a:p>
+                <a:r>
+                  <a:rPr lang="en-US" sz="2800" b="1" dirty="0">
+                    <a:solidFill>
+                      <a:srgbClr val="000000"/>
+                    </a:solidFill>
+                    <a:latin typeface="Candara" panose="020E0502030303020204" pitchFamily="34" charset="0"/>
+                    <a:ea typeface="Apple Color Emoji" pitchFamily="2" charset="0"/>
+                    <a:cs typeface="Calibri" panose="020F0502020204030204" pitchFamily="34" charset="0"/>
+                  </a:rPr>
+                  <a:t>Mininet</a:t>
+                </a:r>
+                <a:endParaRPr lang="en-TW" sz="2800" b="1" dirty="0">
+                  <a:latin typeface="Candara" panose="020E0502030303020204" pitchFamily="34" charset="0"/>
+                  <a:ea typeface="Apple Color Emoji" pitchFamily="2" charset="0"/>
+                  <a:cs typeface="Calibri" panose="020F0502020204030204" pitchFamily="34" charset="0"/>
+                </a:endParaRPr>
+              </a:p>
+            </p:txBody>
+          </p:sp>
+        </p:grpSp>
+        <p:grpSp>
+          <p:nvGrpSpPr>
+            <p:cNvPr id="30" name="Group 29">
+              <a:extLst>
+                <a:ext uri="{FF2B5EF4-FFF2-40B4-BE49-F238E27FC236}">
+                  <a16:creationId xmlns:a16="http://schemas.microsoft.com/office/drawing/2014/main" id="{64F45ABF-3D12-EF62-0635-71AAF116BC10}"/>
+                </a:ext>
+              </a:extLst>
+            </p:cNvPr>
+            <p:cNvGrpSpPr/>
+            <p:nvPr/>
+          </p:nvGrpSpPr>
+          <p:grpSpPr>
+            <a:xfrm>
+              <a:off x="3797685" y="5144538"/>
+              <a:ext cx="1202827" cy="554502"/>
+              <a:chOff x="5055921" y="5142882"/>
+              <a:chExt cx="1202827" cy="554502"/>
+            </a:xfrm>
+          </p:grpSpPr>
+          <p:grpSp>
+            <p:nvGrpSpPr>
+              <p:cNvPr id="36" name="Group 35">
+                <a:extLst>
+                  <a:ext uri="{FF2B5EF4-FFF2-40B4-BE49-F238E27FC236}">
+                    <a16:creationId xmlns:a16="http://schemas.microsoft.com/office/drawing/2014/main" id="{40C4F251-EC7B-11B3-8C76-F094D415F5AB}"/>
+                  </a:ext>
+                </a:extLst>
+              </p:cNvPr>
+              <p:cNvGrpSpPr/>
+              <p:nvPr/>
+            </p:nvGrpSpPr>
+            <p:grpSpPr>
+              <a:xfrm>
+                <a:off x="5055921" y="5174164"/>
+                <a:ext cx="1202827" cy="523220"/>
+                <a:chOff x="2417086" y="4288960"/>
+                <a:chExt cx="1406966" cy="553999"/>
+              </a:xfrm>
+            </p:grpSpPr>
+            <p:sp>
+              <p:nvSpPr>
+                <p:cNvPr id="38" name="Rounded Rectangle 37">
+                  <a:extLst>
+                    <a:ext uri="{FF2B5EF4-FFF2-40B4-BE49-F238E27FC236}">
+                      <a16:creationId xmlns:a16="http://schemas.microsoft.com/office/drawing/2014/main" id="{7C6C28A3-81CE-C475-FB46-458F2997714D}"/>
+                    </a:ext>
+                  </a:extLst>
+                </p:cNvPr>
+                <p:cNvSpPr/>
+                <p:nvPr/>
+              </p:nvSpPr>
+              <p:spPr>
+                <a:xfrm>
+                  <a:off x="2417087" y="4288961"/>
+                  <a:ext cx="1406965" cy="553998"/>
+                </a:xfrm>
+                <a:prstGeom prst="roundRect">
+                  <a:avLst>
+                    <a:gd name="adj" fmla="val 50000"/>
+                  </a:avLst>
+                </a:prstGeom>
+                <a:solidFill>
+                  <a:srgbClr val="DCA49B"/>
+                </a:solidFill>
+                <a:ln>
+                  <a:noFill/>
+                </a:ln>
+              </p:spPr>
+              <p:style>
+                <a:lnRef idx="2">
+                  <a:schemeClr val="accent1">
+                    <a:shade val="15000"/>
+                  </a:schemeClr>
+                </a:lnRef>
+                <a:fillRef idx="1">
+                  <a:schemeClr val="accent1"/>
+                </a:fillRef>
+                <a:effectRef idx="0">
+                  <a:schemeClr val="accent1"/>
+                </a:effectRef>
+                <a:fontRef idx="minor">
+                  <a:schemeClr val="lt1"/>
+                </a:fontRef>
+              </p:style>
+              <p:txBody>
+                <a:bodyPr rtlCol="0" anchor="ctr"/>
+                <a:lstStyle/>
+                <a:p>
+                  <a:pPr algn="ctr"/>
+                  <a:endParaRPr lang="en-TW" sz="1350"/>
+                </a:p>
+              </p:txBody>
+            </p:sp>
+            <p:sp>
+              <p:nvSpPr>
+                <p:cNvPr id="39" name="Rounded Rectangle 38">
+                  <a:extLst>
+                    <a:ext uri="{FF2B5EF4-FFF2-40B4-BE49-F238E27FC236}">
+                      <a16:creationId xmlns:a16="http://schemas.microsoft.com/office/drawing/2014/main" id="{134AF6A5-C213-D42D-DB99-3D6C28E57628}"/>
+                    </a:ext>
+                  </a:extLst>
+                </p:cNvPr>
+                <p:cNvSpPr/>
+                <p:nvPr/>
+              </p:nvSpPr>
+              <p:spPr>
+                <a:xfrm>
+                  <a:off x="2417086" y="4288960"/>
+                  <a:ext cx="1311053" cy="487756"/>
+                </a:xfrm>
+                <a:prstGeom prst="roundRect">
+                  <a:avLst>
+                    <a:gd name="adj" fmla="val 50000"/>
+                  </a:avLst>
+                </a:prstGeom>
+                <a:noFill/>
+                <a:ln w="38100">
+                  <a:solidFill>
+                    <a:schemeClr val="tx1"/>
+                  </a:solidFill>
+                </a:ln>
+              </p:spPr>
+              <p:style>
+                <a:lnRef idx="2">
+                  <a:schemeClr val="accent1">
+                    <a:shade val="15000"/>
+                  </a:schemeClr>
+                </a:lnRef>
+                <a:fillRef idx="1">
+                  <a:schemeClr val="accent1"/>
+                </a:fillRef>
+                <a:effectRef idx="0">
+                  <a:schemeClr val="accent1"/>
+                </a:effectRef>
+                <a:fontRef idx="minor">
+                  <a:schemeClr val="lt1"/>
+                </a:fontRef>
+              </p:style>
+              <p:txBody>
+                <a:bodyPr rtlCol="0" anchor="ctr"/>
+                <a:lstStyle/>
+                <a:p>
+                  <a:pPr algn="ctr"/>
+                  <a:endParaRPr lang="en-TW" sz="1350"/>
+                </a:p>
+              </p:txBody>
+            </p:sp>
+          </p:grpSp>
+          <p:sp>
+            <p:nvSpPr>
+              <p:cNvPr id="37" name="TextBox 36">
+                <a:extLst>
+                  <a:ext uri="{FF2B5EF4-FFF2-40B4-BE49-F238E27FC236}">
+                    <a16:creationId xmlns:a16="http://schemas.microsoft.com/office/drawing/2014/main" id="{929DE62C-7EBE-0413-F9E7-F3291175B1A3}"/>
+                  </a:ext>
+                </a:extLst>
+              </p:cNvPr>
+              <p:cNvSpPr txBox="1"/>
+              <p:nvPr/>
+            </p:nvSpPr>
+            <p:spPr>
+              <a:xfrm>
+                <a:off x="5212802" y="5142882"/>
+                <a:ext cx="857414" cy="523220"/>
+              </a:xfrm>
+              <a:prstGeom prst="rect">
+                <a:avLst/>
+              </a:prstGeom>
+              <a:noFill/>
+            </p:spPr>
+            <p:txBody>
+              <a:bodyPr wrap="square" rtlCol="0">
+                <a:spAutoFit/>
+              </a:bodyPr>
+              <a:lstStyle/>
+              <a:p>
+                <a:r>
+                  <a:rPr lang="en-TW" sz="2800" b="1" dirty="0">
+                    <a:latin typeface="Candara" panose="020E0502030303020204" pitchFamily="34" charset="0"/>
+                    <a:ea typeface="Apple Color Emoji" pitchFamily="2" charset="0"/>
+                    <a:cs typeface="Calibri" panose="020F0502020204030204" pitchFamily="34" charset="0"/>
+                  </a:rPr>
+                  <a:t>Java</a:t>
+                </a:r>
+              </a:p>
+            </p:txBody>
+          </p:sp>
+        </p:grpSp>
+        <p:grpSp>
+          <p:nvGrpSpPr>
+            <p:cNvPr id="31" name="Group 30">
+              <a:extLst>
+                <a:ext uri="{FF2B5EF4-FFF2-40B4-BE49-F238E27FC236}">
+                  <a16:creationId xmlns:a16="http://schemas.microsoft.com/office/drawing/2014/main" id="{60C6D19E-A56A-FF31-243A-FBF262777FC5}"/>
+                </a:ext>
+              </a:extLst>
+            </p:cNvPr>
+            <p:cNvGrpSpPr/>
+            <p:nvPr/>
+          </p:nvGrpSpPr>
+          <p:grpSpPr>
+            <a:xfrm>
+              <a:off x="7357081" y="5144538"/>
+              <a:ext cx="1349008" cy="554502"/>
+              <a:chOff x="5055918" y="5142882"/>
+              <a:chExt cx="1349008" cy="554502"/>
+            </a:xfrm>
+          </p:grpSpPr>
+          <p:grpSp>
+            <p:nvGrpSpPr>
+              <p:cNvPr id="32" name="Group 31">
+                <a:extLst>
+                  <a:ext uri="{FF2B5EF4-FFF2-40B4-BE49-F238E27FC236}">
+                    <a16:creationId xmlns:a16="http://schemas.microsoft.com/office/drawing/2014/main" id="{9EF3B577-A55F-A9D5-D11A-4AD3C9532965}"/>
+                  </a:ext>
+                </a:extLst>
+              </p:cNvPr>
+              <p:cNvGrpSpPr/>
+              <p:nvPr/>
+            </p:nvGrpSpPr>
+            <p:grpSpPr>
+              <a:xfrm>
+                <a:off x="5055918" y="5174164"/>
+                <a:ext cx="1349008" cy="523220"/>
+                <a:chOff x="2417085" y="4288960"/>
+                <a:chExt cx="1577957" cy="553999"/>
+              </a:xfrm>
+            </p:grpSpPr>
+            <p:sp>
+              <p:nvSpPr>
+                <p:cNvPr id="34" name="Rounded Rectangle 33">
+                  <a:extLst>
+                    <a:ext uri="{FF2B5EF4-FFF2-40B4-BE49-F238E27FC236}">
+                      <a16:creationId xmlns:a16="http://schemas.microsoft.com/office/drawing/2014/main" id="{2469C7A6-9096-D321-DF14-AB33E8EB8E87}"/>
+                    </a:ext>
+                  </a:extLst>
+                </p:cNvPr>
+                <p:cNvSpPr/>
+                <p:nvPr/>
+              </p:nvSpPr>
+              <p:spPr>
+                <a:xfrm>
+                  <a:off x="2417085" y="4288961"/>
+                  <a:ext cx="1577957" cy="553998"/>
+                </a:xfrm>
+                <a:prstGeom prst="roundRect">
+                  <a:avLst>
+                    <a:gd name="adj" fmla="val 50000"/>
+                  </a:avLst>
+                </a:prstGeom>
+                <a:solidFill>
+                  <a:srgbClr val="DCA49B"/>
+                </a:solidFill>
+                <a:ln>
+                  <a:noFill/>
+                </a:ln>
+              </p:spPr>
+              <p:style>
+                <a:lnRef idx="2">
+                  <a:schemeClr val="accent1">
+                    <a:shade val="15000"/>
+                  </a:schemeClr>
+                </a:lnRef>
+                <a:fillRef idx="1">
+                  <a:schemeClr val="accent1"/>
+                </a:fillRef>
+                <a:effectRef idx="0">
+                  <a:schemeClr val="accent1"/>
+                </a:effectRef>
+                <a:fontRef idx="minor">
+                  <a:schemeClr val="lt1"/>
+                </a:fontRef>
+              </p:style>
+              <p:txBody>
+                <a:bodyPr rtlCol="0" anchor="ctr"/>
+                <a:lstStyle/>
+                <a:p>
+                  <a:pPr algn="ctr"/>
+                  <a:endParaRPr lang="en-TW" sz="1350"/>
+                </a:p>
+              </p:txBody>
+            </p:sp>
+            <p:sp>
+              <p:nvSpPr>
+                <p:cNvPr id="35" name="Rounded Rectangle 34">
+                  <a:extLst>
+                    <a:ext uri="{FF2B5EF4-FFF2-40B4-BE49-F238E27FC236}">
+                      <a16:creationId xmlns:a16="http://schemas.microsoft.com/office/drawing/2014/main" id="{F6134763-B71D-2B49-DFD0-16823E8FB457}"/>
+                    </a:ext>
+                  </a:extLst>
+                </p:cNvPr>
+                <p:cNvSpPr/>
+                <p:nvPr/>
+              </p:nvSpPr>
+              <p:spPr>
+                <a:xfrm>
+                  <a:off x="2417086" y="4288960"/>
+                  <a:ext cx="1493470" cy="487756"/>
+                </a:xfrm>
+                <a:prstGeom prst="roundRect">
+                  <a:avLst>
+                    <a:gd name="adj" fmla="val 50000"/>
+                  </a:avLst>
+                </a:prstGeom>
+                <a:noFill/>
+                <a:ln w="38100">
+                  <a:solidFill>
+                    <a:schemeClr val="tx1"/>
+                  </a:solidFill>
+                </a:ln>
+              </p:spPr>
+              <p:style>
+                <a:lnRef idx="2">
+                  <a:schemeClr val="accent1">
+                    <a:shade val="15000"/>
+                  </a:schemeClr>
+                </a:lnRef>
+                <a:fillRef idx="1">
+                  <a:schemeClr val="accent1"/>
+                </a:fillRef>
+                <a:effectRef idx="0">
+                  <a:schemeClr val="accent1"/>
+                </a:effectRef>
+                <a:fontRef idx="minor">
+                  <a:schemeClr val="lt1"/>
+                </a:fontRef>
+              </p:style>
+              <p:txBody>
+                <a:bodyPr rtlCol="0" anchor="ctr"/>
+                <a:lstStyle/>
+                <a:p>
+                  <a:pPr algn="ctr"/>
+                  <a:endParaRPr lang="en-TW" sz="1350"/>
+                </a:p>
+              </p:txBody>
+            </p:sp>
+          </p:grpSp>
+          <p:sp>
+            <p:nvSpPr>
+              <p:cNvPr id="33" name="TextBox 32">
+                <a:extLst>
+                  <a:ext uri="{FF2B5EF4-FFF2-40B4-BE49-F238E27FC236}">
+                    <a16:creationId xmlns:a16="http://schemas.microsoft.com/office/drawing/2014/main" id="{DE5D612D-4812-2E9D-7A1C-F8F428F053A9}"/>
+                  </a:ext>
+                </a:extLst>
+              </p:cNvPr>
+              <p:cNvSpPr txBox="1"/>
+              <p:nvPr/>
+            </p:nvSpPr>
+            <p:spPr>
+              <a:xfrm>
+                <a:off x="5215977" y="5142882"/>
+                <a:ext cx="1016360" cy="523220"/>
+              </a:xfrm>
+              <a:prstGeom prst="rect">
+                <a:avLst/>
+              </a:prstGeom>
+              <a:noFill/>
+            </p:spPr>
+            <p:txBody>
+              <a:bodyPr wrap="square" rtlCol="0">
+                <a:spAutoFit/>
+              </a:bodyPr>
+              <a:lstStyle/>
+              <a:p>
+                <a:r>
+                  <a:rPr lang="en-TW" sz="2800" b="1" dirty="0">
+                    <a:latin typeface="Candara" panose="020E0502030303020204" pitchFamily="34" charset="0"/>
+                    <a:ea typeface="Apple Color Emoji" pitchFamily="2" charset="0"/>
+                    <a:cs typeface="Calibri" panose="020F0502020204030204" pitchFamily="34" charset="0"/>
+                  </a:rPr>
+                  <a:t>Linux</a:t>
+                </a:r>
+              </a:p>
+            </p:txBody>
+          </p:sp>
+        </p:grpSp>
+        <p:grpSp>
+          <p:nvGrpSpPr>
+            <p:cNvPr id="55" name="Group 54">
+              <a:extLst>
+                <a:ext uri="{FF2B5EF4-FFF2-40B4-BE49-F238E27FC236}">
+                  <a16:creationId xmlns:a16="http://schemas.microsoft.com/office/drawing/2014/main" id="{41DDB919-6D9C-2236-29A4-7A9CB1281AF9}"/>
+                </a:ext>
+              </a:extLst>
+            </p:cNvPr>
+            <p:cNvGrpSpPr/>
+            <p:nvPr/>
+          </p:nvGrpSpPr>
+          <p:grpSpPr>
+            <a:xfrm>
+              <a:off x="5112178" y="5144538"/>
+              <a:ext cx="2133239" cy="554502"/>
+              <a:chOff x="5055918" y="5142882"/>
+              <a:chExt cx="2133239" cy="554502"/>
+            </a:xfrm>
+          </p:grpSpPr>
+          <p:grpSp>
+            <p:nvGrpSpPr>
+              <p:cNvPr id="56" name="Group 55">
+                <a:extLst>
+                  <a:ext uri="{FF2B5EF4-FFF2-40B4-BE49-F238E27FC236}">
+                    <a16:creationId xmlns:a16="http://schemas.microsoft.com/office/drawing/2014/main" id="{A6E725AF-8283-892B-7863-070161EB0B9E}"/>
+                  </a:ext>
+                </a:extLst>
+              </p:cNvPr>
+              <p:cNvGrpSpPr/>
+              <p:nvPr/>
+            </p:nvGrpSpPr>
+            <p:grpSpPr>
+              <a:xfrm>
+                <a:off x="5055918" y="5174164"/>
+                <a:ext cx="2133239" cy="523220"/>
+                <a:chOff x="2417085" y="4288960"/>
+                <a:chExt cx="2495285" cy="553999"/>
+              </a:xfrm>
+            </p:grpSpPr>
+            <p:sp>
+              <p:nvSpPr>
+                <p:cNvPr id="58" name="Rounded Rectangle 57">
+                  <a:extLst>
+                    <a:ext uri="{FF2B5EF4-FFF2-40B4-BE49-F238E27FC236}">
+                      <a16:creationId xmlns:a16="http://schemas.microsoft.com/office/drawing/2014/main" id="{71AC255F-B744-22FA-5690-3D21260F2BC4}"/>
+                    </a:ext>
+                  </a:extLst>
+                </p:cNvPr>
+                <p:cNvSpPr/>
+                <p:nvPr/>
+              </p:nvSpPr>
+              <p:spPr>
+                <a:xfrm>
+                  <a:off x="2417085" y="4288961"/>
+                  <a:ext cx="2495285" cy="553998"/>
+                </a:xfrm>
+                <a:prstGeom prst="roundRect">
+                  <a:avLst>
+                    <a:gd name="adj" fmla="val 50000"/>
+                  </a:avLst>
+                </a:prstGeom>
+                <a:solidFill>
+                  <a:srgbClr val="DCA49B"/>
+                </a:solidFill>
+                <a:ln>
+                  <a:noFill/>
+                </a:ln>
+              </p:spPr>
+              <p:style>
+                <a:lnRef idx="2">
+                  <a:schemeClr val="accent1">
+                    <a:shade val="15000"/>
+                  </a:schemeClr>
+                </a:lnRef>
+                <a:fillRef idx="1">
+                  <a:schemeClr val="accent1"/>
+                </a:fillRef>
+                <a:effectRef idx="0">
+                  <a:schemeClr val="accent1"/>
+                </a:effectRef>
+                <a:fontRef idx="minor">
+                  <a:schemeClr val="lt1"/>
+                </a:fontRef>
+              </p:style>
+              <p:txBody>
+                <a:bodyPr rtlCol="0" anchor="ctr"/>
+                <a:lstStyle/>
+                <a:p>
+                  <a:pPr algn="ctr"/>
+                  <a:endParaRPr lang="en-TW" sz="1350" dirty="0"/>
+                </a:p>
+              </p:txBody>
+            </p:sp>
+            <p:sp>
+              <p:nvSpPr>
+                <p:cNvPr id="59" name="Rounded Rectangle 58">
+                  <a:extLst>
+                    <a:ext uri="{FF2B5EF4-FFF2-40B4-BE49-F238E27FC236}">
+                      <a16:creationId xmlns:a16="http://schemas.microsoft.com/office/drawing/2014/main" id="{ACE2FE37-42AE-87EC-63AF-DA92540648D2}"/>
+                    </a:ext>
+                  </a:extLst>
+                </p:cNvPr>
+                <p:cNvSpPr/>
+                <p:nvPr/>
+              </p:nvSpPr>
+              <p:spPr>
+                <a:xfrm>
+                  <a:off x="2417086" y="4288960"/>
+                  <a:ext cx="2410456" cy="487756"/>
+                </a:xfrm>
+                <a:prstGeom prst="roundRect">
+                  <a:avLst>
+                    <a:gd name="adj" fmla="val 50000"/>
+                  </a:avLst>
+                </a:prstGeom>
+                <a:noFill/>
+                <a:ln w="38100">
+                  <a:solidFill>
+                    <a:schemeClr val="tx1"/>
+                  </a:solidFill>
+                </a:ln>
+              </p:spPr>
+              <p:style>
+                <a:lnRef idx="2">
+                  <a:schemeClr val="accent1">
+                    <a:shade val="15000"/>
+                  </a:schemeClr>
+                </a:lnRef>
+                <a:fillRef idx="1">
+                  <a:schemeClr val="accent1"/>
+                </a:fillRef>
+                <a:effectRef idx="0">
+                  <a:schemeClr val="accent1"/>
+                </a:effectRef>
+                <a:fontRef idx="minor">
+                  <a:schemeClr val="lt1"/>
+                </a:fontRef>
+              </p:style>
+              <p:txBody>
+                <a:bodyPr rtlCol="0" anchor="ctr"/>
+                <a:lstStyle/>
+                <a:p>
+                  <a:pPr algn="ctr"/>
+                  <a:endParaRPr lang="en-TW" sz="1350"/>
+                </a:p>
+              </p:txBody>
+            </p:sp>
+          </p:grpSp>
+          <p:sp>
+            <p:nvSpPr>
+              <p:cNvPr id="57" name="TextBox 56">
+                <a:extLst>
+                  <a:ext uri="{FF2B5EF4-FFF2-40B4-BE49-F238E27FC236}">
+                    <a16:creationId xmlns:a16="http://schemas.microsoft.com/office/drawing/2014/main" id="{9477FF00-6278-C250-FAE6-D744D1699C91}"/>
+                  </a:ext>
+                </a:extLst>
+              </p:cNvPr>
+              <p:cNvSpPr txBox="1"/>
+              <p:nvPr/>
+            </p:nvSpPr>
+            <p:spPr>
+              <a:xfrm>
+                <a:off x="5220790" y="5142882"/>
+                <a:ext cx="1798994" cy="523220"/>
+              </a:xfrm>
+              <a:prstGeom prst="rect">
+                <a:avLst/>
+              </a:prstGeom>
+              <a:noFill/>
+            </p:spPr>
+            <p:txBody>
+              <a:bodyPr wrap="square" rtlCol="0">
+                <a:spAutoFit/>
+              </a:bodyPr>
+              <a:lstStyle/>
+              <a:p>
+                <a:r>
+                  <a:rPr lang="en-TW" sz="2800" b="1" dirty="0">
+                    <a:latin typeface="Candara" panose="020E0502030303020204" pitchFamily="34" charset="0"/>
+                    <a:ea typeface="Apple Color Emoji" pitchFamily="2" charset="0"/>
+                    <a:cs typeface="Calibri" panose="020F0502020204030204" pitchFamily="34" charset="0"/>
+                  </a:rPr>
+                  <a:t>Wireshark</a:t>
+                </a:r>
+              </a:p>
+            </p:txBody>
+          </p:sp>
+        </p:grpSp>
+      </p:grpSp>
+      <p:grpSp>
+        <p:nvGrpSpPr>
+          <p:cNvPr id="66" name="Group 65">
+            <a:extLst>
+              <a:ext uri="{FF2B5EF4-FFF2-40B4-BE49-F238E27FC236}">
+                <a16:creationId xmlns:a16="http://schemas.microsoft.com/office/drawing/2014/main" id="{9F06EB6F-29C1-8050-1A17-869BEDA8CE0F}"/>
+              </a:ext>
+            </a:extLst>
+          </p:cNvPr>
+          <p:cNvGrpSpPr/>
+          <p:nvPr/>
+        </p:nvGrpSpPr>
+        <p:grpSpPr>
+          <a:xfrm>
+            <a:off x="3348819" y="3934871"/>
+            <a:ext cx="2443457" cy="615969"/>
+            <a:chOff x="3358704" y="4071715"/>
+            <a:chExt cx="2443457" cy="615969"/>
+          </a:xfrm>
+        </p:grpSpPr>
+        <p:grpSp>
+          <p:nvGrpSpPr>
+            <p:cNvPr id="67" name="Group 66">
+              <a:extLst>
+                <a:ext uri="{FF2B5EF4-FFF2-40B4-BE49-F238E27FC236}">
+                  <a16:creationId xmlns:a16="http://schemas.microsoft.com/office/drawing/2014/main" id="{82C44712-5AF1-BB7C-EB3D-5C220047A2A2}"/>
+                </a:ext>
+              </a:extLst>
+            </p:cNvPr>
+            <p:cNvGrpSpPr/>
+            <p:nvPr/>
+          </p:nvGrpSpPr>
+          <p:grpSpPr>
+            <a:xfrm>
+              <a:off x="3374795" y="4071715"/>
+              <a:ext cx="2427366" cy="615969"/>
+              <a:chOff x="4483523" y="4003722"/>
+              <a:chExt cx="3236488" cy="821291"/>
+            </a:xfrm>
+          </p:grpSpPr>
+          <p:grpSp>
+            <p:nvGrpSpPr>
+              <p:cNvPr id="73" name="Group 72">
+                <a:extLst>
+                  <a:ext uri="{FF2B5EF4-FFF2-40B4-BE49-F238E27FC236}">
+                    <a16:creationId xmlns:a16="http://schemas.microsoft.com/office/drawing/2014/main" id="{589EEC0A-EFA1-AB72-CFA4-6F50DC17E0D9}"/>
+                  </a:ext>
+                </a:extLst>
+              </p:cNvPr>
+              <p:cNvGrpSpPr/>
+              <p:nvPr/>
+            </p:nvGrpSpPr>
+            <p:grpSpPr>
+              <a:xfrm>
+                <a:off x="4483523" y="4003722"/>
+                <a:ext cx="3236488" cy="821291"/>
+                <a:chOff x="1580784" y="3933278"/>
+                <a:chExt cx="3236488" cy="821291"/>
+              </a:xfrm>
+            </p:grpSpPr>
+            <p:sp>
+              <p:nvSpPr>
+                <p:cNvPr id="75" name="Rounded Rectangle 74">
+                  <a:extLst>
+                    <a:ext uri="{FF2B5EF4-FFF2-40B4-BE49-F238E27FC236}">
+                      <a16:creationId xmlns:a16="http://schemas.microsoft.com/office/drawing/2014/main" id="{16F3BF7E-06ED-D4A3-EE3E-D23909885F98}"/>
+                    </a:ext>
+                  </a:extLst>
+                </p:cNvPr>
+                <p:cNvSpPr/>
+                <p:nvPr/>
+              </p:nvSpPr>
+              <p:spPr>
+                <a:xfrm>
+                  <a:off x="1580784" y="3991323"/>
+                  <a:ext cx="3236488" cy="763246"/>
+                </a:xfrm>
+                <a:prstGeom prst="roundRect">
+                  <a:avLst>
+                    <a:gd name="adj" fmla="val 38868"/>
+                  </a:avLst>
+                </a:prstGeom>
+                <a:solidFill>
+                  <a:srgbClr val="FFEB9E"/>
+                </a:solidFill>
+                <a:ln>
+                  <a:noFill/>
+                </a:ln>
+              </p:spPr>
+              <p:style>
+                <a:lnRef idx="2">
+                  <a:schemeClr val="accent1">
+                    <a:shade val="15000"/>
+                  </a:schemeClr>
+                </a:lnRef>
+                <a:fillRef idx="1">
+                  <a:schemeClr val="accent1"/>
+                </a:fillRef>
+                <a:effectRef idx="0">
+                  <a:schemeClr val="accent1"/>
+                </a:effectRef>
+                <a:fontRef idx="minor">
+                  <a:schemeClr val="lt1"/>
+                </a:fontRef>
+              </p:style>
+              <p:txBody>
+                <a:bodyPr rtlCol="0" anchor="ctr"/>
+                <a:lstStyle/>
+                <a:p>
+                  <a:pPr algn="ctr"/>
+                  <a:endParaRPr lang="en-TW" sz="1350" dirty="0"/>
+                </a:p>
+              </p:txBody>
+            </p:sp>
+            <p:sp>
+              <p:nvSpPr>
+                <p:cNvPr id="76" name="TextBox 75">
+                  <a:extLst>
+                    <a:ext uri="{FF2B5EF4-FFF2-40B4-BE49-F238E27FC236}">
+                      <a16:creationId xmlns:a16="http://schemas.microsoft.com/office/drawing/2014/main" id="{A7CC4DFA-5350-2975-0A75-9D5F6A1A7299}"/>
+                    </a:ext>
+                  </a:extLst>
+                </p:cNvPr>
+                <p:cNvSpPr txBox="1"/>
+                <p:nvPr/>
+              </p:nvSpPr>
+              <p:spPr>
+                <a:xfrm>
+                  <a:off x="1957875" y="3933278"/>
+                  <a:ext cx="1918043" cy="779700"/>
+                </a:xfrm>
+                <a:prstGeom prst="rect">
+                  <a:avLst/>
+                </a:prstGeom>
+                <a:noFill/>
+              </p:spPr>
+              <p:txBody>
+                <a:bodyPr wrap="square" rtlCol="0">
+                  <a:spAutoFit/>
+                </a:bodyPr>
+                <a:lstStyle/>
+                <a:p>
+                  <a:r>
+                    <a:rPr lang="en-US" sz="3200" b="1" dirty="0">
+                      <a:solidFill>
+                        <a:srgbClr val="000000"/>
+                      </a:solidFill>
+                      <a:latin typeface="Candara" panose="020E0502030303020204" pitchFamily="34" charset="0"/>
+                      <a:ea typeface="Apple Color Emoji" pitchFamily="2" charset="0"/>
+                      <a:cs typeface="Calibri" panose="020F0502020204030204" pitchFamily="34" charset="0"/>
+                    </a:rPr>
+                    <a:t>GitHub</a:t>
+                  </a:r>
+                  <a:endParaRPr lang="en-TW" sz="3200" b="1" dirty="0">
+                    <a:latin typeface="Candara" panose="020E0502030303020204" pitchFamily="34" charset="0"/>
+                    <a:ea typeface="Apple Color Emoji" pitchFamily="2" charset="0"/>
+                    <a:cs typeface="Calibri" panose="020F0502020204030204" pitchFamily="34" charset="0"/>
+                  </a:endParaRPr>
+                </a:p>
+              </p:txBody>
+            </p:sp>
+          </p:grpSp>
+          <p:pic>
+            <p:nvPicPr>
+              <p:cNvPr id="74" name="Graphic 73" descr="Cursor">
+                <a:extLst>
+                  <a:ext uri="{FF2B5EF4-FFF2-40B4-BE49-F238E27FC236}">
+                    <a16:creationId xmlns:a16="http://schemas.microsoft.com/office/drawing/2014/main" id="{A9323E90-8779-CD9E-D531-7A00C9F5D623}"/>
+                  </a:ext>
+                </a:extLst>
+              </p:cNvPr>
+              <p:cNvPicPr>
+                <a:picLocks noChangeAspect="1"/>
+              </p:cNvPicPr>
+              <p:nvPr/>
+            </p:nvPicPr>
+            <p:blipFill>
+              <a:blip r:embed="rId4">
+                <a:extLst>
+                  <a:ext uri="{96DAC541-7B7A-43D3-8B79-37D633B846F1}">
+                    <asvg:svgBlip xmlns:asvg="http://schemas.microsoft.com/office/drawing/2016/SVG/main" r:embed="rId5"/>
+                  </a:ext>
+                </a:extLst>
+              </a:blip>
+              <a:stretch>
+                <a:fillRect/>
+              </a:stretch>
+            </p:blipFill>
+            <p:spPr>
+              <a:xfrm flipH="1">
+                <a:off x="6678136" y="4033373"/>
+                <a:ext cx="714945" cy="714945"/>
+              </a:xfrm>
+              <a:prstGeom prst="rect">
+                <a:avLst/>
+              </a:prstGeom>
+            </p:spPr>
+          </p:pic>
+        </p:grpSp>
+        <p:sp>
+          <p:nvSpPr>
+            <p:cNvPr id="68" name="Rounded Rectangle 67">
+              <a:extLst>
+                <a:ext uri="{FF2B5EF4-FFF2-40B4-BE49-F238E27FC236}">
+                  <a16:creationId xmlns:a16="http://schemas.microsoft.com/office/drawing/2014/main" id="{F525C748-229C-4828-DF45-3811238199FF}"/>
+                </a:ext>
+              </a:extLst>
+            </p:cNvPr>
+            <p:cNvSpPr/>
+            <p:nvPr/>
+          </p:nvSpPr>
+          <p:spPr>
+            <a:xfrm>
+              <a:off x="3358704" y="4111730"/>
+              <a:ext cx="2357176" cy="495445"/>
+            </a:xfrm>
+            <a:prstGeom prst="roundRect">
+              <a:avLst>
+                <a:gd name="adj" fmla="val 38868"/>
+              </a:avLst>
+            </a:prstGeom>
+            <a:noFill/>
+            <a:ln w="38100">
+              <a:solidFill>
+                <a:schemeClr val="tx1"/>
+              </a:solidFill>
+            </a:ln>
+          </p:spPr>
+          <p:style>
+            <a:lnRef idx="2">
+              <a:schemeClr val="accent1">
+                <a:shade val="15000"/>
+              </a:schemeClr>
+            </a:lnRef>
+            <a:fillRef idx="1">
+              <a:schemeClr val="accent1"/>
+            </a:fillRef>
+            <a:effectRef idx="0">
+              <a:schemeClr val="accent1"/>
+            </a:effectRef>
+            <a:fontRef idx="minor">
+              <a:schemeClr val="lt1"/>
+            </a:fontRef>
+          </p:style>
+          <p:txBody>
+            <a:bodyPr rtlCol="0" anchor="ctr"/>
+            <a:lstStyle/>
+            <a:p>
+              <a:pPr algn="ctr"/>
+              <a:endParaRPr lang="en-TW" sz="1350" dirty="0"/>
+            </a:p>
+          </p:txBody>
+        </p:sp>
+      </p:grpSp>
+    </p:spTree>
+    <p:extLst>
+      <p:ext uri="{BB962C8B-B14F-4D97-AF65-F5344CB8AC3E}">
+        <p14:creationId xmlns:p14="http://schemas.microsoft.com/office/powerpoint/2010/main" val="1388318823"/>
+      </p:ext>
+    </p:extLst>
+  </p:cSld>
+  <p:clrMapOvr>
+    <a:masterClrMapping/>
+  </p:clrMapOvr>
+</p:sld>
+</file>
+
+<file path=ppt/slides/slide6.xml><?xml version="1.0" encoding="utf-8"?>
+<p:sld xmlns:a="http://schemas.openxmlformats.org/drawingml/2006/main" xmlns:r="http://schemas.openxmlformats.org/officeDocument/2006/relationships" xmlns:p="http://schemas.openxmlformats.org/presentationml/2006/main">
+  <p:cSld>
+    <p:spTree>
+      <p:nvGrpSpPr>
+        <p:cNvPr id="1" name=""/>
+        <p:cNvGrpSpPr/>
+        <p:nvPr/>
+      </p:nvGrpSpPr>
+      <p:grpSpPr>
+        <a:xfrm>
+          <a:off x="0" y="0"/>
+          <a:ext cx="0" cy="0"/>
+          <a:chOff x="0" y="0"/>
+          <a:chExt cx="0" cy="0"/>
+        </a:xfrm>
+      </p:grpSpPr>
+      <p:grpSp>
+        <p:nvGrpSpPr>
+          <p:cNvPr id="39" name="Group 38">
+            <a:extLst>
+              <a:ext uri="{FF2B5EF4-FFF2-40B4-BE49-F238E27FC236}">
+                <a16:creationId xmlns:a16="http://schemas.microsoft.com/office/drawing/2014/main" id="{CB384A9E-9AE0-5F78-4EBE-13516D187203}"/>
+              </a:ext>
+            </a:extLst>
+          </p:cNvPr>
+          <p:cNvGrpSpPr/>
+          <p:nvPr/>
+        </p:nvGrpSpPr>
+        <p:grpSpPr>
+          <a:xfrm>
+            <a:off x="2899" y="0"/>
+            <a:ext cx="9141101" cy="6858000"/>
+            <a:chOff x="2899" y="0"/>
+            <a:chExt cx="9141101" cy="6858000"/>
+          </a:xfrm>
+        </p:grpSpPr>
+        <p:pic>
+          <p:nvPicPr>
+            <p:cNvPr id="40" name="Picture 39">
+              <a:extLst>
+                <a:ext uri="{FF2B5EF4-FFF2-40B4-BE49-F238E27FC236}">
+                  <a16:creationId xmlns:a16="http://schemas.microsoft.com/office/drawing/2014/main" id="{FDB369B5-6A1B-5B70-9A21-0CC4BD886AA1}"/>
+                </a:ext>
+              </a:extLst>
+            </p:cNvPr>
+            <p:cNvPicPr>
+              <a:picLocks noChangeAspect="1"/>
+            </p:cNvPicPr>
+            <p:nvPr/>
+          </p:nvPicPr>
+          <p:blipFill rotWithShape="1">
+            <a:blip r:embed="rId3"/>
+            <a:srcRect l="35534"/>
+            <a:stretch/>
+          </p:blipFill>
+          <p:spPr>
+            <a:xfrm>
+              <a:off x="2899" y="0"/>
+              <a:ext cx="9141101" cy="6858000"/>
+            </a:xfrm>
+            <a:prstGeom prst="rect">
+              <a:avLst/>
+            </a:prstGeom>
+          </p:spPr>
+        </p:pic>
+        <p:grpSp>
+          <p:nvGrpSpPr>
+            <p:cNvPr id="41" name="Group 40">
+              <a:extLst>
+                <a:ext uri="{FF2B5EF4-FFF2-40B4-BE49-F238E27FC236}">
+                  <a16:creationId xmlns:a16="http://schemas.microsoft.com/office/drawing/2014/main" id="{05CB7F41-0E2D-FF65-52A7-DF12EE95E9BE}"/>
+                </a:ext>
+              </a:extLst>
+            </p:cNvPr>
+            <p:cNvGrpSpPr/>
+            <p:nvPr/>
+          </p:nvGrpSpPr>
+          <p:grpSpPr>
+            <a:xfrm>
+              <a:off x="379419" y="352145"/>
+              <a:ext cx="1336505" cy="362347"/>
+              <a:chOff x="443753" y="181173"/>
+              <a:chExt cx="1336505" cy="362347"/>
             </a:xfrm>
           </p:grpSpPr>
           <p:sp>
             <p:nvSpPr>
-              <p:cNvPr id="50" name="Rounded Rectangle 49">
+              <p:cNvPr id="42" name="Oval 41">
                 <a:extLst>
                   <a:ext uri="{FF2B5EF4-FFF2-40B4-BE49-F238E27FC236}">
-                    <a16:creationId xmlns:a16="http://schemas.microsoft.com/office/drawing/2014/main" id="{B9A2233A-4813-AEFF-DE8D-6C65129EC856}"/>
+                    <a16:creationId xmlns:a16="http://schemas.microsoft.com/office/drawing/2014/main" id="{B303977F-A7D3-B6B7-54D4-D82F47961B6A}"/>
                   </a:ext>
                 </a:extLst>
               </p:cNvPr>
@@ -8372,16 +12031,14 @@
             </p:nvSpPr>
             <p:spPr>
               <a:xfrm>
-                <a:off x="1580784" y="3991326"/>
-                <a:ext cx="3192544" cy="714947"/>
+                <a:off x="443753" y="181173"/>
+                <a:ext cx="362347" cy="362347"/>
               </a:xfrm>
-              <a:prstGeom prst="roundRect">
-                <a:avLst>
-                  <a:gd name="adj" fmla="val 38868"/>
-                </a:avLst>
+              <a:prstGeom prst="ellipse">
+                <a:avLst/>
               </a:prstGeom>
               <a:solidFill>
-                <a:srgbClr val="FFEB9E"/>
+                <a:srgbClr val="FF5F57"/>
               </a:solidFill>
               <a:ln>
                 <a:noFill/>
@@ -8408,101 +12065,180 @@
               <a:lstStyle/>
               <a:p>
                 <a:pPr algn="ctr"/>
-                <a:endParaRPr lang="en-TW" sz="1350" dirty="0"/>
+                <a:endParaRPr lang="en-TW"/>
               </a:p>
             </p:txBody>
           </p:sp>
           <p:sp>
             <p:nvSpPr>
-              <p:cNvPr id="51" name="TextBox 50">
+              <p:cNvPr id="43" name="Oval 42">
                 <a:extLst>
                   <a:ext uri="{FF2B5EF4-FFF2-40B4-BE49-F238E27FC236}">
-                    <a16:creationId xmlns:a16="http://schemas.microsoft.com/office/drawing/2014/main" id="{7D681A5A-855B-B8B0-BD3C-133318B6C1D9}"/>
+                    <a16:creationId xmlns:a16="http://schemas.microsoft.com/office/drawing/2014/main" id="{6CB20D55-B71D-F4F1-79D2-8A91D007BCF8}"/>
                   </a:ext>
                 </a:extLst>
               </p:cNvPr>
-              <p:cNvSpPr txBox="1"/>
+              <p:cNvSpPr/>
               <p:nvPr/>
             </p:nvSpPr>
             <p:spPr>
               <a:xfrm>
-                <a:off x="1957874" y="3959333"/>
-                <a:ext cx="1918043" cy="779700"/>
+                <a:off x="930832" y="181173"/>
+                <a:ext cx="362347" cy="362347"/>
               </a:xfrm>
-              <a:prstGeom prst="rect">
+              <a:prstGeom prst="ellipse">
                 <a:avLst/>
               </a:prstGeom>
-              <a:noFill/>
+              <a:solidFill>
+                <a:srgbClr val="FEBD2E"/>
+              </a:solidFill>
+              <a:ln>
+                <a:noFill/>
+              </a:ln>
             </p:spPr>
+            <p:style>
+              <a:lnRef idx="2">
+                <a:schemeClr val="accent1">
+                  <a:shade val="15000"/>
+                </a:schemeClr>
+              </a:lnRef>
+              <a:fillRef idx="1">
+                <a:schemeClr val="accent1"/>
+              </a:fillRef>
+              <a:effectRef idx="0">
+                <a:schemeClr val="accent1"/>
+              </a:effectRef>
+              <a:fontRef idx="minor">
+                <a:schemeClr val="lt1"/>
+              </a:fontRef>
+            </p:style>
             <p:txBody>
-              <a:bodyPr wrap="square" rtlCol="0">
-                <a:spAutoFit/>
-              </a:bodyPr>
+              <a:bodyPr rtlCol="0" anchor="ctr"/>
               <a:lstStyle/>
               <a:p>
-                <a:r>
-                  <a:rPr lang="en-US" sz="3200" b="1" dirty="0">
-                    <a:solidFill>
-                      <a:srgbClr val="000000"/>
-                    </a:solidFill>
-                    <a:latin typeface="Candara" panose="020E0502030303020204" pitchFamily="34" charset="0"/>
-                    <a:ea typeface="Apple Color Emoji" pitchFamily="2" charset="0"/>
-                    <a:cs typeface="Calibri" panose="020F0502020204030204" pitchFamily="34" charset="0"/>
-                  </a:rPr>
-                  <a:t>GitHub</a:t>
-                </a:r>
-                <a:endParaRPr lang="en-TW" sz="3200" b="1" dirty="0">
-                  <a:latin typeface="Candara" panose="020E0502030303020204" pitchFamily="34" charset="0"/>
-                  <a:ea typeface="Apple Color Emoji" pitchFamily="2" charset="0"/>
-                  <a:cs typeface="Calibri" panose="020F0502020204030204" pitchFamily="34" charset="0"/>
-                </a:endParaRPr>
+                <a:pPr algn="ctr"/>
+                <a:endParaRPr lang="en-TW"/>
+              </a:p>
+            </p:txBody>
+          </p:sp>
+          <p:sp>
+            <p:nvSpPr>
+              <p:cNvPr id="44" name="Oval 43">
+                <a:extLst>
+                  <a:ext uri="{FF2B5EF4-FFF2-40B4-BE49-F238E27FC236}">
+                    <a16:creationId xmlns:a16="http://schemas.microsoft.com/office/drawing/2014/main" id="{D491FE96-C1C3-DFE7-7E7E-9D53E0FD5ECF}"/>
+                  </a:ext>
+                </a:extLst>
+              </p:cNvPr>
+              <p:cNvSpPr/>
+              <p:nvPr/>
+            </p:nvSpPr>
+            <p:spPr>
+              <a:xfrm>
+                <a:off x="1417911" y="181173"/>
+                <a:ext cx="362347" cy="362347"/>
+              </a:xfrm>
+              <a:prstGeom prst="ellipse">
+                <a:avLst/>
+              </a:prstGeom>
+              <a:solidFill>
+                <a:srgbClr val="27C841"/>
+              </a:solidFill>
+              <a:ln>
+                <a:noFill/>
+              </a:ln>
+            </p:spPr>
+            <p:style>
+              <a:lnRef idx="2">
+                <a:schemeClr val="accent1">
+                  <a:shade val="15000"/>
+                </a:schemeClr>
+              </a:lnRef>
+              <a:fillRef idx="1">
+                <a:schemeClr val="accent1"/>
+              </a:fillRef>
+              <a:effectRef idx="0">
+                <a:schemeClr val="accent1"/>
+              </a:effectRef>
+              <a:fontRef idx="minor">
+                <a:schemeClr val="lt1"/>
+              </a:fontRef>
+            </p:style>
+            <p:txBody>
+              <a:bodyPr rtlCol="0" anchor="ctr"/>
+              <a:lstStyle/>
+              <a:p>
+                <a:pPr algn="ctr"/>
+                <a:endParaRPr lang="en-TW"/>
               </a:p>
             </p:txBody>
           </p:sp>
         </p:grpSp>
-        <p:pic>
-          <p:nvPicPr>
-            <p:cNvPr id="49" name="Graphic 48" descr="Cursor">
-              <a:extLst>
-                <a:ext uri="{FF2B5EF4-FFF2-40B4-BE49-F238E27FC236}">
-                  <a16:creationId xmlns:a16="http://schemas.microsoft.com/office/drawing/2014/main" id="{7C39F1AF-ED10-7560-63AB-33A31603625C}"/>
-                </a:ext>
-              </a:extLst>
-            </p:cNvPr>
-            <p:cNvPicPr>
-              <a:picLocks noChangeAspect="1"/>
-            </p:cNvPicPr>
-            <p:nvPr/>
-          </p:nvPicPr>
-          <p:blipFill>
-            <a:blip r:embed="rId4">
-              <a:extLst>
-                <a:ext uri="{96DAC541-7B7A-43D3-8B79-37D633B846F1}">
-                  <asvg:svgBlip xmlns:asvg="http://schemas.microsoft.com/office/drawing/2016/SVG/main" r:embed="rId5"/>
-                </a:ext>
-              </a:extLst>
-            </a:blip>
-            <a:stretch>
-              <a:fillRect/>
-            </a:stretch>
-          </p:blipFill>
-          <p:spPr>
-            <a:xfrm flipH="1">
-              <a:off x="6678136" y="4059426"/>
-              <a:ext cx="714945" cy="714945"/>
-            </a:xfrm>
-            <a:prstGeom prst="rect">
-              <a:avLst/>
-            </a:prstGeom>
-          </p:spPr>
-        </p:pic>
       </p:grpSp>
+      <p:sp>
+        <p:nvSpPr>
+          <p:cNvPr id="46" name="TextBox 45">
+            <a:extLst>
+              <a:ext uri="{FF2B5EF4-FFF2-40B4-BE49-F238E27FC236}">
+                <a16:creationId xmlns:a16="http://schemas.microsoft.com/office/drawing/2014/main" id="{D6EA6684-A3DD-5B8C-0FA2-1588D73393FD}"/>
+              </a:ext>
+            </a:extLst>
+          </p:cNvPr>
+          <p:cNvSpPr txBox="1"/>
+          <p:nvPr/>
+        </p:nvSpPr>
+        <p:spPr>
+          <a:xfrm>
+            <a:off x="574151" y="2061355"/>
+            <a:ext cx="8008883" cy="861774"/>
+          </a:xfrm>
+          <a:prstGeom prst="rect">
+            <a:avLst/>
+          </a:prstGeom>
+          <a:noFill/>
+        </p:spPr>
+        <p:txBody>
+          <a:bodyPr wrap="square" rtlCol="0">
+            <a:spAutoFit/>
+          </a:bodyPr>
+          <a:lstStyle/>
+          <a:p>
+            <a:r>
+              <a:rPr lang="en-US" sz="5000" b="1" i="0" dirty="0">
+                <a:solidFill>
+                  <a:srgbClr val="AD5545"/>
+                </a:solidFill>
+                <a:effectLst/>
+                <a:latin typeface="Bangla MN" pitchFamily="2" charset="0"/>
+                <a:cs typeface="Bangla MN" pitchFamily="2" charset="0"/>
+              </a:rPr>
+              <a:t>Multi-User </a:t>
+            </a:r>
+            <a:r>
+              <a:rPr lang="en-US" sz="5000" b="1" i="0" dirty="0">
+                <a:effectLst/>
+                <a:latin typeface="Bangla MN" pitchFamily="2" charset="0"/>
+                <a:cs typeface="Bangla MN" pitchFamily="2" charset="0"/>
+              </a:rPr>
+              <a:t>Chat Room</a:t>
+            </a:r>
+            <a:endParaRPr lang="en-TW" sz="5000" b="1" dirty="0">
+              <a:solidFill>
+                <a:srgbClr val="AD5545"/>
+              </a:solidFill>
+              <a:latin typeface="Bangla MN" pitchFamily="2" charset="0"/>
+              <a:ea typeface="Apple Color Emoji" pitchFamily="2" charset="0"/>
+              <a:cs typeface="Bangla MN" pitchFamily="2" charset="0"/>
+            </a:endParaRPr>
+          </a:p>
+        </p:txBody>
+      </p:sp>
       <p:grpSp>
         <p:nvGrpSpPr>
-          <p:cNvPr id="13" name="Group 12">
+          <p:cNvPr id="31" name="Group 30">
             <a:extLst>
               <a:ext uri="{FF2B5EF4-FFF2-40B4-BE49-F238E27FC236}">
-                <a16:creationId xmlns:a16="http://schemas.microsoft.com/office/drawing/2014/main" id="{4AB4BD6B-2273-434E-E4AB-B56E19CED722}"/>
+                <a16:creationId xmlns:a16="http://schemas.microsoft.com/office/drawing/2014/main" id="{1BC6B4AC-3CC3-1DE1-6C04-EB2390640C99}"/>
               </a:ext>
             </a:extLst>
           </p:cNvPr>
@@ -8511,18 +12247,18 @@
         </p:nvGrpSpPr>
         <p:grpSpPr>
           <a:xfrm>
-            <a:off x="2048742" y="5137735"/>
-            <a:ext cx="5133686" cy="562544"/>
-            <a:chOff x="2066237" y="5142792"/>
-            <a:chExt cx="5133686" cy="562544"/>
+            <a:off x="1013293" y="5155481"/>
+            <a:ext cx="7114512" cy="558000"/>
+            <a:chOff x="1331462" y="5109441"/>
+            <a:chExt cx="7114512" cy="561936"/>
           </a:xfrm>
         </p:grpSpPr>
         <p:grpSp>
           <p:nvGrpSpPr>
-            <p:cNvPr id="12" name="Group 11">
+            <p:cNvPr id="3" name="Group 2">
               <a:extLst>
                 <a:ext uri="{FF2B5EF4-FFF2-40B4-BE49-F238E27FC236}">
-                  <a16:creationId xmlns:a16="http://schemas.microsoft.com/office/drawing/2014/main" id="{65CECC3A-D1AE-65E4-3EB0-9438028135EE}"/>
+                  <a16:creationId xmlns:a16="http://schemas.microsoft.com/office/drawing/2014/main" id="{25D8F06B-791F-0D35-D2BB-D83B05650C71}"/>
                 </a:ext>
               </a:extLst>
             </p:cNvPr>
@@ -8531,18 +12267,18 @@
           </p:nvGrpSpPr>
           <p:grpSpPr>
             <a:xfrm>
-              <a:off x="2066237" y="5147762"/>
-              <a:ext cx="1226645" cy="552605"/>
-              <a:chOff x="1889257" y="5133273"/>
-              <a:chExt cx="1226645" cy="552605"/>
+              <a:off x="1331462" y="5109441"/>
+              <a:ext cx="1134081" cy="561936"/>
+              <a:chOff x="2056988" y="5133374"/>
+              <a:chExt cx="1134081" cy="561936"/>
             </a:xfrm>
           </p:grpSpPr>
           <p:grpSp>
             <p:nvGrpSpPr>
-              <p:cNvPr id="69" name="Group 68">
+              <p:cNvPr id="15" name="Group 14">
                 <a:extLst>
                   <a:ext uri="{FF2B5EF4-FFF2-40B4-BE49-F238E27FC236}">
-                    <a16:creationId xmlns:a16="http://schemas.microsoft.com/office/drawing/2014/main" id="{5B3155CB-63ED-3527-B006-280675BAEBFA}"/>
+                    <a16:creationId xmlns:a16="http://schemas.microsoft.com/office/drawing/2014/main" id="{15B95384-06CF-0B88-FC11-7067DCED7EE6}"/>
                   </a:ext>
                 </a:extLst>
               </p:cNvPr>
@@ -8551,18 +12287,18 @@
             </p:nvGrpSpPr>
             <p:grpSpPr>
               <a:xfrm>
-                <a:off x="1889257" y="5162658"/>
-                <a:ext cx="1226645" cy="523220"/>
+                <a:off x="2056988" y="5172090"/>
+                <a:ext cx="1134081" cy="523220"/>
                 <a:chOff x="2417086" y="4288960"/>
                 <a:chExt cx="1985565" cy="553999"/>
               </a:xfrm>
             </p:grpSpPr>
             <p:sp>
               <p:nvSpPr>
-                <p:cNvPr id="71" name="Rounded Rectangle 70">
+                <p:cNvPr id="17" name="Rounded Rectangle 16">
                   <a:extLst>
                     <a:ext uri="{FF2B5EF4-FFF2-40B4-BE49-F238E27FC236}">
-                      <a16:creationId xmlns:a16="http://schemas.microsoft.com/office/drawing/2014/main" id="{A1B70014-CF4A-D05E-7BD9-12204B31CF64}"/>
+                      <a16:creationId xmlns:a16="http://schemas.microsoft.com/office/drawing/2014/main" id="{32C7EC62-FDC6-4CD1-1A68-FDF1DDF44216}"/>
                     </a:ext>
                   </a:extLst>
                 </p:cNvPr>
@@ -8613,10 +12349,10 @@
             </p:sp>
             <p:sp>
               <p:nvSpPr>
-                <p:cNvPr id="72" name="Rounded Rectangle 71">
+                <p:cNvPr id="18" name="Rounded Rectangle 17">
                   <a:extLst>
                     <a:ext uri="{FF2B5EF4-FFF2-40B4-BE49-F238E27FC236}">
-                      <a16:creationId xmlns:a16="http://schemas.microsoft.com/office/drawing/2014/main" id="{206F6435-F4EB-858A-733D-656BA56FC019}"/>
+                      <a16:creationId xmlns:a16="http://schemas.microsoft.com/office/drawing/2014/main" id="{0DD8B7A9-3864-57DE-7CF5-967FBD1602FB}"/>
                     </a:ext>
                   </a:extLst>
                 </p:cNvPr>
@@ -8668,10 +12404,10 @@
           </p:grpSp>
           <p:sp>
             <p:nvSpPr>
-              <p:cNvPr id="70" name="TextBox 69">
+              <p:cNvPr id="16" name="TextBox 15">
                 <a:extLst>
                   <a:ext uri="{FF2B5EF4-FFF2-40B4-BE49-F238E27FC236}">
-                    <a16:creationId xmlns:a16="http://schemas.microsoft.com/office/drawing/2014/main" id="{624C742E-DA12-FA3B-8BAD-1CC38510CDCE}"/>
+                    <a16:creationId xmlns:a16="http://schemas.microsoft.com/office/drawing/2014/main" id="{32DBB994-32E3-AF1E-65A4-FF169F902C1F}"/>
                   </a:ext>
                 </a:extLst>
               </p:cNvPr>
@@ -8680,8 +12416,8 @@
             </p:nvSpPr>
             <p:spPr>
               <a:xfrm>
-                <a:off x="2082384" y="5133273"/>
-                <a:ext cx="842379" cy="523220"/>
+                <a:off x="2250116" y="5133374"/>
+                <a:ext cx="754342" cy="523220"/>
               </a:xfrm>
               <a:prstGeom prst="rect">
                 <a:avLst/>
@@ -8703,7 +12439,7 @@
                     <a:ea typeface="Apple Color Emoji" pitchFamily="2" charset="0"/>
                     <a:cs typeface="Calibri" panose="020F0502020204030204" pitchFamily="34" charset="0"/>
                   </a:rPr>
-                  <a:t>RYU</a:t>
+                  <a:t>C++</a:t>
                 </a:r>
                 <a:endParaRPr lang="en-TW" sz="2800" b="1" dirty="0">
                   <a:latin typeface="Candara" panose="020E0502030303020204" pitchFamily="34" charset="0"/>
@@ -8716,10 +12452,10 @@
         </p:grpSp>
         <p:grpSp>
           <p:nvGrpSpPr>
-            <p:cNvPr id="11" name="Group 10">
+            <p:cNvPr id="19" name="Group 18">
               <a:extLst>
                 <a:ext uri="{FF2B5EF4-FFF2-40B4-BE49-F238E27FC236}">
-                  <a16:creationId xmlns:a16="http://schemas.microsoft.com/office/drawing/2014/main" id="{027028CA-E2E7-905F-DB69-9303A6A30ACB}"/>
+                  <a16:creationId xmlns:a16="http://schemas.microsoft.com/office/drawing/2014/main" id="{68EB10D2-B685-0D70-C2A5-3B380F2363D4}"/>
                 </a:ext>
               </a:extLst>
             </p:cNvPr>
@@ -8728,18 +12464,18 @@
           </p:nvGrpSpPr>
           <p:grpSpPr>
             <a:xfrm>
-              <a:off x="3519097" y="5142792"/>
-              <a:ext cx="1757134" cy="562544"/>
-              <a:chOff x="3580179" y="5137735"/>
-              <a:chExt cx="1757134" cy="562544"/>
+              <a:off x="4307385" y="5110751"/>
+              <a:ext cx="4138589" cy="559316"/>
+              <a:chOff x="3274377" y="5129366"/>
+              <a:chExt cx="4138589" cy="559316"/>
             </a:xfrm>
           </p:grpSpPr>
           <p:grpSp>
             <p:nvGrpSpPr>
-              <p:cNvPr id="2" name="Group 1">
+              <p:cNvPr id="11" name="Group 10">
                 <a:extLst>
                   <a:ext uri="{FF2B5EF4-FFF2-40B4-BE49-F238E27FC236}">
-                    <a16:creationId xmlns:a16="http://schemas.microsoft.com/office/drawing/2014/main" id="{8A47F3F3-9BD5-0E58-5183-DB995D014AA6}"/>
+                    <a16:creationId xmlns:a16="http://schemas.microsoft.com/office/drawing/2014/main" id="{64077C95-B2FF-7674-805C-FA46FE40CC16}"/>
                   </a:ext>
                 </a:extLst>
               </p:cNvPr>
@@ -8748,18 +12484,18 @@
             </p:nvGrpSpPr>
             <p:grpSpPr>
               <a:xfrm>
-                <a:off x="3580179" y="5177059"/>
-                <a:ext cx="1757134" cy="523220"/>
+                <a:off x="3274377" y="5165462"/>
+                <a:ext cx="4138589" cy="523220"/>
                 <a:chOff x="2417086" y="4288960"/>
-                <a:chExt cx="1985565" cy="553999"/>
+                <a:chExt cx="1956603" cy="553999"/>
               </a:xfrm>
             </p:grpSpPr>
             <p:sp>
               <p:nvSpPr>
-                <p:cNvPr id="3" name="Rounded Rectangle 2">
+                <p:cNvPr id="13" name="Rounded Rectangle 12">
                   <a:extLst>
                     <a:ext uri="{FF2B5EF4-FFF2-40B4-BE49-F238E27FC236}">
-                      <a16:creationId xmlns:a16="http://schemas.microsoft.com/office/drawing/2014/main" id="{A0610ADA-956F-8B26-9618-9F76C200883A}"/>
+                      <a16:creationId xmlns:a16="http://schemas.microsoft.com/office/drawing/2014/main" id="{80850E53-84F6-8D98-B00D-DE64BC9A9A2E}"/>
                     </a:ext>
                   </a:extLst>
                 </p:cNvPr>
@@ -8769,7 +12505,7 @@
               <p:spPr>
                 <a:xfrm>
                   <a:off x="2417086" y="4288961"/>
-                  <a:ext cx="1985565" cy="553998"/>
+                  <a:ext cx="1956603" cy="553998"/>
                 </a:xfrm>
                 <a:prstGeom prst="roundRect">
                   <a:avLst>
@@ -8804,16 +12540,16 @@
                 <a:lstStyle/>
                 <a:p>
                   <a:pPr algn="ctr"/>
-                  <a:endParaRPr lang="en-TW" sz="1350"/>
+                  <a:endParaRPr lang="en-TW" sz="1350" dirty="0"/>
                 </a:p>
               </p:txBody>
             </p:sp>
             <p:sp>
               <p:nvSpPr>
-                <p:cNvPr id="5" name="Rounded Rectangle 4">
+                <p:cNvPr id="14" name="Rounded Rectangle 13">
                   <a:extLst>
                     <a:ext uri="{FF2B5EF4-FFF2-40B4-BE49-F238E27FC236}">
-                      <a16:creationId xmlns:a16="http://schemas.microsoft.com/office/drawing/2014/main" id="{371035B0-5AA8-5625-0C59-F902C1CE23A8}"/>
+                      <a16:creationId xmlns:a16="http://schemas.microsoft.com/office/drawing/2014/main" id="{564DB107-5891-6CC5-0C16-1612CF6C80FC}"/>
                     </a:ext>
                   </a:extLst>
                 </p:cNvPr>
@@ -8865,10 +12601,10 @@
           </p:grpSp>
           <p:sp>
             <p:nvSpPr>
-              <p:cNvPr id="6" name="TextBox 5">
+              <p:cNvPr id="12" name="TextBox 11">
                 <a:extLst>
                   <a:ext uri="{FF2B5EF4-FFF2-40B4-BE49-F238E27FC236}">
-                    <a16:creationId xmlns:a16="http://schemas.microsoft.com/office/drawing/2014/main" id="{BCB7F1EF-40CF-7695-E502-3545C9ACA037}"/>
+                    <a16:creationId xmlns:a16="http://schemas.microsoft.com/office/drawing/2014/main" id="{AF9FBB62-71EA-1F1B-CE28-BC98108DC212}"/>
                   </a:ext>
                 </a:extLst>
               </p:cNvPr>
@@ -8877,8 +12613,8 @@
             </p:nvSpPr>
             <p:spPr>
               <a:xfrm>
-                <a:off x="3745313" y="5137735"/>
-                <a:ext cx="1390322" cy="523220"/>
+                <a:off x="3489619" y="5129366"/>
+                <a:ext cx="3833162" cy="523220"/>
               </a:xfrm>
               <a:prstGeom prst="rect">
                 <a:avLst/>
@@ -8900,7 +12636,7 @@
                     <a:ea typeface="Apple Color Emoji" pitchFamily="2" charset="0"/>
                     <a:cs typeface="Calibri" panose="020F0502020204030204" pitchFamily="34" charset="0"/>
                   </a:rPr>
-                  <a:t>Mininet</a:t>
+                  <a:t>Client-Server Paradigm</a:t>
                 </a:r>
                 <a:endParaRPr lang="en-TW" sz="2800" b="1" dirty="0">
                   <a:latin typeface="Candara" panose="020E0502030303020204" pitchFamily="34" charset="0"/>
@@ -8913,10 +12649,10 @@
         </p:grpSp>
         <p:grpSp>
           <p:nvGrpSpPr>
-            <p:cNvPr id="22" name="Group 21">
+            <p:cNvPr id="10" name="Group 9">
               <a:extLst>
                 <a:ext uri="{FF2B5EF4-FFF2-40B4-BE49-F238E27FC236}">
-                  <a16:creationId xmlns:a16="http://schemas.microsoft.com/office/drawing/2014/main" id="{E1ADD71D-6A61-8DB5-F83A-EE03E801F549}"/>
+                  <a16:creationId xmlns:a16="http://schemas.microsoft.com/office/drawing/2014/main" id="{81B595BB-6CFB-2772-D09E-5E5D6A80AEFA}"/>
                 </a:ext>
               </a:extLst>
             </p:cNvPr>
@@ -8925,18 +12661,18 @@
           </p:nvGrpSpPr>
           <p:grpSpPr>
             <a:xfrm>
-              <a:off x="5502447" y="5145688"/>
-              <a:ext cx="1697476" cy="556753"/>
-              <a:chOff x="5055920" y="5140631"/>
-              <a:chExt cx="1697476" cy="556753"/>
+              <a:off x="2711960" y="5113158"/>
+              <a:ext cx="1349008" cy="554502"/>
+              <a:chOff x="5055918" y="5142882"/>
+              <a:chExt cx="1349008" cy="554502"/>
             </a:xfrm>
           </p:grpSpPr>
           <p:grpSp>
             <p:nvGrpSpPr>
-              <p:cNvPr id="7" name="Group 6">
+              <p:cNvPr id="26" name="Group 25">
                 <a:extLst>
                   <a:ext uri="{FF2B5EF4-FFF2-40B4-BE49-F238E27FC236}">
-                    <a16:creationId xmlns:a16="http://schemas.microsoft.com/office/drawing/2014/main" id="{A47717EB-504F-6203-C105-477F0D863DBB}"/>
+                    <a16:creationId xmlns:a16="http://schemas.microsoft.com/office/drawing/2014/main" id="{DC2BE4B9-4AD3-E925-A3EE-876B3A450E2D}"/>
                   </a:ext>
                 </a:extLst>
               </p:cNvPr>
@@ -8945,18 +12681,18 @@
             </p:nvGrpSpPr>
             <p:grpSpPr>
               <a:xfrm>
-                <a:off x="5055920" y="5174164"/>
-                <a:ext cx="1697476" cy="523220"/>
-                <a:chOff x="2417086" y="4288960"/>
-                <a:chExt cx="1985565" cy="553999"/>
+                <a:off x="5055918" y="5174164"/>
+                <a:ext cx="1349008" cy="523220"/>
+                <a:chOff x="2417085" y="4288960"/>
+                <a:chExt cx="1577957" cy="553999"/>
               </a:xfrm>
             </p:grpSpPr>
             <p:sp>
               <p:nvSpPr>
-                <p:cNvPr id="8" name="Rounded Rectangle 7">
+                <p:cNvPr id="28" name="Rounded Rectangle 27">
                   <a:extLst>
                     <a:ext uri="{FF2B5EF4-FFF2-40B4-BE49-F238E27FC236}">
-                      <a16:creationId xmlns:a16="http://schemas.microsoft.com/office/drawing/2014/main" id="{2B5F2E05-D803-3B5C-4B51-3CFA7EBAEBCA}"/>
+                      <a16:creationId xmlns:a16="http://schemas.microsoft.com/office/drawing/2014/main" id="{33E05CA2-F0D7-8F39-2ED3-19FE515F8201}"/>
                     </a:ext>
                   </a:extLst>
                 </p:cNvPr>
@@ -8965,8 +12701,8 @@
               </p:nvSpPr>
               <p:spPr>
                 <a:xfrm>
-                  <a:off x="2417086" y="4288961"/>
-                  <a:ext cx="1985565" cy="553998"/>
+                  <a:off x="2417085" y="4288961"/>
+                  <a:ext cx="1577957" cy="553998"/>
                 </a:xfrm>
                 <a:prstGeom prst="roundRect">
                   <a:avLst>
@@ -9007,10 +12743,10 @@
             </p:sp>
             <p:sp>
               <p:nvSpPr>
-                <p:cNvPr id="9" name="Rounded Rectangle 8">
+                <p:cNvPr id="29" name="Rounded Rectangle 28">
                   <a:extLst>
                     <a:ext uri="{FF2B5EF4-FFF2-40B4-BE49-F238E27FC236}">
-                      <a16:creationId xmlns:a16="http://schemas.microsoft.com/office/drawing/2014/main" id="{BF309162-3D11-DAD1-426B-785D31A07548}"/>
+                      <a16:creationId xmlns:a16="http://schemas.microsoft.com/office/drawing/2014/main" id="{3D0D317C-A1E5-72AD-A9A4-314C09A2DDC3}"/>
                     </a:ext>
                   </a:extLst>
                 </p:cNvPr>
@@ -9020,7 +12756,7 @@
               <p:spPr>
                 <a:xfrm>
                   <a:off x="2417086" y="4288960"/>
-                  <a:ext cx="1931962" cy="487756"/>
+                  <a:ext cx="1493470" cy="487756"/>
                 </a:xfrm>
                 <a:prstGeom prst="roundRect">
                   <a:avLst>
@@ -9062,10 +12798,10 @@
           </p:grpSp>
           <p:sp>
             <p:nvSpPr>
-              <p:cNvPr id="10" name="TextBox 9">
+              <p:cNvPr id="27" name="TextBox 26">
                 <a:extLst>
                   <a:ext uri="{FF2B5EF4-FFF2-40B4-BE49-F238E27FC236}">
-                    <a16:creationId xmlns:a16="http://schemas.microsoft.com/office/drawing/2014/main" id="{479216B5-5B9D-E220-C14E-9499383404C0}"/>
+                    <a16:creationId xmlns:a16="http://schemas.microsoft.com/office/drawing/2014/main" id="{0D2835C8-CA0A-26A9-C484-F56CE58B7550}"/>
                   </a:ext>
                 </a:extLst>
               </p:cNvPr>
@@ -9074,8 +12810,8 @@
             </p:nvSpPr>
             <p:spPr>
               <a:xfrm>
-                <a:off x="5263701" y="5140631"/>
-                <a:ext cx="1293283" cy="523220"/>
+                <a:off x="5215977" y="5142882"/>
+                <a:ext cx="1016360" cy="523220"/>
               </a:xfrm>
               <a:prstGeom prst="rect">
                 <a:avLst/>
@@ -9094,17 +12830,271 @@
                     <a:ea typeface="Apple Color Emoji" pitchFamily="2" charset="0"/>
                     <a:cs typeface="Calibri" panose="020F0502020204030204" pitchFamily="34" charset="0"/>
                   </a:rPr>
-                  <a:t>Python</a:t>
+                  <a:t>Linux</a:t>
                 </a:r>
               </a:p>
             </p:txBody>
           </p:sp>
         </p:grpSp>
       </p:grpSp>
+      <p:grpSp>
+        <p:nvGrpSpPr>
+          <p:cNvPr id="32" name="Group 31">
+            <a:extLst>
+              <a:ext uri="{FF2B5EF4-FFF2-40B4-BE49-F238E27FC236}">
+                <a16:creationId xmlns:a16="http://schemas.microsoft.com/office/drawing/2014/main" id="{23B7F189-822C-9C4A-358B-9065BE1AF4AD}"/>
+              </a:ext>
+            </a:extLst>
+          </p:cNvPr>
+          <p:cNvGrpSpPr/>
+          <p:nvPr/>
+        </p:nvGrpSpPr>
+        <p:grpSpPr>
+          <a:xfrm>
+            <a:off x="3348819" y="3934871"/>
+            <a:ext cx="2443457" cy="615969"/>
+            <a:chOff x="3358704" y="4071715"/>
+            <a:chExt cx="2443457" cy="615969"/>
+          </a:xfrm>
+        </p:grpSpPr>
+        <p:grpSp>
+          <p:nvGrpSpPr>
+            <p:cNvPr id="33" name="Group 32">
+              <a:extLst>
+                <a:ext uri="{FF2B5EF4-FFF2-40B4-BE49-F238E27FC236}">
+                  <a16:creationId xmlns:a16="http://schemas.microsoft.com/office/drawing/2014/main" id="{D502AB20-8E5A-60B0-730B-4D84CE0002B9}"/>
+                </a:ext>
+              </a:extLst>
+            </p:cNvPr>
+            <p:cNvGrpSpPr/>
+            <p:nvPr/>
+          </p:nvGrpSpPr>
+          <p:grpSpPr>
+            <a:xfrm>
+              <a:off x="3374795" y="4071715"/>
+              <a:ext cx="2427366" cy="615969"/>
+              <a:chOff x="4483523" y="4003722"/>
+              <a:chExt cx="3236488" cy="821291"/>
+            </a:xfrm>
+          </p:grpSpPr>
+          <p:grpSp>
+            <p:nvGrpSpPr>
+              <p:cNvPr id="35" name="Group 34">
+                <a:extLst>
+                  <a:ext uri="{FF2B5EF4-FFF2-40B4-BE49-F238E27FC236}">
+                    <a16:creationId xmlns:a16="http://schemas.microsoft.com/office/drawing/2014/main" id="{15854A19-0C0D-0341-2B9A-D6867E733CBC}"/>
+                  </a:ext>
+                </a:extLst>
+              </p:cNvPr>
+              <p:cNvGrpSpPr/>
+              <p:nvPr/>
+            </p:nvGrpSpPr>
+            <p:grpSpPr>
+              <a:xfrm>
+                <a:off x="4483523" y="4003722"/>
+                <a:ext cx="3236488" cy="821291"/>
+                <a:chOff x="1580784" y="3933278"/>
+                <a:chExt cx="3236488" cy="821291"/>
+              </a:xfrm>
+            </p:grpSpPr>
+            <p:sp>
+              <p:nvSpPr>
+                <p:cNvPr id="37" name="Rounded Rectangle 36">
+                  <a:extLst>
+                    <a:ext uri="{FF2B5EF4-FFF2-40B4-BE49-F238E27FC236}">
+                      <a16:creationId xmlns:a16="http://schemas.microsoft.com/office/drawing/2014/main" id="{274288BA-14F9-3344-DD58-75E12D586127}"/>
+                    </a:ext>
+                  </a:extLst>
+                </p:cNvPr>
+                <p:cNvSpPr/>
+                <p:nvPr/>
+              </p:nvSpPr>
+              <p:spPr>
+                <a:xfrm>
+                  <a:off x="1580784" y="3991323"/>
+                  <a:ext cx="3236488" cy="763246"/>
+                </a:xfrm>
+                <a:prstGeom prst="roundRect">
+                  <a:avLst>
+                    <a:gd name="adj" fmla="val 38868"/>
+                  </a:avLst>
+                </a:prstGeom>
+                <a:solidFill>
+                  <a:srgbClr val="FFEB9E"/>
+                </a:solidFill>
+                <a:ln>
+                  <a:noFill/>
+                </a:ln>
+              </p:spPr>
+              <p:style>
+                <a:lnRef idx="2">
+                  <a:schemeClr val="accent1">
+                    <a:shade val="15000"/>
+                  </a:schemeClr>
+                </a:lnRef>
+                <a:fillRef idx="1">
+                  <a:schemeClr val="accent1"/>
+                </a:fillRef>
+                <a:effectRef idx="0">
+                  <a:schemeClr val="accent1"/>
+                </a:effectRef>
+                <a:fontRef idx="minor">
+                  <a:schemeClr val="lt1"/>
+                </a:fontRef>
+              </p:style>
+              <p:txBody>
+                <a:bodyPr rtlCol="0" anchor="ctr"/>
+                <a:lstStyle/>
+                <a:p>
+                  <a:pPr algn="ctr"/>
+                  <a:endParaRPr lang="en-TW" sz="1350" dirty="0"/>
+                </a:p>
+              </p:txBody>
+            </p:sp>
+            <p:sp>
+              <p:nvSpPr>
+                <p:cNvPr id="38" name="TextBox 37">
+                  <a:extLst>
+                    <a:ext uri="{FF2B5EF4-FFF2-40B4-BE49-F238E27FC236}">
+                      <a16:creationId xmlns:a16="http://schemas.microsoft.com/office/drawing/2014/main" id="{3B1326CB-98E0-C3F3-87BC-EE4C35E6DF59}"/>
+                    </a:ext>
+                  </a:extLst>
+                </p:cNvPr>
+                <p:cNvSpPr txBox="1"/>
+                <p:nvPr/>
+              </p:nvSpPr>
+              <p:spPr>
+                <a:xfrm>
+                  <a:off x="1957875" y="3933278"/>
+                  <a:ext cx="1918043" cy="779700"/>
+                </a:xfrm>
+                <a:prstGeom prst="rect">
+                  <a:avLst/>
+                </a:prstGeom>
+                <a:noFill/>
+              </p:spPr>
+              <p:txBody>
+                <a:bodyPr wrap="square" rtlCol="0">
+                  <a:spAutoFit/>
+                </a:bodyPr>
+                <a:lstStyle/>
+                <a:p>
+                  <a:r>
+                    <a:rPr lang="en-US" sz="3200" b="1" dirty="0">
+                      <a:solidFill>
+                        <a:srgbClr val="000000"/>
+                      </a:solidFill>
+                      <a:latin typeface="Candara" panose="020E0502030303020204" pitchFamily="34" charset="0"/>
+                      <a:ea typeface="Apple Color Emoji" pitchFamily="2" charset="0"/>
+                      <a:cs typeface="Calibri" panose="020F0502020204030204" pitchFamily="34" charset="0"/>
+                    </a:rPr>
+                    <a:t>GitHub</a:t>
+                  </a:r>
+                  <a:endParaRPr lang="en-TW" sz="3200" b="1" dirty="0">
+                    <a:latin typeface="Candara" panose="020E0502030303020204" pitchFamily="34" charset="0"/>
+                    <a:ea typeface="Apple Color Emoji" pitchFamily="2" charset="0"/>
+                    <a:cs typeface="Calibri" panose="020F0502020204030204" pitchFamily="34" charset="0"/>
+                  </a:endParaRPr>
+                </a:p>
+              </p:txBody>
+            </p:sp>
+          </p:grpSp>
+          <p:pic>
+            <p:nvPicPr>
+              <p:cNvPr id="36" name="Graphic 35" descr="Cursor">
+                <a:extLst>
+                  <a:ext uri="{FF2B5EF4-FFF2-40B4-BE49-F238E27FC236}">
+                    <a16:creationId xmlns:a16="http://schemas.microsoft.com/office/drawing/2014/main" id="{55FB7B76-1A5E-3107-0B52-4964C3CD1897}"/>
+                  </a:ext>
+                </a:extLst>
+              </p:cNvPr>
+              <p:cNvPicPr>
+                <a:picLocks noChangeAspect="1"/>
+              </p:cNvPicPr>
+              <p:nvPr/>
+            </p:nvPicPr>
+            <p:blipFill>
+              <a:blip r:embed="rId4">
+                <a:extLst>
+                  <a:ext uri="{96DAC541-7B7A-43D3-8B79-37D633B846F1}">
+                    <asvg:svgBlip xmlns:asvg="http://schemas.microsoft.com/office/drawing/2016/SVG/main" r:embed="rId5"/>
+                  </a:ext>
+                </a:extLst>
+              </a:blip>
+              <a:stretch>
+                <a:fillRect/>
+              </a:stretch>
+            </p:blipFill>
+            <p:spPr>
+              <a:xfrm flipH="1">
+                <a:off x="6678136" y="4033373"/>
+                <a:ext cx="714945" cy="714945"/>
+              </a:xfrm>
+              <a:prstGeom prst="rect">
+                <a:avLst/>
+              </a:prstGeom>
+            </p:spPr>
+          </p:pic>
+        </p:grpSp>
+        <p:sp>
+          <p:nvSpPr>
+            <p:cNvPr id="34" name="Rounded Rectangle 33">
+              <a:extLst>
+                <a:ext uri="{FF2B5EF4-FFF2-40B4-BE49-F238E27FC236}">
+                  <a16:creationId xmlns:a16="http://schemas.microsoft.com/office/drawing/2014/main" id="{669BFCBF-A6AE-DEB8-2DA8-94005216074A}"/>
+                </a:ext>
+              </a:extLst>
+            </p:cNvPr>
+            <p:cNvSpPr/>
+            <p:nvPr/>
+          </p:nvSpPr>
+          <p:spPr>
+            <a:xfrm>
+              <a:off x="3358704" y="4111730"/>
+              <a:ext cx="2357176" cy="495445"/>
+            </a:xfrm>
+            <a:prstGeom prst="roundRect">
+              <a:avLst>
+                <a:gd name="adj" fmla="val 38868"/>
+              </a:avLst>
+            </a:prstGeom>
+            <a:noFill/>
+            <a:ln w="38100">
+              <a:solidFill>
+                <a:schemeClr val="tx1"/>
+              </a:solidFill>
+            </a:ln>
+          </p:spPr>
+          <p:style>
+            <a:lnRef idx="2">
+              <a:schemeClr val="accent1">
+                <a:shade val="15000"/>
+              </a:schemeClr>
+            </a:lnRef>
+            <a:fillRef idx="1">
+              <a:schemeClr val="accent1"/>
+            </a:fillRef>
+            <a:effectRef idx="0">
+              <a:schemeClr val="accent1"/>
+            </a:effectRef>
+            <a:fontRef idx="minor">
+              <a:schemeClr val="lt1"/>
+            </a:fontRef>
+          </p:style>
+          <p:txBody>
+            <a:bodyPr rtlCol="0" anchor="ctr"/>
+            <a:lstStyle/>
+            <a:p>
+              <a:pPr algn="ctr"/>
+              <a:endParaRPr lang="en-TW" sz="1350" dirty="0"/>
+            </a:p>
+          </p:txBody>
+        </p:sp>
+      </p:grpSp>
     </p:spTree>
     <p:extLst>
       <p:ext uri="{BB962C8B-B14F-4D97-AF65-F5344CB8AC3E}">
-        <p14:creationId xmlns:p14="http://schemas.microsoft.com/office/powerpoint/2010/main" val="1388318823"/>
+        <p14:creationId xmlns:p14="http://schemas.microsoft.com/office/powerpoint/2010/main" val="1303210132"/>
       </p:ext>
     </p:extLst>
   </p:cSld>
@@ -9114,7 +13104,264 @@
 </p:sld>
 </file>
 
-<file path=ppt/slides/slide5.xml><?xml version="1.0" encoding="utf-8"?>
+<file path=ppt/slides/slide7.xml><?xml version="1.0" encoding="utf-8"?>
+<p:sld xmlns:a="http://schemas.openxmlformats.org/drawingml/2006/main" xmlns:r="http://schemas.openxmlformats.org/officeDocument/2006/relationships" xmlns:p="http://schemas.openxmlformats.org/presentationml/2006/main">
+  <p:cSld>
+    <p:spTree>
+      <p:nvGrpSpPr>
+        <p:cNvPr id="1" name=""/>
+        <p:cNvGrpSpPr/>
+        <p:nvPr/>
+      </p:nvGrpSpPr>
+      <p:grpSpPr>
+        <a:xfrm>
+          <a:off x="0" y="0"/>
+          <a:ext cx="0" cy="0"/>
+          <a:chOff x="0" y="0"/>
+          <a:chExt cx="0" cy="0"/>
+        </a:xfrm>
+      </p:grpSpPr>
+      <p:grpSp>
+        <p:nvGrpSpPr>
+          <p:cNvPr id="4" name="Group 3">
+            <a:extLst>
+              <a:ext uri="{FF2B5EF4-FFF2-40B4-BE49-F238E27FC236}">
+                <a16:creationId xmlns:a16="http://schemas.microsoft.com/office/drawing/2014/main" id="{5418F4FD-A94A-458A-8D79-C80EB09E7E2D}"/>
+              </a:ext>
+            </a:extLst>
+          </p:cNvPr>
+          <p:cNvGrpSpPr/>
+          <p:nvPr/>
+        </p:nvGrpSpPr>
+        <p:grpSpPr>
+          <a:xfrm>
+            <a:off x="2899" y="0"/>
+            <a:ext cx="9141101" cy="6858000"/>
+            <a:chOff x="2899" y="0"/>
+            <a:chExt cx="9141101" cy="6858000"/>
+          </a:xfrm>
+        </p:grpSpPr>
+        <p:pic>
+          <p:nvPicPr>
+            <p:cNvPr id="2" name="Picture 1">
+              <a:extLst>
+                <a:ext uri="{FF2B5EF4-FFF2-40B4-BE49-F238E27FC236}">
+                  <a16:creationId xmlns:a16="http://schemas.microsoft.com/office/drawing/2014/main" id="{F8D542F6-2406-0E87-EBC8-FA9A14EE0A17}"/>
+                </a:ext>
+              </a:extLst>
+            </p:cNvPr>
+            <p:cNvPicPr>
+              <a:picLocks noChangeAspect="1"/>
+            </p:cNvPicPr>
+            <p:nvPr/>
+          </p:nvPicPr>
+          <p:blipFill rotWithShape="1">
+            <a:blip r:embed="rId3"/>
+            <a:srcRect l="35534"/>
+            <a:stretch/>
+          </p:blipFill>
+          <p:spPr>
+            <a:xfrm>
+              <a:off x="2899" y="0"/>
+              <a:ext cx="9141101" cy="6858000"/>
+            </a:xfrm>
+            <a:prstGeom prst="rect">
+              <a:avLst/>
+            </a:prstGeom>
+          </p:spPr>
+        </p:pic>
+        <p:grpSp>
+          <p:nvGrpSpPr>
+            <p:cNvPr id="3" name="Group 2">
+              <a:extLst>
+                <a:ext uri="{FF2B5EF4-FFF2-40B4-BE49-F238E27FC236}">
+                  <a16:creationId xmlns:a16="http://schemas.microsoft.com/office/drawing/2014/main" id="{9451E72E-91BA-FF8A-B9C3-95BE14F05015}"/>
+                </a:ext>
+              </a:extLst>
+            </p:cNvPr>
+            <p:cNvGrpSpPr/>
+            <p:nvPr/>
+          </p:nvGrpSpPr>
+          <p:grpSpPr>
+            <a:xfrm>
+              <a:off x="379419" y="352145"/>
+              <a:ext cx="1336505" cy="362347"/>
+              <a:chOff x="443753" y="181173"/>
+              <a:chExt cx="1336505" cy="362347"/>
+            </a:xfrm>
+          </p:grpSpPr>
+          <p:sp>
+            <p:nvSpPr>
+              <p:cNvPr id="5" name="Oval 4">
+                <a:extLst>
+                  <a:ext uri="{FF2B5EF4-FFF2-40B4-BE49-F238E27FC236}">
+                    <a16:creationId xmlns:a16="http://schemas.microsoft.com/office/drawing/2014/main" id="{2B2D43F3-AB0F-7F24-E656-DA1521E7CAAC}"/>
+                  </a:ext>
+                </a:extLst>
+              </p:cNvPr>
+              <p:cNvSpPr/>
+              <p:nvPr/>
+            </p:nvSpPr>
+            <p:spPr>
+              <a:xfrm>
+                <a:off x="443753" y="181173"/>
+                <a:ext cx="362347" cy="362347"/>
+              </a:xfrm>
+              <a:prstGeom prst="ellipse">
+                <a:avLst/>
+              </a:prstGeom>
+              <a:solidFill>
+                <a:srgbClr val="FF5F57"/>
+              </a:solidFill>
+              <a:ln>
+                <a:noFill/>
+              </a:ln>
+            </p:spPr>
+            <p:style>
+              <a:lnRef idx="2">
+                <a:schemeClr val="accent1">
+                  <a:shade val="15000"/>
+                </a:schemeClr>
+              </a:lnRef>
+              <a:fillRef idx="1">
+                <a:schemeClr val="accent1"/>
+              </a:fillRef>
+              <a:effectRef idx="0">
+                <a:schemeClr val="accent1"/>
+              </a:effectRef>
+              <a:fontRef idx="minor">
+                <a:schemeClr val="lt1"/>
+              </a:fontRef>
+            </p:style>
+            <p:txBody>
+              <a:bodyPr rtlCol="0" anchor="ctr"/>
+              <a:lstStyle/>
+              <a:p>
+                <a:pPr algn="ctr"/>
+                <a:endParaRPr lang="en-TW"/>
+              </a:p>
+            </p:txBody>
+          </p:sp>
+          <p:sp>
+            <p:nvSpPr>
+              <p:cNvPr id="10" name="Oval 9">
+                <a:extLst>
+                  <a:ext uri="{FF2B5EF4-FFF2-40B4-BE49-F238E27FC236}">
+                    <a16:creationId xmlns:a16="http://schemas.microsoft.com/office/drawing/2014/main" id="{60A43D14-464C-FA32-F1B8-54A629B2C969}"/>
+                  </a:ext>
+                </a:extLst>
+              </p:cNvPr>
+              <p:cNvSpPr/>
+              <p:nvPr/>
+            </p:nvSpPr>
+            <p:spPr>
+              <a:xfrm>
+                <a:off x="930832" y="181173"/>
+                <a:ext cx="362347" cy="362347"/>
+              </a:xfrm>
+              <a:prstGeom prst="ellipse">
+                <a:avLst/>
+              </a:prstGeom>
+              <a:solidFill>
+                <a:srgbClr val="FEBD2E"/>
+              </a:solidFill>
+              <a:ln>
+                <a:noFill/>
+              </a:ln>
+            </p:spPr>
+            <p:style>
+              <a:lnRef idx="2">
+                <a:schemeClr val="accent1">
+                  <a:shade val="15000"/>
+                </a:schemeClr>
+              </a:lnRef>
+              <a:fillRef idx="1">
+                <a:schemeClr val="accent1"/>
+              </a:fillRef>
+              <a:effectRef idx="0">
+                <a:schemeClr val="accent1"/>
+              </a:effectRef>
+              <a:fontRef idx="minor">
+                <a:schemeClr val="lt1"/>
+              </a:fontRef>
+            </p:style>
+            <p:txBody>
+              <a:bodyPr rtlCol="0" anchor="ctr"/>
+              <a:lstStyle/>
+              <a:p>
+                <a:pPr algn="ctr"/>
+                <a:endParaRPr lang="en-TW"/>
+              </a:p>
+            </p:txBody>
+          </p:sp>
+          <p:sp>
+            <p:nvSpPr>
+              <p:cNvPr id="11" name="Oval 10">
+                <a:extLst>
+                  <a:ext uri="{FF2B5EF4-FFF2-40B4-BE49-F238E27FC236}">
+                    <a16:creationId xmlns:a16="http://schemas.microsoft.com/office/drawing/2014/main" id="{09535B96-C9A2-7785-2DCB-65E0C3DB0C4B}"/>
+                  </a:ext>
+                </a:extLst>
+              </p:cNvPr>
+              <p:cNvSpPr/>
+              <p:nvPr/>
+            </p:nvSpPr>
+            <p:spPr>
+              <a:xfrm>
+                <a:off x="1417911" y="181173"/>
+                <a:ext cx="362347" cy="362347"/>
+              </a:xfrm>
+              <a:prstGeom prst="ellipse">
+                <a:avLst/>
+              </a:prstGeom>
+              <a:solidFill>
+                <a:srgbClr val="27C841"/>
+              </a:solidFill>
+              <a:ln>
+                <a:noFill/>
+              </a:ln>
+            </p:spPr>
+            <p:style>
+              <a:lnRef idx="2">
+                <a:schemeClr val="accent1">
+                  <a:shade val="15000"/>
+                </a:schemeClr>
+              </a:lnRef>
+              <a:fillRef idx="1">
+                <a:schemeClr val="accent1"/>
+              </a:fillRef>
+              <a:effectRef idx="0">
+                <a:schemeClr val="accent1"/>
+              </a:effectRef>
+              <a:fontRef idx="minor">
+                <a:schemeClr val="lt1"/>
+              </a:fontRef>
+            </p:style>
+            <p:txBody>
+              <a:bodyPr rtlCol="0" anchor="ctr"/>
+              <a:lstStyle/>
+              <a:p>
+                <a:pPr algn="ctr"/>
+                <a:endParaRPr lang="en-TW"/>
+              </a:p>
+            </p:txBody>
+          </p:sp>
+        </p:grpSp>
+      </p:grpSp>
+    </p:spTree>
+    <p:extLst>
+      <p:ext uri="{BB962C8B-B14F-4D97-AF65-F5344CB8AC3E}">
+        <p14:creationId xmlns:p14="http://schemas.microsoft.com/office/powerpoint/2010/main" val="3894181209"/>
+      </p:ext>
+    </p:extLst>
+  </p:cSld>
+  <p:clrMapOvr>
+    <a:masterClrMapping/>
+  </p:clrMapOvr>
+</p:sld>
+</file>
+
+<file path=ppt/slides/slide8.xml><?xml version="1.0" encoding="utf-8"?>
 <p:sld xmlns:a="http://schemas.openxmlformats.org/drawingml/2006/main" xmlns:r="http://schemas.openxmlformats.org/officeDocument/2006/relationships" xmlns:p="http://schemas.openxmlformats.org/presentationml/2006/main">
   <p:cSld>
     <p:spTree>
@@ -10209,2237 +14456,6 @@
 </p:sld>
 </file>
 
-<file path=ppt/slides/slide6.xml><?xml version="1.0" encoding="utf-8"?>
-<p:sld xmlns:a="http://schemas.openxmlformats.org/drawingml/2006/main" xmlns:r="http://schemas.openxmlformats.org/officeDocument/2006/relationships" xmlns:p="http://schemas.openxmlformats.org/presentationml/2006/main">
-  <p:cSld>
-    <p:spTree>
-      <p:nvGrpSpPr>
-        <p:cNvPr id="1" name=""/>
-        <p:cNvGrpSpPr/>
-        <p:nvPr/>
-      </p:nvGrpSpPr>
-      <p:grpSpPr>
-        <a:xfrm>
-          <a:off x="0" y="0"/>
-          <a:ext cx="0" cy="0"/>
-          <a:chOff x="0" y="0"/>
-          <a:chExt cx="0" cy="0"/>
-        </a:xfrm>
-      </p:grpSpPr>
-      <p:grpSp>
-        <p:nvGrpSpPr>
-          <p:cNvPr id="19" name="Group 18">
-            <a:extLst>
-              <a:ext uri="{FF2B5EF4-FFF2-40B4-BE49-F238E27FC236}">
-                <a16:creationId xmlns:a16="http://schemas.microsoft.com/office/drawing/2014/main" id="{6A54F267-58E9-0CC2-106D-9EE31038C8E9}"/>
-              </a:ext>
-            </a:extLst>
-          </p:cNvPr>
-          <p:cNvGrpSpPr/>
-          <p:nvPr/>
-        </p:nvGrpSpPr>
-        <p:grpSpPr>
-          <a:xfrm>
-            <a:off x="-1" y="-273209"/>
-            <a:ext cx="9141101" cy="7131209"/>
-            <a:chOff x="-1" y="-273209"/>
-            <a:chExt cx="9141101" cy="7131209"/>
-          </a:xfrm>
-        </p:grpSpPr>
-        <p:pic>
-          <p:nvPicPr>
-            <p:cNvPr id="20" name="Picture 19">
-              <a:extLst>
-                <a:ext uri="{FF2B5EF4-FFF2-40B4-BE49-F238E27FC236}">
-                  <a16:creationId xmlns:a16="http://schemas.microsoft.com/office/drawing/2014/main" id="{4F1B5E20-42A3-1B91-2B8A-BBE443E19AD7}"/>
-                </a:ext>
-              </a:extLst>
-            </p:cNvPr>
-            <p:cNvPicPr>
-              <a:picLocks noChangeAspect="1"/>
-            </p:cNvPicPr>
-            <p:nvPr/>
-          </p:nvPicPr>
-          <p:blipFill rotWithShape="1">
-            <a:blip r:embed="rId3"/>
-            <a:srcRect l="35534"/>
-            <a:stretch/>
-          </p:blipFill>
-          <p:spPr>
-            <a:xfrm>
-              <a:off x="-1" y="-273209"/>
-              <a:ext cx="9141101" cy="7131209"/>
-            </a:xfrm>
-            <a:prstGeom prst="rect">
-              <a:avLst/>
-            </a:prstGeom>
-          </p:spPr>
-        </p:pic>
-        <p:grpSp>
-          <p:nvGrpSpPr>
-            <p:cNvPr id="21" name="Group 20">
-              <a:extLst>
-                <a:ext uri="{FF2B5EF4-FFF2-40B4-BE49-F238E27FC236}">
-                  <a16:creationId xmlns:a16="http://schemas.microsoft.com/office/drawing/2014/main" id="{54F5D1A8-D782-EB45-CA84-E0470A633C1C}"/>
-                </a:ext>
-              </a:extLst>
-            </p:cNvPr>
-            <p:cNvGrpSpPr/>
-            <p:nvPr/>
-          </p:nvGrpSpPr>
-          <p:grpSpPr>
-            <a:xfrm>
-              <a:off x="379419" y="80682"/>
-              <a:ext cx="1336505" cy="362347"/>
-              <a:chOff x="443753" y="181173"/>
-              <a:chExt cx="1336505" cy="362347"/>
-            </a:xfrm>
-          </p:grpSpPr>
-          <p:sp>
-            <p:nvSpPr>
-              <p:cNvPr id="22" name="Oval 21">
-                <a:extLst>
-                  <a:ext uri="{FF2B5EF4-FFF2-40B4-BE49-F238E27FC236}">
-                    <a16:creationId xmlns:a16="http://schemas.microsoft.com/office/drawing/2014/main" id="{AFC74E7A-D36D-1E4E-66A4-15964C2ED112}"/>
-                  </a:ext>
-                </a:extLst>
-              </p:cNvPr>
-              <p:cNvSpPr/>
-              <p:nvPr/>
-            </p:nvSpPr>
-            <p:spPr>
-              <a:xfrm>
-                <a:off x="443753" y="181173"/>
-                <a:ext cx="362347" cy="362347"/>
-              </a:xfrm>
-              <a:prstGeom prst="ellipse">
-                <a:avLst/>
-              </a:prstGeom>
-              <a:solidFill>
-                <a:srgbClr val="FF5F57"/>
-              </a:solidFill>
-              <a:ln>
-                <a:noFill/>
-              </a:ln>
-            </p:spPr>
-            <p:style>
-              <a:lnRef idx="2">
-                <a:schemeClr val="accent1">
-                  <a:shade val="15000"/>
-                </a:schemeClr>
-              </a:lnRef>
-              <a:fillRef idx="1">
-                <a:schemeClr val="accent1"/>
-              </a:fillRef>
-              <a:effectRef idx="0">
-                <a:schemeClr val="accent1"/>
-              </a:effectRef>
-              <a:fontRef idx="minor">
-                <a:schemeClr val="lt1"/>
-              </a:fontRef>
-            </p:style>
-            <p:txBody>
-              <a:bodyPr rtlCol="0" anchor="ctr"/>
-              <a:lstStyle/>
-              <a:p>
-                <a:pPr algn="ctr"/>
-                <a:endParaRPr lang="en-TW"/>
-              </a:p>
-            </p:txBody>
-          </p:sp>
-          <p:sp>
-            <p:nvSpPr>
-              <p:cNvPr id="23" name="Oval 22">
-                <a:extLst>
-                  <a:ext uri="{FF2B5EF4-FFF2-40B4-BE49-F238E27FC236}">
-                    <a16:creationId xmlns:a16="http://schemas.microsoft.com/office/drawing/2014/main" id="{4DF5DD5C-1389-EA58-2FDC-59E65D8D2C49}"/>
-                  </a:ext>
-                </a:extLst>
-              </p:cNvPr>
-              <p:cNvSpPr/>
-              <p:nvPr/>
-            </p:nvSpPr>
-            <p:spPr>
-              <a:xfrm>
-                <a:off x="930832" y="181173"/>
-                <a:ext cx="362347" cy="362347"/>
-              </a:xfrm>
-              <a:prstGeom prst="ellipse">
-                <a:avLst/>
-              </a:prstGeom>
-              <a:solidFill>
-                <a:srgbClr val="FEBD2E"/>
-              </a:solidFill>
-              <a:ln>
-                <a:noFill/>
-              </a:ln>
-            </p:spPr>
-            <p:style>
-              <a:lnRef idx="2">
-                <a:schemeClr val="accent1">
-                  <a:shade val="15000"/>
-                </a:schemeClr>
-              </a:lnRef>
-              <a:fillRef idx="1">
-                <a:schemeClr val="accent1"/>
-              </a:fillRef>
-              <a:effectRef idx="0">
-                <a:schemeClr val="accent1"/>
-              </a:effectRef>
-              <a:fontRef idx="minor">
-                <a:schemeClr val="lt1"/>
-              </a:fontRef>
-            </p:style>
-            <p:txBody>
-              <a:bodyPr rtlCol="0" anchor="ctr"/>
-              <a:lstStyle/>
-              <a:p>
-                <a:pPr algn="ctr"/>
-                <a:endParaRPr lang="en-TW"/>
-              </a:p>
-            </p:txBody>
-          </p:sp>
-          <p:sp>
-            <p:nvSpPr>
-              <p:cNvPr id="24" name="Oval 23">
-                <a:extLst>
-                  <a:ext uri="{FF2B5EF4-FFF2-40B4-BE49-F238E27FC236}">
-                    <a16:creationId xmlns:a16="http://schemas.microsoft.com/office/drawing/2014/main" id="{79500D98-F8CA-6FCF-0AC0-C39958F69DCF}"/>
-                  </a:ext>
-                </a:extLst>
-              </p:cNvPr>
-              <p:cNvSpPr/>
-              <p:nvPr/>
-            </p:nvSpPr>
-            <p:spPr>
-              <a:xfrm>
-                <a:off x="1417911" y="181173"/>
-                <a:ext cx="362347" cy="362347"/>
-              </a:xfrm>
-              <a:prstGeom prst="ellipse">
-                <a:avLst/>
-              </a:prstGeom>
-              <a:solidFill>
-                <a:srgbClr val="27C841"/>
-              </a:solidFill>
-              <a:ln>
-                <a:noFill/>
-              </a:ln>
-            </p:spPr>
-            <p:style>
-              <a:lnRef idx="2">
-                <a:schemeClr val="accent1">
-                  <a:shade val="15000"/>
-                </a:schemeClr>
-              </a:lnRef>
-              <a:fillRef idx="1">
-                <a:schemeClr val="accent1"/>
-              </a:fillRef>
-              <a:effectRef idx="0">
-                <a:schemeClr val="accent1"/>
-              </a:effectRef>
-              <a:fontRef idx="minor">
-                <a:schemeClr val="lt1"/>
-              </a:fontRef>
-            </p:style>
-            <p:txBody>
-              <a:bodyPr rtlCol="0" anchor="ctr"/>
-              <a:lstStyle/>
-              <a:p>
-                <a:pPr algn="ctr"/>
-                <a:endParaRPr lang="en-TW"/>
-              </a:p>
-            </p:txBody>
-          </p:sp>
-        </p:grpSp>
-      </p:grpSp>
-      <p:sp>
-        <p:nvSpPr>
-          <p:cNvPr id="46" name="TextBox 45">
-            <a:extLst>
-              <a:ext uri="{FF2B5EF4-FFF2-40B4-BE49-F238E27FC236}">
-                <a16:creationId xmlns:a16="http://schemas.microsoft.com/office/drawing/2014/main" id="{D6EA6684-A3DD-5B8C-0FA2-1588D73393FD}"/>
-              </a:ext>
-            </a:extLst>
-          </p:cNvPr>
-          <p:cNvSpPr txBox="1"/>
-          <p:nvPr/>
-        </p:nvSpPr>
-        <p:spPr>
-          <a:xfrm>
-            <a:off x="1446326" y="1139802"/>
-            <a:ext cx="6251346" cy="2862322"/>
-          </a:xfrm>
-          <a:prstGeom prst="rect">
-            <a:avLst/>
-          </a:prstGeom>
-          <a:noFill/>
-        </p:spPr>
-        <p:txBody>
-          <a:bodyPr wrap="square" rtlCol="0">
-            <a:spAutoFit/>
-          </a:bodyPr>
-          <a:lstStyle/>
-          <a:p>
-            <a:r>
-              <a:rPr lang="en-US" sz="6000" b="1" i="0" dirty="0">
-                <a:solidFill>
-                  <a:srgbClr val="AD5545"/>
-                </a:solidFill>
-                <a:effectLst/>
-                <a:latin typeface="Bangla MN" pitchFamily="2" charset="0"/>
-                <a:cs typeface="Bangla MN" pitchFamily="2" charset="0"/>
-              </a:rPr>
-              <a:t>Proxy Server </a:t>
-            </a:r>
-          </a:p>
-          <a:p>
-            <a:r>
-              <a:rPr lang="en-US" sz="6000" b="1" i="0" dirty="0">
-                <a:effectLst/>
-                <a:latin typeface="Bangla MN" pitchFamily="2" charset="0"/>
-                <a:cs typeface="Bangla MN" pitchFamily="2" charset="0"/>
-              </a:rPr>
-              <a:t>for </a:t>
-            </a:r>
-          </a:p>
-          <a:p>
-            <a:r>
-              <a:rPr lang="en-US" sz="6000" b="1" i="0" dirty="0">
-                <a:effectLst/>
-                <a:latin typeface="Bangla MN" pitchFamily="2" charset="0"/>
-                <a:cs typeface="Bangla MN" pitchFamily="2" charset="0"/>
-              </a:rPr>
-              <a:t>HTTP and FTP</a:t>
-            </a:r>
-            <a:endParaRPr lang="en-TW" sz="6000" b="1" dirty="0">
-              <a:latin typeface="Bangla MN" pitchFamily="2" charset="0"/>
-              <a:ea typeface="Apple Color Emoji" pitchFamily="2" charset="0"/>
-              <a:cs typeface="Bangla MN" pitchFamily="2" charset="0"/>
-            </a:endParaRPr>
-          </a:p>
-        </p:txBody>
-      </p:sp>
-      <p:grpSp>
-        <p:nvGrpSpPr>
-          <p:cNvPr id="47" name="Group 46">
-            <a:extLst>
-              <a:ext uri="{FF2B5EF4-FFF2-40B4-BE49-F238E27FC236}">
-                <a16:creationId xmlns:a16="http://schemas.microsoft.com/office/drawing/2014/main" id="{16F1A946-7D23-0BA3-D1FA-D7C7D3AC6D0E}"/>
-              </a:ext>
-            </a:extLst>
-          </p:cNvPr>
-          <p:cNvGrpSpPr/>
-          <p:nvPr/>
-        </p:nvGrpSpPr>
-        <p:grpSpPr>
-          <a:xfrm>
-            <a:off x="3374795" y="4091252"/>
-            <a:ext cx="2394408" cy="584775"/>
-            <a:chOff x="4483523" y="4029777"/>
-            <a:chExt cx="3192544" cy="779700"/>
-          </a:xfrm>
-        </p:grpSpPr>
-        <p:grpSp>
-          <p:nvGrpSpPr>
-            <p:cNvPr id="48" name="Group 47">
-              <a:extLst>
-                <a:ext uri="{FF2B5EF4-FFF2-40B4-BE49-F238E27FC236}">
-                  <a16:creationId xmlns:a16="http://schemas.microsoft.com/office/drawing/2014/main" id="{AA0819AA-6C60-87C4-31AB-A37228E32243}"/>
-                </a:ext>
-              </a:extLst>
-            </p:cNvPr>
-            <p:cNvGrpSpPr/>
-            <p:nvPr/>
-          </p:nvGrpSpPr>
-          <p:grpSpPr>
-            <a:xfrm>
-              <a:off x="4483523" y="4029777"/>
-              <a:ext cx="3192544" cy="779700"/>
-              <a:chOff x="1580784" y="3959333"/>
-              <a:chExt cx="3192544" cy="779700"/>
-            </a:xfrm>
-          </p:grpSpPr>
-          <p:sp>
-            <p:nvSpPr>
-              <p:cNvPr id="50" name="Rounded Rectangle 49">
-                <a:extLst>
-                  <a:ext uri="{FF2B5EF4-FFF2-40B4-BE49-F238E27FC236}">
-                    <a16:creationId xmlns:a16="http://schemas.microsoft.com/office/drawing/2014/main" id="{B9A2233A-4813-AEFF-DE8D-6C65129EC856}"/>
-                  </a:ext>
-                </a:extLst>
-              </p:cNvPr>
-              <p:cNvSpPr/>
-              <p:nvPr/>
-            </p:nvSpPr>
-            <p:spPr>
-              <a:xfrm>
-                <a:off x="1580784" y="3991326"/>
-                <a:ext cx="3192544" cy="714947"/>
-              </a:xfrm>
-              <a:prstGeom prst="roundRect">
-                <a:avLst>
-                  <a:gd name="adj" fmla="val 38868"/>
-                </a:avLst>
-              </a:prstGeom>
-              <a:solidFill>
-                <a:srgbClr val="FFEB9E"/>
-              </a:solidFill>
-              <a:ln>
-                <a:noFill/>
-              </a:ln>
-            </p:spPr>
-            <p:style>
-              <a:lnRef idx="2">
-                <a:schemeClr val="accent1">
-                  <a:shade val="15000"/>
-                </a:schemeClr>
-              </a:lnRef>
-              <a:fillRef idx="1">
-                <a:schemeClr val="accent1"/>
-              </a:fillRef>
-              <a:effectRef idx="0">
-                <a:schemeClr val="accent1"/>
-              </a:effectRef>
-              <a:fontRef idx="minor">
-                <a:schemeClr val="lt1"/>
-              </a:fontRef>
-            </p:style>
-            <p:txBody>
-              <a:bodyPr rtlCol="0" anchor="ctr"/>
-              <a:lstStyle/>
-              <a:p>
-                <a:pPr algn="ctr"/>
-                <a:endParaRPr lang="en-TW" sz="1350" dirty="0"/>
-              </a:p>
-            </p:txBody>
-          </p:sp>
-          <p:sp>
-            <p:nvSpPr>
-              <p:cNvPr id="51" name="TextBox 50">
-                <a:extLst>
-                  <a:ext uri="{FF2B5EF4-FFF2-40B4-BE49-F238E27FC236}">
-                    <a16:creationId xmlns:a16="http://schemas.microsoft.com/office/drawing/2014/main" id="{7D681A5A-855B-B8B0-BD3C-133318B6C1D9}"/>
-                  </a:ext>
-                </a:extLst>
-              </p:cNvPr>
-              <p:cNvSpPr txBox="1"/>
-              <p:nvPr/>
-            </p:nvSpPr>
-            <p:spPr>
-              <a:xfrm>
-                <a:off x="1957874" y="3959333"/>
-                <a:ext cx="1918043" cy="779700"/>
-              </a:xfrm>
-              <a:prstGeom prst="rect">
-                <a:avLst/>
-              </a:prstGeom>
-              <a:noFill/>
-            </p:spPr>
-            <p:txBody>
-              <a:bodyPr wrap="square" rtlCol="0">
-                <a:spAutoFit/>
-              </a:bodyPr>
-              <a:lstStyle/>
-              <a:p>
-                <a:r>
-                  <a:rPr lang="en-US" sz="3200" b="1" dirty="0">
-                    <a:solidFill>
-                      <a:srgbClr val="000000"/>
-                    </a:solidFill>
-                    <a:latin typeface="Candara" panose="020E0502030303020204" pitchFamily="34" charset="0"/>
-                    <a:ea typeface="Apple Color Emoji" pitchFamily="2" charset="0"/>
-                    <a:cs typeface="Calibri" panose="020F0502020204030204" pitchFamily="34" charset="0"/>
-                  </a:rPr>
-                  <a:t>GitHub</a:t>
-                </a:r>
-                <a:endParaRPr lang="en-TW" sz="3200" b="1" dirty="0">
-                  <a:latin typeface="Candara" panose="020E0502030303020204" pitchFamily="34" charset="0"/>
-                  <a:ea typeface="Apple Color Emoji" pitchFamily="2" charset="0"/>
-                  <a:cs typeface="Calibri" panose="020F0502020204030204" pitchFamily="34" charset="0"/>
-                </a:endParaRPr>
-              </a:p>
-            </p:txBody>
-          </p:sp>
-        </p:grpSp>
-        <p:pic>
-          <p:nvPicPr>
-            <p:cNvPr id="49" name="Graphic 48" descr="Cursor">
-              <a:extLst>
-                <a:ext uri="{FF2B5EF4-FFF2-40B4-BE49-F238E27FC236}">
-                  <a16:creationId xmlns:a16="http://schemas.microsoft.com/office/drawing/2014/main" id="{7C39F1AF-ED10-7560-63AB-33A31603625C}"/>
-                </a:ext>
-              </a:extLst>
-            </p:cNvPr>
-            <p:cNvPicPr>
-              <a:picLocks noChangeAspect="1"/>
-            </p:cNvPicPr>
-            <p:nvPr/>
-          </p:nvPicPr>
-          <p:blipFill>
-            <a:blip r:embed="rId4">
-              <a:extLst>
-                <a:ext uri="{96DAC541-7B7A-43D3-8B79-37D633B846F1}">
-                  <asvg:svgBlip xmlns:asvg="http://schemas.microsoft.com/office/drawing/2016/SVG/main" r:embed="rId5"/>
-                </a:ext>
-              </a:extLst>
-            </a:blip>
-            <a:stretch>
-              <a:fillRect/>
-            </a:stretch>
-          </p:blipFill>
-          <p:spPr>
-            <a:xfrm flipH="1">
-              <a:off x="6678136" y="4059426"/>
-              <a:ext cx="714945" cy="714945"/>
-            </a:xfrm>
-            <a:prstGeom prst="rect">
-              <a:avLst/>
-            </a:prstGeom>
-          </p:spPr>
-        </p:pic>
-      </p:grpSp>
-      <p:grpSp>
-        <p:nvGrpSpPr>
-          <p:cNvPr id="18" name="Group 17">
-            <a:extLst>
-              <a:ext uri="{FF2B5EF4-FFF2-40B4-BE49-F238E27FC236}">
-                <a16:creationId xmlns:a16="http://schemas.microsoft.com/office/drawing/2014/main" id="{C8B9A82E-8595-C7F2-B349-E77003B5487D}"/>
-              </a:ext>
-            </a:extLst>
-          </p:cNvPr>
-          <p:cNvGrpSpPr/>
-          <p:nvPr/>
-        </p:nvGrpSpPr>
-        <p:grpSpPr>
-          <a:xfrm>
-            <a:off x="1852277" y="5137735"/>
-            <a:ext cx="5439443" cy="561936"/>
-            <a:chOff x="2366407" y="5149945"/>
-            <a:chExt cx="5439443" cy="561936"/>
-          </a:xfrm>
-        </p:grpSpPr>
-        <p:grpSp>
-          <p:nvGrpSpPr>
-            <p:cNvPr id="12" name="Group 11">
-              <a:extLst>
-                <a:ext uri="{FF2B5EF4-FFF2-40B4-BE49-F238E27FC236}">
-                  <a16:creationId xmlns:a16="http://schemas.microsoft.com/office/drawing/2014/main" id="{00110A9D-2AA7-5C68-E960-0048C1EA5963}"/>
-                </a:ext>
-              </a:extLst>
-            </p:cNvPr>
-            <p:cNvGrpSpPr/>
-            <p:nvPr/>
-          </p:nvGrpSpPr>
-          <p:grpSpPr>
-            <a:xfrm>
-              <a:off x="2366407" y="5149945"/>
-              <a:ext cx="1134081" cy="561936"/>
-              <a:chOff x="2056988" y="5133374"/>
-              <a:chExt cx="1134081" cy="561936"/>
-            </a:xfrm>
-          </p:grpSpPr>
-          <p:grpSp>
-            <p:nvGrpSpPr>
-              <p:cNvPr id="69" name="Group 68">
-                <a:extLst>
-                  <a:ext uri="{FF2B5EF4-FFF2-40B4-BE49-F238E27FC236}">
-                    <a16:creationId xmlns:a16="http://schemas.microsoft.com/office/drawing/2014/main" id="{5B3155CB-63ED-3527-B006-280675BAEBFA}"/>
-                  </a:ext>
-                </a:extLst>
-              </p:cNvPr>
-              <p:cNvGrpSpPr/>
-              <p:nvPr/>
-            </p:nvGrpSpPr>
-            <p:grpSpPr>
-              <a:xfrm>
-                <a:off x="2056988" y="5172090"/>
-                <a:ext cx="1134081" cy="523220"/>
-                <a:chOff x="2417086" y="4288960"/>
-                <a:chExt cx="1985565" cy="553999"/>
-              </a:xfrm>
-            </p:grpSpPr>
-            <p:sp>
-              <p:nvSpPr>
-                <p:cNvPr id="71" name="Rounded Rectangle 70">
-                  <a:extLst>
-                    <a:ext uri="{FF2B5EF4-FFF2-40B4-BE49-F238E27FC236}">
-                      <a16:creationId xmlns:a16="http://schemas.microsoft.com/office/drawing/2014/main" id="{A1B70014-CF4A-D05E-7BD9-12204B31CF64}"/>
-                    </a:ext>
-                  </a:extLst>
-                </p:cNvPr>
-                <p:cNvSpPr/>
-                <p:nvPr/>
-              </p:nvSpPr>
-              <p:spPr>
-                <a:xfrm>
-                  <a:off x="2417086" y="4288961"/>
-                  <a:ext cx="1985565" cy="553998"/>
-                </a:xfrm>
-                <a:prstGeom prst="roundRect">
-                  <a:avLst>
-                    <a:gd name="adj" fmla="val 50000"/>
-                  </a:avLst>
-                </a:prstGeom>
-                <a:solidFill>
-                  <a:srgbClr val="DCA49B"/>
-                </a:solidFill>
-                <a:ln>
-                  <a:noFill/>
-                </a:ln>
-              </p:spPr>
-              <p:style>
-                <a:lnRef idx="2">
-                  <a:schemeClr val="accent1">
-                    <a:shade val="15000"/>
-                  </a:schemeClr>
-                </a:lnRef>
-                <a:fillRef idx="1">
-                  <a:schemeClr val="accent1"/>
-                </a:fillRef>
-                <a:effectRef idx="0">
-                  <a:schemeClr val="accent1"/>
-                </a:effectRef>
-                <a:fontRef idx="minor">
-                  <a:schemeClr val="lt1"/>
-                </a:fontRef>
-              </p:style>
-              <p:txBody>
-                <a:bodyPr rtlCol="0" anchor="ctr"/>
-                <a:lstStyle/>
-                <a:p>
-                  <a:pPr algn="ctr"/>
-                  <a:endParaRPr lang="en-TW" sz="1350"/>
-                </a:p>
-              </p:txBody>
-            </p:sp>
-            <p:sp>
-              <p:nvSpPr>
-                <p:cNvPr id="72" name="Rounded Rectangle 71">
-                  <a:extLst>
-                    <a:ext uri="{FF2B5EF4-FFF2-40B4-BE49-F238E27FC236}">
-                      <a16:creationId xmlns:a16="http://schemas.microsoft.com/office/drawing/2014/main" id="{206F6435-F4EB-858A-733D-656BA56FC019}"/>
-                    </a:ext>
-                  </a:extLst>
-                </p:cNvPr>
-                <p:cNvSpPr/>
-                <p:nvPr/>
-              </p:nvSpPr>
-              <p:spPr>
-                <a:xfrm>
-                  <a:off x="2417086" y="4288960"/>
-                  <a:ext cx="1931962" cy="487756"/>
-                </a:xfrm>
-                <a:prstGeom prst="roundRect">
-                  <a:avLst>
-                    <a:gd name="adj" fmla="val 50000"/>
-                  </a:avLst>
-                </a:prstGeom>
-                <a:noFill/>
-                <a:ln w="38100">
-                  <a:solidFill>
-                    <a:schemeClr val="tx1"/>
-                  </a:solidFill>
-                </a:ln>
-              </p:spPr>
-              <p:style>
-                <a:lnRef idx="2">
-                  <a:schemeClr val="accent1">
-                    <a:shade val="15000"/>
-                  </a:schemeClr>
-                </a:lnRef>
-                <a:fillRef idx="1">
-                  <a:schemeClr val="accent1"/>
-                </a:fillRef>
-                <a:effectRef idx="0">
-                  <a:schemeClr val="accent1"/>
-                </a:effectRef>
-                <a:fontRef idx="minor">
-                  <a:schemeClr val="lt1"/>
-                </a:fontRef>
-              </p:style>
-              <p:txBody>
-                <a:bodyPr rtlCol="0" anchor="ctr"/>
-                <a:lstStyle/>
-                <a:p>
-                  <a:pPr algn="ctr"/>
-                  <a:endParaRPr lang="en-TW" sz="1350"/>
-                </a:p>
-              </p:txBody>
-            </p:sp>
-          </p:grpSp>
-          <p:sp>
-            <p:nvSpPr>
-              <p:cNvPr id="70" name="TextBox 69">
-                <a:extLst>
-                  <a:ext uri="{FF2B5EF4-FFF2-40B4-BE49-F238E27FC236}">
-                    <a16:creationId xmlns:a16="http://schemas.microsoft.com/office/drawing/2014/main" id="{624C742E-DA12-FA3B-8BAD-1CC38510CDCE}"/>
-                  </a:ext>
-                </a:extLst>
-              </p:cNvPr>
-              <p:cNvSpPr txBox="1"/>
-              <p:nvPr/>
-            </p:nvSpPr>
-            <p:spPr>
-              <a:xfrm>
-                <a:off x="2250116" y="5133374"/>
-                <a:ext cx="754342" cy="523220"/>
-              </a:xfrm>
-              <a:prstGeom prst="rect">
-                <a:avLst/>
-              </a:prstGeom>
-              <a:noFill/>
-            </p:spPr>
-            <p:txBody>
-              <a:bodyPr wrap="square" rtlCol="0">
-                <a:spAutoFit/>
-              </a:bodyPr>
-              <a:lstStyle/>
-              <a:p>
-                <a:r>
-                  <a:rPr lang="en-US" sz="2800" b="1" dirty="0">
-                    <a:solidFill>
-                      <a:srgbClr val="000000"/>
-                    </a:solidFill>
-                    <a:latin typeface="Candara" panose="020E0502030303020204" pitchFamily="34" charset="0"/>
-                    <a:ea typeface="Apple Color Emoji" pitchFamily="2" charset="0"/>
-                    <a:cs typeface="Calibri" panose="020F0502020204030204" pitchFamily="34" charset="0"/>
-                  </a:rPr>
-                  <a:t>C++</a:t>
-                </a:r>
-                <a:endParaRPr lang="en-TW" sz="2800" b="1" dirty="0">
-                  <a:latin typeface="Candara" panose="020E0502030303020204" pitchFamily="34" charset="0"/>
-                  <a:ea typeface="Apple Color Emoji" pitchFamily="2" charset="0"/>
-                  <a:cs typeface="Calibri" panose="020F0502020204030204" pitchFamily="34" charset="0"/>
-                </a:endParaRPr>
-              </a:p>
-            </p:txBody>
-          </p:sp>
-        </p:grpSp>
-        <p:grpSp>
-          <p:nvGrpSpPr>
-            <p:cNvPr id="13" name="Group 12">
-              <a:extLst>
-                <a:ext uri="{FF2B5EF4-FFF2-40B4-BE49-F238E27FC236}">
-                  <a16:creationId xmlns:a16="http://schemas.microsoft.com/office/drawing/2014/main" id="{F2A694D8-C520-B7EC-E375-ECC6165179C5}"/>
-                </a:ext>
-              </a:extLst>
-            </p:cNvPr>
-            <p:cNvGrpSpPr/>
-            <p:nvPr/>
-          </p:nvGrpSpPr>
-          <p:grpSpPr>
-            <a:xfrm>
-              <a:off x="3788507" y="5154404"/>
-              <a:ext cx="1461645" cy="553019"/>
-              <a:chOff x="3792929" y="5147260"/>
-              <a:chExt cx="1461645" cy="553019"/>
-            </a:xfrm>
-          </p:grpSpPr>
-          <p:grpSp>
-            <p:nvGrpSpPr>
-              <p:cNvPr id="2" name="Group 1">
-                <a:extLst>
-                  <a:ext uri="{FF2B5EF4-FFF2-40B4-BE49-F238E27FC236}">
-                    <a16:creationId xmlns:a16="http://schemas.microsoft.com/office/drawing/2014/main" id="{8A47F3F3-9BD5-0E58-5183-DB995D014AA6}"/>
-                  </a:ext>
-                </a:extLst>
-              </p:cNvPr>
-              <p:cNvGrpSpPr/>
-              <p:nvPr/>
-            </p:nvGrpSpPr>
-            <p:grpSpPr>
-              <a:xfrm>
-                <a:off x="3792929" y="5177059"/>
-                <a:ext cx="1461645" cy="523220"/>
-                <a:chOff x="2417086" y="4288960"/>
-                <a:chExt cx="1985565" cy="553999"/>
-              </a:xfrm>
-            </p:grpSpPr>
-            <p:sp>
-              <p:nvSpPr>
-                <p:cNvPr id="3" name="Rounded Rectangle 2">
-                  <a:extLst>
-                    <a:ext uri="{FF2B5EF4-FFF2-40B4-BE49-F238E27FC236}">
-                      <a16:creationId xmlns:a16="http://schemas.microsoft.com/office/drawing/2014/main" id="{A0610ADA-956F-8B26-9618-9F76C200883A}"/>
-                    </a:ext>
-                  </a:extLst>
-                </p:cNvPr>
-                <p:cNvSpPr/>
-                <p:nvPr/>
-              </p:nvSpPr>
-              <p:spPr>
-                <a:xfrm>
-                  <a:off x="2417086" y="4288961"/>
-                  <a:ext cx="1985565" cy="553998"/>
-                </a:xfrm>
-                <a:prstGeom prst="roundRect">
-                  <a:avLst>
-                    <a:gd name="adj" fmla="val 50000"/>
-                  </a:avLst>
-                </a:prstGeom>
-                <a:solidFill>
-                  <a:srgbClr val="DCA49B"/>
-                </a:solidFill>
-                <a:ln>
-                  <a:noFill/>
-                </a:ln>
-              </p:spPr>
-              <p:style>
-                <a:lnRef idx="2">
-                  <a:schemeClr val="accent1">
-                    <a:shade val="15000"/>
-                  </a:schemeClr>
-                </a:lnRef>
-                <a:fillRef idx="1">
-                  <a:schemeClr val="accent1"/>
-                </a:fillRef>
-                <a:effectRef idx="0">
-                  <a:schemeClr val="accent1"/>
-                </a:effectRef>
-                <a:fontRef idx="minor">
-                  <a:schemeClr val="lt1"/>
-                </a:fontRef>
-              </p:style>
-              <p:txBody>
-                <a:bodyPr rtlCol="0" anchor="ctr"/>
-                <a:lstStyle/>
-                <a:p>
-                  <a:pPr algn="ctr"/>
-                  <a:endParaRPr lang="en-TW" sz="1350"/>
-                </a:p>
-              </p:txBody>
-            </p:sp>
-            <p:sp>
-              <p:nvSpPr>
-                <p:cNvPr id="5" name="Rounded Rectangle 4">
-                  <a:extLst>
-                    <a:ext uri="{FF2B5EF4-FFF2-40B4-BE49-F238E27FC236}">
-                      <a16:creationId xmlns:a16="http://schemas.microsoft.com/office/drawing/2014/main" id="{371035B0-5AA8-5625-0C59-F902C1CE23A8}"/>
-                    </a:ext>
-                  </a:extLst>
-                </p:cNvPr>
-                <p:cNvSpPr/>
-                <p:nvPr/>
-              </p:nvSpPr>
-              <p:spPr>
-                <a:xfrm>
-                  <a:off x="2417086" y="4288960"/>
-                  <a:ext cx="1931962" cy="487756"/>
-                </a:xfrm>
-                <a:prstGeom prst="roundRect">
-                  <a:avLst>
-                    <a:gd name="adj" fmla="val 50000"/>
-                  </a:avLst>
-                </a:prstGeom>
-                <a:noFill/>
-                <a:ln w="38100">
-                  <a:solidFill>
-                    <a:schemeClr val="tx1"/>
-                  </a:solidFill>
-                </a:ln>
-              </p:spPr>
-              <p:style>
-                <a:lnRef idx="2">
-                  <a:schemeClr val="accent1">
-                    <a:shade val="15000"/>
-                  </a:schemeClr>
-                </a:lnRef>
-                <a:fillRef idx="1">
-                  <a:schemeClr val="accent1"/>
-                </a:fillRef>
-                <a:effectRef idx="0">
-                  <a:schemeClr val="accent1"/>
-                </a:effectRef>
-                <a:fontRef idx="minor">
-                  <a:schemeClr val="lt1"/>
-                </a:fontRef>
-              </p:style>
-              <p:txBody>
-                <a:bodyPr rtlCol="0" anchor="ctr"/>
-                <a:lstStyle/>
-                <a:p>
-                  <a:pPr algn="ctr"/>
-                  <a:endParaRPr lang="en-TW" sz="1350"/>
-                </a:p>
-              </p:txBody>
-            </p:sp>
-          </p:grpSp>
-          <p:sp>
-            <p:nvSpPr>
-              <p:cNvPr id="6" name="TextBox 5">
-                <a:extLst>
-                  <a:ext uri="{FF2B5EF4-FFF2-40B4-BE49-F238E27FC236}">
-                    <a16:creationId xmlns:a16="http://schemas.microsoft.com/office/drawing/2014/main" id="{BCB7F1EF-40CF-7695-E502-3545C9ACA037}"/>
-                  </a:ext>
-                </a:extLst>
-              </p:cNvPr>
-              <p:cNvSpPr txBox="1"/>
-              <p:nvPr/>
-            </p:nvSpPr>
-            <p:spPr>
-              <a:xfrm>
-                <a:off x="3977113" y="5147260"/>
-                <a:ext cx="1103465" cy="523220"/>
-              </a:xfrm>
-              <a:prstGeom prst="rect">
-                <a:avLst/>
-              </a:prstGeom>
-              <a:noFill/>
-            </p:spPr>
-            <p:txBody>
-              <a:bodyPr wrap="square" rtlCol="0">
-                <a:spAutoFit/>
-              </a:bodyPr>
-              <a:lstStyle/>
-              <a:p>
-                <a:r>
-                  <a:rPr lang="en-US" sz="2800" b="1" dirty="0">
-                    <a:solidFill>
-                      <a:srgbClr val="000000"/>
-                    </a:solidFill>
-                    <a:latin typeface="Candara" panose="020E0502030303020204" pitchFamily="34" charset="0"/>
-                    <a:ea typeface="Apple Color Emoji" pitchFamily="2" charset="0"/>
-                    <a:cs typeface="Calibri" panose="020F0502020204030204" pitchFamily="34" charset="0"/>
-                  </a:rPr>
-                  <a:t>HTML</a:t>
-                </a:r>
-                <a:endParaRPr lang="en-TW" sz="2800" b="1" dirty="0">
-                  <a:latin typeface="Candara" panose="020E0502030303020204" pitchFamily="34" charset="0"/>
-                  <a:ea typeface="Apple Color Emoji" pitchFamily="2" charset="0"/>
-                  <a:cs typeface="Calibri" panose="020F0502020204030204" pitchFamily="34" charset="0"/>
-                </a:endParaRPr>
-              </a:p>
-            </p:txBody>
-          </p:sp>
-        </p:grpSp>
-        <p:grpSp>
-          <p:nvGrpSpPr>
-            <p:cNvPr id="17" name="Group 16">
-              <a:extLst>
-                <a:ext uri="{FF2B5EF4-FFF2-40B4-BE49-F238E27FC236}">
-                  <a16:creationId xmlns:a16="http://schemas.microsoft.com/office/drawing/2014/main" id="{C245CCB9-98CC-B8BF-3C2F-10EA5866C30D}"/>
-                </a:ext>
-              </a:extLst>
-            </p:cNvPr>
-            <p:cNvGrpSpPr/>
-            <p:nvPr/>
-          </p:nvGrpSpPr>
-          <p:grpSpPr>
-            <a:xfrm>
-              <a:off x="5538172" y="5155016"/>
-              <a:ext cx="2267678" cy="551795"/>
-              <a:chOff x="5799997" y="5128822"/>
-              <a:chExt cx="2267678" cy="551795"/>
-            </a:xfrm>
-          </p:grpSpPr>
-          <p:grpSp>
-            <p:nvGrpSpPr>
-              <p:cNvPr id="7" name="Group 6">
-                <a:extLst>
-                  <a:ext uri="{FF2B5EF4-FFF2-40B4-BE49-F238E27FC236}">
-                    <a16:creationId xmlns:a16="http://schemas.microsoft.com/office/drawing/2014/main" id="{A47717EB-504F-6203-C105-477F0D863DBB}"/>
-                  </a:ext>
-                </a:extLst>
-              </p:cNvPr>
-              <p:cNvGrpSpPr/>
-              <p:nvPr/>
-            </p:nvGrpSpPr>
-            <p:grpSpPr>
-              <a:xfrm>
-                <a:off x="5799997" y="5157397"/>
-                <a:ext cx="2267678" cy="523220"/>
-                <a:chOff x="2417086" y="4288960"/>
-                <a:chExt cx="1985565" cy="553999"/>
-              </a:xfrm>
-            </p:grpSpPr>
-            <p:sp>
-              <p:nvSpPr>
-                <p:cNvPr id="8" name="Rounded Rectangle 7">
-                  <a:extLst>
-                    <a:ext uri="{FF2B5EF4-FFF2-40B4-BE49-F238E27FC236}">
-                      <a16:creationId xmlns:a16="http://schemas.microsoft.com/office/drawing/2014/main" id="{2B5F2E05-D803-3B5C-4B51-3CFA7EBAEBCA}"/>
-                    </a:ext>
-                  </a:extLst>
-                </p:cNvPr>
-                <p:cNvSpPr/>
-                <p:nvPr/>
-              </p:nvSpPr>
-              <p:spPr>
-                <a:xfrm>
-                  <a:off x="2417086" y="4288961"/>
-                  <a:ext cx="1985565" cy="553998"/>
-                </a:xfrm>
-                <a:prstGeom prst="roundRect">
-                  <a:avLst>
-                    <a:gd name="adj" fmla="val 50000"/>
-                  </a:avLst>
-                </a:prstGeom>
-                <a:solidFill>
-                  <a:srgbClr val="DCA49B"/>
-                </a:solidFill>
-                <a:ln>
-                  <a:noFill/>
-                </a:ln>
-              </p:spPr>
-              <p:style>
-                <a:lnRef idx="2">
-                  <a:schemeClr val="accent1">
-                    <a:shade val="15000"/>
-                  </a:schemeClr>
-                </a:lnRef>
-                <a:fillRef idx="1">
-                  <a:schemeClr val="accent1"/>
-                </a:fillRef>
-                <a:effectRef idx="0">
-                  <a:schemeClr val="accent1"/>
-                </a:effectRef>
-                <a:fontRef idx="minor">
-                  <a:schemeClr val="lt1"/>
-                </a:fontRef>
-              </p:style>
-              <p:txBody>
-                <a:bodyPr rtlCol="0" anchor="ctr"/>
-                <a:lstStyle/>
-                <a:p>
-                  <a:pPr algn="ctr"/>
-                  <a:endParaRPr lang="en-TW" sz="1350"/>
-                </a:p>
-              </p:txBody>
-            </p:sp>
-            <p:sp>
-              <p:nvSpPr>
-                <p:cNvPr id="9" name="Rounded Rectangle 8">
-                  <a:extLst>
-                    <a:ext uri="{FF2B5EF4-FFF2-40B4-BE49-F238E27FC236}">
-                      <a16:creationId xmlns:a16="http://schemas.microsoft.com/office/drawing/2014/main" id="{BF309162-3D11-DAD1-426B-785D31A07548}"/>
-                    </a:ext>
-                  </a:extLst>
-                </p:cNvPr>
-                <p:cNvSpPr/>
-                <p:nvPr/>
-              </p:nvSpPr>
-              <p:spPr>
-                <a:xfrm>
-                  <a:off x="2417086" y="4288960"/>
-                  <a:ext cx="1931962" cy="487756"/>
-                </a:xfrm>
-                <a:prstGeom prst="roundRect">
-                  <a:avLst>
-                    <a:gd name="adj" fmla="val 50000"/>
-                  </a:avLst>
-                </a:prstGeom>
-                <a:noFill/>
-                <a:ln w="38100">
-                  <a:solidFill>
-                    <a:schemeClr val="tx1"/>
-                  </a:solidFill>
-                </a:ln>
-              </p:spPr>
-              <p:style>
-                <a:lnRef idx="2">
-                  <a:schemeClr val="accent1">
-                    <a:shade val="15000"/>
-                  </a:schemeClr>
-                </a:lnRef>
-                <a:fillRef idx="1">
-                  <a:schemeClr val="accent1"/>
-                </a:fillRef>
-                <a:effectRef idx="0">
-                  <a:schemeClr val="accent1"/>
-                </a:effectRef>
-                <a:fontRef idx="minor">
-                  <a:schemeClr val="lt1"/>
-                </a:fontRef>
-              </p:style>
-              <p:txBody>
-                <a:bodyPr rtlCol="0" anchor="ctr"/>
-                <a:lstStyle/>
-                <a:p>
-                  <a:pPr algn="ctr"/>
-                  <a:endParaRPr lang="en-TW" sz="1350"/>
-                </a:p>
-              </p:txBody>
-            </p:sp>
-          </p:grpSp>
-          <p:sp>
-            <p:nvSpPr>
-              <p:cNvPr id="10" name="TextBox 9">
-                <a:extLst>
-                  <a:ext uri="{FF2B5EF4-FFF2-40B4-BE49-F238E27FC236}">
-                    <a16:creationId xmlns:a16="http://schemas.microsoft.com/office/drawing/2014/main" id="{479216B5-5B9D-E220-C14E-9499383404C0}"/>
-                  </a:ext>
-                </a:extLst>
-              </p:cNvPr>
-              <p:cNvSpPr txBox="1"/>
-              <p:nvPr/>
-            </p:nvSpPr>
-            <p:spPr>
-              <a:xfrm>
-                <a:off x="6016831" y="5128822"/>
-                <a:ext cx="1869869" cy="523220"/>
-              </a:xfrm>
-              <a:prstGeom prst="rect">
-                <a:avLst/>
-              </a:prstGeom>
-              <a:noFill/>
-            </p:spPr>
-            <p:txBody>
-              <a:bodyPr wrap="square" rtlCol="0">
-                <a:spAutoFit/>
-              </a:bodyPr>
-              <a:lstStyle/>
-              <a:p>
-                <a:r>
-                  <a:rPr lang="en-TW" sz="2800" b="1" dirty="0">
-                    <a:latin typeface="Candara" panose="020E0502030303020204" pitchFamily="34" charset="0"/>
-                    <a:ea typeface="Apple Color Emoji" pitchFamily="2" charset="0"/>
-                    <a:cs typeface="Calibri" panose="020F0502020204030204" pitchFamily="34" charset="0"/>
-                  </a:rPr>
-                  <a:t>Boost.Asio</a:t>
-                </a:r>
-              </a:p>
-            </p:txBody>
-          </p:sp>
-        </p:grpSp>
-      </p:grpSp>
-    </p:spTree>
-    <p:extLst>
-      <p:ext uri="{BB962C8B-B14F-4D97-AF65-F5344CB8AC3E}">
-        <p14:creationId xmlns:p14="http://schemas.microsoft.com/office/powerpoint/2010/main" val="4002419117"/>
-      </p:ext>
-    </p:extLst>
-  </p:cSld>
-  <p:clrMapOvr>
-    <a:masterClrMapping/>
-  </p:clrMapOvr>
-</p:sld>
-</file>
-
-<file path=ppt/slides/slide7.xml><?xml version="1.0" encoding="utf-8"?>
-<p:sld xmlns:a="http://schemas.openxmlformats.org/drawingml/2006/main" xmlns:r="http://schemas.openxmlformats.org/officeDocument/2006/relationships" xmlns:p="http://schemas.openxmlformats.org/presentationml/2006/main">
-  <p:cSld>
-    <p:spTree>
-      <p:nvGrpSpPr>
-        <p:cNvPr id="1" name=""/>
-        <p:cNvGrpSpPr/>
-        <p:nvPr/>
-      </p:nvGrpSpPr>
-      <p:grpSpPr>
-        <a:xfrm>
-          <a:off x="0" y="0"/>
-          <a:ext cx="0" cy="0"/>
-          <a:chOff x="0" y="0"/>
-          <a:chExt cx="0" cy="0"/>
-        </a:xfrm>
-      </p:grpSpPr>
-      <p:grpSp>
-        <p:nvGrpSpPr>
-          <p:cNvPr id="20" name="Group 19">
-            <a:extLst>
-              <a:ext uri="{FF2B5EF4-FFF2-40B4-BE49-F238E27FC236}">
-                <a16:creationId xmlns:a16="http://schemas.microsoft.com/office/drawing/2014/main" id="{A4091DB5-A4FA-1C39-F6FD-393702AC2450}"/>
-              </a:ext>
-            </a:extLst>
-          </p:cNvPr>
-          <p:cNvGrpSpPr/>
-          <p:nvPr/>
-        </p:nvGrpSpPr>
-        <p:grpSpPr>
-          <a:xfrm>
-            <a:off x="-1" y="-273209"/>
-            <a:ext cx="9141101" cy="7131209"/>
-            <a:chOff x="-1" y="-273209"/>
-            <a:chExt cx="9141101" cy="7131209"/>
-          </a:xfrm>
-        </p:grpSpPr>
-        <p:pic>
-          <p:nvPicPr>
-            <p:cNvPr id="21" name="Picture 20">
-              <a:extLst>
-                <a:ext uri="{FF2B5EF4-FFF2-40B4-BE49-F238E27FC236}">
-                  <a16:creationId xmlns:a16="http://schemas.microsoft.com/office/drawing/2014/main" id="{52EFB746-1991-CC4F-9151-E1B229BD8FDD}"/>
-                </a:ext>
-              </a:extLst>
-            </p:cNvPr>
-            <p:cNvPicPr>
-              <a:picLocks noChangeAspect="1"/>
-            </p:cNvPicPr>
-            <p:nvPr/>
-          </p:nvPicPr>
-          <p:blipFill rotWithShape="1">
-            <a:blip r:embed="rId3"/>
-            <a:srcRect l="35534"/>
-            <a:stretch/>
-          </p:blipFill>
-          <p:spPr>
-            <a:xfrm>
-              <a:off x="-1" y="-273209"/>
-              <a:ext cx="9141101" cy="7131209"/>
-            </a:xfrm>
-            <a:prstGeom prst="rect">
-              <a:avLst/>
-            </a:prstGeom>
-          </p:spPr>
-        </p:pic>
-        <p:grpSp>
-          <p:nvGrpSpPr>
-            <p:cNvPr id="22" name="Group 21">
-              <a:extLst>
-                <a:ext uri="{FF2B5EF4-FFF2-40B4-BE49-F238E27FC236}">
-                  <a16:creationId xmlns:a16="http://schemas.microsoft.com/office/drawing/2014/main" id="{CBC90695-1D25-8A1E-9E7B-A38B94A6873A}"/>
-                </a:ext>
-              </a:extLst>
-            </p:cNvPr>
-            <p:cNvGrpSpPr/>
-            <p:nvPr/>
-          </p:nvGrpSpPr>
-          <p:grpSpPr>
-            <a:xfrm>
-              <a:off x="379419" y="80682"/>
-              <a:ext cx="1336505" cy="362347"/>
-              <a:chOff x="443753" y="181173"/>
-              <a:chExt cx="1336505" cy="362347"/>
-            </a:xfrm>
-          </p:grpSpPr>
-          <p:sp>
-            <p:nvSpPr>
-              <p:cNvPr id="23" name="Oval 22">
-                <a:extLst>
-                  <a:ext uri="{FF2B5EF4-FFF2-40B4-BE49-F238E27FC236}">
-                    <a16:creationId xmlns:a16="http://schemas.microsoft.com/office/drawing/2014/main" id="{58C8C3A5-DD6D-46A6-4302-D1C66F528B3C}"/>
-                  </a:ext>
-                </a:extLst>
-              </p:cNvPr>
-              <p:cNvSpPr/>
-              <p:nvPr/>
-            </p:nvSpPr>
-            <p:spPr>
-              <a:xfrm>
-                <a:off x="443753" y="181173"/>
-                <a:ext cx="362347" cy="362347"/>
-              </a:xfrm>
-              <a:prstGeom prst="ellipse">
-                <a:avLst/>
-              </a:prstGeom>
-              <a:solidFill>
-                <a:srgbClr val="FF5F57"/>
-              </a:solidFill>
-              <a:ln>
-                <a:noFill/>
-              </a:ln>
-            </p:spPr>
-            <p:style>
-              <a:lnRef idx="2">
-                <a:schemeClr val="accent1">
-                  <a:shade val="15000"/>
-                </a:schemeClr>
-              </a:lnRef>
-              <a:fillRef idx="1">
-                <a:schemeClr val="accent1"/>
-              </a:fillRef>
-              <a:effectRef idx="0">
-                <a:schemeClr val="accent1"/>
-              </a:effectRef>
-              <a:fontRef idx="minor">
-                <a:schemeClr val="lt1"/>
-              </a:fontRef>
-            </p:style>
-            <p:txBody>
-              <a:bodyPr rtlCol="0" anchor="ctr"/>
-              <a:lstStyle/>
-              <a:p>
-                <a:pPr algn="ctr"/>
-                <a:endParaRPr lang="en-TW"/>
-              </a:p>
-            </p:txBody>
-          </p:sp>
-          <p:sp>
-            <p:nvSpPr>
-              <p:cNvPr id="24" name="Oval 23">
-                <a:extLst>
-                  <a:ext uri="{FF2B5EF4-FFF2-40B4-BE49-F238E27FC236}">
-                    <a16:creationId xmlns:a16="http://schemas.microsoft.com/office/drawing/2014/main" id="{BBD4A5AE-7B48-B341-BDFA-B757FE50291C}"/>
-                  </a:ext>
-                </a:extLst>
-              </p:cNvPr>
-              <p:cNvSpPr/>
-              <p:nvPr/>
-            </p:nvSpPr>
-            <p:spPr>
-              <a:xfrm>
-                <a:off x="930832" y="181173"/>
-                <a:ext cx="362347" cy="362347"/>
-              </a:xfrm>
-              <a:prstGeom prst="ellipse">
-                <a:avLst/>
-              </a:prstGeom>
-              <a:solidFill>
-                <a:srgbClr val="FEBD2E"/>
-              </a:solidFill>
-              <a:ln>
-                <a:noFill/>
-              </a:ln>
-            </p:spPr>
-            <p:style>
-              <a:lnRef idx="2">
-                <a:schemeClr val="accent1">
-                  <a:shade val="15000"/>
-                </a:schemeClr>
-              </a:lnRef>
-              <a:fillRef idx="1">
-                <a:schemeClr val="accent1"/>
-              </a:fillRef>
-              <a:effectRef idx="0">
-                <a:schemeClr val="accent1"/>
-              </a:effectRef>
-              <a:fontRef idx="minor">
-                <a:schemeClr val="lt1"/>
-              </a:fontRef>
-            </p:style>
-            <p:txBody>
-              <a:bodyPr rtlCol="0" anchor="ctr"/>
-              <a:lstStyle/>
-              <a:p>
-                <a:pPr algn="ctr"/>
-                <a:endParaRPr lang="en-TW"/>
-              </a:p>
-            </p:txBody>
-          </p:sp>
-          <p:sp>
-            <p:nvSpPr>
-              <p:cNvPr id="25" name="Oval 24">
-                <a:extLst>
-                  <a:ext uri="{FF2B5EF4-FFF2-40B4-BE49-F238E27FC236}">
-                    <a16:creationId xmlns:a16="http://schemas.microsoft.com/office/drawing/2014/main" id="{A633B14C-3910-DC61-F2E9-11433D726F7D}"/>
-                  </a:ext>
-                </a:extLst>
-              </p:cNvPr>
-              <p:cNvSpPr/>
-              <p:nvPr/>
-            </p:nvSpPr>
-            <p:spPr>
-              <a:xfrm>
-                <a:off x="1417911" y="181173"/>
-                <a:ext cx="362347" cy="362347"/>
-              </a:xfrm>
-              <a:prstGeom prst="ellipse">
-                <a:avLst/>
-              </a:prstGeom>
-              <a:solidFill>
-                <a:srgbClr val="27C841"/>
-              </a:solidFill>
-              <a:ln>
-                <a:noFill/>
-              </a:ln>
-            </p:spPr>
-            <p:style>
-              <a:lnRef idx="2">
-                <a:schemeClr val="accent1">
-                  <a:shade val="15000"/>
-                </a:schemeClr>
-              </a:lnRef>
-              <a:fillRef idx="1">
-                <a:schemeClr val="accent1"/>
-              </a:fillRef>
-              <a:effectRef idx="0">
-                <a:schemeClr val="accent1"/>
-              </a:effectRef>
-              <a:fontRef idx="minor">
-                <a:schemeClr val="lt1"/>
-              </a:fontRef>
-            </p:style>
-            <p:txBody>
-              <a:bodyPr rtlCol="0" anchor="ctr"/>
-              <a:lstStyle/>
-              <a:p>
-                <a:pPr algn="ctr"/>
-                <a:endParaRPr lang="en-TW"/>
-              </a:p>
-            </p:txBody>
-          </p:sp>
-        </p:grpSp>
-      </p:grpSp>
-      <p:sp>
-        <p:nvSpPr>
-          <p:cNvPr id="46" name="TextBox 45">
-            <a:extLst>
-              <a:ext uri="{FF2B5EF4-FFF2-40B4-BE49-F238E27FC236}">
-                <a16:creationId xmlns:a16="http://schemas.microsoft.com/office/drawing/2014/main" id="{D6EA6684-A3DD-5B8C-0FA2-1588D73393FD}"/>
-              </a:ext>
-            </a:extLst>
-          </p:cNvPr>
-          <p:cNvSpPr txBox="1"/>
-          <p:nvPr/>
-        </p:nvSpPr>
-        <p:spPr>
-          <a:xfrm>
-            <a:off x="1729799" y="1619368"/>
-            <a:ext cx="5754651" cy="2308324"/>
-          </a:xfrm>
-          <a:prstGeom prst="rect">
-            <a:avLst/>
-          </a:prstGeom>
-          <a:noFill/>
-        </p:spPr>
-        <p:txBody>
-          <a:bodyPr wrap="square" rtlCol="0">
-            <a:spAutoFit/>
-          </a:bodyPr>
-          <a:lstStyle/>
-          <a:p>
-            <a:r>
-              <a:rPr lang="en-US" sz="7000" b="1" i="0" dirty="0">
-                <a:solidFill>
-                  <a:srgbClr val="AD5545"/>
-                </a:solidFill>
-                <a:effectLst/>
-                <a:latin typeface="Bangla MN" pitchFamily="2" charset="0"/>
-                <a:cs typeface="Bangla MN" pitchFamily="2" charset="0"/>
-              </a:rPr>
-              <a:t>Multi-User </a:t>
-            </a:r>
-            <a:r>
-              <a:rPr lang="en-US" sz="7000" b="1" i="0" dirty="0">
-                <a:effectLst/>
-                <a:latin typeface="Bangla MN" pitchFamily="2" charset="0"/>
-                <a:cs typeface="Bangla MN" pitchFamily="2" charset="0"/>
-              </a:rPr>
-              <a:t>Chat Room</a:t>
-            </a:r>
-            <a:endParaRPr lang="en-TW" sz="7000" b="1" dirty="0">
-              <a:solidFill>
-                <a:srgbClr val="AD5545"/>
-              </a:solidFill>
-              <a:latin typeface="Bangla MN" pitchFamily="2" charset="0"/>
-              <a:ea typeface="Apple Color Emoji" pitchFamily="2" charset="0"/>
-              <a:cs typeface="Bangla MN" pitchFamily="2" charset="0"/>
-            </a:endParaRPr>
-          </a:p>
-        </p:txBody>
-      </p:sp>
-      <p:grpSp>
-        <p:nvGrpSpPr>
-          <p:cNvPr id="47" name="Group 46">
-            <a:extLst>
-              <a:ext uri="{FF2B5EF4-FFF2-40B4-BE49-F238E27FC236}">
-                <a16:creationId xmlns:a16="http://schemas.microsoft.com/office/drawing/2014/main" id="{16F1A946-7D23-0BA3-D1FA-D7C7D3AC6D0E}"/>
-              </a:ext>
-            </a:extLst>
-          </p:cNvPr>
-          <p:cNvGrpSpPr/>
-          <p:nvPr/>
-        </p:nvGrpSpPr>
-        <p:grpSpPr>
-          <a:xfrm>
-            <a:off x="3374795" y="4091252"/>
-            <a:ext cx="2394408" cy="584775"/>
-            <a:chOff x="4483523" y="4029777"/>
-            <a:chExt cx="3192544" cy="779700"/>
-          </a:xfrm>
-        </p:grpSpPr>
-        <p:grpSp>
-          <p:nvGrpSpPr>
-            <p:cNvPr id="48" name="Group 47">
-              <a:extLst>
-                <a:ext uri="{FF2B5EF4-FFF2-40B4-BE49-F238E27FC236}">
-                  <a16:creationId xmlns:a16="http://schemas.microsoft.com/office/drawing/2014/main" id="{AA0819AA-6C60-87C4-31AB-A37228E32243}"/>
-                </a:ext>
-              </a:extLst>
-            </p:cNvPr>
-            <p:cNvGrpSpPr/>
-            <p:nvPr/>
-          </p:nvGrpSpPr>
-          <p:grpSpPr>
-            <a:xfrm>
-              <a:off x="4483523" y="4029777"/>
-              <a:ext cx="3192544" cy="779700"/>
-              <a:chOff x="1580784" y="3959333"/>
-              <a:chExt cx="3192544" cy="779700"/>
-            </a:xfrm>
-          </p:grpSpPr>
-          <p:sp>
-            <p:nvSpPr>
-              <p:cNvPr id="50" name="Rounded Rectangle 49">
-                <a:extLst>
-                  <a:ext uri="{FF2B5EF4-FFF2-40B4-BE49-F238E27FC236}">
-                    <a16:creationId xmlns:a16="http://schemas.microsoft.com/office/drawing/2014/main" id="{B9A2233A-4813-AEFF-DE8D-6C65129EC856}"/>
-                  </a:ext>
-                </a:extLst>
-              </p:cNvPr>
-              <p:cNvSpPr/>
-              <p:nvPr/>
-            </p:nvSpPr>
-            <p:spPr>
-              <a:xfrm>
-                <a:off x="1580784" y="3991326"/>
-                <a:ext cx="3192544" cy="714947"/>
-              </a:xfrm>
-              <a:prstGeom prst="roundRect">
-                <a:avLst>
-                  <a:gd name="adj" fmla="val 38868"/>
-                </a:avLst>
-              </a:prstGeom>
-              <a:solidFill>
-                <a:srgbClr val="FFEB9E"/>
-              </a:solidFill>
-              <a:ln>
-                <a:noFill/>
-              </a:ln>
-            </p:spPr>
-            <p:style>
-              <a:lnRef idx="2">
-                <a:schemeClr val="accent1">
-                  <a:shade val="15000"/>
-                </a:schemeClr>
-              </a:lnRef>
-              <a:fillRef idx="1">
-                <a:schemeClr val="accent1"/>
-              </a:fillRef>
-              <a:effectRef idx="0">
-                <a:schemeClr val="accent1"/>
-              </a:effectRef>
-              <a:fontRef idx="minor">
-                <a:schemeClr val="lt1"/>
-              </a:fontRef>
-            </p:style>
-            <p:txBody>
-              <a:bodyPr rtlCol="0" anchor="ctr"/>
-              <a:lstStyle/>
-              <a:p>
-                <a:pPr algn="ctr"/>
-                <a:endParaRPr lang="en-TW" sz="1350" dirty="0"/>
-              </a:p>
-            </p:txBody>
-          </p:sp>
-          <p:sp>
-            <p:nvSpPr>
-              <p:cNvPr id="51" name="TextBox 50">
-                <a:extLst>
-                  <a:ext uri="{FF2B5EF4-FFF2-40B4-BE49-F238E27FC236}">
-                    <a16:creationId xmlns:a16="http://schemas.microsoft.com/office/drawing/2014/main" id="{7D681A5A-855B-B8B0-BD3C-133318B6C1D9}"/>
-                  </a:ext>
-                </a:extLst>
-              </p:cNvPr>
-              <p:cNvSpPr txBox="1"/>
-              <p:nvPr/>
-            </p:nvSpPr>
-            <p:spPr>
-              <a:xfrm>
-                <a:off x="1957874" y="3959333"/>
-                <a:ext cx="1918043" cy="779700"/>
-              </a:xfrm>
-              <a:prstGeom prst="rect">
-                <a:avLst/>
-              </a:prstGeom>
-              <a:noFill/>
-            </p:spPr>
-            <p:txBody>
-              <a:bodyPr wrap="square" rtlCol="0">
-                <a:spAutoFit/>
-              </a:bodyPr>
-              <a:lstStyle/>
-              <a:p>
-                <a:r>
-                  <a:rPr lang="en-US" sz="3200" b="1" dirty="0">
-                    <a:solidFill>
-                      <a:srgbClr val="000000"/>
-                    </a:solidFill>
-                    <a:latin typeface="Candara" panose="020E0502030303020204" pitchFamily="34" charset="0"/>
-                    <a:ea typeface="Apple Color Emoji" pitchFamily="2" charset="0"/>
-                    <a:cs typeface="Calibri" panose="020F0502020204030204" pitchFamily="34" charset="0"/>
-                  </a:rPr>
-                  <a:t>GitHub</a:t>
-                </a:r>
-                <a:endParaRPr lang="en-TW" sz="3200" b="1" dirty="0">
-                  <a:latin typeface="Candara" panose="020E0502030303020204" pitchFamily="34" charset="0"/>
-                  <a:ea typeface="Apple Color Emoji" pitchFamily="2" charset="0"/>
-                  <a:cs typeface="Calibri" panose="020F0502020204030204" pitchFamily="34" charset="0"/>
-                </a:endParaRPr>
-              </a:p>
-            </p:txBody>
-          </p:sp>
-        </p:grpSp>
-        <p:pic>
-          <p:nvPicPr>
-            <p:cNvPr id="49" name="Graphic 48" descr="Cursor">
-              <a:extLst>
-                <a:ext uri="{FF2B5EF4-FFF2-40B4-BE49-F238E27FC236}">
-                  <a16:creationId xmlns:a16="http://schemas.microsoft.com/office/drawing/2014/main" id="{7C39F1AF-ED10-7560-63AB-33A31603625C}"/>
-                </a:ext>
-              </a:extLst>
-            </p:cNvPr>
-            <p:cNvPicPr>
-              <a:picLocks noChangeAspect="1"/>
-            </p:cNvPicPr>
-            <p:nvPr/>
-          </p:nvPicPr>
-          <p:blipFill>
-            <a:blip r:embed="rId4">
-              <a:extLst>
-                <a:ext uri="{96DAC541-7B7A-43D3-8B79-37D633B846F1}">
-                  <asvg:svgBlip xmlns:asvg="http://schemas.microsoft.com/office/drawing/2016/SVG/main" r:embed="rId5"/>
-                </a:ext>
-              </a:extLst>
-            </a:blip>
-            <a:stretch>
-              <a:fillRect/>
-            </a:stretch>
-          </p:blipFill>
-          <p:spPr>
-            <a:xfrm flipH="1">
-              <a:off x="6678136" y="4059426"/>
-              <a:ext cx="714945" cy="714945"/>
-            </a:xfrm>
-            <a:prstGeom prst="rect">
-              <a:avLst/>
-            </a:prstGeom>
-          </p:spPr>
-        </p:pic>
-      </p:grpSp>
-      <p:grpSp>
-        <p:nvGrpSpPr>
-          <p:cNvPr id="3" name="Group 2">
-            <a:extLst>
-              <a:ext uri="{FF2B5EF4-FFF2-40B4-BE49-F238E27FC236}">
-                <a16:creationId xmlns:a16="http://schemas.microsoft.com/office/drawing/2014/main" id="{25D8F06B-791F-0D35-D2BB-D83B05650C71}"/>
-              </a:ext>
-            </a:extLst>
-          </p:cNvPr>
-          <p:cNvGrpSpPr/>
-          <p:nvPr/>
-        </p:nvGrpSpPr>
-        <p:grpSpPr>
-          <a:xfrm>
-            <a:off x="1912435" y="5137735"/>
-            <a:ext cx="1134081" cy="561936"/>
-            <a:chOff x="2056988" y="5133374"/>
-            <a:chExt cx="1134081" cy="561936"/>
-          </a:xfrm>
-        </p:grpSpPr>
-        <p:grpSp>
-          <p:nvGrpSpPr>
-            <p:cNvPr id="15" name="Group 14">
-              <a:extLst>
-                <a:ext uri="{FF2B5EF4-FFF2-40B4-BE49-F238E27FC236}">
-                  <a16:creationId xmlns:a16="http://schemas.microsoft.com/office/drawing/2014/main" id="{15B95384-06CF-0B88-FC11-7067DCED7EE6}"/>
-                </a:ext>
-              </a:extLst>
-            </p:cNvPr>
-            <p:cNvGrpSpPr/>
-            <p:nvPr/>
-          </p:nvGrpSpPr>
-          <p:grpSpPr>
-            <a:xfrm>
-              <a:off x="2056988" y="5172090"/>
-              <a:ext cx="1134081" cy="523220"/>
-              <a:chOff x="2417086" y="4288960"/>
-              <a:chExt cx="1985565" cy="553999"/>
-            </a:xfrm>
-          </p:grpSpPr>
-          <p:sp>
-            <p:nvSpPr>
-              <p:cNvPr id="17" name="Rounded Rectangle 16">
-                <a:extLst>
-                  <a:ext uri="{FF2B5EF4-FFF2-40B4-BE49-F238E27FC236}">
-                    <a16:creationId xmlns:a16="http://schemas.microsoft.com/office/drawing/2014/main" id="{32C7EC62-FDC6-4CD1-1A68-FDF1DDF44216}"/>
-                  </a:ext>
-                </a:extLst>
-              </p:cNvPr>
-              <p:cNvSpPr/>
-              <p:nvPr/>
-            </p:nvSpPr>
-            <p:spPr>
-              <a:xfrm>
-                <a:off x="2417086" y="4288961"/>
-                <a:ext cx="1985565" cy="553998"/>
-              </a:xfrm>
-              <a:prstGeom prst="roundRect">
-                <a:avLst>
-                  <a:gd name="adj" fmla="val 50000"/>
-                </a:avLst>
-              </a:prstGeom>
-              <a:solidFill>
-                <a:srgbClr val="DCA49B"/>
-              </a:solidFill>
-              <a:ln>
-                <a:noFill/>
-              </a:ln>
-            </p:spPr>
-            <p:style>
-              <a:lnRef idx="2">
-                <a:schemeClr val="accent1">
-                  <a:shade val="15000"/>
-                </a:schemeClr>
-              </a:lnRef>
-              <a:fillRef idx="1">
-                <a:schemeClr val="accent1"/>
-              </a:fillRef>
-              <a:effectRef idx="0">
-                <a:schemeClr val="accent1"/>
-              </a:effectRef>
-              <a:fontRef idx="minor">
-                <a:schemeClr val="lt1"/>
-              </a:fontRef>
-            </p:style>
-            <p:txBody>
-              <a:bodyPr rtlCol="0" anchor="ctr"/>
-              <a:lstStyle/>
-              <a:p>
-                <a:pPr algn="ctr"/>
-                <a:endParaRPr lang="en-TW" sz="1350"/>
-              </a:p>
-            </p:txBody>
-          </p:sp>
-          <p:sp>
-            <p:nvSpPr>
-              <p:cNvPr id="18" name="Rounded Rectangle 17">
-                <a:extLst>
-                  <a:ext uri="{FF2B5EF4-FFF2-40B4-BE49-F238E27FC236}">
-                    <a16:creationId xmlns:a16="http://schemas.microsoft.com/office/drawing/2014/main" id="{0DD8B7A9-3864-57DE-7CF5-967FBD1602FB}"/>
-                  </a:ext>
-                </a:extLst>
-              </p:cNvPr>
-              <p:cNvSpPr/>
-              <p:nvPr/>
-            </p:nvSpPr>
-            <p:spPr>
-              <a:xfrm>
-                <a:off x="2417086" y="4288960"/>
-                <a:ext cx="1931962" cy="487756"/>
-              </a:xfrm>
-              <a:prstGeom prst="roundRect">
-                <a:avLst>
-                  <a:gd name="adj" fmla="val 50000"/>
-                </a:avLst>
-              </a:prstGeom>
-              <a:noFill/>
-              <a:ln w="38100">
-                <a:solidFill>
-                  <a:schemeClr val="tx1"/>
-                </a:solidFill>
-              </a:ln>
-            </p:spPr>
-            <p:style>
-              <a:lnRef idx="2">
-                <a:schemeClr val="accent1">
-                  <a:shade val="15000"/>
-                </a:schemeClr>
-              </a:lnRef>
-              <a:fillRef idx="1">
-                <a:schemeClr val="accent1"/>
-              </a:fillRef>
-              <a:effectRef idx="0">
-                <a:schemeClr val="accent1"/>
-              </a:effectRef>
-              <a:fontRef idx="minor">
-                <a:schemeClr val="lt1"/>
-              </a:fontRef>
-            </p:style>
-            <p:txBody>
-              <a:bodyPr rtlCol="0" anchor="ctr"/>
-              <a:lstStyle/>
-              <a:p>
-                <a:pPr algn="ctr"/>
-                <a:endParaRPr lang="en-TW" sz="1350"/>
-              </a:p>
-            </p:txBody>
-          </p:sp>
-        </p:grpSp>
-        <p:sp>
-          <p:nvSpPr>
-            <p:cNvPr id="16" name="TextBox 15">
-              <a:extLst>
-                <a:ext uri="{FF2B5EF4-FFF2-40B4-BE49-F238E27FC236}">
-                  <a16:creationId xmlns:a16="http://schemas.microsoft.com/office/drawing/2014/main" id="{32DBB994-32E3-AF1E-65A4-FF169F902C1F}"/>
-                </a:ext>
-              </a:extLst>
-            </p:cNvPr>
-            <p:cNvSpPr txBox="1"/>
-            <p:nvPr/>
-          </p:nvSpPr>
-          <p:spPr>
-            <a:xfrm>
-              <a:off x="2250116" y="5133374"/>
-              <a:ext cx="754342" cy="523220"/>
-            </a:xfrm>
-            <a:prstGeom prst="rect">
-              <a:avLst/>
-            </a:prstGeom>
-            <a:noFill/>
-          </p:spPr>
-          <p:txBody>
-            <a:bodyPr wrap="square" rtlCol="0">
-              <a:spAutoFit/>
-            </a:bodyPr>
-            <a:lstStyle/>
-            <a:p>
-              <a:r>
-                <a:rPr lang="en-US" sz="2800" b="1" dirty="0">
-                  <a:solidFill>
-                    <a:srgbClr val="000000"/>
-                  </a:solidFill>
-                  <a:latin typeface="Candara" panose="020E0502030303020204" pitchFamily="34" charset="0"/>
-                  <a:ea typeface="Apple Color Emoji" pitchFamily="2" charset="0"/>
-                  <a:cs typeface="Calibri" panose="020F0502020204030204" pitchFamily="34" charset="0"/>
-                </a:rPr>
-                <a:t>C++</a:t>
-              </a:r>
-              <a:endParaRPr lang="en-TW" sz="2800" b="1" dirty="0">
-                <a:latin typeface="Candara" panose="020E0502030303020204" pitchFamily="34" charset="0"/>
-                <a:ea typeface="Apple Color Emoji" pitchFamily="2" charset="0"/>
-                <a:cs typeface="Calibri" panose="020F0502020204030204" pitchFamily="34" charset="0"/>
-              </a:endParaRPr>
-            </a:p>
-          </p:txBody>
-        </p:sp>
-      </p:grpSp>
-      <p:grpSp>
-        <p:nvGrpSpPr>
-          <p:cNvPr id="19" name="Group 18">
-            <a:extLst>
-              <a:ext uri="{FF2B5EF4-FFF2-40B4-BE49-F238E27FC236}">
-                <a16:creationId xmlns:a16="http://schemas.microsoft.com/office/drawing/2014/main" id="{68EB10D2-B685-0D70-C2A5-3B380F2363D4}"/>
-              </a:ext>
-            </a:extLst>
-          </p:cNvPr>
-          <p:cNvGrpSpPr/>
-          <p:nvPr/>
-        </p:nvGrpSpPr>
-        <p:grpSpPr>
-          <a:xfrm>
-            <a:off x="3274377" y="5139045"/>
-            <a:ext cx="4138589" cy="559316"/>
-            <a:chOff x="3274377" y="5129366"/>
-            <a:chExt cx="4138589" cy="559316"/>
-          </a:xfrm>
-        </p:grpSpPr>
-        <p:grpSp>
-          <p:nvGrpSpPr>
-            <p:cNvPr id="11" name="Group 10">
-              <a:extLst>
-                <a:ext uri="{FF2B5EF4-FFF2-40B4-BE49-F238E27FC236}">
-                  <a16:creationId xmlns:a16="http://schemas.microsoft.com/office/drawing/2014/main" id="{64077C95-B2FF-7674-805C-FA46FE40CC16}"/>
-                </a:ext>
-              </a:extLst>
-            </p:cNvPr>
-            <p:cNvGrpSpPr/>
-            <p:nvPr/>
-          </p:nvGrpSpPr>
-          <p:grpSpPr>
-            <a:xfrm>
-              <a:off x="3274377" y="5165462"/>
-              <a:ext cx="4138589" cy="523220"/>
-              <a:chOff x="2417086" y="4288960"/>
-              <a:chExt cx="1956603" cy="553999"/>
-            </a:xfrm>
-          </p:grpSpPr>
-          <p:sp>
-            <p:nvSpPr>
-              <p:cNvPr id="13" name="Rounded Rectangle 12">
-                <a:extLst>
-                  <a:ext uri="{FF2B5EF4-FFF2-40B4-BE49-F238E27FC236}">
-                    <a16:creationId xmlns:a16="http://schemas.microsoft.com/office/drawing/2014/main" id="{80850E53-84F6-8D98-B00D-DE64BC9A9A2E}"/>
-                  </a:ext>
-                </a:extLst>
-              </p:cNvPr>
-              <p:cNvSpPr/>
-              <p:nvPr/>
-            </p:nvSpPr>
-            <p:spPr>
-              <a:xfrm>
-                <a:off x="2417086" y="4288961"/>
-                <a:ext cx="1956603" cy="553998"/>
-              </a:xfrm>
-              <a:prstGeom prst="roundRect">
-                <a:avLst>
-                  <a:gd name="adj" fmla="val 50000"/>
-                </a:avLst>
-              </a:prstGeom>
-              <a:solidFill>
-                <a:srgbClr val="DCA49B"/>
-              </a:solidFill>
-              <a:ln>
-                <a:noFill/>
-              </a:ln>
-            </p:spPr>
-            <p:style>
-              <a:lnRef idx="2">
-                <a:schemeClr val="accent1">
-                  <a:shade val="15000"/>
-                </a:schemeClr>
-              </a:lnRef>
-              <a:fillRef idx="1">
-                <a:schemeClr val="accent1"/>
-              </a:fillRef>
-              <a:effectRef idx="0">
-                <a:schemeClr val="accent1"/>
-              </a:effectRef>
-              <a:fontRef idx="minor">
-                <a:schemeClr val="lt1"/>
-              </a:fontRef>
-            </p:style>
-            <p:txBody>
-              <a:bodyPr rtlCol="0" anchor="ctr"/>
-              <a:lstStyle/>
-              <a:p>
-                <a:pPr algn="ctr"/>
-                <a:endParaRPr lang="en-TW" sz="1350" dirty="0"/>
-              </a:p>
-            </p:txBody>
-          </p:sp>
-          <p:sp>
-            <p:nvSpPr>
-              <p:cNvPr id="14" name="Rounded Rectangle 13">
-                <a:extLst>
-                  <a:ext uri="{FF2B5EF4-FFF2-40B4-BE49-F238E27FC236}">
-                    <a16:creationId xmlns:a16="http://schemas.microsoft.com/office/drawing/2014/main" id="{564DB107-5891-6CC5-0C16-1612CF6C80FC}"/>
-                  </a:ext>
-                </a:extLst>
-              </p:cNvPr>
-              <p:cNvSpPr/>
-              <p:nvPr/>
-            </p:nvSpPr>
-            <p:spPr>
-              <a:xfrm>
-                <a:off x="2417086" y="4288960"/>
-                <a:ext cx="1931962" cy="487756"/>
-              </a:xfrm>
-              <a:prstGeom prst="roundRect">
-                <a:avLst>
-                  <a:gd name="adj" fmla="val 50000"/>
-                </a:avLst>
-              </a:prstGeom>
-              <a:noFill/>
-              <a:ln w="38100">
-                <a:solidFill>
-                  <a:schemeClr val="tx1"/>
-                </a:solidFill>
-              </a:ln>
-            </p:spPr>
-            <p:style>
-              <a:lnRef idx="2">
-                <a:schemeClr val="accent1">
-                  <a:shade val="15000"/>
-                </a:schemeClr>
-              </a:lnRef>
-              <a:fillRef idx="1">
-                <a:schemeClr val="accent1"/>
-              </a:fillRef>
-              <a:effectRef idx="0">
-                <a:schemeClr val="accent1"/>
-              </a:effectRef>
-              <a:fontRef idx="minor">
-                <a:schemeClr val="lt1"/>
-              </a:fontRef>
-            </p:style>
-            <p:txBody>
-              <a:bodyPr rtlCol="0" anchor="ctr"/>
-              <a:lstStyle/>
-              <a:p>
-                <a:pPr algn="ctr"/>
-                <a:endParaRPr lang="en-TW" sz="1350"/>
-              </a:p>
-            </p:txBody>
-          </p:sp>
-        </p:grpSp>
-        <p:sp>
-          <p:nvSpPr>
-            <p:cNvPr id="12" name="TextBox 11">
-              <a:extLst>
-                <a:ext uri="{FF2B5EF4-FFF2-40B4-BE49-F238E27FC236}">
-                  <a16:creationId xmlns:a16="http://schemas.microsoft.com/office/drawing/2014/main" id="{AF9FBB62-71EA-1F1B-CE28-BC98108DC212}"/>
-                </a:ext>
-              </a:extLst>
-            </p:cNvPr>
-            <p:cNvSpPr txBox="1"/>
-            <p:nvPr/>
-          </p:nvSpPr>
-          <p:spPr>
-            <a:xfrm>
-              <a:off x="3489619" y="5129366"/>
-              <a:ext cx="3833162" cy="523220"/>
-            </a:xfrm>
-            <a:prstGeom prst="rect">
-              <a:avLst/>
-            </a:prstGeom>
-            <a:noFill/>
-          </p:spPr>
-          <p:txBody>
-            <a:bodyPr wrap="square" rtlCol="0">
-              <a:spAutoFit/>
-            </a:bodyPr>
-            <a:lstStyle/>
-            <a:p>
-              <a:r>
-                <a:rPr lang="en-US" sz="2800" b="1" dirty="0">
-                  <a:solidFill>
-                    <a:srgbClr val="000000"/>
-                  </a:solidFill>
-                  <a:latin typeface="Candara" panose="020E0502030303020204" pitchFamily="34" charset="0"/>
-                  <a:ea typeface="Apple Color Emoji" pitchFamily="2" charset="0"/>
-                  <a:cs typeface="Calibri" panose="020F0502020204030204" pitchFamily="34" charset="0"/>
-                </a:rPr>
-                <a:t>Client-Server Paradigm</a:t>
-              </a:r>
-              <a:endParaRPr lang="en-TW" sz="2800" b="1" dirty="0">
-                <a:latin typeface="Candara" panose="020E0502030303020204" pitchFamily="34" charset="0"/>
-                <a:ea typeface="Apple Color Emoji" pitchFamily="2" charset="0"/>
-                <a:cs typeface="Calibri" panose="020F0502020204030204" pitchFamily="34" charset="0"/>
-              </a:endParaRPr>
-            </a:p>
-          </p:txBody>
-        </p:sp>
-      </p:grpSp>
-    </p:spTree>
-    <p:extLst>
-      <p:ext uri="{BB962C8B-B14F-4D97-AF65-F5344CB8AC3E}">
-        <p14:creationId xmlns:p14="http://schemas.microsoft.com/office/powerpoint/2010/main" val="1303210132"/>
-      </p:ext>
-    </p:extLst>
-  </p:cSld>
-  <p:clrMapOvr>
-    <a:masterClrMapping/>
-  </p:clrMapOvr>
-</p:sld>
-</file>
-
-<file path=ppt/slides/slide8.xml><?xml version="1.0" encoding="utf-8"?>
-<p:sld xmlns:a="http://schemas.openxmlformats.org/drawingml/2006/main" xmlns:r="http://schemas.openxmlformats.org/officeDocument/2006/relationships" xmlns:p="http://schemas.openxmlformats.org/presentationml/2006/main">
-  <p:cSld>
-    <p:spTree>
-      <p:nvGrpSpPr>
-        <p:cNvPr id="1" name=""/>
-        <p:cNvGrpSpPr/>
-        <p:nvPr/>
-      </p:nvGrpSpPr>
-      <p:grpSpPr>
-        <a:xfrm>
-          <a:off x="0" y="0"/>
-          <a:ext cx="0" cy="0"/>
-          <a:chOff x="0" y="0"/>
-          <a:chExt cx="0" cy="0"/>
-        </a:xfrm>
-      </p:grpSpPr>
-      <p:pic>
-        <p:nvPicPr>
-          <p:cNvPr id="2" name="Picture 1">
-            <a:extLst>
-              <a:ext uri="{FF2B5EF4-FFF2-40B4-BE49-F238E27FC236}">
-                <a16:creationId xmlns:a16="http://schemas.microsoft.com/office/drawing/2014/main" id="{F8D542F6-2406-0E87-EBC8-FA9A14EE0A17}"/>
-              </a:ext>
-            </a:extLst>
-          </p:cNvPr>
-          <p:cNvPicPr>
-            <a:picLocks noChangeAspect="1"/>
-          </p:cNvPicPr>
-          <p:nvPr/>
-        </p:nvPicPr>
-        <p:blipFill rotWithShape="1">
-          <a:blip r:embed="rId3"/>
-          <a:srcRect l="35534"/>
-          <a:stretch/>
-        </p:blipFill>
-        <p:spPr>
-          <a:xfrm>
-            <a:off x="2899" y="0"/>
-            <a:ext cx="9141101" cy="6858000"/>
-          </a:xfrm>
-          <a:prstGeom prst="rect">
-            <a:avLst/>
-          </a:prstGeom>
-        </p:spPr>
-      </p:pic>
-      <p:grpSp>
-        <p:nvGrpSpPr>
-          <p:cNvPr id="3" name="Group 2">
-            <a:extLst>
-              <a:ext uri="{FF2B5EF4-FFF2-40B4-BE49-F238E27FC236}">
-                <a16:creationId xmlns:a16="http://schemas.microsoft.com/office/drawing/2014/main" id="{9451E72E-91BA-FF8A-B9C3-95BE14F05015}"/>
-              </a:ext>
-            </a:extLst>
-          </p:cNvPr>
-          <p:cNvGrpSpPr/>
-          <p:nvPr/>
-        </p:nvGrpSpPr>
-        <p:grpSpPr>
-          <a:xfrm>
-            <a:off x="379419" y="352145"/>
-            <a:ext cx="1336505" cy="362347"/>
-            <a:chOff x="443753" y="181173"/>
-            <a:chExt cx="1336505" cy="362347"/>
-          </a:xfrm>
-        </p:grpSpPr>
-        <p:sp>
-          <p:nvSpPr>
-            <p:cNvPr id="5" name="Oval 4">
-              <a:extLst>
-                <a:ext uri="{FF2B5EF4-FFF2-40B4-BE49-F238E27FC236}">
-                  <a16:creationId xmlns:a16="http://schemas.microsoft.com/office/drawing/2014/main" id="{2B2D43F3-AB0F-7F24-E656-DA1521E7CAAC}"/>
-                </a:ext>
-              </a:extLst>
-            </p:cNvPr>
-            <p:cNvSpPr/>
-            <p:nvPr/>
-          </p:nvSpPr>
-          <p:spPr>
-            <a:xfrm>
-              <a:off x="443753" y="181173"/>
-              <a:ext cx="362347" cy="362347"/>
-            </a:xfrm>
-            <a:prstGeom prst="ellipse">
-              <a:avLst/>
-            </a:prstGeom>
-            <a:solidFill>
-              <a:srgbClr val="FF5F57"/>
-            </a:solidFill>
-            <a:ln>
-              <a:noFill/>
-            </a:ln>
-          </p:spPr>
-          <p:style>
-            <a:lnRef idx="2">
-              <a:schemeClr val="accent1">
-                <a:shade val="15000"/>
-              </a:schemeClr>
-            </a:lnRef>
-            <a:fillRef idx="1">
-              <a:schemeClr val="accent1"/>
-            </a:fillRef>
-            <a:effectRef idx="0">
-              <a:schemeClr val="accent1"/>
-            </a:effectRef>
-            <a:fontRef idx="minor">
-              <a:schemeClr val="lt1"/>
-            </a:fontRef>
-          </p:style>
-          <p:txBody>
-            <a:bodyPr rtlCol="0" anchor="ctr"/>
-            <a:lstStyle/>
-            <a:p>
-              <a:pPr algn="ctr"/>
-              <a:endParaRPr lang="en-TW"/>
-            </a:p>
-          </p:txBody>
-        </p:sp>
-        <p:sp>
-          <p:nvSpPr>
-            <p:cNvPr id="10" name="Oval 9">
-              <a:extLst>
-                <a:ext uri="{FF2B5EF4-FFF2-40B4-BE49-F238E27FC236}">
-                  <a16:creationId xmlns:a16="http://schemas.microsoft.com/office/drawing/2014/main" id="{60A43D14-464C-FA32-F1B8-54A629B2C969}"/>
-                </a:ext>
-              </a:extLst>
-            </p:cNvPr>
-            <p:cNvSpPr/>
-            <p:nvPr/>
-          </p:nvSpPr>
-          <p:spPr>
-            <a:xfrm>
-              <a:off x="930832" y="181173"/>
-              <a:ext cx="362347" cy="362347"/>
-            </a:xfrm>
-            <a:prstGeom prst="ellipse">
-              <a:avLst/>
-            </a:prstGeom>
-            <a:solidFill>
-              <a:srgbClr val="FEBD2E"/>
-            </a:solidFill>
-            <a:ln>
-              <a:noFill/>
-            </a:ln>
-          </p:spPr>
-          <p:style>
-            <a:lnRef idx="2">
-              <a:schemeClr val="accent1">
-                <a:shade val="15000"/>
-              </a:schemeClr>
-            </a:lnRef>
-            <a:fillRef idx="1">
-              <a:schemeClr val="accent1"/>
-            </a:fillRef>
-            <a:effectRef idx="0">
-              <a:schemeClr val="accent1"/>
-            </a:effectRef>
-            <a:fontRef idx="minor">
-              <a:schemeClr val="lt1"/>
-            </a:fontRef>
-          </p:style>
-          <p:txBody>
-            <a:bodyPr rtlCol="0" anchor="ctr"/>
-            <a:lstStyle/>
-            <a:p>
-              <a:pPr algn="ctr"/>
-              <a:endParaRPr lang="en-TW"/>
-            </a:p>
-          </p:txBody>
-        </p:sp>
-        <p:sp>
-          <p:nvSpPr>
-            <p:cNvPr id="11" name="Oval 10">
-              <a:extLst>
-                <a:ext uri="{FF2B5EF4-FFF2-40B4-BE49-F238E27FC236}">
-                  <a16:creationId xmlns:a16="http://schemas.microsoft.com/office/drawing/2014/main" id="{09535B96-C9A2-7785-2DCB-65E0C3DB0C4B}"/>
-                </a:ext>
-              </a:extLst>
-            </p:cNvPr>
-            <p:cNvSpPr/>
-            <p:nvPr/>
-          </p:nvSpPr>
-          <p:spPr>
-            <a:xfrm>
-              <a:off x="1417911" y="181173"/>
-              <a:ext cx="362347" cy="362347"/>
-            </a:xfrm>
-            <a:prstGeom prst="ellipse">
-              <a:avLst/>
-            </a:prstGeom>
-            <a:solidFill>
-              <a:srgbClr val="27C841"/>
-            </a:solidFill>
-            <a:ln>
-              <a:noFill/>
-            </a:ln>
-          </p:spPr>
-          <p:style>
-            <a:lnRef idx="2">
-              <a:schemeClr val="accent1">
-                <a:shade val="15000"/>
-              </a:schemeClr>
-            </a:lnRef>
-            <a:fillRef idx="1">
-              <a:schemeClr val="accent1"/>
-            </a:fillRef>
-            <a:effectRef idx="0">
-              <a:schemeClr val="accent1"/>
-            </a:effectRef>
-            <a:fontRef idx="minor">
-              <a:schemeClr val="lt1"/>
-            </a:fontRef>
-          </p:style>
-          <p:txBody>
-            <a:bodyPr rtlCol="0" anchor="ctr"/>
-            <a:lstStyle/>
-            <a:p>
-              <a:pPr algn="ctr"/>
-              <a:endParaRPr lang="en-TW"/>
-            </a:p>
-          </p:txBody>
-        </p:sp>
-      </p:grpSp>
-    </p:spTree>
-    <p:extLst>
-      <p:ext uri="{BB962C8B-B14F-4D97-AF65-F5344CB8AC3E}">
-        <p14:creationId xmlns:p14="http://schemas.microsoft.com/office/powerpoint/2010/main" val="3894181209"/>
-      </p:ext>
-    </p:extLst>
-  </p:cSld>
-  <p:clrMapOvr>
-    <a:masterClrMapping/>
-  </p:clrMapOvr>
-</p:sld>
-</file>
-
 <file path=ppt/slides/slide9.xml><?xml version="1.0" encoding="utf-8"?>
 <p:sld xmlns:a="http://schemas.openxmlformats.org/drawingml/2006/main" xmlns:r="http://schemas.openxmlformats.org/officeDocument/2006/relationships" xmlns:p="http://schemas.openxmlformats.org/presentationml/2006/main">
   <p:cSld>

--- a/project image.pptx
+++ b/project image.pptx
@@ -5,7 +5,7 @@
     <p:sldMasterId id="2147483660" r:id="rId1"/>
   </p:sldMasterIdLst>
   <p:notesMasterIdLst>
-    <p:notesMasterId r:id="rId12"/>
+    <p:notesMasterId r:id="rId13"/>
   </p:notesMasterIdLst>
   <p:sldIdLst>
     <p:sldId id="263" r:id="rId2"/>
@@ -15,9 +15,10 @@
     <p:sldId id="259" r:id="rId6"/>
     <p:sldId id="262" r:id="rId7"/>
     <p:sldId id="266" r:id="rId8"/>
-    <p:sldId id="260" r:id="rId9"/>
-    <p:sldId id="268" r:id="rId10"/>
-    <p:sldId id="267" r:id="rId11"/>
+    <p:sldId id="269" r:id="rId9"/>
+    <p:sldId id="260" r:id="rId10"/>
+    <p:sldId id="268" r:id="rId11"/>
+    <p:sldId id="267" r:id="rId12"/>
   </p:sldIdLst>
   <p:sldSz cx="9144000" cy="6858000" type="screen4x3"/>
   <p:notesSz cx="6858000" cy="9144000"/>
@@ -634,6 +635,95 @@
             <a:fld id="{BE4677E2-809D-D444-8BE4-D4BE08F1B023}" type="slidenum">
               <a:rPr lang="en-TW" smtClean="0"/>
               <a:t>10</a:t>
+            </a:fld>
+            <a:endParaRPr lang="en-TW"/>
+          </a:p>
+        </p:txBody>
+      </p:sp>
+    </p:spTree>
+    <p:extLst>
+      <p:ext uri="{BB962C8B-B14F-4D97-AF65-F5344CB8AC3E}">
+        <p14:creationId xmlns:p14="http://schemas.microsoft.com/office/powerpoint/2010/main" val="3070475224"/>
+      </p:ext>
+    </p:extLst>
+  </p:cSld>
+  <p:clrMapOvr>
+    <a:masterClrMapping/>
+  </p:clrMapOvr>
+</p:notes>
+</file>
+
+<file path=ppt/notesSlides/notesSlide11.xml><?xml version="1.0" encoding="utf-8"?>
+<p:notes xmlns:a="http://schemas.openxmlformats.org/drawingml/2006/main" xmlns:r="http://schemas.openxmlformats.org/officeDocument/2006/relationships" xmlns:p="http://schemas.openxmlformats.org/presentationml/2006/main">
+  <p:cSld>
+    <p:spTree>
+      <p:nvGrpSpPr>
+        <p:cNvPr id="1" name=""/>
+        <p:cNvGrpSpPr/>
+        <p:nvPr/>
+      </p:nvGrpSpPr>
+      <p:grpSpPr>
+        <a:xfrm>
+          <a:off x="0" y="0"/>
+          <a:ext cx="0" cy="0"/>
+          <a:chOff x="0" y="0"/>
+          <a:chExt cx="0" cy="0"/>
+        </a:xfrm>
+      </p:grpSpPr>
+      <p:sp>
+        <p:nvSpPr>
+          <p:cNvPr id="2" name="Slide Image Placeholder 1"/>
+          <p:cNvSpPr>
+            <a:spLocks noGrp="1" noRot="1" noChangeAspect="1"/>
+          </p:cNvSpPr>
+          <p:nvPr>
+            <p:ph type="sldImg"/>
+          </p:nvPr>
+        </p:nvSpPr>
+        <p:spPr>
+          <a:xfrm>
+            <a:off x="1371600" y="1143000"/>
+            <a:ext cx="4114800" cy="3086100"/>
+          </a:xfrm>
+        </p:spPr>
+      </p:sp>
+      <p:sp>
+        <p:nvSpPr>
+          <p:cNvPr id="3" name="Notes Placeholder 2"/>
+          <p:cNvSpPr>
+            <a:spLocks noGrp="1"/>
+          </p:cNvSpPr>
+          <p:nvPr>
+            <p:ph type="body" idx="1"/>
+          </p:nvPr>
+        </p:nvSpPr>
+        <p:spPr/>
+        <p:txBody>
+          <a:bodyPr/>
+          <a:lstStyle/>
+          <a:p>
+            <a:endParaRPr lang="en-TW" dirty="0"/>
+          </a:p>
+        </p:txBody>
+      </p:sp>
+      <p:sp>
+        <p:nvSpPr>
+          <p:cNvPr id="4" name="Slide Number Placeholder 3"/>
+          <p:cNvSpPr>
+            <a:spLocks noGrp="1"/>
+          </p:cNvSpPr>
+          <p:nvPr>
+            <p:ph type="sldNum" sz="quarter" idx="5"/>
+          </p:nvPr>
+        </p:nvSpPr>
+        <p:spPr/>
+        <p:txBody>
+          <a:bodyPr/>
+          <a:lstStyle/>
+          <a:p>
+            <a:fld id="{BE4677E2-809D-D444-8BE4-D4BE08F1B023}" type="slidenum">
+              <a:rPr lang="en-TW" smtClean="0"/>
+              <a:t>11</a:t>
             </a:fld>
             <a:endParaRPr lang="en-TW"/>
           </a:p>
@@ -1265,7 +1355,7 @@
     </p:spTree>
     <p:extLst>
       <p:ext uri="{BB962C8B-B14F-4D97-AF65-F5344CB8AC3E}">
-        <p14:creationId xmlns:p14="http://schemas.microsoft.com/office/powerpoint/2010/main" val="3056905363"/>
+        <p14:creationId xmlns:p14="http://schemas.microsoft.com/office/powerpoint/2010/main" val="2543892070"/>
       </p:ext>
     </p:extLst>
   </p:cSld>
@@ -1354,7 +1444,7 @@
     </p:spTree>
     <p:extLst>
       <p:ext uri="{BB962C8B-B14F-4D97-AF65-F5344CB8AC3E}">
-        <p14:creationId xmlns:p14="http://schemas.microsoft.com/office/powerpoint/2010/main" val="3070475224"/>
+        <p14:creationId xmlns:p14="http://schemas.microsoft.com/office/powerpoint/2010/main" val="3056905363"/>
       </p:ext>
     </p:extLst>
   </p:cSld>
@@ -4222,233 +4312,35 @@
           <a:chExt cx="0" cy="0"/>
         </a:xfrm>
       </p:grpSpPr>
-      <p:grpSp>
-        <p:nvGrpSpPr>
-          <p:cNvPr id="12" name="Group 11">
+      <p:pic>
+        <p:nvPicPr>
+          <p:cNvPr id="18" name="Picture 17">
             <a:extLst>
               <a:ext uri="{FF2B5EF4-FFF2-40B4-BE49-F238E27FC236}">
-                <a16:creationId xmlns:a16="http://schemas.microsoft.com/office/drawing/2014/main" id="{303F4E0A-A59C-33D9-F181-2E7EA0AB0F32}"/>
+                <a16:creationId xmlns:a16="http://schemas.microsoft.com/office/drawing/2014/main" id="{7C8E4AEE-8139-264C-32CE-A5136C3F075D}"/>
               </a:ext>
             </a:extLst>
           </p:cNvPr>
-          <p:cNvGrpSpPr/>
+          <p:cNvPicPr>
+            <a:picLocks noChangeAspect="1"/>
+          </p:cNvPicPr>
           <p:nvPr/>
-        </p:nvGrpSpPr>
-        <p:grpSpPr>
+        </p:nvPicPr>
+        <p:blipFill rotWithShape="1">
+          <a:blip r:embed="rId3"/>
+          <a:srcRect l="35534"/>
+          <a:stretch/>
+        </p:blipFill>
+        <p:spPr>
           <a:xfrm>
             <a:off x="2899" y="0"/>
             <a:ext cx="9141101" cy="6858000"/>
-            <a:chOff x="2899" y="0"/>
-            <a:chExt cx="9141101" cy="6858000"/>
           </a:xfrm>
-        </p:grpSpPr>
-        <p:pic>
-          <p:nvPicPr>
-            <p:cNvPr id="13" name="Picture 12">
-              <a:extLst>
-                <a:ext uri="{FF2B5EF4-FFF2-40B4-BE49-F238E27FC236}">
-                  <a16:creationId xmlns:a16="http://schemas.microsoft.com/office/drawing/2014/main" id="{1269B347-4B27-FD4D-5E5F-FA62BFD3F7B2}"/>
-                </a:ext>
-              </a:extLst>
-            </p:cNvPr>
-            <p:cNvPicPr>
-              <a:picLocks noChangeAspect="1"/>
-            </p:cNvPicPr>
-            <p:nvPr/>
-          </p:nvPicPr>
-          <p:blipFill rotWithShape="1">
-            <a:blip r:embed="rId3"/>
-            <a:srcRect l="35534"/>
-            <a:stretch/>
-          </p:blipFill>
-          <p:spPr>
-            <a:xfrm>
-              <a:off x="2899" y="0"/>
-              <a:ext cx="9141101" cy="6858000"/>
-            </a:xfrm>
-            <a:prstGeom prst="rect">
-              <a:avLst/>
-            </a:prstGeom>
-          </p:spPr>
-        </p:pic>
-        <p:grpSp>
-          <p:nvGrpSpPr>
-            <p:cNvPr id="14" name="Group 13">
-              <a:extLst>
-                <a:ext uri="{FF2B5EF4-FFF2-40B4-BE49-F238E27FC236}">
-                  <a16:creationId xmlns:a16="http://schemas.microsoft.com/office/drawing/2014/main" id="{84525A26-9574-85E2-30AA-425CBCED63E0}"/>
-                </a:ext>
-              </a:extLst>
-            </p:cNvPr>
-            <p:cNvGrpSpPr/>
-            <p:nvPr/>
-          </p:nvGrpSpPr>
-          <p:grpSpPr>
-            <a:xfrm>
-              <a:off x="379419" y="352145"/>
-              <a:ext cx="1336505" cy="362347"/>
-              <a:chOff x="443753" y="181173"/>
-              <a:chExt cx="1336505" cy="362347"/>
-            </a:xfrm>
-          </p:grpSpPr>
-          <p:sp>
-            <p:nvSpPr>
-              <p:cNvPr id="15" name="Oval 14">
-                <a:extLst>
-                  <a:ext uri="{FF2B5EF4-FFF2-40B4-BE49-F238E27FC236}">
-                    <a16:creationId xmlns:a16="http://schemas.microsoft.com/office/drawing/2014/main" id="{63AE298C-3291-45E7-FB1D-1E5D5CC73943}"/>
-                  </a:ext>
-                </a:extLst>
-              </p:cNvPr>
-              <p:cNvSpPr/>
-              <p:nvPr/>
-            </p:nvSpPr>
-            <p:spPr>
-              <a:xfrm>
-                <a:off x="443753" y="181173"/>
-                <a:ext cx="362347" cy="362347"/>
-              </a:xfrm>
-              <a:prstGeom prst="ellipse">
-                <a:avLst/>
-              </a:prstGeom>
-              <a:solidFill>
-                <a:srgbClr val="FF5F57"/>
-              </a:solidFill>
-              <a:ln>
-                <a:noFill/>
-              </a:ln>
-            </p:spPr>
-            <p:style>
-              <a:lnRef idx="2">
-                <a:schemeClr val="accent1">
-                  <a:shade val="15000"/>
-                </a:schemeClr>
-              </a:lnRef>
-              <a:fillRef idx="1">
-                <a:schemeClr val="accent1"/>
-              </a:fillRef>
-              <a:effectRef idx="0">
-                <a:schemeClr val="accent1"/>
-              </a:effectRef>
-              <a:fontRef idx="minor">
-                <a:schemeClr val="lt1"/>
-              </a:fontRef>
-            </p:style>
-            <p:txBody>
-              <a:bodyPr rtlCol="0" anchor="ctr"/>
-              <a:lstStyle/>
-              <a:p>
-                <a:pPr algn="ctr"/>
-                <a:endParaRPr lang="en-TW"/>
-              </a:p>
-            </p:txBody>
-          </p:sp>
-          <p:sp>
-            <p:nvSpPr>
-              <p:cNvPr id="16" name="Oval 15">
-                <a:extLst>
-                  <a:ext uri="{FF2B5EF4-FFF2-40B4-BE49-F238E27FC236}">
-                    <a16:creationId xmlns:a16="http://schemas.microsoft.com/office/drawing/2014/main" id="{BD76366C-37D1-5E07-9CE8-184C36C1EAEB}"/>
-                  </a:ext>
-                </a:extLst>
-              </p:cNvPr>
-              <p:cNvSpPr/>
-              <p:nvPr/>
-            </p:nvSpPr>
-            <p:spPr>
-              <a:xfrm>
-                <a:off x="930832" y="181173"/>
-                <a:ext cx="362347" cy="362347"/>
-              </a:xfrm>
-              <a:prstGeom prst="ellipse">
-                <a:avLst/>
-              </a:prstGeom>
-              <a:solidFill>
-                <a:srgbClr val="FEBD2E"/>
-              </a:solidFill>
-              <a:ln>
-                <a:noFill/>
-              </a:ln>
-            </p:spPr>
-            <p:style>
-              <a:lnRef idx="2">
-                <a:schemeClr val="accent1">
-                  <a:shade val="15000"/>
-                </a:schemeClr>
-              </a:lnRef>
-              <a:fillRef idx="1">
-                <a:schemeClr val="accent1"/>
-              </a:fillRef>
-              <a:effectRef idx="0">
-                <a:schemeClr val="accent1"/>
-              </a:effectRef>
-              <a:fontRef idx="minor">
-                <a:schemeClr val="lt1"/>
-              </a:fontRef>
-            </p:style>
-            <p:txBody>
-              <a:bodyPr rtlCol="0" anchor="ctr"/>
-              <a:lstStyle/>
-              <a:p>
-                <a:pPr algn="ctr"/>
-                <a:endParaRPr lang="en-TW"/>
-              </a:p>
-            </p:txBody>
-          </p:sp>
-          <p:sp>
-            <p:nvSpPr>
-              <p:cNvPr id="17" name="Oval 16">
-                <a:extLst>
-                  <a:ext uri="{FF2B5EF4-FFF2-40B4-BE49-F238E27FC236}">
-                    <a16:creationId xmlns:a16="http://schemas.microsoft.com/office/drawing/2014/main" id="{782CD87E-373F-0629-C9B4-A1A0B8E5DA0E}"/>
-                  </a:ext>
-                </a:extLst>
-              </p:cNvPr>
-              <p:cNvSpPr/>
-              <p:nvPr/>
-            </p:nvSpPr>
-            <p:spPr>
-              <a:xfrm>
-                <a:off x="1417911" y="181173"/>
-                <a:ext cx="362347" cy="362347"/>
-              </a:xfrm>
-              <a:prstGeom prst="ellipse">
-                <a:avLst/>
-              </a:prstGeom>
-              <a:solidFill>
-                <a:srgbClr val="27C841"/>
-              </a:solidFill>
-              <a:ln>
-                <a:noFill/>
-              </a:ln>
-            </p:spPr>
-            <p:style>
-              <a:lnRef idx="2">
-                <a:schemeClr val="accent1">
-                  <a:shade val="15000"/>
-                </a:schemeClr>
-              </a:lnRef>
-              <a:fillRef idx="1">
-                <a:schemeClr val="accent1"/>
-              </a:fillRef>
-              <a:effectRef idx="0">
-                <a:schemeClr val="accent1"/>
-              </a:effectRef>
-              <a:fontRef idx="minor">
-                <a:schemeClr val="lt1"/>
-              </a:fontRef>
-            </p:style>
-            <p:txBody>
-              <a:bodyPr rtlCol="0" anchor="ctr"/>
-              <a:lstStyle/>
-              <a:p>
-                <a:pPr algn="ctr"/>
-                <a:endParaRPr lang="en-TW"/>
-              </a:p>
-            </p:txBody>
-          </p:sp>
-        </p:grpSp>
-      </p:grpSp>
+          <a:prstGeom prst="rect">
+            <a:avLst/>
+          </a:prstGeom>
+        </p:spPr>
+      </p:pic>
       <p:sp>
         <p:nvSpPr>
           <p:cNvPr id="46" name="TextBox 45">
@@ -5601,6 +5493,265 @@
           <a:chExt cx="0" cy="0"/>
         </a:xfrm>
       </p:grpSpPr>
+      <p:sp>
+        <p:nvSpPr>
+          <p:cNvPr id="3" name="Rectangle 2">
+            <a:extLst>
+              <a:ext uri="{FF2B5EF4-FFF2-40B4-BE49-F238E27FC236}">
+                <a16:creationId xmlns:a16="http://schemas.microsoft.com/office/drawing/2014/main" id="{301DEAFC-29D4-7BB8-D52B-ED395ADBD232}"/>
+              </a:ext>
+            </a:extLst>
+          </p:cNvPr>
+          <p:cNvSpPr/>
+          <p:nvPr/>
+        </p:nvSpPr>
+        <p:spPr>
+          <a:xfrm>
+            <a:off x="0" y="0"/>
+            <a:ext cx="9144000" cy="6858000"/>
+          </a:xfrm>
+          <a:prstGeom prst="rect">
+            <a:avLst/>
+          </a:prstGeom>
+          <a:solidFill>
+            <a:srgbClr val="E2E6E8"/>
+          </a:solidFill>
+          <a:ln>
+            <a:noFill/>
+          </a:ln>
+        </p:spPr>
+        <p:style>
+          <a:lnRef idx="2">
+            <a:schemeClr val="accent1">
+              <a:shade val="15000"/>
+            </a:schemeClr>
+          </a:lnRef>
+          <a:fillRef idx="1">
+            <a:schemeClr val="accent1"/>
+          </a:fillRef>
+          <a:effectRef idx="0">
+            <a:schemeClr val="accent1"/>
+          </a:effectRef>
+          <a:fontRef idx="minor">
+            <a:schemeClr val="lt1"/>
+          </a:fontRef>
+        </p:style>
+        <p:txBody>
+          <a:bodyPr rtlCol="0" anchor="ctr"/>
+          <a:lstStyle/>
+          <a:p>
+            <a:pPr algn="ctr"/>
+            <a:endParaRPr lang="en-TW"/>
+          </a:p>
+        </p:txBody>
+      </p:sp>
+      <p:grpSp>
+        <p:nvGrpSpPr>
+          <p:cNvPr id="8" name="Group 7">
+            <a:extLst>
+              <a:ext uri="{FF2B5EF4-FFF2-40B4-BE49-F238E27FC236}">
+                <a16:creationId xmlns:a16="http://schemas.microsoft.com/office/drawing/2014/main" id="{2858C3C5-EBFF-30B6-B61B-9A16671B188E}"/>
+              </a:ext>
+            </a:extLst>
+          </p:cNvPr>
+          <p:cNvGrpSpPr/>
+          <p:nvPr/>
+        </p:nvGrpSpPr>
+        <p:grpSpPr>
+          <a:xfrm>
+            <a:off x="379419" y="352145"/>
+            <a:ext cx="1336505" cy="362347"/>
+            <a:chOff x="443753" y="181173"/>
+            <a:chExt cx="1336505" cy="362347"/>
+          </a:xfrm>
+        </p:grpSpPr>
+        <p:sp>
+          <p:nvSpPr>
+            <p:cNvPr id="4" name="Oval 3">
+              <a:extLst>
+                <a:ext uri="{FF2B5EF4-FFF2-40B4-BE49-F238E27FC236}">
+                  <a16:creationId xmlns:a16="http://schemas.microsoft.com/office/drawing/2014/main" id="{5B621C08-1836-737E-B335-36A6734E6810}"/>
+                </a:ext>
+              </a:extLst>
+            </p:cNvPr>
+            <p:cNvSpPr/>
+            <p:nvPr/>
+          </p:nvSpPr>
+          <p:spPr>
+            <a:xfrm>
+              <a:off x="443753" y="181173"/>
+              <a:ext cx="362347" cy="362347"/>
+            </a:xfrm>
+            <a:prstGeom prst="ellipse">
+              <a:avLst/>
+            </a:prstGeom>
+            <a:solidFill>
+              <a:srgbClr val="FF5F57"/>
+            </a:solidFill>
+            <a:ln>
+              <a:noFill/>
+            </a:ln>
+          </p:spPr>
+          <p:style>
+            <a:lnRef idx="2">
+              <a:schemeClr val="accent1">
+                <a:shade val="15000"/>
+              </a:schemeClr>
+            </a:lnRef>
+            <a:fillRef idx="1">
+              <a:schemeClr val="accent1"/>
+            </a:fillRef>
+            <a:effectRef idx="0">
+              <a:schemeClr val="accent1"/>
+            </a:effectRef>
+            <a:fontRef idx="minor">
+              <a:schemeClr val="lt1"/>
+            </a:fontRef>
+          </p:style>
+          <p:txBody>
+            <a:bodyPr rtlCol="0" anchor="ctr"/>
+            <a:lstStyle/>
+            <a:p>
+              <a:pPr algn="ctr"/>
+              <a:endParaRPr lang="en-TW"/>
+            </a:p>
+          </p:txBody>
+        </p:sp>
+        <p:sp>
+          <p:nvSpPr>
+            <p:cNvPr id="6" name="Oval 5">
+              <a:extLst>
+                <a:ext uri="{FF2B5EF4-FFF2-40B4-BE49-F238E27FC236}">
+                  <a16:creationId xmlns:a16="http://schemas.microsoft.com/office/drawing/2014/main" id="{0D3ADC91-3D1A-E467-4C00-58DC6F06BB50}"/>
+                </a:ext>
+              </a:extLst>
+            </p:cNvPr>
+            <p:cNvSpPr/>
+            <p:nvPr/>
+          </p:nvSpPr>
+          <p:spPr>
+            <a:xfrm>
+              <a:off x="930832" y="181173"/>
+              <a:ext cx="362347" cy="362347"/>
+            </a:xfrm>
+            <a:prstGeom prst="ellipse">
+              <a:avLst/>
+            </a:prstGeom>
+            <a:solidFill>
+              <a:srgbClr val="FEBD2E"/>
+            </a:solidFill>
+            <a:ln>
+              <a:noFill/>
+            </a:ln>
+          </p:spPr>
+          <p:style>
+            <a:lnRef idx="2">
+              <a:schemeClr val="accent1">
+                <a:shade val="15000"/>
+              </a:schemeClr>
+            </a:lnRef>
+            <a:fillRef idx="1">
+              <a:schemeClr val="accent1"/>
+            </a:fillRef>
+            <a:effectRef idx="0">
+              <a:schemeClr val="accent1"/>
+            </a:effectRef>
+            <a:fontRef idx="minor">
+              <a:schemeClr val="lt1"/>
+            </a:fontRef>
+          </p:style>
+          <p:txBody>
+            <a:bodyPr rtlCol="0" anchor="ctr"/>
+            <a:lstStyle/>
+            <a:p>
+              <a:pPr algn="ctr"/>
+              <a:endParaRPr lang="en-TW"/>
+            </a:p>
+          </p:txBody>
+        </p:sp>
+        <p:sp>
+          <p:nvSpPr>
+            <p:cNvPr id="7" name="Oval 6">
+              <a:extLst>
+                <a:ext uri="{FF2B5EF4-FFF2-40B4-BE49-F238E27FC236}">
+                  <a16:creationId xmlns:a16="http://schemas.microsoft.com/office/drawing/2014/main" id="{FE074333-2D3E-C79E-F0B8-D89DB6C4876C}"/>
+                </a:ext>
+              </a:extLst>
+            </p:cNvPr>
+            <p:cNvSpPr/>
+            <p:nvPr/>
+          </p:nvSpPr>
+          <p:spPr>
+            <a:xfrm>
+              <a:off x="1417911" y="181173"/>
+              <a:ext cx="362347" cy="362347"/>
+            </a:xfrm>
+            <a:prstGeom prst="ellipse">
+              <a:avLst/>
+            </a:prstGeom>
+            <a:solidFill>
+              <a:srgbClr val="27C841"/>
+            </a:solidFill>
+            <a:ln>
+              <a:noFill/>
+            </a:ln>
+          </p:spPr>
+          <p:style>
+            <a:lnRef idx="2">
+              <a:schemeClr val="accent1">
+                <a:shade val="15000"/>
+              </a:schemeClr>
+            </a:lnRef>
+            <a:fillRef idx="1">
+              <a:schemeClr val="accent1"/>
+            </a:fillRef>
+            <a:effectRef idx="0">
+              <a:schemeClr val="accent1"/>
+            </a:effectRef>
+            <a:fontRef idx="minor">
+              <a:schemeClr val="lt1"/>
+            </a:fontRef>
+          </p:style>
+          <p:txBody>
+            <a:bodyPr rtlCol="0" anchor="ctr"/>
+            <a:lstStyle/>
+            <a:p>
+              <a:pPr algn="ctr"/>
+              <a:endParaRPr lang="en-TW"/>
+            </a:p>
+          </p:txBody>
+        </p:sp>
+      </p:grpSp>
+    </p:spTree>
+    <p:extLst>
+      <p:ext uri="{BB962C8B-B14F-4D97-AF65-F5344CB8AC3E}">
+        <p14:creationId xmlns:p14="http://schemas.microsoft.com/office/powerpoint/2010/main" val="3439293497"/>
+      </p:ext>
+    </p:extLst>
+  </p:cSld>
+  <p:clrMapOvr>
+    <a:masterClrMapping/>
+  </p:clrMapOvr>
+</p:sld>
+</file>
+
+<file path=ppt/slides/slide11.xml><?xml version="1.0" encoding="utf-8"?>
+<p:sld xmlns:a="http://schemas.openxmlformats.org/drawingml/2006/main" xmlns:r="http://schemas.openxmlformats.org/officeDocument/2006/relationships" xmlns:p="http://schemas.openxmlformats.org/presentationml/2006/main">
+  <p:cSld>
+    <p:spTree>
+      <p:nvGrpSpPr>
+        <p:cNvPr id="1" name=""/>
+        <p:cNvGrpSpPr/>
+        <p:nvPr/>
+      </p:nvGrpSpPr>
+      <p:grpSpPr>
+        <a:xfrm>
+          <a:off x="0" y="0"/>
+          <a:ext cx="0" cy="0"/>
+          <a:chOff x="0" y="0"/>
+          <a:chExt cx="0" cy="0"/>
+        </a:xfrm>
+      </p:grpSpPr>
       <p:grpSp>
         <p:nvGrpSpPr>
           <p:cNvPr id="45" name="Group 44">
@@ -5711,233 +5862,35 @@
           <a:chExt cx="0" cy="0"/>
         </a:xfrm>
       </p:grpSpPr>
-      <p:grpSp>
-        <p:nvGrpSpPr>
-          <p:cNvPr id="82" name="Group 81">
+      <p:pic>
+        <p:nvPicPr>
+          <p:cNvPr id="88" name="Picture 87">
             <a:extLst>
               <a:ext uri="{FF2B5EF4-FFF2-40B4-BE49-F238E27FC236}">
-                <a16:creationId xmlns:a16="http://schemas.microsoft.com/office/drawing/2014/main" id="{CB55B5AB-7B08-67A8-E3E3-386CA8A84408}"/>
+                <a16:creationId xmlns:a16="http://schemas.microsoft.com/office/drawing/2014/main" id="{8E9CCBF2-C6E1-70DA-DC1F-BBE47E5AC340}"/>
               </a:ext>
             </a:extLst>
           </p:cNvPr>
-          <p:cNvGrpSpPr/>
+          <p:cNvPicPr>
+            <a:picLocks noChangeAspect="1"/>
+          </p:cNvPicPr>
           <p:nvPr/>
-        </p:nvGrpSpPr>
-        <p:grpSpPr>
+        </p:nvPicPr>
+        <p:blipFill rotWithShape="1">
+          <a:blip r:embed="rId3"/>
+          <a:srcRect l="35534"/>
+          <a:stretch/>
+        </p:blipFill>
+        <p:spPr>
           <a:xfrm>
             <a:off x="2899" y="0"/>
             <a:ext cx="9141101" cy="6858000"/>
-            <a:chOff x="2899" y="0"/>
-            <a:chExt cx="9141101" cy="6858000"/>
           </a:xfrm>
-        </p:grpSpPr>
-        <p:pic>
-          <p:nvPicPr>
-            <p:cNvPr id="83" name="Picture 82">
-              <a:extLst>
-                <a:ext uri="{FF2B5EF4-FFF2-40B4-BE49-F238E27FC236}">
-                  <a16:creationId xmlns:a16="http://schemas.microsoft.com/office/drawing/2014/main" id="{0E46E4B8-217F-579F-57E5-5FAE9F2195CC}"/>
-                </a:ext>
-              </a:extLst>
-            </p:cNvPr>
-            <p:cNvPicPr>
-              <a:picLocks noChangeAspect="1"/>
-            </p:cNvPicPr>
-            <p:nvPr/>
-          </p:nvPicPr>
-          <p:blipFill rotWithShape="1">
-            <a:blip r:embed="rId3"/>
-            <a:srcRect l="35534"/>
-            <a:stretch/>
-          </p:blipFill>
-          <p:spPr>
-            <a:xfrm>
-              <a:off x="2899" y="0"/>
-              <a:ext cx="9141101" cy="6858000"/>
-            </a:xfrm>
-            <a:prstGeom prst="rect">
-              <a:avLst/>
-            </a:prstGeom>
-          </p:spPr>
-        </p:pic>
-        <p:grpSp>
-          <p:nvGrpSpPr>
-            <p:cNvPr id="84" name="Group 83">
-              <a:extLst>
-                <a:ext uri="{FF2B5EF4-FFF2-40B4-BE49-F238E27FC236}">
-                  <a16:creationId xmlns:a16="http://schemas.microsoft.com/office/drawing/2014/main" id="{57DE13DD-FFD7-57EA-4277-5BBEC9D2788F}"/>
-                </a:ext>
-              </a:extLst>
-            </p:cNvPr>
-            <p:cNvGrpSpPr/>
-            <p:nvPr/>
-          </p:nvGrpSpPr>
-          <p:grpSpPr>
-            <a:xfrm>
-              <a:off x="379419" y="352145"/>
-              <a:ext cx="1336505" cy="362347"/>
-              <a:chOff x="443753" y="181173"/>
-              <a:chExt cx="1336505" cy="362347"/>
-            </a:xfrm>
-          </p:grpSpPr>
-          <p:sp>
-            <p:nvSpPr>
-              <p:cNvPr id="85" name="Oval 84">
-                <a:extLst>
-                  <a:ext uri="{FF2B5EF4-FFF2-40B4-BE49-F238E27FC236}">
-                    <a16:creationId xmlns:a16="http://schemas.microsoft.com/office/drawing/2014/main" id="{8856DF64-B2CB-96CE-E283-52AFCCE6456E}"/>
-                  </a:ext>
-                </a:extLst>
-              </p:cNvPr>
-              <p:cNvSpPr/>
-              <p:nvPr/>
-            </p:nvSpPr>
-            <p:spPr>
-              <a:xfrm>
-                <a:off x="443753" y="181173"/>
-                <a:ext cx="362347" cy="362347"/>
-              </a:xfrm>
-              <a:prstGeom prst="ellipse">
-                <a:avLst/>
-              </a:prstGeom>
-              <a:solidFill>
-                <a:srgbClr val="FF5F57"/>
-              </a:solidFill>
-              <a:ln>
-                <a:noFill/>
-              </a:ln>
-            </p:spPr>
-            <p:style>
-              <a:lnRef idx="2">
-                <a:schemeClr val="accent1">
-                  <a:shade val="15000"/>
-                </a:schemeClr>
-              </a:lnRef>
-              <a:fillRef idx="1">
-                <a:schemeClr val="accent1"/>
-              </a:fillRef>
-              <a:effectRef idx="0">
-                <a:schemeClr val="accent1"/>
-              </a:effectRef>
-              <a:fontRef idx="minor">
-                <a:schemeClr val="lt1"/>
-              </a:fontRef>
-            </p:style>
-            <p:txBody>
-              <a:bodyPr rtlCol="0" anchor="ctr"/>
-              <a:lstStyle/>
-              <a:p>
-                <a:pPr algn="ctr"/>
-                <a:endParaRPr lang="en-TW"/>
-              </a:p>
-            </p:txBody>
-          </p:sp>
-          <p:sp>
-            <p:nvSpPr>
-              <p:cNvPr id="86" name="Oval 85">
-                <a:extLst>
-                  <a:ext uri="{FF2B5EF4-FFF2-40B4-BE49-F238E27FC236}">
-                    <a16:creationId xmlns:a16="http://schemas.microsoft.com/office/drawing/2014/main" id="{D2D239D4-C43E-6710-F3BD-C6058719BB9B}"/>
-                  </a:ext>
-                </a:extLst>
-              </p:cNvPr>
-              <p:cNvSpPr/>
-              <p:nvPr/>
-            </p:nvSpPr>
-            <p:spPr>
-              <a:xfrm>
-                <a:off x="930832" y="181173"/>
-                <a:ext cx="362347" cy="362347"/>
-              </a:xfrm>
-              <a:prstGeom prst="ellipse">
-                <a:avLst/>
-              </a:prstGeom>
-              <a:solidFill>
-                <a:srgbClr val="FEBD2E"/>
-              </a:solidFill>
-              <a:ln>
-                <a:noFill/>
-              </a:ln>
-            </p:spPr>
-            <p:style>
-              <a:lnRef idx="2">
-                <a:schemeClr val="accent1">
-                  <a:shade val="15000"/>
-                </a:schemeClr>
-              </a:lnRef>
-              <a:fillRef idx="1">
-                <a:schemeClr val="accent1"/>
-              </a:fillRef>
-              <a:effectRef idx="0">
-                <a:schemeClr val="accent1"/>
-              </a:effectRef>
-              <a:fontRef idx="minor">
-                <a:schemeClr val="lt1"/>
-              </a:fontRef>
-            </p:style>
-            <p:txBody>
-              <a:bodyPr rtlCol="0" anchor="ctr"/>
-              <a:lstStyle/>
-              <a:p>
-                <a:pPr algn="ctr"/>
-                <a:endParaRPr lang="en-TW"/>
-              </a:p>
-            </p:txBody>
-          </p:sp>
-          <p:sp>
-            <p:nvSpPr>
-              <p:cNvPr id="87" name="Oval 86">
-                <a:extLst>
-                  <a:ext uri="{FF2B5EF4-FFF2-40B4-BE49-F238E27FC236}">
-                    <a16:creationId xmlns:a16="http://schemas.microsoft.com/office/drawing/2014/main" id="{335C8C96-3E06-589B-4979-5129914FBDE2}"/>
-                  </a:ext>
-                </a:extLst>
-              </p:cNvPr>
-              <p:cNvSpPr/>
-              <p:nvPr/>
-            </p:nvSpPr>
-            <p:spPr>
-              <a:xfrm>
-                <a:off x="1417911" y="181173"/>
-                <a:ext cx="362347" cy="362347"/>
-              </a:xfrm>
-              <a:prstGeom prst="ellipse">
-                <a:avLst/>
-              </a:prstGeom>
-              <a:solidFill>
-                <a:srgbClr val="27C841"/>
-              </a:solidFill>
-              <a:ln>
-                <a:noFill/>
-              </a:ln>
-            </p:spPr>
-            <p:style>
-              <a:lnRef idx="2">
-                <a:schemeClr val="accent1">
-                  <a:shade val="15000"/>
-                </a:schemeClr>
-              </a:lnRef>
-              <a:fillRef idx="1">
-                <a:schemeClr val="accent1"/>
-              </a:fillRef>
-              <a:effectRef idx="0">
-                <a:schemeClr val="accent1"/>
-              </a:effectRef>
-              <a:fontRef idx="minor">
-                <a:schemeClr val="lt1"/>
-              </a:fontRef>
-            </p:style>
-            <p:txBody>
-              <a:bodyPr rtlCol="0" anchor="ctr"/>
-              <a:lstStyle/>
-              <a:p>
-                <a:pPr algn="ctr"/>
-                <a:endParaRPr lang="en-TW"/>
-              </a:p>
-            </p:txBody>
-          </p:sp>
-        </p:grpSp>
-      </p:grpSp>
+          <a:prstGeom prst="rect">
+            <a:avLst/>
+          </a:prstGeom>
+        </p:spPr>
+      </p:pic>
       <p:sp>
         <p:nvSpPr>
           <p:cNvPr id="46" name="TextBox 45">
@@ -7678,233 +7631,35 @@
           <a:chExt cx="0" cy="0"/>
         </a:xfrm>
       </p:grpSpPr>
-      <p:grpSp>
-        <p:nvGrpSpPr>
-          <p:cNvPr id="59" name="Group 58">
+      <p:pic>
+        <p:nvPicPr>
+          <p:cNvPr id="65" name="Picture 64">
             <a:extLst>
               <a:ext uri="{FF2B5EF4-FFF2-40B4-BE49-F238E27FC236}">
-                <a16:creationId xmlns:a16="http://schemas.microsoft.com/office/drawing/2014/main" id="{823032EA-AD1F-21BE-96CE-0F9350470618}"/>
+                <a16:creationId xmlns:a16="http://schemas.microsoft.com/office/drawing/2014/main" id="{0EF56358-5817-E841-3A67-CFC691182639}"/>
               </a:ext>
             </a:extLst>
           </p:cNvPr>
-          <p:cNvGrpSpPr/>
+          <p:cNvPicPr>
+            <a:picLocks noChangeAspect="1"/>
+          </p:cNvPicPr>
           <p:nvPr/>
-        </p:nvGrpSpPr>
-        <p:grpSpPr>
+        </p:nvPicPr>
+        <p:blipFill rotWithShape="1">
+          <a:blip r:embed="rId3"/>
+          <a:srcRect l="35534"/>
+          <a:stretch/>
+        </p:blipFill>
+        <p:spPr>
           <a:xfrm>
             <a:off x="2899" y="0"/>
             <a:ext cx="9141101" cy="6858000"/>
-            <a:chOff x="2899" y="0"/>
-            <a:chExt cx="9141101" cy="6858000"/>
           </a:xfrm>
-        </p:grpSpPr>
-        <p:pic>
-          <p:nvPicPr>
-            <p:cNvPr id="60" name="Picture 59">
-              <a:extLst>
-                <a:ext uri="{FF2B5EF4-FFF2-40B4-BE49-F238E27FC236}">
-                  <a16:creationId xmlns:a16="http://schemas.microsoft.com/office/drawing/2014/main" id="{975512B2-836E-74C7-3537-9D0350D0F02D}"/>
-                </a:ext>
-              </a:extLst>
-            </p:cNvPr>
-            <p:cNvPicPr>
-              <a:picLocks noChangeAspect="1"/>
-            </p:cNvPicPr>
-            <p:nvPr/>
-          </p:nvPicPr>
-          <p:blipFill rotWithShape="1">
-            <a:blip r:embed="rId3"/>
-            <a:srcRect l="35534"/>
-            <a:stretch/>
-          </p:blipFill>
-          <p:spPr>
-            <a:xfrm>
-              <a:off x="2899" y="0"/>
-              <a:ext cx="9141101" cy="6858000"/>
-            </a:xfrm>
-            <a:prstGeom prst="rect">
-              <a:avLst/>
-            </a:prstGeom>
-          </p:spPr>
-        </p:pic>
-        <p:grpSp>
-          <p:nvGrpSpPr>
-            <p:cNvPr id="61" name="Group 60">
-              <a:extLst>
-                <a:ext uri="{FF2B5EF4-FFF2-40B4-BE49-F238E27FC236}">
-                  <a16:creationId xmlns:a16="http://schemas.microsoft.com/office/drawing/2014/main" id="{ECA1E896-83E7-B6B9-776D-0991B799D90C}"/>
-                </a:ext>
-              </a:extLst>
-            </p:cNvPr>
-            <p:cNvGrpSpPr/>
-            <p:nvPr/>
-          </p:nvGrpSpPr>
-          <p:grpSpPr>
-            <a:xfrm>
-              <a:off x="379419" y="352145"/>
-              <a:ext cx="1336505" cy="362347"/>
-              <a:chOff x="443753" y="181173"/>
-              <a:chExt cx="1336505" cy="362347"/>
-            </a:xfrm>
-          </p:grpSpPr>
-          <p:sp>
-            <p:nvSpPr>
-              <p:cNvPr id="62" name="Oval 61">
-                <a:extLst>
-                  <a:ext uri="{FF2B5EF4-FFF2-40B4-BE49-F238E27FC236}">
-                    <a16:creationId xmlns:a16="http://schemas.microsoft.com/office/drawing/2014/main" id="{40481DA4-0C51-95C2-9792-943E484DA86C}"/>
-                  </a:ext>
-                </a:extLst>
-              </p:cNvPr>
-              <p:cNvSpPr/>
-              <p:nvPr/>
-            </p:nvSpPr>
-            <p:spPr>
-              <a:xfrm>
-                <a:off x="443753" y="181173"/>
-                <a:ext cx="362347" cy="362347"/>
-              </a:xfrm>
-              <a:prstGeom prst="ellipse">
-                <a:avLst/>
-              </a:prstGeom>
-              <a:solidFill>
-                <a:srgbClr val="FF5F57"/>
-              </a:solidFill>
-              <a:ln>
-                <a:noFill/>
-              </a:ln>
-            </p:spPr>
-            <p:style>
-              <a:lnRef idx="2">
-                <a:schemeClr val="accent1">
-                  <a:shade val="15000"/>
-                </a:schemeClr>
-              </a:lnRef>
-              <a:fillRef idx="1">
-                <a:schemeClr val="accent1"/>
-              </a:fillRef>
-              <a:effectRef idx="0">
-                <a:schemeClr val="accent1"/>
-              </a:effectRef>
-              <a:fontRef idx="minor">
-                <a:schemeClr val="lt1"/>
-              </a:fontRef>
-            </p:style>
-            <p:txBody>
-              <a:bodyPr rtlCol="0" anchor="ctr"/>
-              <a:lstStyle/>
-              <a:p>
-                <a:pPr algn="ctr"/>
-                <a:endParaRPr lang="en-TW"/>
-              </a:p>
-            </p:txBody>
-          </p:sp>
-          <p:sp>
-            <p:nvSpPr>
-              <p:cNvPr id="63" name="Oval 62">
-                <a:extLst>
-                  <a:ext uri="{FF2B5EF4-FFF2-40B4-BE49-F238E27FC236}">
-                    <a16:creationId xmlns:a16="http://schemas.microsoft.com/office/drawing/2014/main" id="{AE7F0612-976A-F1A0-5239-F7D961D6CD38}"/>
-                  </a:ext>
-                </a:extLst>
-              </p:cNvPr>
-              <p:cNvSpPr/>
-              <p:nvPr/>
-            </p:nvSpPr>
-            <p:spPr>
-              <a:xfrm>
-                <a:off x="930832" y="181173"/>
-                <a:ext cx="362347" cy="362347"/>
-              </a:xfrm>
-              <a:prstGeom prst="ellipse">
-                <a:avLst/>
-              </a:prstGeom>
-              <a:solidFill>
-                <a:srgbClr val="FEBD2E"/>
-              </a:solidFill>
-              <a:ln>
-                <a:noFill/>
-              </a:ln>
-            </p:spPr>
-            <p:style>
-              <a:lnRef idx="2">
-                <a:schemeClr val="accent1">
-                  <a:shade val="15000"/>
-                </a:schemeClr>
-              </a:lnRef>
-              <a:fillRef idx="1">
-                <a:schemeClr val="accent1"/>
-              </a:fillRef>
-              <a:effectRef idx="0">
-                <a:schemeClr val="accent1"/>
-              </a:effectRef>
-              <a:fontRef idx="minor">
-                <a:schemeClr val="lt1"/>
-              </a:fontRef>
-            </p:style>
-            <p:txBody>
-              <a:bodyPr rtlCol="0" anchor="ctr"/>
-              <a:lstStyle/>
-              <a:p>
-                <a:pPr algn="ctr"/>
-                <a:endParaRPr lang="en-TW"/>
-              </a:p>
-            </p:txBody>
-          </p:sp>
-          <p:sp>
-            <p:nvSpPr>
-              <p:cNvPr id="64" name="Oval 63">
-                <a:extLst>
-                  <a:ext uri="{FF2B5EF4-FFF2-40B4-BE49-F238E27FC236}">
-                    <a16:creationId xmlns:a16="http://schemas.microsoft.com/office/drawing/2014/main" id="{A8985DF7-B25F-196D-6D12-02100077A4CB}"/>
-                  </a:ext>
-                </a:extLst>
-              </p:cNvPr>
-              <p:cNvSpPr/>
-              <p:nvPr/>
-            </p:nvSpPr>
-            <p:spPr>
-              <a:xfrm>
-                <a:off x="1417911" y="181173"/>
-                <a:ext cx="362347" cy="362347"/>
-              </a:xfrm>
-              <a:prstGeom prst="ellipse">
-                <a:avLst/>
-              </a:prstGeom>
-              <a:solidFill>
-                <a:srgbClr val="27C841"/>
-              </a:solidFill>
-              <a:ln>
-                <a:noFill/>
-              </a:ln>
-            </p:spPr>
-            <p:style>
-              <a:lnRef idx="2">
-                <a:schemeClr val="accent1">
-                  <a:shade val="15000"/>
-                </a:schemeClr>
-              </a:lnRef>
-              <a:fillRef idx="1">
-                <a:schemeClr val="accent1"/>
-              </a:fillRef>
-              <a:effectRef idx="0">
-                <a:schemeClr val="accent1"/>
-              </a:effectRef>
-              <a:fontRef idx="minor">
-                <a:schemeClr val="lt1"/>
-              </a:fontRef>
-            </p:style>
-            <p:txBody>
-              <a:bodyPr rtlCol="0" anchor="ctr"/>
-              <a:lstStyle/>
-              <a:p>
-                <a:pPr algn="ctr"/>
-                <a:endParaRPr lang="en-TW"/>
-              </a:p>
-            </p:txBody>
-          </p:sp>
-        </p:grpSp>
-      </p:grpSp>
+          <a:prstGeom prst="rect">
+            <a:avLst/>
+          </a:prstGeom>
+        </p:spPr>
+      </p:pic>
       <p:sp>
         <p:nvSpPr>
           <p:cNvPr id="46" name="TextBox 45">
@@ -9049,233 +8804,35 @@
           <a:chExt cx="0" cy="0"/>
         </a:xfrm>
       </p:grpSpPr>
-      <p:grpSp>
-        <p:nvGrpSpPr>
-          <p:cNvPr id="54" name="Group 53">
+      <p:pic>
+        <p:nvPicPr>
+          <p:cNvPr id="60" name="Picture 59">
             <a:extLst>
               <a:ext uri="{FF2B5EF4-FFF2-40B4-BE49-F238E27FC236}">
-                <a16:creationId xmlns:a16="http://schemas.microsoft.com/office/drawing/2014/main" id="{6648A208-B542-7581-09F1-4E3E722397CC}"/>
+                <a16:creationId xmlns:a16="http://schemas.microsoft.com/office/drawing/2014/main" id="{D2346B4C-795D-ADEC-0942-03556C67FDF7}"/>
               </a:ext>
             </a:extLst>
           </p:cNvPr>
-          <p:cNvGrpSpPr/>
+          <p:cNvPicPr>
+            <a:picLocks noChangeAspect="1"/>
+          </p:cNvPicPr>
           <p:nvPr/>
-        </p:nvGrpSpPr>
-        <p:grpSpPr>
+        </p:nvPicPr>
+        <p:blipFill rotWithShape="1">
+          <a:blip r:embed="rId3"/>
+          <a:srcRect l="35534"/>
+          <a:stretch/>
+        </p:blipFill>
+        <p:spPr>
           <a:xfrm>
             <a:off x="2899" y="0"/>
             <a:ext cx="9141101" cy="6858000"/>
-            <a:chOff x="2899" y="0"/>
-            <a:chExt cx="9141101" cy="6858000"/>
           </a:xfrm>
-        </p:grpSpPr>
-        <p:pic>
-          <p:nvPicPr>
-            <p:cNvPr id="55" name="Picture 54">
-              <a:extLst>
-                <a:ext uri="{FF2B5EF4-FFF2-40B4-BE49-F238E27FC236}">
-                  <a16:creationId xmlns:a16="http://schemas.microsoft.com/office/drawing/2014/main" id="{2FD8BF3A-8C42-604A-A9FA-07A4E269441C}"/>
-                </a:ext>
-              </a:extLst>
-            </p:cNvPr>
-            <p:cNvPicPr>
-              <a:picLocks noChangeAspect="1"/>
-            </p:cNvPicPr>
-            <p:nvPr/>
-          </p:nvPicPr>
-          <p:blipFill rotWithShape="1">
-            <a:blip r:embed="rId3"/>
-            <a:srcRect l="35534"/>
-            <a:stretch/>
-          </p:blipFill>
-          <p:spPr>
-            <a:xfrm>
-              <a:off x="2899" y="0"/>
-              <a:ext cx="9141101" cy="6858000"/>
-            </a:xfrm>
-            <a:prstGeom prst="rect">
-              <a:avLst/>
-            </a:prstGeom>
-          </p:spPr>
-        </p:pic>
-        <p:grpSp>
-          <p:nvGrpSpPr>
-            <p:cNvPr id="56" name="Group 55">
-              <a:extLst>
-                <a:ext uri="{FF2B5EF4-FFF2-40B4-BE49-F238E27FC236}">
-                  <a16:creationId xmlns:a16="http://schemas.microsoft.com/office/drawing/2014/main" id="{B3E537B9-2476-64C3-E504-DD5FFA1D1B8A}"/>
-                </a:ext>
-              </a:extLst>
-            </p:cNvPr>
-            <p:cNvGrpSpPr/>
-            <p:nvPr/>
-          </p:nvGrpSpPr>
-          <p:grpSpPr>
-            <a:xfrm>
-              <a:off x="379419" y="352145"/>
-              <a:ext cx="1336505" cy="362347"/>
-              <a:chOff x="443753" y="181173"/>
-              <a:chExt cx="1336505" cy="362347"/>
-            </a:xfrm>
-          </p:grpSpPr>
-          <p:sp>
-            <p:nvSpPr>
-              <p:cNvPr id="57" name="Oval 56">
-                <a:extLst>
-                  <a:ext uri="{FF2B5EF4-FFF2-40B4-BE49-F238E27FC236}">
-                    <a16:creationId xmlns:a16="http://schemas.microsoft.com/office/drawing/2014/main" id="{018A0ACD-6C58-839F-9B08-1BE4DE82E89E}"/>
-                  </a:ext>
-                </a:extLst>
-              </p:cNvPr>
-              <p:cNvSpPr/>
-              <p:nvPr/>
-            </p:nvSpPr>
-            <p:spPr>
-              <a:xfrm>
-                <a:off x="443753" y="181173"/>
-                <a:ext cx="362347" cy="362347"/>
-              </a:xfrm>
-              <a:prstGeom prst="ellipse">
-                <a:avLst/>
-              </a:prstGeom>
-              <a:solidFill>
-                <a:srgbClr val="FF5F57"/>
-              </a:solidFill>
-              <a:ln>
-                <a:noFill/>
-              </a:ln>
-            </p:spPr>
-            <p:style>
-              <a:lnRef idx="2">
-                <a:schemeClr val="accent1">
-                  <a:shade val="15000"/>
-                </a:schemeClr>
-              </a:lnRef>
-              <a:fillRef idx="1">
-                <a:schemeClr val="accent1"/>
-              </a:fillRef>
-              <a:effectRef idx="0">
-                <a:schemeClr val="accent1"/>
-              </a:effectRef>
-              <a:fontRef idx="minor">
-                <a:schemeClr val="lt1"/>
-              </a:fontRef>
-            </p:style>
-            <p:txBody>
-              <a:bodyPr rtlCol="0" anchor="ctr"/>
-              <a:lstStyle/>
-              <a:p>
-                <a:pPr algn="ctr"/>
-                <a:endParaRPr lang="en-TW"/>
-              </a:p>
-            </p:txBody>
-          </p:sp>
-          <p:sp>
-            <p:nvSpPr>
-              <p:cNvPr id="58" name="Oval 57">
-                <a:extLst>
-                  <a:ext uri="{FF2B5EF4-FFF2-40B4-BE49-F238E27FC236}">
-                    <a16:creationId xmlns:a16="http://schemas.microsoft.com/office/drawing/2014/main" id="{DFF0CEAE-A0A3-2876-DF0F-79B691AD5C0D}"/>
-                  </a:ext>
-                </a:extLst>
-              </p:cNvPr>
-              <p:cNvSpPr/>
-              <p:nvPr/>
-            </p:nvSpPr>
-            <p:spPr>
-              <a:xfrm>
-                <a:off x="930832" y="181173"/>
-                <a:ext cx="362347" cy="362347"/>
-              </a:xfrm>
-              <a:prstGeom prst="ellipse">
-                <a:avLst/>
-              </a:prstGeom>
-              <a:solidFill>
-                <a:srgbClr val="FEBD2E"/>
-              </a:solidFill>
-              <a:ln>
-                <a:noFill/>
-              </a:ln>
-            </p:spPr>
-            <p:style>
-              <a:lnRef idx="2">
-                <a:schemeClr val="accent1">
-                  <a:shade val="15000"/>
-                </a:schemeClr>
-              </a:lnRef>
-              <a:fillRef idx="1">
-                <a:schemeClr val="accent1"/>
-              </a:fillRef>
-              <a:effectRef idx="0">
-                <a:schemeClr val="accent1"/>
-              </a:effectRef>
-              <a:fontRef idx="minor">
-                <a:schemeClr val="lt1"/>
-              </a:fontRef>
-            </p:style>
-            <p:txBody>
-              <a:bodyPr rtlCol="0" anchor="ctr"/>
-              <a:lstStyle/>
-              <a:p>
-                <a:pPr algn="ctr"/>
-                <a:endParaRPr lang="en-TW"/>
-              </a:p>
-            </p:txBody>
-          </p:sp>
-          <p:sp>
-            <p:nvSpPr>
-              <p:cNvPr id="59" name="Oval 58">
-                <a:extLst>
-                  <a:ext uri="{FF2B5EF4-FFF2-40B4-BE49-F238E27FC236}">
-                    <a16:creationId xmlns:a16="http://schemas.microsoft.com/office/drawing/2014/main" id="{8F228514-963A-05B5-15FF-2680871305D7}"/>
-                  </a:ext>
-                </a:extLst>
-              </p:cNvPr>
-              <p:cNvSpPr/>
-              <p:nvPr/>
-            </p:nvSpPr>
-            <p:spPr>
-              <a:xfrm>
-                <a:off x="1417911" y="181173"/>
-                <a:ext cx="362347" cy="362347"/>
-              </a:xfrm>
-              <a:prstGeom prst="ellipse">
-                <a:avLst/>
-              </a:prstGeom>
-              <a:solidFill>
-                <a:srgbClr val="27C841"/>
-              </a:solidFill>
-              <a:ln>
-                <a:noFill/>
-              </a:ln>
-            </p:spPr>
-            <p:style>
-              <a:lnRef idx="2">
-                <a:schemeClr val="accent1">
-                  <a:shade val="15000"/>
-                </a:schemeClr>
-              </a:lnRef>
-              <a:fillRef idx="1">
-                <a:schemeClr val="accent1"/>
-              </a:fillRef>
-              <a:effectRef idx="0">
-                <a:schemeClr val="accent1"/>
-              </a:effectRef>
-              <a:fontRef idx="minor">
-                <a:schemeClr val="lt1"/>
-              </a:fontRef>
-            </p:style>
-            <p:txBody>
-              <a:bodyPr rtlCol="0" anchor="ctr"/>
-              <a:lstStyle/>
-              <a:p>
-                <a:pPr algn="ctr"/>
-                <a:endParaRPr lang="en-TW"/>
-              </a:p>
-            </p:txBody>
-          </p:sp>
-        </p:grpSp>
-      </p:grpSp>
+          <a:prstGeom prst="rect">
+            <a:avLst/>
+          </a:prstGeom>
+        </p:spPr>
+      </p:pic>
       <p:sp>
         <p:nvSpPr>
           <p:cNvPr id="46" name="TextBox 45">
@@ -10404,233 +9961,35 @@
           <a:chExt cx="0" cy="0"/>
         </a:xfrm>
       </p:grpSpPr>
-      <p:grpSp>
-        <p:nvGrpSpPr>
-          <p:cNvPr id="78" name="Group 77">
+      <p:pic>
+        <p:nvPicPr>
+          <p:cNvPr id="84" name="Picture 83">
             <a:extLst>
               <a:ext uri="{FF2B5EF4-FFF2-40B4-BE49-F238E27FC236}">
-                <a16:creationId xmlns:a16="http://schemas.microsoft.com/office/drawing/2014/main" id="{FDA16674-F9F6-2972-EA28-9A5FADE48A46}"/>
+                <a16:creationId xmlns:a16="http://schemas.microsoft.com/office/drawing/2014/main" id="{B8F5553A-D897-9511-5D7D-82317B2EC1B7}"/>
               </a:ext>
             </a:extLst>
           </p:cNvPr>
-          <p:cNvGrpSpPr/>
+          <p:cNvPicPr>
+            <a:picLocks noChangeAspect="1"/>
+          </p:cNvPicPr>
           <p:nvPr/>
-        </p:nvGrpSpPr>
-        <p:grpSpPr>
+        </p:nvPicPr>
+        <p:blipFill rotWithShape="1">
+          <a:blip r:embed="rId3"/>
+          <a:srcRect l="35534"/>
+          <a:stretch/>
+        </p:blipFill>
+        <p:spPr>
           <a:xfrm>
             <a:off x="2899" y="0"/>
             <a:ext cx="9141101" cy="6858000"/>
-            <a:chOff x="2899" y="0"/>
-            <a:chExt cx="9141101" cy="6858000"/>
           </a:xfrm>
-        </p:grpSpPr>
-        <p:pic>
-          <p:nvPicPr>
-            <p:cNvPr id="79" name="Picture 78">
-              <a:extLst>
-                <a:ext uri="{FF2B5EF4-FFF2-40B4-BE49-F238E27FC236}">
-                  <a16:creationId xmlns:a16="http://schemas.microsoft.com/office/drawing/2014/main" id="{30BA3965-712F-63F5-9A73-7E0EF249D13E}"/>
-                </a:ext>
-              </a:extLst>
-            </p:cNvPr>
-            <p:cNvPicPr>
-              <a:picLocks noChangeAspect="1"/>
-            </p:cNvPicPr>
-            <p:nvPr/>
-          </p:nvPicPr>
-          <p:blipFill rotWithShape="1">
-            <a:blip r:embed="rId3"/>
-            <a:srcRect l="35534"/>
-            <a:stretch/>
-          </p:blipFill>
-          <p:spPr>
-            <a:xfrm>
-              <a:off x="2899" y="0"/>
-              <a:ext cx="9141101" cy="6858000"/>
-            </a:xfrm>
-            <a:prstGeom prst="rect">
-              <a:avLst/>
-            </a:prstGeom>
-          </p:spPr>
-        </p:pic>
-        <p:grpSp>
-          <p:nvGrpSpPr>
-            <p:cNvPr id="80" name="Group 79">
-              <a:extLst>
-                <a:ext uri="{FF2B5EF4-FFF2-40B4-BE49-F238E27FC236}">
-                  <a16:creationId xmlns:a16="http://schemas.microsoft.com/office/drawing/2014/main" id="{65F27535-B977-7479-12DD-703FCCABFA9D}"/>
-                </a:ext>
-              </a:extLst>
-            </p:cNvPr>
-            <p:cNvGrpSpPr/>
-            <p:nvPr/>
-          </p:nvGrpSpPr>
-          <p:grpSpPr>
-            <a:xfrm>
-              <a:off x="379419" y="352145"/>
-              <a:ext cx="1336505" cy="362347"/>
-              <a:chOff x="443753" y="181173"/>
-              <a:chExt cx="1336505" cy="362347"/>
-            </a:xfrm>
-          </p:grpSpPr>
-          <p:sp>
-            <p:nvSpPr>
-              <p:cNvPr id="81" name="Oval 80">
-                <a:extLst>
-                  <a:ext uri="{FF2B5EF4-FFF2-40B4-BE49-F238E27FC236}">
-                    <a16:creationId xmlns:a16="http://schemas.microsoft.com/office/drawing/2014/main" id="{73D4114A-F826-703A-A8B7-99C3B097D651}"/>
-                  </a:ext>
-                </a:extLst>
-              </p:cNvPr>
-              <p:cNvSpPr/>
-              <p:nvPr/>
-            </p:nvSpPr>
-            <p:spPr>
-              <a:xfrm>
-                <a:off x="443753" y="181173"/>
-                <a:ext cx="362347" cy="362347"/>
-              </a:xfrm>
-              <a:prstGeom prst="ellipse">
-                <a:avLst/>
-              </a:prstGeom>
-              <a:solidFill>
-                <a:srgbClr val="FF5F57"/>
-              </a:solidFill>
-              <a:ln>
-                <a:noFill/>
-              </a:ln>
-            </p:spPr>
-            <p:style>
-              <a:lnRef idx="2">
-                <a:schemeClr val="accent1">
-                  <a:shade val="15000"/>
-                </a:schemeClr>
-              </a:lnRef>
-              <a:fillRef idx="1">
-                <a:schemeClr val="accent1"/>
-              </a:fillRef>
-              <a:effectRef idx="0">
-                <a:schemeClr val="accent1"/>
-              </a:effectRef>
-              <a:fontRef idx="minor">
-                <a:schemeClr val="lt1"/>
-              </a:fontRef>
-            </p:style>
-            <p:txBody>
-              <a:bodyPr rtlCol="0" anchor="ctr"/>
-              <a:lstStyle/>
-              <a:p>
-                <a:pPr algn="ctr"/>
-                <a:endParaRPr lang="en-TW"/>
-              </a:p>
-            </p:txBody>
-          </p:sp>
-          <p:sp>
-            <p:nvSpPr>
-              <p:cNvPr id="82" name="Oval 81">
-                <a:extLst>
-                  <a:ext uri="{FF2B5EF4-FFF2-40B4-BE49-F238E27FC236}">
-                    <a16:creationId xmlns:a16="http://schemas.microsoft.com/office/drawing/2014/main" id="{08E2F744-6D09-6C1E-8D64-3BABEAE0DA26}"/>
-                  </a:ext>
-                </a:extLst>
-              </p:cNvPr>
-              <p:cNvSpPr/>
-              <p:nvPr/>
-            </p:nvSpPr>
-            <p:spPr>
-              <a:xfrm>
-                <a:off x="930832" y="181173"/>
-                <a:ext cx="362347" cy="362347"/>
-              </a:xfrm>
-              <a:prstGeom prst="ellipse">
-                <a:avLst/>
-              </a:prstGeom>
-              <a:solidFill>
-                <a:srgbClr val="FEBD2E"/>
-              </a:solidFill>
-              <a:ln>
-                <a:noFill/>
-              </a:ln>
-            </p:spPr>
-            <p:style>
-              <a:lnRef idx="2">
-                <a:schemeClr val="accent1">
-                  <a:shade val="15000"/>
-                </a:schemeClr>
-              </a:lnRef>
-              <a:fillRef idx="1">
-                <a:schemeClr val="accent1"/>
-              </a:fillRef>
-              <a:effectRef idx="0">
-                <a:schemeClr val="accent1"/>
-              </a:effectRef>
-              <a:fontRef idx="minor">
-                <a:schemeClr val="lt1"/>
-              </a:fontRef>
-            </p:style>
-            <p:txBody>
-              <a:bodyPr rtlCol="0" anchor="ctr"/>
-              <a:lstStyle/>
-              <a:p>
-                <a:pPr algn="ctr"/>
-                <a:endParaRPr lang="en-TW"/>
-              </a:p>
-            </p:txBody>
-          </p:sp>
-          <p:sp>
-            <p:nvSpPr>
-              <p:cNvPr id="83" name="Oval 82">
-                <a:extLst>
-                  <a:ext uri="{FF2B5EF4-FFF2-40B4-BE49-F238E27FC236}">
-                    <a16:creationId xmlns:a16="http://schemas.microsoft.com/office/drawing/2014/main" id="{0C0A729D-50DE-8178-D40E-B54DB993512F}"/>
-                  </a:ext>
-                </a:extLst>
-              </p:cNvPr>
-              <p:cNvSpPr/>
-              <p:nvPr/>
-            </p:nvSpPr>
-            <p:spPr>
-              <a:xfrm>
-                <a:off x="1417911" y="181173"/>
-                <a:ext cx="362347" cy="362347"/>
-              </a:xfrm>
-              <a:prstGeom prst="ellipse">
-                <a:avLst/>
-              </a:prstGeom>
-              <a:solidFill>
-                <a:srgbClr val="27C841"/>
-              </a:solidFill>
-              <a:ln>
-                <a:noFill/>
-              </a:ln>
-            </p:spPr>
-            <p:style>
-              <a:lnRef idx="2">
-                <a:schemeClr val="accent1">
-                  <a:shade val="15000"/>
-                </a:schemeClr>
-              </a:lnRef>
-              <a:fillRef idx="1">
-                <a:schemeClr val="accent1"/>
-              </a:fillRef>
-              <a:effectRef idx="0">
-                <a:schemeClr val="accent1"/>
-              </a:effectRef>
-              <a:fontRef idx="minor">
-                <a:schemeClr val="lt1"/>
-              </a:fontRef>
-            </p:style>
-            <p:txBody>
-              <a:bodyPr rtlCol="0" anchor="ctr"/>
-              <a:lstStyle/>
-              <a:p>
-                <a:pPr algn="ctr"/>
-                <a:endParaRPr lang="en-TW"/>
-              </a:p>
-            </p:txBody>
-          </p:sp>
-        </p:grpSp>
-      </p:grpSp>
+          <a:prstGeom prst="rect">
+            <a:avLst/>
+          </a:prstGeom>
+        </p:spPr>
+      </p:pic>
       <p:sp>
         <p:nvSpPr>
           <p:cNvPr id="46" name="TextBox 45">
@@ -11948,233 +11307,35 @@
           <a:chExt cx="0" cy="0"/>
         </a:xfrm>
       </p:grpSpPr>
-      <p:grpSp>
-        <p:nvGrpSpPr>
-          <p:cNvPr id="39" name="Group 38">
+      <p:pic>
+        <p:nvPicPr>
+          <p:cNvPr id="45" name="Picture 44">
             <a:extLst>
               <a:ext uri="{FF2B5EF4-FFF2-40B4-BE49-F238E27FC236}">
-                <a16:creationId xmlns:a16="http://schemas.microsoft.com/office/drawing/2014/main" id="{CB384A9E-9AE0-5F78-4EBE-13516D187203}"/>
+                <a16:creationId xmlns:a16="http://schemas.microsoft.com/office/drawing/2014/main" id="{AF8BDFAA-F2C7-F61C-EB6A-FB1E6A426CCA}"/>
               </a:ext>
             </a:extLst>
           </p:cNvPr>
-          <p:cNvGrpSpPr/>
+          <p:cNvPicPr>
+            <a:picLocks noChangeAspect="1"/>
+          </p:cNvPicPr>
           <p:nvPr/>
-        </p:nvGrpSpPr>
-        <p:grpSpPr>
+        </p:nvPicPr>
+        <p:blipFill rotWithShape="1">
+          <a:blip r:embed="rId3"/>
+          <a:srcRect l="35534"/>
+          <a:stretch/>
+        </p:blipFill>
+        <p:spPr>
           <a:xfrm>
             <a:off x="2899" y="0"/>
             <a:ext cx="9141101" cy="6858000"/>
-            <a:chOff x="2899" y="0"/>
-            <a:chExt cx="9141101" cy="6858000"/>
           </a:xfrm>
-        </p:grpSpPr>
-        <p:pic>
-          <p:nvPicPr>
-            <p:cNvPr id="40" name="Picture 39">
-              <a:extLst>
-                <a:ext uri="{FF2B5EF4-FFF2-40B4-BE49-F238E27FC236}">
-                  <a16:creationId xmlns:a16="http://schemas.microsoft.com/office/drawing/2014/main" id="{FDB369B5-6A1B-5B70-9A21-0CC4BD886AA1}"/>
-                </a:ext>
-              </a:extLst>
-            </p:cNvPr>
-            <p:cNvPicPr>
-              <a:picLocks noChangeAspect="1"/>
-            </p:cNvPicPr>
-            <p:nvPr/>
-          </p:nvPicPr>
-          <p:blipFill rotWithShape="1">
-            <a:blip r:embed="rId3"/>
-            <a:srcRect l="35534"/>
-            <a:stretch/>
-          </p:blipFill>
-          <p:spPr>
-            <a:xfrm>
-              <a:off x="2899" y="0"/>
-              <a:ext cx="9141101" cy="6858000"/>
-            </a:xfrm>
-            <a:prstGeom prst="rect">
-              <a:avLst/>
-            </a:prstGeom>
-          </p:spPr>
-        </p:pic>
-        <p:grpSp>
-          <p:nvGrpSpPr>
-            <p:cNvPr id="41" name="Group 40">
-              <a:extLst>
-                <a:ext uri="{FF2B5EF4-FFF2-40B4-BE49-F238E27FC236}">
-                  <a16:creationId xmlns:a16="http://schemas.microsoft.com/office/drawing/2014/main" id="{05CB7F41-0E2D-FF65-52A7-DF12EE95E9BE}"/>
-                </a:ext>
-              </a:extLst>
-            </p:cNvPr>
-            <p:cNvGrpSpPr/>
-            <p:nvPr/>
-          </p:nvGrpSpPr>
-          <p:grpSpPr>
-            <a:xfrm>
-              <a:off x="379419" y="352145"/>
-              <a:ext cx="1336505" cy="362347"/>
-              <a:chOff x="443753" y="181173"/>
-              <a:chExt cx="1336505" cy="362347"/>
-            </a:xfrm>
-          </p:grpSpPr>
-          <p:sp>
-            <p:nvSpPr>
-              <p:cNvPr id="42" name="Oval 41">
-                <a:extLst>
-                  <a:ext uri="{FF2B5EF4-FFF2-40B4-BE49-F238E27FC236}">
-                    <a16:creationId xmlns:a16="http://schemas.microsoft.com/office/drawing/2014/main" id="{B303977F-A7D3-B6B7-54D4-D82F47961B6A}"/>
-                  </a:ext>
-                </a:extLst>
-              </p:cNvPr>
-              <p:cNvSpPr/>
-              <p:nvPr/>
-            </p:nvSpPr>
-            <p:spPr>
-              <a:xfrm>
-                <a:off x="443753" y="181173"/>
-                <a:ext cx="362347" cy="362347"/>
-              </a:xfrm>
-              <a:prstGeom prst="ellipse">
-                <a:avLst/>
-              </a:prstGeom>
-              <a:solidFill>
-                <a:srgbClr val="FF5F57"/>
-              </a:solidFill>
-              <a:ln>
-                <a:noFill/>
-              </a:ln>
-            </p:spPr>
-            <p:style>
-              <a:lnRef idx="2">
-                <a:schemeClr val="accent1">
-                  <a:shade val="15000"/>
-                </a:schemeClr>
-              </a:lnRef>
-              <a:fillRef idx="1">
-                <a:schemeClr val="accent1"/>
-              </a:fillRef>
-              <a:effectRef idx="0">
-                <a:schemeClr val="accent1"/>
-              </a:effectRef>
-              <a:fontRef idx="minor">
-                <a:schemeClr val="lt1"/>
-              </a:fontRef>
-            </p:style>
-            <p:txBody>
-              <a:bodyPr rtlCol="0" anchor="ctr"/>
-              <a:lstStyle/>
-              <a:p>
-                <a:pPr algn="ctr"/>
-                <a:endParaRPr lang="en-TW"/>
-              </a:p>
-            </p:txBody>
-          </p:sp>
-          <p:sp>
-            <p:nvSpPr>
-              <p:cNvPr id="43" name="Oval 42">
-                <a:extLst>
-                  <a:ext uri="{FF2B5EF4-FFF2-40B4-BE49-F238E27FC236}">
-                    <a16:creationId xmlns:a16="http://schemas.microsoft.com/office/drawing/2014/main" id="{6CB20D55-B71D-F4F1-79D2-8A91D007BCF8}"/>
-                  </a:ext>
-                </a:extLst>
-              </p:cNvPr>
-              <p:cNvSpPr/>
-              <p:nvPr/>
-            </p:nvSpPr>
-            <p:spPr>
-              <a:xfrm>
-                <a:off x="930832" y="181173"/>
-                <a:ext cx="362347" cy="362347"/>
-              </a:xfrm>
-              <a:prstGeom prst="ellipse">
-                <a:avLst/>
-              </a:prstGeom>
-              <a:solidFill>
-                <a:srgbClr val="FEBD2E"/>
-              </a:solidFill>
-              <a:ln>
-                <a:noFill/>
-              </a:ln>
-            </p:spPr>
-            <p:style>
-              <a:lnRef idx="2">
-                <a:schemeClr val="accent1">
-                  <a:shade val="15000"/>
-                </a:schemeClr>
-              </a:lnRef>
-              <a:fillRef idx="1">
-                <a:schemeClr val="accent1"/>
-              </a:fillRef>
-              <a:effectRef idx="0">
-                <a:schemeClr val="accent1"/>
-              </a:effectRef>
-              <a:fontRef idx="minor">
-                <a:schemeClr val="lt1"/>
-              </a:fontRef>
-            </p:style>
-            <p:txBody>
-              <a:bodyPr rtlCol="0" anchor="ctr"/>
-              <a:lstStyle/>
-              <a:p>
-                <a:pPr algn="ctr"/>
-                <a:endParaRPr lang="en-TW"/>
-              </a:p>
-            </p:txBody>
-          </p:sp>
-          <p:sp>
-            <p:nvSpPr>
-              <p:cNvPr id="44" name="Oval 43">
-                <a:extLst>
-                  <a:ext uri="{FF2B5EF4-FFF2-40B4-BE49-F238E27FC236}">
-                    <a16:creationId xmlns:a16="http://schemas.microsoft.com/office/drawing/2014/main" id="{D491FE96-C1C3-DFE7-7E7E-9D53E0FD5ECF}"/>
-                  </a:ext>
-                </a:extLst>
-              </p:cNvPr>
-              <p:cNvSpPr/>
-              <p:nvPr/>
-            </p:nvSpPr>
-            <p:spPr>
-              <a:xfrm>
-                <a:off x="1417911" y="181173"/>
-                <a:ext cx="362347" cy="362347"/>
-              </a:xfrm>
-              <a:prstGeom prst="ellipse">
-                <a:avLst/>
-              </a:prstGeom>
-              <a:solidFill>
-                <a:srgbClr val="27C841"/>
-              </a:solidFill>
-              <a:ln>
-                <a:noFill/>
-              </a:ln>
-            </p:spPr>
-            <p:style>
-              <a:lnRef idx="2">
-                <a:schemeClr val="accent1">
-                  <a:shade val="15000"/>
-                </a:schemeClr>
-              </a:lnRef>
-              <a:fillRef idx="1">
-                <a:schemeClr val="accent1"/>
-              </a:fillRef>
-              <a:effectRef idx="0">
-                <a:schemeClr val="accent1"/>
-              </a:effectRef>
-              <a:fontRef idx="minor">
-                <a:schemeClr val="lt1"/>
-              </a:fontRef>
-            </p:style>
-            <p:txBody>
-              <a:bodyPr rtlCol="0" anchor="ctr"/>
-              <a:lstStyle/>
-              <a:p>
-                <a:pPr algn="ctr"/>
-                <a:endParaRPr lang="en-TW"/>
-              </a:p>
-            </p:txBody>
-          </p:sp>
-        </p:grpSp>
-      </p:grpSp>
+          <a:prstGeom prst="rect">
+            <a:avLst/>
+          </a:prstGeom>
+        </p:spPr>
+      </p:pic>
       <p:sp>
         <p:nvSpPr>
           <p:cNvPr id="46" name="TextBox 45">
@@ -13121,6 +12282,65 @@
           <a:chExt cx="0" cy="0"/>
         </a:xfrm>
       </p:grpSpPr>
+      <p:pic>
+        <p:nvPicPr>
+          <p:cNvPr id="2" name="Picture 1">
+            <a:extLst>
+              <a:ext uri="{FF2B5EF4-FFF2-40B4-BE49-F238E27FC236}">
+                <a16:creationId xmlns:a16="http://schemas.microsoft.com/office/drawing/2014/main" id="{F8D542F6-2406-0E87-EBC8-FA9A14EE0A17}"/>
+              </a:ext>
+            </a:extLst>
+          </p:cNvPr>
+          <p:cNvPicPr>
+            <a:picLocks noChangeAspect="1"/>
+          </p:cNvPicPr>
+          <p:nvPr/>
+        </p:nvPicPr>
+        <p:blipFill rotWithShape="1">
+          <a:blip r:embed="rId3"/>
+          <a:srcRect l="35534"/>
+          <a:stretch/>
+        </p:blipFill>
+        <p:spPr>
+          <a:xfrm>
+            <a:off x="2899" y="0"/>
+            <a:ext cx="9141101" cy="6858000"/>
+          </a:xfrm>
+          <a:prstGeom prst="rect">
+            <a:avLst/>
+          </a:prstGeom>
+        </p:spPr>
+      </p:pic>
+    </p:spTree>
+    <p:extLst>
+      <p:ext uri="{BB962C8B-B14F-4D97-AF65-F5344CB8AC3E}">
+        <p14:creationId xmlns:p14="http://schemas.microsoft.com/office/powerpoint/2010/main" val="3894181209"/>
+      </p:ext>
+    </p:extLst>
+  </p:cSld>
+  <p:clrMapOvr>
+    <a:masterClrMapping/>
+  </p:clrMapOvr>
+</p:sld>
+</file>
+
+<file path=ppt/slides/slide8.xml><?xml version="1.0" encoding="utf-8"?>
+<p:sld xmlns:a="http://schemas.openxmlformats.org/drawingml/2006/main" xmlns:r="http://schemas.openxmlformats.org/officeDocument/2006/relationships" xmlns:p="http://schemas.openxmlformats.org/presentationml/2006/main">
+  <p:cSld>
+    <p:spTree>
+      <p:nvGrpSpPr>
+        <p:cNvPr id="1" name=""/>
+        <p:cNvGrpSpPr/>
+        <p:nvPr/>
+      </p:nvGrpSpPr>
+      <p:grpSpPr>
+        <a:xfrm>
+          <a:off x="0" y="0"/>
+          <a:ext cx="0" cy="0"/>
+          <a:chOff x="0" y="0"/>
+          <a:chExt cx="0" cy="0"/>
+        </a:xfrm>
+      </p:grpSpPr>
       <p:grpSp>
         <p:nvGrpSpPr>
           <p:cNvPr id="4" name="Group 3">
@@ -13351,7 +12571,7 @@
     </p:spTree>
     <p:extLst>
       <p:ext uri="{BB962C8B-B14F-4D97-AF65-F5344CB8AC3E}">
-        <p14:creationId xmlns:p14="http://schemas.microsoft.com/office/powerpoint/2010/main" val="3894181209"/>
+        <p14:creationId xmlns:p14="http://schemas.microsoft.com/office/powerpoint/2010/main" val="408933029"/>
       </p:ext>
     </p:extLst>
   </p:cSld>
@@ -13361,7 +12581,7 @@
 </p:sld>
 </file>
 
-<file path=ppt/slides/slide8.xml><?xml version="1.0" encoding="utf-8"?>
+<file path=ppt/slides/slide9.xml><?xml version="1.0" encoding="utf-8"?>
 <p:sld xmlns:a="http://schemas.openxmlformats.org/drawingml/2006/main" xmlns:r="http://schemas.openxmlformats.org/officeDocument/2006/relationships" xmlns:p="http://schemas.openxmlformats.org/presentationml/2006/main">
   <p:cSld>
     <p:spTree>
@@ -14456,265 +13676,6 @@
 </p:sld>
 </file>
 
-<file path=ppt/slides/slide9.xml><?xml version="1.0" encoding="utf-8"?>
-<p:sld xmlns:a="http://schemas.openxmlformats.org/drawingml/2006/main" xmlns:r="http://schemas.openxmlformats.org/officeDocument/2006/relationships" xmlns:p="http://schemas.openxmlformats.org/presentationml/2006/main">
-  <p:cSld>
-    <p:spTree>
-      <p:nvGrpSpPr>
-        <p:cNvPr id="1" name=""/>
-        <p:cNvGrpSpPr/>
-        <p:nvPr/>
-      </p:nvGrpSpPr>
-      <p:grpSpPr>
-        <a:xfrm>
-          <a:off x="0" y="0"/>
-          <a:ext cx="0" cy="0"/>
-          <a:chOff x="0" y="0"/>
-          <a:chExt cx="0" cy="0"/>
-        </a:xfrm>
-      </p:grpSpPr>
-      <p:sp>
-        <p:nvSpPr>
-          <p:cNvPr id="3" name="Rectangle 2">
-            <a:extLst>
-              <a:ext uri="{FF2B5EF4-FFF2-40B4-BE49-F238E27FC236}">
-                <a16:creationId xmlns:a16="http://schemas.microsoft.com/office/drawing/2014/main" id="{301DEAFC-29D4-7BB8-D52B-ED395ADBD232}"/>
-              </a:ext>
-            </a:extLst>
-          </p:cNvPr>
-          <p:cNvSpPr/>
-          <p:nvPr/>
-        </p:nvSpPr>
-        <p:spPr>
-          <a:xfrm>
-            <a:off x="0" y="0"/>
-            <a:ext cx="9144000" cy="6858000"/>
-          </a:xfrm>
-          <a:prstGeom prst="rect">
-            <a:avLst/>
-          </a:prstGeom>
-          <a:solidFill>
-            <a:srgbClr val="E2E6E8"/>
-          </a:solidFill>
-          <a:ln>
-            <a:noFill/>
-          </a:ln>
-        </p:spPr>
-        <p:style>
-          <a:lnRef idx="2">
-            <a:schemeClr val="accent1">
-              <a:shade val="15000"/>
-            </a:schemeClr>
-          </a:lnRef>
-          <a:fillRef idx="1">
-            <a:schemeClr val="accent1"/>
-          </a:fillRef>
-          <a:effectRef idx="0">
-            <a:schemeClr val="accent1"/>
-          </a:effectRef>
-          <a:fontRef idx="minor">
-            <a:schemeClr val="lt1"/>
-          </a:fontRef>
-        </p:style>
-        <p:txBody>
-          <a:bodyPr rtlCol="0" anchor="ctr"/>
-          <a:lstStyle/>
-          <a:p>
-            <a:pPr algn="ctr"/>
-            <a:endParaRPr lang="en-TW"/>
-          </a:p>
-        </p:txBody>
-      </p:sp>
-      <p:grpSp>
-        <p:nvGrpSpPr>
-          <p:cNvPr id="8" name="Group 7">
-            <a:extLst>
-              <a:ext uri="{FF2B5EF4-FFF2-40B4-BE49-F238E27FC236}">
-                <a16:creationId xmlns:a16="http://schemas.microsoft.com/office/drawing/2014/main" id="{2858C3C5-EBFF-30B6-B61B-9A16671B188E}"/>
-              </a:ext>
-            </a:extLst>
-          </p:cNvPr>
-          <p:cNvGrpSpPr/>
-          <p:nvPr/>
-        </p:nvGrpSpPr>
-        <p:grpSpPr>
-          <a:xfrm>
-            <a:off x="379419" y="352145"/>
-            <a:ext cx="1336505" cy="362347"/>
-            <a:chOff x="443753" y="181173"/>
-            <a:chExt cx="1336505" cy="362347"/>
-          </a:xfrm>
-        </p:grpSpPr>
-        <p:sp>
-          <p:nvSpPr>
-            <p:cNvPr id="4" name="Oval 3">
-              <a:extLst>
-                <a:ext uri="{FF2B5EF4-FFF2-40B4-BE49-F238E27FC236}">
-                  <a16:creationId xmlns:a16="http://schemas.microsoft.com/office/drawing/2014/main" id="{5B621C08-1836-737E-B335-36A6734E6810}"/>
-                </a:ext>
-              </a:extLst>
-            </p:cNvPr>
-            <p:cNvSpPr/>
-            <p:nvPr/>
-          </p:nvSpPr>
-          <p:spPr>
-            <a:xfrm>
-              <a:off x="443753" y="181173"/>
-              <a:ext cx="362347" cy="362347"/>
-            </a:xfrm>
-            <a:prstGeom prst="ellipse">
-              <a:avLst/>
-            </a:prstGeom>
-            <a:solidFill>
-              <a:srgbClr val="FF5F57"/>
-            </a:solidFill>
-            <a:ln>
-              <a:noFill/>
-            </a:ln>
-          </p:spPr>
-          <p:style>
-            <a:lnRef idx="2">
-              <a:schemeClr val="accent1">
-                <a:shade val="15000"/>
-              </a:schemeClr>
-            </a:lnRef>
-            <a:fillRef idx="1">
-              <a:schemeClr val="accent1"/>
-            </a:fillRef>
-            <a:effectRef idx="0">
-              <a:schemeClr val="accent1"/>
-            </a:effectRef>
-            <a:fontRef idx="minor">
-              <a:schemeClr val="lt1"/>
-            </a:fontRef>
-          </p:style>
-          <p:txBody>
-            <a:bodyPr rtlCol="0" anchor="ctr"/>
-            <a:lstStyle/>
-            <a:p>
-              <a:pPr algn="ctr"/>
-              <a:endParaRPr lang="en-TW"/>
-            </a:p>
-          </p:txBody>
-        </p:sp>
-        <p:sp>
-          <p:nvSpPr>
-            <p:cNvPr id="6" name="Oval 5">
-              <a:extLst>
-                <a:ext uri="{FF2B5EF4-FFF2-40B4-BE49-F238E27FC236}">
-                  <a16:creationId xmlns:a16="http://schemas.microsoft.com/office/drawing/2014/main" id="{0D3ADC91-3D1A-E467-4C00-58DC6F06BB50}"/>
-                </a:ext>
-              </a:extLst>
-            </p:cNvPr>
-            <p:cNvSpPr/>
-            <p:nvPr/>
-          </p:nvSpPr>
-          <p:spPr>
-            <a:xfrm>
-              <a:off x="930832" y="181173"/>
-              <a:ext cx="362347" cy="362347"/>
-            </a:xfrm>
-            <a:prstGeom prst="ellipse">
-              <a:avLst/>
-            </a:prstGeom>
-            <a:solidFill>
-              <a:srgbClr val="FEBD2E"/>
-            </a:solidFill>
-            <a:ln>
-              <a:noFill/>
-            </a:ln>
-          </p:spPr>
-          <p:style>
-            <a:lnRef idx="2">
-              <a:schemeClr val="accent1">
-                <a:shade val="15000"/>
-              </a:schemeClr>
-            </a:lnRef>
-            <a:fillRef idx="1">
-              <a:schemeClr val="accent1"/>
-            </a:fillRef>
-            <a:effectRef idx="0">
-              <a:schemeClr val="accent1"/>
-            </a:effectRef>
-            <a:fontRef idx="minor">
-              <a:schemeClr val="lt1"/>
-            </a:fontRef>
-          </p:style>
-          <p:txBody>
-            <a:bodyPr rtlCol="0" anchor="ctr"/>
-            <a:lstStyle/>
-            <a:p>
-              <a:pPr algn="ctr"/>
-              <a:endParaRPr lang="en-TW"/>
-            </a:p>
-          </p:txBody>
-        </p:sp>
-        <p:sp>
-          <p:nvSpPr>
-            <p:cNvPr id="7" name="Oval 6">
-              <a:extLst>
-                <a:ext uri="{FF2B5EF4-FFF2-40B4-BE49-F238E27FC236}">
-                  <a16:creationId xmlns:a16="http://schemas.microsoft.com/office/drawing/2014/main" id="{FE074333-2D3E-C79E-F0B8-D89DB6C4876C}"/>
-                </a:ext>
-              </a:extLst>
-            </p:cNvPr>
-            <p:cNvSpPr/>
-            <p:nvPr/>
-          </p:nvSpPr>
-          <p:spPr>
-            <a:xfrm>
-              <a:off x="1417911" y="181173"/>
-              <a:ext cx="362347" cy="362347"/>
-            </a:xfrm>
-            <a:prstGeom prst="ellipse">
-              <a:avLst/>
-            </a:prstGeom>
-            <a:solidFill>
-              <a:srgbClr val="27C841"/>
-            </a:solidFill>
-            <a:ln>
-              <a:noFill/>
-            </a:ln>
-          </p:spPr>
-          <p:style>
-            <a:lnRef idx="2">
-              <a:schemeClr val="accent1">
-                <a:shade val="15000"/>
-              </a:schemeClr>
-            </a:lnRef>
-            <a:fillRef idx="1">
-              <a:schemeClr val="accent1"/>
-            </a:fillRef>
-            <a:effectRef idx="0">
-              <a:schemeClr val="accent1"/>
-            </a:effectRef>
-            <a:fontRef idx="minor">
-              <a:schemeClr val="lt1"/>
-            </a:fontRef>
-          </p:style>
-          <p:txBody>
-            <a:bodyPr rtlCol="0" anchor="ctr"/>
-            <a:lstStyle/>
-            <a:p>
-              <a:pPr algn="ctr"/>
-              <a:endParaRPr lang="en-TW"/>
-            </a:p>
-          </p:txBody>
-        </p:sp>
-      </p:grpSp>
-    </p:spTree>
-    <p:extLst>
-      <p:ext uri="{BB962C8B-B14F-4D97-AF65-F5344CB8AC3E}">
-        <p14:creationId xmlns:p14="http://schemas.microsoft.com/office/powerpoint/2010/main" val="3439293497"/>
-      </p:ext>
-    </p:extLst>
-  </p:cSld>
-  <p:clrMapOvr>
-    <a:masterClrMapping/>
-  </p:clrMapOvr>
-</p:sld>
-</file>
-
 <file path=ppt/theme/theme1.xml><?xml version="1.0" encoding="utf-8"?>
 <a:theme xmlns:a="http://schemas.openxmlformats.org/drawingml/2006/main" name="Office Theme">
   <a:themeElements>
